--- a/source/images/source/RSD_workshop_intro.pptx
+++ b/source/images/source/RSD_workshop_intro.pptx
@@ -9,11 +9,12 @@
     <p:sldId id="258" r:id="rId3"/>
     <p:sldId id="257" r:id="rId4"/>
     <p:sldId id="264" r:id="rId5"/>
-    <p:sldId id="260" r:id="rId6"/>
-    <p:sldId id="259" r:id="rId7"/>
-    <p:sldId id="263" r:id="rId8"/>
-    <p:sldId id="262" r:id="rId9"/>
-    <p:sldId id="265" r:id="rId10"/>
+    <p:sldId id="266" r:id="rId6"/>
+    <p:sldId id="260" r:id="rId7"/>
+    <p:sldId id="259" r:id="rId8"/>
+    <p:sldId id="263" r:id="rId9"/>
+    <p:sldId id="262" r:id="rId10"/>
+    <p:sldId id="265" r:id="rId11"/>
   </p:sldIdLst>
   <p:sldSz cx="12192000" cy="6858000"/>
   <p:notesSz cx="6858000" cy="9144000"/>
@@ -267,7 +268,7 @@
           <a:p>
             <a:fld id="{57387CC8-08C5-7742-9EBA-6299A8367D78}" type="datetimeFigureOut">
               <a:rPr lang="en-US" smtClean="0"/>
-              <a:t>12/3/21</a:t>
+              <a:t>7/24/22</a:t>
             </a:fld>
             <a:endParaRPr lang="en-US"/>
           </a:p>
@@ -465,7 +466,7 @@
           <a:p>
             <a:fld id="{57387CC8-08C5-7742-9EBA-6299A8367D78}" type="datetimeFigureOut">
               <a:rPr lang="en-US" smtClean="0"/>
-              <a:t>12/3/21</a:t>
+              <a:t>7/24/22</a:t>
             </a:fld>
             <a:endParaRPr lang="en-US"/>
           </a:p>
@@ -673,7 +674,7 @@
           <a:p>
             <a:fld id="{57387CC8-08C5-7742-9EBA-6299A8367D78}" type="datetimeFigureOut">
               <a:rPr lang="en-US" smtClean="0"/>
-              <a:t>12/3/21</a:t>
+              <a:t>7/24/22</a:t>
             </a:fld>
             <a:endParaRPr lang="en-US"/>
           </a:p>
@@ -871,7 +872,7 @@
           <a:p>
             <a:fld id="{57387CC8-08C5-7742-9EBA-6299A8367D78}" type="datetimeFigureOut">
               <a:rPr lang="en-US" smtClean="0"/>
-              <a:t>12/3/21</a:t>
+              <a:t>7/24/22</a:t>
             </a:fld>
             <a:endParaRPr lang="en-US"/>
           </a:p>
@@ -1146,7 +1147,7 @@
           <a:p>
             <a:fld id="{57387CC8-08C5-7742-9EBA-6299A8367D78}" type="datetimeFigureOut">
               <a:rPr lang="en-US" smtClean="0"/>
-              <a:t>12/3/21</a:t>
+              <a:t>7/24/22</a:t>
             </a:fld>
             <a:endParaRPr lang="en-US"/>
           </a:p>
@@ -1411,7 +1412,7 @@
           <a:p>
             <a:fld id="{57387CC8-08C5-7742-9EBA-6299A8367D78}" type="datetimeFigureOut">
               <a:rPr lang="en-US" smtClean="0"/>
-              <a:t>12/3/21</a:t>
+              <a:t>7/24/22</a:t>
             </a:fld>
             <a:endParaRPr lang="en-US"/>
           </a:p>
@@ -1823,7 +1824,7 @@
           <a:p>
             <a:fld id="{57387CC8-08C5-7742-9EBA-6299A8367D78}" type="datetimeFigureOut">
               <a:rPr lang="en-US" smtClean="0"/>
-              <a:t>12/3/21</a:t>
+              <a:t>7/24/22</a:t>
             </a:fld>
             <a:endParaRPr lang="en-US"/>
           </a:p>
@@ -1964,7 +1965,7 @@
           <a:p>
             <a:fld id="{57387CC8-08C5-7742-9EBA-6299A8367D78}" type="datetimeFigureOut">
               <a:rPr lang="en-US" smtClean="0"/>
-              <a:t>12/3/21</a:t>
+              <a:t>7/24/22</a:t>
             </a:fld>
             <a:endParaRPr lang="en-US"/>
           </a:p>
@@ -2077,7 +2078,7 @@
           <a:p>
             <a:fld id="{57387CC8-08C5-7742-9EBA-6299A8367D78}" type="datetimeFigureOut">
               <a:rPr lang="en-US" smtClean="0"/>
-              <a:t>12/3/21</a:t>
+              <a:t>7/24/22</a:t>
             </a:fld>
             <a:endParaRPr lang="en-US"/>
           </a:p>
@@ -2388,7 +2389,7 @@
           <a:p>
             <a:fld id="{57387CC8-08C5-7742-9EBA-6299A8367D78}" type="datetimeFigureOut">
               <a:rPr lang="en-US" smtClean="0"/>
-              <a:t>12/3/21</a:t>
+              <a:t>7/24/22</a:t>
             </a:fld>
             <a:endParaRPr lang="en-US"/>
           </a:p>
@@ -2676,7 +2677,7 @@
           <a:p>
             <a:fld id="{57387CC8-08C5-7742-9EBA-6299A8367D78}" type="datetimeFigureOut">
               <a:rPr lang="en-US" smtClean="0"/>
-              <a:t>12/3/21</a:t>
+              <a:t>7/24/22</a:t>
             </a:fld>
             <a:endParaRPr lang="en-US"/>
           </a:p>
@@ -2917,7 +2918,7 @@
           <a:p>
             <a:fld id="{57387CC8-08C5-7742-9EBA-6299A8367D78}" type="datetimeFigureOut">
               <a:rPr lang="en-US" smtClean="0"/>
-              <a:t>12/3/21</a:t>
+              <a:t>7/24/22</a:t>
             </a:fld>
             <a:endParaRPr lang="en-US"/>
           </a:p>
@@ -3545,6 +3546,2567 @@
 </p:sld>
 </file>
 
+<file path=ppt/slides/slide10.xml><?xml version="1.0" encoding="utf-8"?>
+<p:sld xmlns:a="http://schemas.openxmlformats.org/drawingml/2006/main" xmlns:r="http://schemas.openxmlformats.org/officeDocument/2006/relationships" xmlns:p="http://schemas.openxmlformats.org/presentationml/2006/main">
+  <p:cSld>
+    <p:spTree>
+      <p:nvGrpSpPr>
+        <p:cNvPr id="1" name=""/>
+        <p:cNvGrpSpPr/>
+        <p:nvPr/>
+      </p:nvGrpSpPr>
+      <p:grpSpPr>
+        <a:xfrm>
+          <a:off x="0" y="0"/>
+          <a:ext cx="0" cy="0"/>
+          <a:chOff x="0" y="0"/>
+          <a:chExt cx="0" cy="0"/>
+        </a:xfrm>
+      </p:grpSpPr>
+      <p:grpSp>
+        <p:nvGrpSpPr>
+          <p:cNvPr id="11" name="Group 10">
+            <a:extLst>
+              <a:ext uri="{FF2B5EF4-FFF2-40B4-BE49-F238E27FC236}">
+                <a16:creationId xmlns:a16="http://schemas.microsoft.com/office/drawing/2014/main" id="{FFC5B734-CF31-1D3F-8903-E7E2A717E2B6}"/>
+              </a:ext>
+            </a:extLst>
+          </p:cNvPr>
+          <p:cNvGrpSpPr/>
+          <p:nvPr/>
+        </p:nvGrpSpPr>
+        <p:grpSpPr>
+          <a:xfrm>
+            <a:off x="1927510" y="834837"/>
+            <a:ext cx="9369929" cy="4526088"/>
+            <a:chOff x="1927510" y="834837"/>
+            <a:chExt cx="9369929" cy="4526088"/>
+          </a:xfrm>
+        </p:grpSpPr>
+        <p:grpSp>
+          <p:nvGrpSpPr>
+            <p:cNvPr id="7" name="Group 6">
+              <a:extLst>
+                <a:ext uri="{FF2B5EF4-FFF2-40B4-BE49-F238E27FC236}">
+                  <a16:creationId xmlns:a16="http://schemas.microsoft.com/office/drawing/2014/main" id="{D021A4D9-8035-72E9-9284-AF285873F7FD}"/>
+                </a:ext>
+              </a:extLst>
+            </p:cNvPr>
+            <p:cNvGrpSpPr/>
+            <p:nvPr/>
+          </p:nvGrpSpPr>
+          <p:grpSpPr>
+            <a:xfrm>
+              <a:off x="1927510" y="834837"/>
+              <a:ext cx="3858855" cy="4526087"/>
+              <a:chOff x="-77136" y="695908"/>
+              <a:chExt cx="3858855" cy="4526087"/>
+            </a:xfrm>
+          </p:grpSpPr>
+          <p:pic>
+            <p:nvPicPr>
+              <p:cNvPr id="16" name="Picture 15">
+                <a:extLst>
+                  <a:ext uri="{FF2B5EF4-FFF2-40B4-BE49-F238E27FC236}">
+                    <a16:creationId xmlns:a16="http://schemas.microsoft.com/office/drawing/2014/main" id="{D31AB405-CF6A-5B20-9643-D0157949988C}"/>
+                  </a:ext>
+                </a:extLst>
+              </p:cNvPr>
+              <p:cNvPicPr>
+                <a:picLocks noChangeAspect="1"/>
+              </p:cNvPicPr>
+              <p:nvPr/>
+            </p:nvPicPr>
+            <p:blipFill rotWithShape="1">
+              <a:blip r:embed="rId2">
+                <a:extLst>
+                  <a:ext uri="{28A0092B-C50C-407E-A947-70E740481C1C}">
+                    <a14:useLocalDpi xmlns:a14="http://schemas.microsoft.com/office/drawing/2010/main"/>
+                  </a:ext>
+                </a:extLst>
+              </a:blip>
+              <a:srcRect/>
+              <a:stretch/>
+            </p:blipFill>
+            <p:spPr>
+              <a:xfrm>
+                <a:off x="-77136" y="1001802"/>
+                <a:ext cx="3833888" cy="4220193"/>
+              </a:xfrm>
+              <a:prstGeom prst="rect">
+                <a:avLst/>
+              </a:prstGeom>
+              <a:ln>
+                <a:noFill/>
+              </a:ln>
+              <a:effectLst/>
+            </p:spPr>
+          </p:pic>
+          <p:pic>
+            <p:nvPicPr>
+              <p:cNvPr id="19" name="Picture 18">
+                <a:extLst>
+                  <a:ext uri="{FF2B5EF4-FFF2-40B4-BE49-F238E27FC236}">
+                    <a16:creationId xmlns:a16="http://schemas.microsoft.com/office/drawing/2014/main" id="{1E788166-1290-602F-B192-748CFF86999F}"/>
+                  </a:ext>
+                </a:extLst>
+              </p:cNvPr>
+              <p:cNvPicPr>
+                <a:picLocks noChangeAspect="1"/>
+              </p:cNvPicPr>
+              <p:nvPr/>
+            </p:nvPicPr>
+            <p:blipFill rotWithShape="1">
+              <a:blip r:embed="rId3">
+                <a:extLst>
+                  <a:ext uri="{28A0092B-C50C-407E-A947-70E740481C1C}">
+                    <a14:useLocalDpi xmlns:a14="http://schemas.microsoft.com/office/drawing/2010/main"/>
+                  </a:ext>
+                </a:extLst>
+              </a:blip>
+              <a:srcRect/>
+              <a:stretch/>
+            </p:blipFill>
+            <p:spPr>
+              <a:xfrm>
+                <a:off x="-77136" y="695908"/>
+                <a:ext cx="3833888" cy="321590"/>
+              </a:xfrm>
+              <a:prstGeom prst="rect">
+                <a:avLst/>
+              </a:prstGeom>
+              <a:ln>
+                <a:noFill/>
+              </a:ln>
+              <a:effectLst/>
+            </p:spPr>
+          </p:pic>
+          <p:sp>
+            <p:nvSpPr>
+              <p:cNvPr id="20" name="Rectangle 19">
+                <a:extLst>
+                  <a:ext uri="{FF2B5EF4-FFF2-40B4-BE49-F238E27FC236}">
+                    <a16:creationId xmlns:a16="http://schemas.microsoft.com/office/drawing/2014/main" id="{84AF64B0-6FE5-0175-9F8D-BA003BBF2B1F}"/>
+                  </a:ext>
+                </a:extLst>
+              </p:cNvPr>
+              <p:cNvSpPr/>
+              <p:nvPr/>
+            </p:nvSpPr>
+            <p:spPr>
+              <a:xfrm>
+                <a:off x="-27201" y="695908"/>
+                <a:ext cx="3783954" cy="4526087"/>
+              </a:xfrm>
+              <a:prstGeom prst="rect">
+                <a:avLst/>
+              </a:prstGeom>
+              <a:noFill/>
+              <a:ln w="28575"/>
+            </p:spPr>
+            <p:style>
+              <a:lnRef idx="2">
+                <a:schemeClr val="accent1">
+                  <a:shade val="50000"/>
+                </a:schemeClr>
+              </a:lnRef>
+              <a:fillRef idx="1">
+                <a:schemeClr val="accent1"/>
+              </a:fillRef>
+              <a:effectRef idx="0">
+                <a:schemeClr val="accent1"/>
+              </a:effectRef>
+              <a:fontRef idx="minor">
+                <a:schemeClr val="lt1"/>
+              </a:fontRef>
+            </p:style>
+            <p:txBody>
+              <a:bodyPr rtlCol="0" anchor="ctr"/>
+              <a:lstStyle/>
+              <a:p>
+                <a:pPr algn="ctr"/>
+                <a:endParaRPr lang="en-US"/>
+              </a:p>
+            </p:txBody>
+          </p:sp>
+          <p:pic>
+            <p:nvPicPr>
+              <p:cNvPr id="6" name="Picture 5">
+                <a:extLst>
+                  <a:ext uri="{FF2B5EF4-FFF2-40B4-BE49-F238E27FC236}">
+                    <a16:creationId xmlns:a16="http://schemas.microsoft.com/office/drawing/2014/main" id="{099D63B0-059B-7D42-8096-F8AD4DFF6E93}"/>
+                  </a:ext>
+                </a:extLst>
+              </p:cNvPr>
+              <p:cNvPicPr>
+                <a:picLocks noChangeAspect="1"/>
+              </p:cNvPicPr>
+              <p:nvPr/>
+            </p:nvPicPr>
+            <p:blipFill rotWithShape="1">
+              <a:blip r:embed="rId4" cstate="screen">
+                <a:extLst>
+                  <a:ext uri="{28A0092B-C50C-407E-A947-70E740481C1C}">
+                    <a14:useLocalDpi xmlns:a14="http://schemas.microsoft.com/office/drawing/2010/main"/>
+                  </a:ext>
+                </a:extLst>
+              </a:blip>
+              <a:srcRect/>
+              <a:stretch/>
+            </p:blipFill>
+            <p:spPr>
+              <a:xfrm>
+                <a:off x="3088066" y="717637"/>
+                <a:ext cx="644882" cy="4474030"/>
+              </a:xfrm>
+              <a:prstGeom prst="rect">
+                <a:avLst/>
+              </a:prstGeom>
+              <a:ln w="28575">
+                <a:noFill/>
+              </a:ln>
+            </p:spPr>
+          </p:pic>
+          <p:cxnSp>
+            <p:nvCxnSpPr>
+              <p:cNvPr id="21" name="Straight Connector 20">
+                <a:extLst>
+                  <a:ext uri="{FF2B5EF4-FFF2-40B4-BE49-F238E27FC236}">
+                    <a16:creationId xmlns:a16="http://schemas.microsoft.com/office/drawing/2014/main" id="{6DA75420-75C1-9D44-A97B-73D00CEA76E8}"/>
+                  </a:ext>
+                </a:extLst>
+              </p:cNvPr>
+              <p:cNvCxnSpPr/>
+              <p:nvPr/>
+            </p:nvCxnSpPr>
+            <p:spPr>
+              <a:xfrm>
+                <a:off x="56454" y="3273846"/>
+                <a:ext cx="3631372" cy="0"/>
+              </a:xfrm>
+              <a:prstGeom prst="line">
+                <a:avLst/>
+              </a:prstGeom>
+              <a:ln w="19050">
+                <a:solidFill>
+                  <a:srgbClr val="C00000"/>
+                </a:solidFill>
+              </a:ln>
+            </p:spPr>
+            <p:style>
+              <a:lnRef idx="1">
+                <a:schemeClr val="accent1"/>
+              </a:lnRef>
+              <a:fillRef idx="0">
+                <a:schemeClr val="accent1"/>
+              </a:fillRef>
+              <a:effectRef idx="0">
+                <a:schemeClr val="accent1"/>
+              </a:effectRef>
+              <a:fontRef idx="minor">
+                <a:schemeClr val="tx1"/>
+              </a:fontRef>
+            </p:style>
+          </p:cxnSp>
+          <p:sp>
+            <p:nvSpPr>
+              <p:cNvPr id="18" name="Graphic 9" descr="Cursor outline">
+                <a:extLst>
+                  <a:ext uri="{FF2B5EF4-FFF2-40B4-BE49-F238E27FC236}">
+                    <a16:creationId xmlns:a16="http://schemas.microsoft.com/office/drawing/2014/main" id="{B7E34146-C917-7443-A1FA-1B974D47CEEB}"/>
+                  </a:ext>
+                </a:extLst>
+              </p:cNvPr>
+              <p:cNvSpPr/>
+              <p:nvPr/>
+            </p:nvSpPr>
+            <p:spPr>
+              <a:xfrm>
+                <a:off x="3540075" y="1140732"/>
+                <a:ext cx="241644" cy="241871"/>
+              </a:xfrm>
+              <a:custGeom>
+                <a:avLst/>
+                <a:gdLst>
+                  <a:gd name="connsiteX0" fmla="*/ 9367 w 241644"/>
+                  <a:gd name="connsiteY0" fmla="*/ 9348 h 241871"/>
+                  <a:gd name="connsiteX1" fmla="*/ 225418 w 241644"/>
+                  <a:gd name="connsiteY1" fmla="*/ 81393 h 241871"/>
+                  <a:gd name="connsiteX2" fmla="*/ 225446 w 241644"/>
+                  <a:gd name="connsiteY2" fmla="*/ 81447 h 241871"/>
+                  <a:gd name="connsiteX3" fmla="*/ 225418 w 241644"/>
+                  <a:gd name="connsiteY3" fmla="*/ 81475 h 241871"/>
+                  <a:gd name="connsiteX4" fmla="*/ 151491 w 241644"/>
+                  <a:gd name="connsiteY4" fmla="*/ 108103 h 241871"/>
+                  <a:gd name="connsiteX5" fmla="*/ 138689 w 241644"/>
+                  <a:gd name="connsiteY5" fmla="*/ 112697 h 241871"/>
+                  <a:gd name="connsiteX6" fmla="*/ 148313 w 241644"/>
+                  <a:gd name="connsiteY6" fmla="*/ 122318 h 241871"/>
+                  <a:gd name="connsiteX7" fmla="*/ 229429 w 241644"/>
+                  <a:gd name="connsiteY7" fmla="*/ 203430 h 241871"/>
+                  <a:gd name="connsiteX8" fmla="*/ 203172 w 241644"/>
+                  <a:gd name="connsiteY8" fmla="*/ 229661 h 241871"/>
+                  <a:gd name="connsiteX9" fmla="*/ 122138 w 241644"/>
+                  <a:gd name="connsiteY9" fmla="*/ 148605 h 241871"/>
+                  <a:gd name="connsiteX10" fmla="*/ 112539 w 241644"/>
+                  <a:gd name="connsiteY10" fmla="*/ 138985 h 241871"/>
+                  <a:gd name="connsiteX11" fmla="*/ 107928 w 241644"/>
+                  <a:gd name="connsiteY11" fmla="*/ 151783 h 241871"/>
+                  <a:gd name="connsiteX12" fmla="*/ 81269 w 241644"/>
+                  <a:gd name="connsiteY12" fmla="*/ 225740 h 241871"/>
+                  <a:gd name="connsiteX13" fmla="*/ 81215 w 241644"/>
+                  <a:gd name="connsiteY13" fmla="*/ 225768 h 241871"/>
+                  <a:gd name="connsiteX14" fmla="*/ 81187 w 241644"/>
+                  <a:gd name="connsiteY14" fmla="*/ 225740 h 241871"/>
+                  <a:gd name="connsiteX15" fmla="*/ 9316 w 241644"/>
+                  <a:gd name="connsiteY15" fmla="*/ 9413 h 241871"/>
+                  <a:gd name="connsiteX16" fmla="*/ 9309 w 241644"/>
+                  <a:gd name="connsiteY16" fmla="*/ 9355 h 241871"/>
+                  <a:gd name="connsiteX17" fmla="*/ 9367 w 241644"/>
+                  <a:gd name="connsiteY17" fmla="*/ 9348 h 241871"/>
+                  <a:gd name="connsiteX18" fmla="*/ 7381 w 241644"/>
+                  <a:gd name="connsiteY18" fmla="*/ 0 h 241871"/>
+                  <a:gd name="connsiteX19" fmla="*/ 7342 w 241644"/>
+                  <a:gd name="connsiteY19" fmla="*/ 0 h 241871"/>
+                  <a:gd name="connsiteX20" fmla="*/ 2 w 241644"/>
+                  <a:gd name="connsiteY20" fmla="*/ 7673 h 241871"/>
+                  <a:gd name="connsiteX21" fmla="*/ 399 w 241644"/>
+                  <a:gd name="connsiteY21" fmla="*/ 9936 h 241871"/>
+                  <a:gd name="connsiteX22" fmla="*/ 74058 w 241644"/>
+                  <a:gd name="connsiteY22" fmla="*/ 231677 h 241871"/>
+                  <a:gd name="connsiteX23" fmla="*/ 83701 w 241644"/>
+                  <a:gd name="connsiteY23" fmla="*/ 236284 h 241871"/>
+                  <a:gd name="connsiteX24" fmla="*/ 88307 w 241644"/>
+                  <a:gd name="connsiteY24" fmla="*/ 231677 h 241871"/>
+                  <a:gd name="connsiteX25" fmla="*/ 116033 w 241644"/>
+                  <a:gd name="connsiteY25" fmla="*/ 154711 h 241871"/>
+                  <a:gd name="connsiteX26" fmla="*/ 203172 w 241644"/>
+                  <a:gd name="connsiteY26" fmla="*/ 241872 h 241871"/>
+                  <a:gd name="connsiteX27" fmla="*/ 241645 w 241644"/>
+                  <a:gd name="connsiteY27" fmla="*/ 203442 h 241871"/>
+                  <a:gd name="connsiteX28" fmla="*/ 154423 w 241644"/>
+                  <a:gd name="connsiteY28" fmla="*/ 116221 h 241871"/>
+                  <a:gd name="connsiteX29" fmla="*/ 231282 w 241644"/>
+                  <a:gd name="connsiteY29" fmla="*/ 88539 h 241871"/>
+                  <a:gd name="connsiteX30" fmla="*/ 235967 w 241644"/>
+                  <a:gd name="connsiteY30" fmla="*/ 78927 h 241871"/>
+                  <a:gd name="connsiteX31" fmla="*/ 231282 w 241644"/>
+                  <a:gd name="connsiteY31" fmla="*/ 74242 h 241871"/>
+                  <a:gd name="connsiteX32" fmla="*/ 9803 w 241644"/>
+                  <a:gd name="connsiteY32" fmla="*/ 389 h 241871"/>
+                  <a:gd name="connsiteX33" fmla="*/ 7381 w 241644"/>
+                  <a:gd name="connsiteY33" fmla="*/ 0 h 241871"/>
+                  <a:gd name="connsiteX0" fmla="*/ 9367 w 241645"/>
+                  <a:gd name="connsiteY0" fmla="*/ 9348 h 241872"/>
+                  <a:gd name="connsiteX1" fmla="*/ 225418 w 241645"/>
+                  <a:gd name="connsiteY1" fmla="*/ 81393 h 241872"/>
+                  <a:gd name="connsiteX2" fmla="*/ 225446 w 241645"/>
+                  <a:gd name="connsiteY2" fmla="*/ 81447 h 241872"/>
+                  <a:gd name="connsiteX3" fmla="*/ 225418 w 241645"/>
+                  <a:gd name="connsiteY3" fmla="*/ 81475 h 241872"/>
+                  <a:gd name="connsiteX4" fmla="*/ 151491 w 241645"/>
+                  <a:gd name="connsiteY4" fmla="*/ 108103 h 241872"/>
+                  <a:gd name="connsiteX5" fmla="*/ 138689 w 241645"/>
+                  <a:gd name="connsiteY5" fmla="*/ 112697 h 241872"/>
+                  <a:gd name="connsiteX6" fmla="*/ 148313 w 241645"/>
+                  <a:gd name="connsiteY6" fmla="*/ 122318 h 241872"/>
+                  <a:gd name="connsiteX7" fmla="*/ 229429 w 241645"/>
+                  <a:gd name="connsiteY7" fmla="*/ 203430 h 241872"/>
+                  <a:gd name="connsiteX8" fmla="*/ 203172 w 241645"/>
+                  <a:gd name="connsiteY8" fmla="*/ 229661 h 241872"/>
+                  <a:gd name="connsiteX9" fmla="*/ 122138 w 241645"/>
+                  <a:gd name="connsiteY9" fmla="*/ 148605 h 241872"/>
+                  <a:gd name="connsiteX10" fmla="*/ 107928 w 241645"/>
+                  <a:gd name="connsiteY10" fmla="*/ 151783 h 241872"/>
+                  <a:gd name="connsiteX11" fmla="*/ 81269 w 241645"/>
+                  <a:gd name="connsiteY11" fmla="*/ 225740 h 241872"/>
+                  <a:gd name="connsiteX12" fmla="*/ 81215 w 241645"/>
+                  <a:gd name="connsiteY12" fmla="*/ 225768 h 241872"/>
+                  <a:gd name="connsiteX13" fmla="*/ 81187 w 241645"/>
+                  <a:gd name="connsiteY13" fmla="*/ 225740 h 241872"/>
+                  <a:gd name="connsiteX14" fmla="*/ 9316 w 241645"/>
+                  <a:gd name="connsiteY14" fmla="*/ 9413 h 241872"/>
+                  <a:gd name="connsiteX15" fmla="*/ 9309 w 241645"/>
+                  <a:gd name="connsiteY15" fmla="*/ 9355 h 241872"/>
+                  <a:gd name="connsiteX16" fmla="*/ 9367 w 241645"/>
+                  <a:gd name="connsiteY16" fmla="*/ 9348 h 241872"/>
+                  <a:gd name="connsiteX17" fmla="*/ 7381 w 241645"/>
+                  <a:gd name="connsiteY17" fmla="*/ 0 h 241872"/>
+                  <a:gd name="connsiteX18" fmla="*/ 7342 w 241645"/>
+                  <a:gd name="connsiteY18" fmla="*/ 0 h 241872"/>
+                  <a:gd name="connsiteX19" fmla="*/ 2 w 241645"/>
+                  <a:gd name="connsiteY19" fmla="*/ 7673 h 241872"/>
+                  <a:gd name="connsiteX20" fmla="*/ 399 w 241645"/>
+                  <a:gd name="connsiteY20" fmla="*/ 9936 h 241872"/>
+                  <a:gd name="connsiteX21" fmla="*/ 74058 w 241645"/>
+                  <a:gd name="connsiteY21" fmla="*/ 231677 h 241872"/>
+                  <a:gd name="connsiteX22" fmla="*/ 83701 w 241645"/>
+                  <a:gd name="connsiteY22" fmla="*/ 236284 h 241872"/>
+                  <a:gd name="connsiteX23" fmla="*/ 88307 w 241645"/>
+                  <a:gd name="connsiteY23" fmla="*/ 231677 h 241872"/>
+                  <a:gd name="connsiteX24" fmla="*/ 116033 w 241645"/>
+                  <a:gd name="connsiteY24" fmla="*/ 154711 h 241872"/>
+                  <a:gd name="connsiteX25" fmla="*/ 203172 w 241645"/>
+                  <a:gd name="connsiteY25" fmla="*/ 241872 h 241872"/>
+                  <a:gd name="connsiteX26" fmla="*/ 241645 w 241645"/>
+                  <a:gd name="connsiteY26" fmla="*/ 203442 h 241872"/>
+                  <a:gd name="connsiteX27" fmla="*/ 154423 w 241645"/>
+                  <a:gd name="connsiteY27" fmla="*/ 116221 h 241872"/>
+                  <a:gd name="connsiteX28" fmla="*/ 231282 w 241645"/>
+                  <a:gd name="connsiteY28" fmla="*/ 88539 h 241872"/>
+                  <a:gd name="connsiteX29" fmla="*/ 235967 w 241645"/>
+                  <a:gd name="connsiteY29" fmla="*/ 78927 h 241872"/>
+                  <a:gd name="connsiteX30" fmla="*/ 231282 w 241645"/>
+                  <a:gd name="connsiteY30" fmla="*/ 74242 h 241872"/>
+                  <a:gd name="connsiteX31" fmla="*/ 9803 w 241645"/>
+                  <a:gd name="connsiteY31" fmla="*/ 389 h 241872"/>
+                  <a:gd name="connsiteX32" fmla="*/ 7381 w 241645"/>
+                  <a:gd name="connsiteY32" fmla="*/ 0 h 241872"/>
+                  <a:gd name="connsiteX0" fmla="*/ 9309 w 241645"/>
+                  <a:gd name="connsiteY0" fmla="*/ 9355 h 241872"/>
+                  <a:gd name="connsiteX1" fmla="*/ 225418 w 241645"/>
+                  <a:gd name="connsiteY1" fmla="*/ 81393 h 241872"/>
+                  <a:gd name="connsiteX2" fmla="*/ 225446 w 241645"/>
+                  <a:gd name="connsiteY2" fmla="*/ 81447 h 241872"/>
+                  <a:gd name="connsiteX3" fmla="*/ 225418 w 241645"/>
+                  <a:gd name="connsiteY3" fmla="*/ 81475 h 241872"/>
+                  <a:gd name="connsiteX4" fmla="*/ 151491 w 241645"/>
+                  <a:gd name="connsiteY4" fmla="*/ 108103 h 241872"/>
+                  <a:gd name="connsiteX5" fmla="*/ 138689 w 241645"/>
+                  <a:gd name="connsiteY5" fmla="*/ 112697 h 241872"/>
+                  <a:gd name="connsiteX6" fmla="*/ 148313 w 241645"/>
+                  <a:gd name="connsiteY6" fmla="*/ 122318 h 241872"/>
+                  <a:gd name="connsiteX7" fmla="*/ 229429 w 241645"/>
+                  <a:gd name="connsiteY7" fmla="*/ 203430 h 241872"/>
+                  <a:gd name="connsiteX8" fmla="*/ 203172 w 241645"/>
+                  <a:gd name="connsiteY8" fmla="*/ 229661 h 241872"/>
+                  <a:gd name="connsiteX9" fmla="*/ 122138 w 241645"/>
+                  <a:gd name="connsiteY9" fmla="*/ 148605 h 241872"/>
+                  <a:gd name="connsiteX10" fmla="*/ 107928 w 241645"/>
+                  <a:gd name="connsiteY10" fmla="*/ 151783 h 241872"/>
+                  <a:gd name="connsiteX11" fmla="*/ 81269 w 241645"/>
+                  <a:gd name="connsiteY11" fmla="*/ 225740 h 241872"/>
+                  <a:gd name="connsiteX12" fmla="*/ 81215 w 241645"/>
+                  <a:gd name="connsiteY12" fmla="*/ 225768 h 241872"/>
+                  <a:gd name="connsiteX13" fmla="*/ 81187 w 241645"/>
+                  <a:gd name="connsiteY13" fmla="*/ 225740 h 241872"/>
+                  <a:gd name="connsiteX14" fmla="*/ 9316 w 241645"/>
+                  <a:gd name="connsiteY14" fmla="*/ 9413 h 241872"/>
+                  <a:gd name="connsiteX15" fmla="*/ 9309 w 241645"/>
+                  <a:gd name="connsiteY15" fmla="*/ 9355 h 241872"/>
+                  <a:gd name="connsiteX16" fmla="*/ 7381 w 241645"/>
+                  <a:gd name="connsiteY16" fmla="*/ 0 h 241872"/>
+                  <a:gd name="connsiteX17" fmla="*/ 7342 w 241645"/>
+                  <a:gd name="connsiteY17" fmla="*/ 0 h 241872"/>
+                  <a:gd name="connsiteX18" fmla="*/ 2 w 241645"/>
+                  <a:gd name="connsiteY18" fmla="*/ 7673 h 241872"/>
+                  <a:gd name="connsiteX19" fmla="*/ 399 w 241645"/>
+                  <a:gd name="connsiteY19" fmla="*/ 9936 h 241872"/>
+                  <a:gd name="connsiteX20" fmla="*/ 74058 w 241645"/>
+                  <a:gd name="connsiteY20" fmla="*/ 231677 h 241872"/>
+                  <a:gd name="connsiteX21" fmla="*/ 83701 w 241645"/>
+                  <a:gd name="connsiteY21" fmla="*/ 236284 h 241872"/>
+                  <a:gd name="connsiteX22" fmla="*/ 88307 w 241645"/>
+                  <a:gd name="connsiteY22" fmla="*/ 231677 h 241872"/>
+                  <a:gd name="connsiteX23" fmla="*/ 116033 w 241645"/>
+                  <a:gd name="connsiteY23" fmla="*/ 154711 h 241872"/>
+                  <a:gd name="connsiteX24" fmla="*/ 203172 w 241645"/>
+                  <a:gd name="connsiteY24" fmla="*/ 241872 h 241872"/>
+                  <a:gd name="connsiteX25" fmla="*/ 241645 w 241645"/>
+                  <a:gd name="connsiteY25" fmla="*/ 203442 h 241872"/>
+                  <a:gd name="connsiteX26" fmla="*/ 154423 w 241645"/>
+                  <a:gd name="connsiteY26" fmla="*/ 116221 h 241872"/>
+                  <a:gd name="connsiteX27" fmla="*/ 231282 w 241645"/>
+                  <a:gd name="connsiteY27" fmla="*/ 88539 h 241872"/>
+                  <a:gd name="connsiteX28" fmla="*/ 235967 w 241645"/>
+                  <a:gd name="connsiteY28" fmla="*/ 78927 h 241872"/>
+                  <a:gd name="connsiteX29" fmla="*/ 231282 w 241645"/>
+                  <a:gd name="connsiteY29" fmla="*/ 74242 h 241872"/>
+                  <a:gd name="connsiteX30" fmla="*/ 9803 w 241645"/>
+                  <a:gd name="connsiteY30" fmla="*/ 389 h 241872"/>
+                  <a:gd name="connsiteX31" fmla="*/ 7381 w 241645"/>
+                  <a:gd name="connsiteY31" fmla="*/ 0 h 241872"/>
+                  <a:gd name="connsiteX0" fmla="*/ 9316 w 241645"/>
+                  <a:gd name="connsiteY0" fmla="*/ 9413 h 241872"/>
+                  <a:gd name="connsiteX1" fmla="*/ 225418 w 241645"/>
+                  <a:gd name="connsiteY1" fmla="*/ 81393 h 241872"/>
+                  <a:gd name="connsiteX2" fmla="*/ 225446 w 241645"/>
+                  <a:gd name="connsiteY2" fmla="*/ 81447 h 241872"/>
+                  <a:gd name="connsiteX3" fmla="*/ 225418 w 241645"/>
+                  <a:gd name="connsiteY3" fmla="*/ 81475 h 241872"/>
+                  <a:gd name="connsiteX4" fmla="*/ 151491 w 241645"/>
+                  <a:gd name="connsiteY4" fmla="*/ 108103 h 241872"/>
+                  <a:gd name="connsiteX5" fmla="*/ 138689 w 241645"/>
+                  <a:gd name="connsiteY5" fmla="*/ 112697 h 241872"/>
+                  <a:gd name="connsiteX6" fmla="*/ 148313 w 241645"/>
+                  <a:gd name="connsiteY6" fmla="*/ 122318 h 241872"/>
+                  <a:gd name="connsiteX7" fmla="*/ 229429 w 241645"/>
+                  <a:gd name="connsiteY7" fmla="*/ 203430 h 241872"/>
+                  <a:gd name="connsiteX8" fmla="*/ 203172 w 241645"/>
+                  <a:gd name="connsiteY8" fmla="*/ 229661 h 241872"/>
+                  <a:gd name="connsiteX9" fmla="*/ 122138 w 241645"/>
+                  <a:gd name="connsiteY9" fmla="*/ 148605 h 241872"/>
+                  <a:gd name="connsiteX10" fmla="*/ 107928 w 241645"/>
+                  <a:gd name="connsiteY10" fmla="*/ 151783 h 241872"/>
+                  <a:gd name="connsiteX11" fmla="*/ 81269 w 241645"/>
+                  <a:gd name="connsiteY11" fmla="*/ 225740 h 241872"/>
+                  <a:gd name="connsiteX12" fmla="*/ 81215 w 241645"/>
+                  <a:gd name="connsiteY12" fmla="*/ 225768 h 241872"/>
+                  <a:gd name="connsiteX13" fmla="*/ 81187 w 241645"/>
+                  <a:gd name="connsiteY13" fmla="*/ 225740 h 241872"/>
+                  <a:gd name="connsiteX14" fmla="*/ 9316 w 241645"/>
+                  <a:gd name="connsiteY14" fmla="*/ 9413 h 241872"/>
+                  <a:gd name="connsiteX15" fmla="*/ 7381 w 241645"/>
+                  <a:gd name="connsiteY15" fmla="*/ 0 h 241872"/>
+                  <a:gd name="connsiteX16" fmla="*/ 7342 w 241645"/>
+                  <a:gd name="connsiteY16" fmla="*/ 0 h 241872"/>
+                  <a:gd name="connsiteX17" fmla="*/ 2 w 241645"/>
+                  <a:gd name="connsiteY17" fmla="*/ 7673 h 241872"/>
+                  <a:gd name="connsiteX18" fmla="*/ 399 w 241645"/>
+                  <a:gd name="connsiteY18" fmla="*/ 9936 h 241872"/>
+                  <a:gd name="connsiteX19" fmla="*/ 74058 w 241645"/>
+                  <a:gd name="connsiteY19" fmla="*/ 231677 h 241872"/>
+                  <a:gd name="connsiteX20" fmla="*/ 83701 w 241645"/>
+                  <a:gd name="connsiteY20" fmla="*/ 236284 h 241872"/>
+                  <a:gd name="connsiteX21" fmla="*/ 88307 w 241645"/>
+                  <a:gd name="connsiteY21" fmla="*/ 231677 h 241872"/>
+                  <a:gd name="connsiteX22" fmla="*/ 116033 w 241645"/>
+                  <a:gd name="connsiteY22" fmla="*/ 154711 h 241872"/>
+                  <a:gd name="connsiteX23" fmla="*/ 203172 w 241645"/>
+                  <a:gd name="connsiteY23" fmla="*/ 241872 h 241872"/>
+                  <a:gd name="connsiteX24" fmla="*/ 241645 w 241645"/>
+                  <a:gd name="connsiteY24" fmla="*/ 203442 h 241872"/>
+                  <a:gd name="connsiteX25" fmla="*/ 154423 w 241645"/>
+                  <a:gd name="connsiteY25" fmla="*/ 116221 h 241872"/>
+                  <a:gd name="connsiteX26" fmla="*/ 231282 w 241645"/>
+                  <a:gd name="connsiteY26" fmla="*/ 88539 h 241872"/>
+                  <a:gd name="connsiteX27" fmla="*/ 235967 w 241645"/>
+                  <a:gd name="connsiteY27" fmla="*/ 78927 h 241872"/>
+                  <a:gd name="connsiteX28" fmla="*/ 231282 w 241645"/>
+                  <a:gd name="connsiteY28" fmla="*/ 74242 h 241872"/>
+                  <a:gd name="connsiteX29" fmla="*/ 9803 w 241645"/>
+                  <a:gd name="connsiteY29" fmla="*/ 389 h 241872"/>
+                  <a:gd name="connsiteX30" fmla="*/ 7381 w 241645"/>
+                  <a:gd name="connsiteY30" fmla="*/ 0 h 241872"/>
+                  <a:gd name="connsiteX0" fmla="*/ 81187 w 241645"/>
+                  <a:gd name="connsiteY0" fmla="*/ 225740 h 241872"/>
+                  <a:gd name="connsiteX1" fmla="*/ 225418 w 241645"/>
+                  <a:gd name="connsiteY1" fmla="*/ 81393 h 241872"/>
+                  <a:gd name="connsiteX2" fmla="*/ 225446 w 241645"/>
+                  <a:gd name="connsiteY2" fmla="*/ 81447 h 241872"/>
+                  <a:gd name="connsiteX3" fmla="*/ 225418 w 241645"/>
+                  <a:gd name="connsiteY3" fmla="*/ 81475 h 241872"/>
+                  <a:gd name="connsiteX4" fmla="*/ 151491 w 241645"/>
+                  <a:gd name="connsiteY4" fmla="*/ 108103 h 241872"/>
+                  <a:gd name="connsiteX5" fmla="*/ 138689 w 241645"/>
+                  <a:gd name="connsiteY5" fmla="*/ 112697 h 241872"/>
+                  <a:gd name="connsiteX6" fmla="*/ 148313 w 241645"/>
+                  <a:gd name="connsiteY6" fmla="*/ 122318 h 241872"/>
+                  <a:gd name="connsiteX7" fmla="*/ 229429 w 241645"/>
+                  <a:gd name="connsiteY7" fmla="*/ 203430 h 241872"/>
+                  <a:gd name="connsiteX8" fmla="*/ 203172 w 241645"/>
+                  <a:gd name="connsiteY8" fmla="*/ 229661 h 241872"/>
+                  <a:gd name="connsiteX9" fmla="*/ 122138 w 241645"/>
+                  <a:gd name="connsiteY9" fmla="*/ 148605 h 241872"/>
+                  <a:gd name="connsiteX10" fmla="*/ 107928 w 241645"/>
+                  <a:gd name="connsiteY10" fmla="*/ 151783 h 241872"/>
+                  <a:gd name="connsiteX11" fmla="*/ 81269 w 241645"/>
+                  <a:gd name="connsiteY11" fmla="*/ 225740 h 241872"/>
+                  <a:gd name="connsiteX12" fmla="*/ 81215 w 241645"/>
+                  <a:gd name="connsiteY12" fmla="*/ 225768 h 241872"/>
+                  <a:gd name="connsiteX13" fmla="*/ 81187 w 241645"/>
+                  <a:gd name="connsiteY13" fmla="*/ 225740 h 241872"/>
+                  <a:gd name="connsiteX14" fmla="*/ 7381 w 241645"/>
+                  <a:gd name="connsiteY14" fmla="*/ 0 h 241872"/>
+                  <a:gd name="connsiteX15" fmla="*/ 7342 w 241645"/>
+                  <a:gd name="connsiteY15" fmla="*/ 0 h 241872"/>
+                  <a:gd name="connsiteX16" fmla="*/ 2 w 241645"/>
+                  <a:gd name="connsiteY16" fmla="*/ 7673 h 241872"/>
+                  <a:gd name="connsiteX17" fmla="*/ 399 w 241645"/>
+                  <a:gd name="connsiteY17" fmla="*/ 9936 h 241872"/>
+                  <a:gd name="connsiteX18" fmla="*/ 74058 w 241645"/>
+                  <a:gd name="connsiteY18" fmla="*/ 231677 h 241872"/>
+                  <a:gd name="connsiteX19" fmla="*/ 83701 w 241645"/>
+                  <a:gd name="connsiteY19" fmla="*/ 236284 h 241872"/>
+                  <a:gd name="connsiteX20" fmla="*/ 88307 w 241645"/>
+                  <a:gd name="connsiteY20" fmla="*/ 231677 h 241872"/>
+                  <a:gd name="connsiteX21" fmla="*/ 116033 w 241645"/>
+                  <a:gd name="connsiteY21" fmla="*/ 154711 h 241872"/>
+                  <a:gd name="connsiteX22" fmla="*/ 203172 w 241645"/>
+                  <a:gd name="connsiteY22" fmla="*/ 241872 h 241872"/>
+                  <a:gd name="connsiteX23" fmla="*/ 241645 w 241645"/>
+                  <a:gd name="connsiteY23" fmla="*/ 203442 h 241872"/>
+                  <a:gd name="connsiteX24" fmla="*/ 154423 w 241645"/>
+                  <a:gd name="connsiteY24" fmla="*/ 116221 h 241872"/>
+                  <a:gd name="connsiteX25" fmla="*/ 231282 w 241645"/>
+                  <a:gd name="connsiteY25" fmla="*/ 88539 h 241872"/>
+                  <a:gd name="connsiteX26" fmla="*/ 235967 w 241645"/>
+                  <a:gd name="connsiteY26" fmla="*/ 78927 h 241872"/>
+                  <a:gd name="connsiteX27" fmla="*/ 231282 w 241645"/>
+                  <a:gd name="connsiteY27" fmla="*/ 74242 h 241872"/>
+                  <a:gd name="connsiteX28" fmla="*/ 9803 w 241645"/>
+                  <a:gd name="connsiteY28" fmla="*/ 389 h 241872"/>
+                  <a:gd name="connsiteX29" fmla="*/ 7381 w 241645"/>
+                  <a:gd name="connsiteY29" fmla="*/ 0 h 241872"/>
+                  <a:gd name="connsiteX0" fmla="*/ 81215 w 241645"/>
+                  <a:gd name="connsiteY0" fmla="*/ 225768 h 241872"/>
+                  <a:gd name="connsiteX1" fmla="*/ 225418 w 241645"/>
+                  <a:gd name="connsiteY1" fmla="*/ 81393 h 241872"/>
+                  <a:gd name="connsiteX2" fmla="*/ 225446 w 241645"/>
+                  <a:gd name="connsiteY2" fmla="*/ 81447 h 241872"/>
+                  <a:gd name="connsiteX3" fmla="*/ 225418 w 241645"/>
+                  <a:gd name="connsiteY3" fmla="*/ 81475 h 241872"/>
+                  <a:gd name="connsiteX4" fmla="*/ 151491 w 241645"/>
+                  <a:gd name="connsiteY4" fmla="*/ 108103 h 241872"/>
+                  <a:gd name="connsiteX5" fmla="*/ 138689 w 241645"/>
+                  <a:gd name="connsiteY5" fmla="*/ 112697 h 241872"/>
+                  <a:gd name="connsiteX6" fmla="*/ 148313 w 241645"/>
+                  <a:gd name="connsiteY6" fmla="*/ 122318 h 241872"/>
+                  <a:gd name="connsiteX7" fmla="*/ 229429 w 241645"/>
+                  <a:gd name="connsiteY7" fmla="*/ 203430 h 241872"/>
+                  <a:gd name="connsiteX8" fmla="*/ 203172 w 241645"/>
+                  <a:gd name="connsiteY8" fmla="*/ 229661 h 241872"/>
+                  <a:gd name="connsiteX9" fmla="*/ 122138 w 241645"/>
+                  <a:gd name="connsiteY9" fmla="*/ 148605 h 241872"/>
+                  <a:gd name="connsiteX10" fmla="*/ 107928 w 241645"/>
+                  <a:gd name="connsiteY10" fmla="*/ 151783 h 241872"/>
+                  <a:gd name="connsiteX11" fmla="*/ 81269 w 241645"/>
+                  <a:gd name="connsiteY11" fmla="*/ 225740 h 241872"/>
+                  <a:gd name="connsiteX12" fmla="*/ 81215 w 241645"/>
+                  <a:gd name="connsiteY12" fmla="*/ 225768 h 241872"/>
+                  <a:gd name="connsiteX13" fmla="*/ 7381 w 241645"/>
+                  <a:gd name="connsiteY13" fmla="*/ 0 h 241872"/>
+                  <a:gd name="connsiteX14" fmla="*/ 7342 w 241645"/>
+                  <a:gd name="connsiteY14" fmla="*/ 0 h 241872"/>
+                  <a:gd name="connsiteX15" fmla="*/ 2 w 241645"/>
+                  <a:gd name="connsiteY15" fmla="*/ 7673 h 241872"/>
+                  <a:gd name="connsiteX16" fmla="*/ 399 w 241645"/>
+                  <a:gd name="connsiteY16" fmla="*/ 9936 h 241872"/>
+                  <a:gd name="connsiteX17" fmla="*/ 74058 w 241645"/>
+                  <a:gd name="connsiteY17" fmla="*/ 231677 h 241872"/>
+                  <a:gd name="connsiteX18" fmla="*/ 83701 w 241645"/>
+                  <a:gd name="connsiteY18" fmla="*/ 236284 h 241872"/>
+                  <a:gd name="connsiteX19" fmla="*/ 88307 w 241645"/>
+                  <a:gd name="connsiteY19" fmla="*/ 231677 h 241872"/>
+                  <a:gd name="connsiteX20" fmla="*/ 116033 w 241645"/>
+                  <a:gd name="connsiteY20" fmla="*/ 154711 h 241872"/>
+                  <a:gd name="connsiteX21" fmla="*/ 203172 w 241645"/>
+                  <a:gd name="connsiteY21" fmla="*/ 241872 h 241872"/>
+                  <a:gd name="connsiteX22" fmla="*/ 241645 w 241645"/>
+                  <a:gd name="connsiteY22" fmla="*/ 203442 h 241872"/>
+                  <a:gd name="connsiteX23" fmla="*/ 154423 w 241645"/>
+                  <a:gd name="connsiteY23" fmla="*/ 116221 h 241872"/>
+                  <a:gd name="connsiteX24" fmla="*/ 231282 w 241645"/>
+                  <a:gd name="connsiteY24" fmla="*/ 88539 h 241872"/>
+                  <a:gd name="connsiteX25" fmla="*/ 235967 w 241645"/>
+                  <a:gd name="connsiteY25" fmla="*/ 78927 h 241872"/>
+                  <a:gd name="connsiteX26" fmla="*/ 231282 w 241645"/>
+                  <a:gd name="connsiteY26" fmla="*/ 74242 h 241872"/>
+                  <a:gd name="connsiteX27" fmla="*/ 9803 w 241645"/>
+                  <a:gd name="connsiteY27" fmla="*/ 389 h 241872"/>
+                  <a:gd name="connsiteX28" fmla="*/ 7381 w 241645"/>
+                  <a:gd name="connsiteY28" fmla="*/ 0 h 241872"/>
+                  <a:gd name="connsiteX0" fmla="*/ 81269 w 241645"/>
+                  <a:gd name="connsiteY0" fmla="*/ 225740 h 241872"/>
+                  <a:gd name="connsiteX1" fmla="*/ 225418 w 241645"/>
+                  <a:gd name="connsiteY1" fmla="*/ 81393 h 241872"/>
+                  <a:gd name="connsiteX2" fmla="*/ 225446 w 241645"/>
+                  <a:gd name="connsiteY2" fmla="*/ 81447 h 241872"/>
+                  <a:gd name="connsiteX3" fmla="*/ 225418 w 241645"/>
+                  <a:gd name="connsiteY3" fmla="*/ 81475 h 241872"/>
+                  <a:gd name="connsiteX4" fmla="*/ 151491 w 241645"/>
+                  <a:gd name="connsiteY4" fmla="*/ 108103 h 241872"/>
+                  <a:gd name="connsiteX5" fmla="*/ 138689 w 241645"/>
+                  <a:gd name="connsiteY5" fmla="*/ 112697 h 241872"/>
+                  <a:gd name="connsiteX6" fmla="*/ 148313 w 241645"/>
+                  <a:gd name="connsiteY6" fmla="*/ 122318 h 241872"/>
+                  <a:gd name="connsiteX7" fmla="*/ 229429 w 241645"/>
+                  <a:gd name="connsiteY7" fmla="*/ 203430 h 241872"/>
+                  <a:gd name="connsiteX8" fmla="*/ 203172 w 241645"/>
+                  <a:gd name="connsiteY8" fmla="*/ 229661 h 241872"/>
+                  <a:gd name="connsiteX9" fmla="*/ 122138 w 241645"/>
+                  <a:gd name="connsiteY9" fmla="*/ 148605 h 241872"/>
+                  <a:gd name="connsiteX10" fmla="*/ 107928 w 241645"/>
+                  <a:gd name="connsiteY10" fmla="*/ 151783 h 241872"/>
+                  <a:gd name="connsiteX11" fmla="*/ 81269 w 241645"/>
+                  <a:gd name="connsiteY11" fmla="*/ 225740 h 241872"/>
+                  <a:gd name="connsiteX12" fmla="*/ 7381 w 241645"/>
+                  <a:gd name="connsiteY12" fmla="*/ 0 h 241872"/>
+                  <a:gd name="connsiteX13" fmla="*/ 7342 w 241645"/>
+                  <a:gd name="connsiteY13" fmla="*/ 0 h 241872"/>
+                  <a:gd name="connsiteX14" fmla="*/ 2 w 241645"/>
+                  <a:gd name="connsiteY14" fmla="*/ 7673 h 241872"/>
+                  <a:gd name="connsiteX15" fmla="*/ 399 w 241645"/>
+                  <a:gd name="connsiteY15" fmla="*/ 9936 h 241872"/>
+                  <a:gd name="connsiteX16" fmla="*/ 74058 w 241645"/>
+                  <a:gd name="connsiteY16" fmla="*/ 231677 h 241872"/>
+                  <a:gd name="connsiteX17" fmla="*/ 83701 w 241645"/>
+                  <a:gd name="connsiteY17" fmla="*/ 236284 h 241872"/>
+                  <a:gd name="connsiteX18" fmla="*/ 88307 w 241645"/>
+                  <a:gd name="connsiteY18" fmla="*/ 231677 h 241872"/>
+                  <a:gd name="connsiteX19" fmla="*/ 116033 w 241645"/>
+                  <a:gd name="connsiteY19" fmla="*/ 154711 h 241872"/>
+                  <a:gd name="connsiteX20" fmla="*/ 203172 w 241645"/>
+                  <a:gd name="connsiteY20" fmla="*/ 241872 h 241872"/>
+                  <a:gd name="connsiteX21" fmla="*/ 241645 w 241645"/>
+                  <a:gd name="connsiteY21" fmla="*/ 203442 h 241872"/>
+                  <a:gd name="connsiteX22" fmla="*/ 154423 w 241645"/>
+                  <a:gd name="connsiteY22" fmla="*/ 116221 h 241872"/>
+                  <a:gd name="connsiteX23" fmla="*/ 231282 w 241645"/>
+                  <a:gd name="connsiteY23" fmla="*/ 88539 h 241872"/>
+                  <a:gd name="connsiteX24" fmla="*/ 235967 w 241645"/>
+                  <a:gd name="connsiteY24" fmla="*/ 78927 h 241872"/>
+                  <a:gd name="connsiteX25" fmla="*/ 231282 w 241645"/>
+                  <a:gd name="connsiteY25" fmla="*/ 74242 h 241872"/>
+                  <a:gd name="connsiteX26" fmla="*/ 9803 w 241645"/>
+                  <a:gd name="connsiteY26" fmla="*/ 389 h 241872"/>
+                  <a:gd name="connsiteX27" fmla="*/ 7381 w 241645"/>
+                  <a:gd name="connsiteY27" fmla="*/ 0 h 241872"/>
+                  <a:gd name="connsiteX0" fmla="*/ 107928 w 241645"/>
+                  <a:gd name="connsiteY0" fmla="*/ 151783 h 241872"/>
+                  <a:gd name="connsiteX1" fmla="*/ 225418 w 241645"/>
+                  <a:gd name="connsiteY1" fmla="*/ 81393 h 241872"/>
+                  <a:gd name="connsiteX2" fmla="*/ 225446 w 241645"/>
+                  <a:gd name="connsiteY2" fmla="*/ 81447 h 241872"/>
+                  <a:gd name="connsiteX3" fmla="*/ 225418 w 241645"/>
+                  <a:gd name="connsiteY3" fmla="*/ 81475 h 241872"/>
+                  <a:gd name="connsiteX4" fmla="*/ 151491 w 241645"/>
+                  <a:gd name="connsiteY4" fmla="*/ 108103 h 241872"/>
+                  <a:gd name="connsiteX5" fmla="*/ 138689 w 241645"/>
+                  <a:gd name="connsiteY5" fmla="*/ 112697 h 241872"/>
+                  <a:gd name="connsiteX6" fmla="*/ 148313 w 241645"/>
+                  <a:gd name="connsiteY6" fmla="*/ 122318 h 241872"/>
+                  <a:gd name="connsiteX7" fmla="*/ 229429 w 241645"/>
+                  <a:gd name="connsiteY7" fmla="*/ 203430 h 241872"/>
+                  <a:gd name="connsiteX8" fmla="*/ 203172 w 241645"/>
+                  <a:gd name="connsiteY8" fmla="*/ 229661 h 241872"/>
+                  <a:gd name="connsiteX9" fmla="*/ 122138 w 241645"/>
+                  <a:gd name="connsiteY9" fmla="*/ 148605 h 241872"/>
+                  <a:gd name="connsiteX10" fmla="*/ 107928 w 241645"/>
+                  <a:gd name="connsiteY10" fmla="*/ 151783 h 241872"/>
+                  <a:gd name="connsiteX11" fmla="*/ 7381 w 241645"/>
+                  <a:gd name="connsiteY11" fmla="*/ 0 h 241872"/>
+                  <a:gd name="connsiteX12" fmla="*/ 7342 w 241645"/>
+                  <a:gd name="connsiteY12" fmla="*/ 0 h 241872"/>
+                  <a:gd name="connsiteX13" fmla="*/ 2 w 241645"/>
+                  <a:gd name="connsiteY13" fmla="*/ 7673 h 241872"/>
+                  <a:gd name="connsiteX14" fmla="*/ 399 w 241645"/>
+                  <a:gd name="connsiteY14" fmla="*/ 9936 h 241872"/>
+                  <a:gd name="connsiteX15" fmla="*/ 74058 w 241645"/>
+                  <a:gd name="connsiteY15" fmla="*/ 231677 h 241872"/>
+                  <a:gd name="connsiteX16" fmla="*/ 83701 w 241645"/>
+                  <a:gd name="connsiteY16" fmla="*/ 236284 h 241872"/>
+                  <a:gd name="connsiteX17" fmla="*/ 88307 w 241645"/>
+                  <a:gd name="connsiteY17" fmla="*/ 231677 h 241872"/>
+                  <a:gd name="connsiteX18" fmla="*/ 116033 w 241645"/>
+                  <a:gd name="connsiteY18" fmla="*/ 154711 h 241872"/>
+                  <a:gd name="connsiteX19" fmla="*/ 203172 w 241645"/>
+                  <a:gd name="connsiteY19" fmla="*/ 241872 h 241872"/>
+                  <a:gd name="connsiteX20" fmla="*/ 241645 w 241645"/>
+                  <a:gd name="connsiteY20" fmla="*/ 203442 h 241872"/>
+                  <a:gd name="connsiteX21" fmla="*/ 154423 w 241645"/>
+                  <a:gd name="connsiteY21" fmla="*/ 116221 h 241872"/>
+                  <a:gd name="connsiteX22" fmla="*/ 231282 w 241645"/>
+                  <a:gd name="connsiteY22" fmla="*/ 88539 h 241872"/>
+                  <a:gd name="connsiteX23" fmla="*/ 235967 w 241645"/>
+                  <a:gd name="connsiteY23" fmla="*/ 78927 h 241872"/>
+                  <a:gd name="connsiteX24" fmla="*/ 231282 w 241645"/>
+                  <a:gd name="connsiteY24" fmla="*/ 74242 h 241872"/>
+                  <a:gd name="connsiteX25" fmla="*/ 9803 w 241645"/>
+                  <a:gd name="connsiteY25" fmla="*/ 389 h 241872"/>
+                  <a:gd name="connsiteX26" fmla="*/ 7381 w 241645"/>
+                  <a:gd name="connsiteY26" fmla="*/ 0 h 241872"/>
+                  <a:gd name="connsiteX0" fmla="*/ 122138 w 241645"/>
+                  <a:gd name="connsiteY0" fmla="*/ 148605 h 241872"/>
+                  <a:gd name="connsiteX1" fmla="*/ 225418 w 241645"/>
+                  <a:gd name="connsiteY1" fmla="*/ 81393 h 241872"/>
+                  <a:gd name="connsiteX2" fmla="*/ 225446 w 241645"/>
+                  <a:gd name="connsiteY2" fmla="*/ 81447 h 241872"/>
+                  <a:gd name="connsiteX3" fmla="*/ 225418 w 241645"/>
+                  <a:gd name="connsiteY3" fmla="*/ 81475 h 241872"/>
+                  <a:gd name="connsiteX4" fmla="*/ 151491 w 241645"/>
+                  <a:gd name="connsiteY4" fmla="*/ 108103 h 241872"/>
+                  <a:gd name="connsiteX5" fmla="*/ 138689 w 241645"/>
+                  <a:gd name="connsiteY5" fmla="*/ 112697 h 241872"/>
+                  <a:gd name="connsiteX6" fmla="*/ 148313 w 241645"/>
+                  <a:gd name="connsiteY6" fmla="*/ 122318 h 241872"/>
+                  <a:gd name="connsiteX7" fmla="*/ 229429 w 241645"/>
+                  <a:gd name="connsiteY7" fmla="*/ 203430 h 241872"/>
+                  <a:gd name="connsiteX8" fmla="*/ 203172 w 241645"/>
+                  <a:gd name="connsiteY8" fmla="*/ 229661 h 241872"/>
+                  <a:gd name="connsiteX9" fmla="*/ 122138 w 241645"/>
+                  <a:gd name="connsiteY9" fmla="*/ 148605 h 241872"/>
+                  <a:gd name="connsiteX10" fmla="*/ 7381 w 241645"/>
+                  <a:gd name="connsiteY10" fmla="*/ 0 h 241872"/>
+                  <a:gd name="connsiteX11" fmla="*/ 7342 w 241645"/>
+                  <a:gd name="connsiteY11" fmla="*/ 0 h 241872"/>
+                  <a:gd name="connsiteX12" fmla="*/ 2 w 241645"/>
+                  <a:gd name="connsiteY12" fmla="*/ 7673 h 241872"/>
+                  <a:gd name="connsiteX13" fmla="*/ 399 w 241645"/>
+                  <a:gd name="connsiteY13" fmla="*/ 9936 h 241872"/>
+                  <a:gd name="connsiteX14" fmla="*/ 74058 w 241645"/>
+                  <a:gd name="connsiteY14" fmla="*/ 231677 h 241872"/>
+                  <a:gd name="connsiteX15" fmla="*/ 83701 w 241645"/>
+                  <a:gd name="connsiteY15" fmla="*/ 236284 h 241872"/>
+                  <a:gd name="connsiteX16" fmla="*/ 88307 w 241645"/>
+                  <a:gd name="connsiteY16" fmla="*/ 231677 h 241872"/>
+                  <a:gd name="connsiteX17" fmla="*/ 116033 w 241645"/>
+                  <a:gd name="connsiteY17" fmla="*/ 154711 h 241872"/>
+                  <a:gd name="connsiteX18" fmla="*/ 203172 w 241645"/>
+                  <a:gd name="connsiteY18" fmla="*/ 241872 h 241872"/>
+                  <a:gd name="connsiteX19" fmla="*/ 241645 w 241645"/>
+                  <a:gd name="connsiteY19" fmla="*/ 203442 h 241872"/>
+                  <a:gd name="connsiteX20" fmla="*/ 154423 w 241645"/>
+                  <a:gd name="connsiteY20" fmla="*/ 116221 h 241872"/>
+                  <a:gd name="connsiteX21" fmla="*/ 231282 w 241645"/>
+                  <a:gd name="connsiteY21" fmla="*/ 88539 h 241872"/>
+                  <a:gd name="connsiteX22" fmla="*/ 235967 w 241645"/>
+                  <a:gd name="connsiteY22" fmla="*/ 78927 h 241872"/>
+                  <a:gd name="connsiteX23" fmla="*/ 231282 w 241645"/>
+                  <a:gd name="connsiteY23" fmla="*/ 74242 h 241872"/>
+                  <a:gd name="connsiteX24" fmla="*/ 9803 w 241645"/>
+                  <a:gd name="connsiteY24" fmla="*/ 389 h 241872"/>
+                  <a:gd name="connsiteX25" fmla="*/ 7381 w 241645"/>
+                  <a:gd name="connsiteY25" fmla="*/ 0 h 241872"/>
+                  <a:gd name="connsiteX0" fmla="*/ 203172 w 241645"/>
+                  <a:gd name="connsiteY0" fmla="*/ 229661 h 241872"/>
+                  <a:gd name="connsiteX1" fmla="*/ 225418 w 241645"/>
+                  <a:gd name="connsiteY1" fmla="*/ 81393 h 241872"/>
+                  <a:gd name="connsiteX2" fmla="*/ 225446 w 241645"/>
+                  <a:gd name="connsiteY2" fmla="*/ 81447 h 241872"/>
+                  <a:gd name="connsiteX3" fmla="*/ 225418 w 241645"/>
+                  <a:gd name="connsiteY3" fmla="*/ 81475 h 241872"/>
+                  <a:gd name="connsiteX4" fmla="*/ 151491 w 241645"/>
+                  <a:gd name="connsiteY4" fmla="*/ 108103 h 241872"/>
+                  <a:gd name="connsiteX5" fmla="*/ 138689 w 241645"/>
+                  <a:gd name="connsiteY5" fmla="*/ 112697 h 241872"/>
+                  <a:gd name="connsiteX6" fmla="*/ 148313 w 241645"/>
+                  <a:gd name="connsiteY6" fmla="*/ 122318 h 241872"/>
+                  <a:gd name="connsiteX7" fmla="*/ 229429 w 241645"/>
+                  <a:gd name="connsiteY7" fmla="*/ 203430 h 241872"/>
+                  <a:gd name="connsiteX8" fmla="*/ 203172 w 241645"/>
+                  <a:gd name="connsiteY8" fmla="*/ 229661 h 241872"/>
+                  <a:gd name="connsiteX9" fmla="*/ 7381 w 241645"/>
+                  <a:gd name="connsiteY9" fmla="*/ 0 h 241872"/>
+                  <a:gd name="connsiteX10" fmla="*/ 7342 w 241645"/>
+                  <a:gd name="connsiteY10" fmla="*/ 0 h 241872"/>
+                  <a:gd name="connsiteX11" fmla="*/ 2 w 241645"/>
+                  <a:gd name="connsiteY11" fmla="*/ 7673 h 241872"/>
+                  <a:gd name="connsiteX12" fmla="*/ 399 w 241645"/>
+                  <a:gd name="connsiteY12" fmla="*/ 9936 h 241872"/>
+                  <a:gd name="connsiteX13" fmla="*/ 74058 w 241645"/>
+                  <a:gd name="connsiteY13" fmla="*/ 231677 h 241872"/>
+                  <a:gd name="connsiteX14" fmla="*/ 83701 w 241645"/>
+                  <a:gd name="connsiteY14" fmla="*/ 236284 h 241872"/>
+                  <a:gd name="connsiteX15" fmla="*/ 88307 w 241645"/>
+                  <a:gd name="connsiteY15" fmla="*/ 231677 h 241872"/>
+                  <a:gd name="connsiteX16" fmla="*/ 116033 w 241645"/>
+                  <a:gd name="connsiteY16" fmla="*/ 154711 h 241872"/>
+                  <a:gd name="connsiteX17" fmla="*/ 203172 w 241645"/>
+                  <a:gd name="connsiteY17" fmla="*/ 241872 h 241872"/>
+                  <a:gd name="connsiteX18" fmla="*/ 241645 w 241645"/>
+                  <a:gd name="connsiteY18" fmla="*/ 203442 h 241872"/>
+                  <a:gd name="connsiteX19" fmla="*/ 154423 w 241645"/>
+                  <a:gd name="connsiteY19" fmla="*/ 116221 h 241872"/>
+                  <a:gd name="connsiteX20" fmla="*/ 231282 w 241645"/>
+                  <a:gd name="connsiteY20" fmla="*/ 88539 h 241872"/>
+                  <a:gd name="connsiteX21" fmla="*/ 235967 w 241645"/>
+                  <a:gd name="connsiteY21" fmla="*/ 78927 h 241872"/>
+                  <a:gd name="connsiteX22" fmla="*/ 231282 w 241645"/>
+                  <a:gd name="connsiteY22" fmla="*/ 74242 h 241872"/>
+                  <a:gd name="connsiteX23" fmla="*/ 9803 w 241645"/>
+                  <a:gd name="connsiteY23" fmla="*/ 389 h 241872"/>
+                  <a:gd name="connsiteX24" fmla="*/ 7381 w 241645"/>
+                  <a:gd name="connsiteY24" fmla="*/ 0 h 241872"/>
+                  <a:gd name="connsiteX0" fmla="*/ 229429 w 241645"/>
+                  <a:gd name="connsiteY0" fmla="*/ 203430 h 241872"/>
+                  <a:gd name="connsiteX1" fmla="*/ 225418 w 241645"/>
+                  <a:gd name="connsiteY1" fmla="*/ 81393 h 241872"/>
+                  <a:gd name="connsiteX2" fmla="*/ 225446 w 241645"/>
+                  <a:gd name="connsiteY2" fmla="*/ 81447 h 241872"/>
+                  <a:gd name="connsiteX3" fmla="*/ 225418 w 241645"/>
+                  <a:gd name="connsiteY3" fmla="*/ 81475 h 241872"/>
+                  <a:gd name="connsiteX4" fmla="*/ 151491 w 241645"/>
+                  <a:gd name="connsiteY4" fmla="*/ 108103 h 241872"/>
+                  <a:gd name="connsiteX5" fmla="*/ 138689 w 241645"/>
+                  <a:gd name="connsiteY5" fmla="*/ 112697 h 241872"/>
+                  <a:gd name="connsiteX6" fmla="*/ 148313 w 241645"/>
+                  <a:gd name="connsiteY6" fmla="*/ 122318 h 241872"/>
+                  <a:gd name="connsiteX7" fmla="*/ 229429 w 241645"/>
+                  <a:gd name="connsiteY7" fmla="*/ 203430 h 241872"/>
+                  <a:gd name="connsiteX8" fmla="*/ 7381 w 241645"/>
+                  <a:gd name="connsiteY8" fmla="*/ 0 h 241872"/>
+                  <a:gd name="connsiteX9" fmla="*/ 7342 w 241645"/>
+                  <a:gd name="connsiteY9" fmla="*/ 0 h 241872"/>
+                  <a:gd name="connsiteX10" fmla="*/ 2 w 241645"/>
+                  <a:gd name="connsiteY10" fmla="*/ 7673 h 241872"/>
+                  <a:gd name="connsiteX11" fmla="*/ 399 w 241645"/>
+                  <a:gd name="connsiteY11" fmla="*/ 9936 h 241872"/>
+                  <a:gd name="connsiteX12" fmla="*/ 74058 w 241645"/>
+                  <a:gd name="connsiteY12" fmla="*/ 231677 h 241872"/>
+                  <a:gd name="connsiteX13" fmla="*/ 83701 w 241645"/>
+                  <a:gd name="connsiteY13" fmla="*/ 236284 h 241872"/>
+                  <a:gd name="connsiteX14" fmla="*/ 88307 w 241645"/>
+                  <a:gd name="connsiteY14" fmla="*/ 231677 h 241872"/>
+                  <a:gd name="connsiteX15" fmla="*/ 116033 w 241645"/>
+                  <a:gd name="connsiteY15" fmla="*/ 154711 h 241872"/>
+                  <a:gd name="connsiteX16" fmla="*/ 203172 w 241645"/>
+                  <a:gd name="connsiteY16" fmla="*/ 241872 h 241872"/>
+                  <a:gd name="connsiteX17" fmla="*/ 241645 w 241645"/>
+                  <a:gd name="connsiteY17" fmla="*/ 203442 h 241872"/>
+                  <a:gd name="connsiteX18" fmla="*/ 154423 w 241645"/>
+                  <a:gd name="connsiteY18" fmla="*/ 116221 h 241872"/>
+                  <a:gd name="connsiteX19" fmla="*/ 231282 w 241645"/>
+                  <a:gd name="connsiteY19" fmla="*/ 88539 h 241872"/>
+                  <a:gd name="connsiteX20" fmla="*/ 235967 w 241645"/>
+                  <a:gd name="connsiteY20" fmla="*/ 78927 h 241872"/>
+                  <a:gd name="connsiteX21" fmla="*/ 231282 w 241645"/>
+                  <a:gd name="connsiteY21" fmla="*/ 74242 h 241872"/>
+                  <a:gd name="connsiteX22" fmla="*/ 9803 w 241645"/>
+                  <a:gd name="connsiteY22" fmla="*/ 389 h 241872"/>
+                  <a:gd name="connsiteX23" fmla="*/ 7381 w 241645"/>
+                  <a:gd name="connsiteY23" fmla="*/ 0 h 241872"/>
+                  <a:gd name="connsiteX0" fmla="*/ 148313 w 241645"/>
+                  <a:gd name="connsiteY0" fmla="*/ 122318 h 241872"/>
+                  <a:gd name="connsiteX1" fmla="*/ 225418 w 241645"/>
+                  <a:gd name="connsiteY1" fmla="*/ 81393 h 241872"/>
+                  <a:gd name="connsiteX2" fmla="*/ 225446 w 241645"/>
+                  <a:gd name="connsiteY2" fmla="*/ 81447 h 241872"/>
+                  <a:gd name="connsiteX3" fmla="*/ 225418 w 241645"/>
+                  <a:gd name="connsiteY3" fmla="*/ 81475 h 241872"/>
+                  <a:gd name="connsiteX4" fmla="*/ 151491 w 241645"/>
+                  <a:gd name="connsiteY4" fmla="*/ 108103 h 241872"/>
+                  <a:gd name="connsiteX5" fmla="*/ 138689 w 241645"/>
+                  <a:gd name="connsiteY5" fmla="*/ 112697 h 241872"/>
+                  <a:gd name="connsiteX6" fmla="*/ 148313 w 241645"/>
+                  <a:gd name="connsiteY6" fmla="*/ 122318 h 241872"/>
+                  <a:gd name="connsiteX7" fmla="*/ 7381 w 241645"/>
+                  <a:gd name="connsiteY7" fmla="*/ 0 h 241872"/>
+                  <a:gd name="connsiteX8" fmla="*/ 7342 w 241645"/>
+                  <a:gd name="connsiteY8" fmla="*/ 0 h 241872"/>
+                  <a:gd name="connsiteX9" fmla="*/ 2 w 241645"/>
+                  <a:gd name="connsiteY9" fmla="*/ 7673 h 241872"/>
+                  <a:gd name="connsiteX10" fmla="*/ 399 w 241645"/>
+                  <a:gd name="connsiteY10" fmla="*/ 9936 h 241872"/>
+                  <a:gd name="connsiteX11" fmla="*/ 74058 w 241645"/>
+                  <a:gd name="connsiteY11" fmla="*/ 231677 h 241872"/>
+                  <a:gd name="connsiteX12" fmla="*/ 83701 w 241645"/>
+                  <a:gd name="connsiteY12" fmla="*/ 236284 h 241872"/>
+                  <a:gd name="connsiteX13" fmla="*/ 88307 w 241645"/>
+                  <a:gd name="connsiteY13" fmla="*/ 231677 h 241872"/>
+                  <a:gd name="connsiteX14" fmla="*/ 116033 w 241645"/>
+                  <a:gd name="connsiteY14" fmla="*/ 154711 h 241872"/>
+                  <a:gd name="connsiteX15" fmla="*/ 203172 w 241645"/>
+                  <a:gd name="connsiteY15" fmla="*/ 241872 h 241872"/>
+                  <a:gd name="connsiteX16" fmla="*/ 241645 w 241645"/>
+                  <a:gd name="connsiteY16" fmla="*/ 203442 h 241872"/>
+                  <a:gd name="connsiteX17" fmla="*/ 154423 w 241645"/>
+                  <a:gd name="connsiteY17" fmla="*/ 116221 h 241872"/>
+                  <a:gd name="connsiteX18" fmla="*/ 231282 w 241645"/>
+                  <a:gd name="connsiteY18" fmla="*/ 88539 h 241872"/>
+                  <a:gd name="connsiteX19" fmla="*/ 235967 w 241645"/>
+                  <a:gd name="connsiteY19" fmla="*/ 78927 h 241872"/>
+                  <a:gd name="connsiteX20" fmla="*/ 231282 w 241645"/>
+                  <a:gd name="connsiteY20" fmla="*/ 74242 h 241872"/>
+                  <a:gd name="connsiteX21" fmla="*/ 9803 w 241645"/>
+                  <a:gd name="connsiteY21" fmla="*/ 389 h 241872"/>
+                  <a:gd name="connsiteX22" fmla="*/ 7381 w 241645"/>
+                  <a:gd name="connsiteY22" fmla="*/ 0 h 241872"/>
+                  <a:gd name="connsiteX0" fmla="*/ 148313 w 241645"/>
+                  <a:gd name="connsiteY0" fmla="*/ 122318 h 241872"/>
+                  <a:gd name="connsiteX1" fmla="*/ 225418 w 241645"/>
+                  <a:gd name="connsiteY1" fmla="*/ 81393 h 241872"/>
+                  <a:gd name="connsiteX2" fmla="*/ 225446 w 241645"/>
+                  <a:gd name="connsiteY2" fmla="*/ 81447 h 241872"/>
+                  <a:gd name="connsiteX3" fmla="*/ 225418 w 241645"/>
+                  <a:gd name="connsiteY3" fmla="*/ 81475 h 241872"/>
+                  <a:gd name="connsiteX4" fmla="*/ 151491 w 241645"/>
+                  <a:gd name="connsiteY4" fmla="*/ 108103 h 241872"/>
+                  <a:gd name="connsiteX5" fmla="*/ 148313 w 241645"/>
+                  <a:gd name="connsiteY5" fmla="*/ 122318 h 241872"/>
+                  <a:gd name="connsiteX6" fmla="*/ 7381 w 241645"/>
+                  <a:gd name="connsiteY6" fmla="*/ 0 h 241872"/>
+                  <a:gd name="connsiteX7" fmla="*/ 7342 w 241645"/>
+                  <a:gd name="connsiteY7" fmla="*/ 0 h 241872"/>
+                  <a:gd name="connsiteX8" fmla="*/ 2 w 241645"/>
+                  <a:gd name="connsiteY8" fmla="*/ 7673 h 241872"/>
+                  <a:gd name="connsiteX9" fmla="*/ 399 w 241645"/>
+                  <a:gd name="connsiteY9" fmla="*/ 9936 h 241872"/>
+                  <a:gd name="connsiteX10" fmla="*/ 74058 w 241645"/>
+                  <a:gd name="connsiteY10" fmla="*/ 231677 h 241872"/>
+                  <a:gd name="connsiteX11" fmla="*/ 83701 w 241645"/>
+                  <a:gd name="connsiteY11" fmla="*/ 236284 h 241872"/>
+                  <a:gd name="connsiteX12" fmla="*/ 88307 w 241645"/>
+                  <a:gd name="connsiteY12" fmla="*/ 231677 h 241872"/>
+                  <a:gd name="connsiteX13" fmla="*/ 116033 w 241645"/>
+                  <a:gd name="connsiteY13" fmla="*/ 154711 h 241872"/>
+                  <a:gd name="connsiteX14" fmla="*/ 203172 w 241645"/>
+                  <a:gd name="connsiteY14" fmla="*/ 241872 h 241872"/>
+                  <a:gd name="connsiteX15" fmla="*/ 241645 w 241645"/>
+                  <a:gd name="connsiteY15" fmla="*/ 203442 h 241872"/>
+                  <a:gd name="connsiteX16" fmla="*/ 154423 w 241645"/>
+                  <a:gd name="connsiteY16" fmla="*/ 116221 h 241872"/>
+                  <a:gd name="connsiteX17" fmla="*/ 231282 w 241645"/>
+                  <a:gd name="connsiteY17" fmla="*/ 88539 h 241872"/>
+                  <a:gd name="connsiteX18" fmla="*/ 235967 w 241645"/>
+                  <a:gd name="connsiteY18" fmla="*/ 78927 h 241872"/>
+                  <a:gd name="connsiteX19" fmla="*/ 231282 w 241645"/>
+                  <a:gd name="connsiteY19" fmla="*/ 74242 h 241872"/>
+                  <a:gd name="connsiteX20" fmla="*/ 9803 w 241645"/>
+                  <a:gd name="connsiteY20" fmla="*/ 389 h 241872"/>
+                  <a:gd name="connsiteX21" fmla="*/ 7381 w 241645"/>
+                  <a:gd name="connsiteY21" fmla="*/ 0 h 241872"/>
+                  <a:gd name="connsiteX0" fmla="*/ 148313 w 241645"/>
+                  <a:gd name="connsiteY0" fmla="*/ 122318 h 241872"/>
+                  <a:gd name="connsiteX1" fmla="*/ 225418 w 241645"/>
+                  <a:gd name="connsiteY1" fmla="*/ 81393 h 241872"/>
+                  <a:gd name="connsiteX2" fmla="*/ 225446 w 241645"/>
+                  <a:gd name="connsiteY2" fmla="*/ 81447 h 241872"/>
+                  <a:gd name="connsiteX3" fmla="*/ 225418 w 241645"/>
+                  <a:gd name="connsiteY3" fmla="*/ 81475 h 241872"/>
+                  <a:gd name="connsiteX4" fmla="*/ 148313 w 241645"/>
+                  <a:gd name="connsiteY4" fmla="*/ 122318 h 241872"/>
+                  <a:gd name="connsiteX5" fmla="*/ 7381 w 241645"/>
+                  <a:gd name="connsiteY5" fmla="*/ 0 h 241872"/>
+                  <a:gd name="connsiteX6" fmla="*/ 7342 w 241645"/>
+                  <a:gd name="connsiteY6" fmla="*/ 0 h 241872"/>
+                  <a:gd name="connsiteX7" fmla="*/ 2 w 241645"/>
+                  <a:gd name="connsiteY7" fmla="*/ 7673 h 241872"/>
+                  <a:gd name="connsiteX8" fmla="*/ 399 w 241645"/>
+                  <a:gd name="connsiteY8" fmla="*/ 9936 h 241872"/>
+                  <a:gd name="connsiteX9" fmla="*/ 74058 w 241645"/>
+                  <a:gd name="connsiteY9" fmla="*/ 231677 h 241872"/>
+                  <a:gd name="connsiteX10" fmla="*/ 83701 w 241645"/>
+                  <a:gd name="connsiteY10" fmla="*/ 236284 h 241872"/>
+                  <a:gd name="connsiteX11" fmla="*/ 88307 w 241645"/>
+                  <a:gd name="connsiteY11" fmla="*/ 231677 h 241872"/>
+                  <a:gd name="connsiteX12" fmla="*/ 116033 w 241645"/>
+                  <a:gd name="connsiteY12" fmla="*/ 154711 h 241872"/>
+                  <a:gd name="connsiteX13" fmla="*/ 203172 w 241645"/>
+                  <a:gd name="connsiteY13" fmla="*/ 241872 h 241872"/>
+                  <a:gd name="connsiteX14" fmla="*/ 241645 w 241645"/>
+                  <a:gd name="connsiteY14" fmla="*/ 203442 h 241872"/>
+                  <a:gd name="connsiteX15" fmla="*/ 154423 w 241645"/>
+                  <a:gd name="connsiteY15" fmla="*/ 116221 h 241872"/>
+                  <a:gd name="connsiteX16" fmla="*/ 231282 w 241645"/>
+                  <a:gd name="connsiteY16" fmla="*/ 88539 h 241872"/>
+                  <a:gd name="connsiteX17" fmla="*/ 235967 w 241645"/>
+                  <a:gd name="connsiteY17" fmla="*/ 78927 h 241872"/>
+                  <a:gd name="connsiteX18" fmla="*/ 231282 w 241645"/>
+                  <a:gd name="connsiteY18" fmla="*/ 74242 h 241872"/>
+                  <a:gd name="connsiteX19" fmla="*/ 9803 w 241645"/>
+                  <a:gd name="connsiteY19" fmla="*/ 389 h 241872"/>
+                  <a:gd name="connsiteX20" fmla="*/ 7381 w 241645"/>
+                  <a:gd name="connsiteY20" fmla="*/ 0 h 241872"/>
+                  <a:gd name="connsiteX0" fmla="*/ 148313 w 241645"/>
+                  <a:gd name="connsiteY0" fmla="*/ 122318 h 241872"/>
+                  <a:gd name="connsiteX1" fmla="*/ 225418 w 241645"/>
+                  <a:gd name="connsiteY1" fmla="*/ 81393 h 241872"/>
+                  <a:gd name="connsiteX2" fmla="*/ 225446 w 241645"/>
+                  <a:gd name="connsiteY2" fmla="*/ 81447 h 241872"/>
+                  <a:gd name="connsiteX3" fmla="*/ 148313 w 241645"/>
+                  <a:gd name="connsiteY3" fmla="*/ 122318 h 241872"/>
+                  <a:gd name="connsiteX4" fmla="*/ 7381 w 241645"/>
+                  <a:gd name="connsiteY4" fmla="*/ 0 h 241872"/>
+                  <a:gd name="connsiteX5" fmla="*/ 7342 w 241645"/>
+                  <a:gd name="connsiteY5" fmla="*/ 0 h 241872"/>
+                  <a:gd name="connsiteX6" fmla="*/ 2 w 241645"/>
+                  <a:gd name="connsiteY6" fmla="*/ 7673 h 241872"/>
+                  <a:gd name="connsiteX7" fmla="*/ 399 w 241645"/>
+                  <a:gd name="connsiteY7" fmla="*/ 9936 h 241872"/>
+                  <a:gd name="connsiteX8" fmla="*/ 74058 w 241645"/>
+                  <a:gd name="connsiteY8" fmla="*/ 231677 h 241872"/>
+                  <a:gd name="connsiteX9" fmla="*/ 83701 w 241645"/>
+                  <a:gd name="connsiteY9" fmla="*/ 236284 h 241872"/>
+                  <a:gd name="connsiteX10" fmla="*/ 88307 w 241645"/>
+                  <a:gd name="connsiteY10" fmla="*/ 231677 h 241872"/>
+                  <a:gd name="connsiteX11" fmla="*/ 116033 w 241645"/>
+                  <a:gd name="connsiteY11" fmla="*/ 154711 h 241872"/>
+                  <a:gd name="connsiteX12" fmla="*/ 203172 w 241645"/>
+                  <a:gd name="connsiteY12" fmla="*/ 241872 h 241872"/>
+                  <a:gd name="connsiteX13" fmla="*/ 241645 w 241645"/>
+                  <a:gd name="connsiteY13" fmla="*/ 203442 h 241872"/>
+                  <a:gd name="connsiteX14" fmla="*/ 154423 w 241645"/>
+                  <a:gd name="connsiteY14" fmla="*/ 116221 h 241872"/>
+                  <a:gd name="connsiteX15" fmla="*/ 231282 w 241645"/>
+                  <a:gd name="connsiteY15" fmla="*/ 88539 h 241872"/>
+                  <a:gd name="connsiteX16" fmla="*/ 235967 w 241645"/>
+                  <a:gd name="connsiteY16" fmla="*/ 78927 h 241872"/>
+                  <a:gd name="connsiteX17" fmla="*/ 231282 w 241645"/>
+                  <a:gd name="connsiteY17" fmla="*/ 74242 h 241872"/>
+                  <a:gd name="connsiteX18" fmla="*/ 9803 w 241645"/>
+                  <a:gd name="connsiteY18" fmla="*/ 389 h 241872"/>
+                  <a:gd name="connsiteX19" fmla="*/ 7381 w 241645"/>
+                  <a:gd name="connsiteY19" fmla="*/ 0 h 241872"/>
+                  <a:gd name="connsiteX0" fmla="*/ 148313 w 241645"/>
+                  <a:gd name="connsiteY0" fmla="*/ 122318 h 241872"/>
+                  <a:gd name="connsiteX1" fmla="*/ 225418 w 241645"/>
+                  <a:gd name="connsiteY1" fmla="*/ 81393 h 241872"/>
+                  <a:gd name="connsiteX2" fmla="*/ 148313 w 241645"/>
+                  <a:gd name="connsiteY2" fmla="*/ 122318 h 241872"/>
+                  <a:gd name="connsiteX3" fmla="*/ 7381 w 241645"/>
+                  <a:gd name="connsiteY3" fmla="*/ 0 h 241872"/>
+                  <a:gd name="connsiteX4" fmla="*/ 7342 w 241645"/>
+                  <a:gd name="connsiteY4" fmla="*/ 0 h 241872"/>
+                  <a:gd name="connsiteX5" fmla="*/ 2 w 241645"/>
+                  <a:gd name="connsiteY5" fmla="*/ 7673 h 241872"/>
+                  <a:gd name="connsiteX6" fmla="*/ 399 w 241645"/>
+                  <a:gd name="connsiteY6" fmla="*/ 9936 h 241872"/>
+                  <a:gd name="connsiteX7" fmla="*/ 74058 w 241645"/>
+                  <a:gd name="connsiteY7" fmla="*/ 231677 h 241872"/>
+                  <a:gd name="connsiteX8" fmla="*/ 83701 w 241645"/>
+                  <a:gd name="connsiteY8" fmla="*/ 236284 h 241872"/>
+                  <a:gd name="connsiteX9" fmla="*/ 88307 w 241645"/>
+                  <a:gd name="connsiteY9" fmla="*/ 231677 h 241872"/>
+                  <a:gd name="connsiteX10" fmla="*/ 116033 w 241645"/>
+                  <a:gd name="connsiteY10" fmla="*/ 154711 h 241872"/>
+                  <a:gd name="connsiteX11" fmla="*/ 203172 w 241645"/>
+                  <a:gd name="connsiteY11" fmla="*/ 241872 h 241872"/>
+                  <a:gd name="connsiteX12" fmla="*/ 241645 w 241645"/>
+                  <a:gd name="connsiteY12" fmla="*/ 203442 h 241872"/>
+                  <a:gd name="connsiteX13" fmla="*/ 154423 w 241645"/>
+                  <a:gd name="connsiteY13" fmla="*/ 116221 h 241872"/>
+                  <a:gd name="connsiteX14" fmla="*/ 231282 w 241645"/>
+                  <a:gd name="connsiteY14" fmla="*/ 88539 h 241872"/>
+                  <a:gd name="connsiteX15" fmla="*/ 235967 w 241645"/>
+                  <a:gd name="connsiteY15" fmla="*/ 78927 h 241872"/>
+                  <a:gd name="connsiteX16" fmla="*/ 231282 w 241645"/>
+                  <a:gd name="connsiteY16" fmla="*/ 74242 h 241872"/>
+                  <a:gd name="connsiteX17" fmla="*/ 9803 w 241645"/>
+                  <a:gd name="connsiteY17" fmla="*/ 389 h 241872"/>
+                  <a:gd name="connsiteX18" fmla="*/ 7381 w 241645"/>
+                  <a:gd name="connsiteY18" fmla="*/ 0 h 241872"/>
+                  <a:gd name="connsiteX0" fmla="*/ 7381 w 241645"/>
+                  <a:gd name="connsiteY0" fmla="*/ 0 h 241872"/>
+                  <a:gd name="connsiteX1" fmla="*/ 7342 w 241645"/>
+                  <a:gd name="connsiteY1" fmla="*/ 0 h 241872"/>
+                  <a:gd name="connsiteX2" fmla="*/ 2 w 241645"/>
+                  <a:gd name="connsiteY2" fmla="*/ 7673 h 241872"/>
+                  <a:gd name="connsiteX3" fmla="*/ 399 w 241645"/>
+                  <a:gd name="connsiteY3" fmla="*/ 9936 h 241872"/>
+                  <a:gd name="connsiteX4" fmla="*/ 74058 w 241645"/>
+                  <a:gd name="connsiteY4" fmla="*/ 231677 h 241872"/>
+                  <a:gd name="connsiteX5" fmla="*/ 83701 w 241645"/>
+                  <a:gd name="connsiteY5" fmla="*/ 236284 h 241872"/>
+                  <a:gd name="connsiteX6" fmla="*/ 88307 w 241645"/>
+                  <a:gd name="connsiteY6" fmla="*/ 231677 h 241872"/>
+                  <a:gd name="connsiteX7" fmla="*/ 116033 w 241645"/>
+                  <a:gd name="connsiteY7" fmla="*/ 154711 h 241872"/>
+                  <a:gd name="connsiteX8" fmla="*/ 203172 w 241645"/>
+                  <a:gd name="connsiteY8" fmla="*/ 241872 h 241872"/>
+                  <a:gd name="connsiteX9" fmla="*/ 241645 w 241645"/>
+                  <a:gd name="connsiteY9" fmla="*/ 203442 h 241872"/>
+                  <a:gd name="connsiteX10" fmla="*/ 154423 w 241645"/>
+                  <a:gd name="connsiteY10" fmla="*/ 116221 h 241872"/>
+                  <a:gd name="connsiteX11" fmla="*/ 231282 w 241645"/>
+                  <a:gd name="connsiteY11" fmla="*/ 88539 h 241872"/>
+                  <a:gd name="connsiteX12" fmla="*/ 235967 w 241645"/>
+                  <a:gd name="connsiteY12" fmla="*/ 78927 h 241872"/>
+                  <a:gd name="connsiteX13" fmla="*/ 231282 w 241645"/>
+                  <a:gd name="connsiteY13" fmla="*/ 74242 h 241872"/>
+                  <a:gd name="connsiteX14" fmla="*/ 9803 w 241645"/>
+                  <a:gd name="connsiteY14" fmla="*/ 389 h 241872"/>
+                  <a:gd name="connsiteX15" fmla="*/ 7381 w 241645"/>
+                  <a:gd name="connsiteY15" fmla="*/ 0 h 241872"/>
+                </a:gdLst>
+                <a:ahLst/>
+                <a:cxnLst>
+                  <a:cxn ang="0">
+                    <a:pos x="connsiteX0" y="connsiteY0"/>
+                  </a:cxn>
+                  <a:cxn ang="0">
+                    <a:pos x="connsiteX1" y="connsiteY1"/>
+                  </a:cxn>
+                  <a:cxn ang="0">
+                    <a:pos x="connsiteX2" y="connsiteY2"/>
+                  </a:cxn>
+                  <a:cxn ang="0">
+                    <a:pos x="connsiteX3" y="connsiteY3"/>
+                  </a:cxn>
+                  <a:cxn ang="0">
+                    <a:pos x="connsiteX4" y="connsiteY4"/>
+                  </a:cxn>
+                  <a:cxn ang="0">
+                    <a:pos x="connsiteX5" y="connsiteY5"/>
+                  </a:cxn>
+                  <a:cxn ang="0">
+                    <a:pos x="connsiteX6" y="connsiteY6"/>
+                  </a:cxn>
+                  <a:cxn ang="0">
+                    <a:pos x="connsiteX7" y="connsiteY7"/>
+                  </a:cxn>
+                  <a:cxn ang="0">
+                    <a:pos x="connsiteX8" y="connsiteY8"/>
+                  </a:cxn>
+                  <a:cxn ang="0">
+                    <a:pos x="connsiteX9" y="connsiteY9"/>
+                  </a:cxn>
+                  <a:cxn ang="0">
+                    <a:pos x="connsiteX10" y="connsiteY10"/>
+                  </a:cxn>
+                  <a:cxn ang="0">
+                    <a:pos x="connsiteX11" y="connsiteY11"/>
+                  </a:cxn>
+                  <a:cxn ang="0">
+                    <a:pos x="connsiteX12" y="connsiteY12"/>
+                  </a:cxn>
+                  <a:cxn ang="0">
+                    <a:pos x="connsiteX13" y="connsiteY13"/>
+                  </a:cxn>
+                  <a:cxn ang="0">
+                    <a:pos x="connsiteX14" y="connsiteY14"/>
+                  </a:cxn>
+                  <a:cxn ang="0">
+                    <a:pos x="connsiteX15" y="connsiteY15"/>
+                  </a:cxn>
+                </a:cxnLst>
+                <a:rect l="l" t="t" r="r" b="b"/>
+                <a:pathLst>
+                  <a:path w="241645" h="241872">
+                    <a:moveTo>
+                      <a:pt x="7381" y="0"/>
+                    </a:moveTo>
+                    <a:lnTo>
+                      <a:pt x="7342" y="0"/>
+                    </a:lnTo>
+                    <a:cubicBezTo>
+                      <a:pt x="3197" y="95"/>
+                      <a:pt x="-88" y="3528"/>
+                      <a:pt x="2" y="7673"/>
+                    </a:cubicBezTo>
+                    <a:cubicBezTo>
+                      <a:pt x="19" y="8443"/>
+                      <a:pt x="153" y="9206"/>
+                      <a:pt x="399" y="9936"/>
+                    </a:cubicBezTo>
+                    <a:lnTo>
+                      <a:pt x="74058" y="231677"/>
+                    </a:lnTo>
+                    <a:cubicBezTo>
+                      <a:pt x="75449" y="235612"/>
+                      <a:pt x="79766" y="237674"/>
+                      <a:pt x="83701" y="236284"/>
+                    </a:cubicBezTo>
+                    <a:cubicBezTo>
+                      <a:pt x="85853" y="235523"/>
+                      <a:pt x="87546" y="233830"/>
+                      <a:pt x="88307" y="231677"/>
+                    </a:cubicBezTo>
+                    <a:lnTo>
+                      <a:pt x="116033" y="154711"/>
+                    </a:lnTo>
+                    <a:lnTo>
+                      <a:pt x="203172" y="241872"/>
+                    </a:lnTo>
+                    <a:lnTo>
+                      <a:pt x="241645" y="203442"/>
+                    </a:lnTo>
+                    <a:lnTo>
+                      <a:pt x="154423" y="116221"/>
+                    </a:lnTo>
+                    <a:lnTo>
+                      <a:pt x="231282" y="88539"/>
+                    </a:lnTo>
+                    <a:cubicBezTo>
+                      <a:pt x="235230" y="87179"/>
+                      <a:pt x="237327" y="82875"/>
+                      <a:pt x="235967" y="78927"/>
+                    </a:cubicBezTo>
+                    <a:cubicBezTo>
+                      <a:pt x="235209" y="76728"/>
+                      <a:pt x="233481" y="75000"/>
+                      <a:pt x="231282" y="74242"/>
+                    </a:cubicBezTo>
+                    <a:lnTo>
+                      <a:pt x="9803" y="389"/>
+                    </a:lnTo>
+                    <a:cubicBezTo>
+                      <a:pt x="9022" y="130"/>
+                      <a:pt x="8204" y="-1"/>
+                      <a:pt x="7381" y="0"/>
+                    </a:cubicBezTo>
+                    <a:close/>
+                  </a:path>
+                </a:pathLst>
+              </a:custGeom>
+              <a:solidFill>
+                <a:srgbClr val="C00000"/>
+              </a:solidFill>
+              <a:ln w="4266" cap="flat">
+                <a:solidFill>
+                  <a:srgbClr val="FF0000"/>
+                </a:solidFill>
+                <a:prstDash val="solid"/>
+                <a:miter/>
+              </a:ln>
+              <a:effectLst>
+                <a:outerShdw blurRad="50800" dist="38100" dir="2700000" algn="tl" rotWithShape="0">
+                  <a:prstClr val="black">
+                    <a:alpha val="40000"/>
+                  </a:prstClr>
+                </a:outerShdw>
+              </a:effectLst>
+            </p:spPr>
+            <p:txBody>
+              <a:bodyPr rtlCol="0" anchor="ctr"/>
+              <a:lstStyle/>
+              <a:p>
+                <a:endParaRPr lang="en-US"/>
+              </a:p>
+            </p:txBody>
+          </p:sp>
+        </p:grpSp>
+        <p:grpSp>
+          <p:nvGrpSpPr>
+            <p:cNvPr id="8" name="Group 7">
+              <a:extLst>
+                <a:ext uri="{FF2B5EF4-FFF2-40B4-BE49-F238E27FC236}">
+                  <a16:creationId xmlns:a16="http://schemas.microsoft.com/office/drawing/2014/main" id="{FEE3D247-EAA0-E041-0521-BEBB39D41996}"/>
+                </a:ext>
+              </a:extLst>
+            </p:cNvPr>
+            <p:cNvGrpSpPr/>
+            <p:nvPr/>
+          </p:nvGrpSpPr>
+          <p:grpSpPr>
+            <a:xfrm>
+              <a:off x="6848215" y="834837"/>
+              <a:ext cx="4449224" cy="4526088"/>
+              <a:chOff x="6848215" y="834837"/>
+              <a:chExt cx="4449224" cy="4526088"/>
+            </a:xfrm>
+          </p:grpSpPr>
+          <p:pic>
+            <p:nvPicPr>
+              <p:cNvPr id="9" name="Picture 8">
+                <a:extLst>
+                  <a:ext uri="{FF2B5EF4-FFF2-40B4-BE49-F238E27FC236}">
+                    <a16:creationId xmlns:a16="http://schemas.microsoft.com/office/drawing/2014/main" id="{3F572030-630C-D2B6-0E88-47B1090EE7C1}"/>
+                  </a:ext>
+                </a:extLst>
+              </p:cNvPr>
+              <p:cNvPicPr>
+                <a:picLocks noChangeAspect="1"/>
+              </p:cNvPicPr>
+              <p:nvPr/>
+            </p:nvPicPr>
+            <p:blipFill rotWithShape="1">
+              <a:blip r:embed="rId5">
+                <a:extLst>
+                  <a:ext uri="{28A0092B-C50C-407E-A947-70E740481C1C}">
+                    <a14:useLocalDpi xmlns:a14="http://schemas.microsoft.com/office/drawing/2010/main"/>
+                  </a:ext>
+                </a:extLst>
+              </a:blip>
+              <a:srcRect/>
+              <a:stretch/>
+            </p:blipFill>
+            <p:spPr>
+              <a:xfrm>
+                <a:off x="6848215" y="834837"/>
+                <a:ext cx="4449224" cy="309697"/>
+              </a:xfrm>
+              <a:prstGeom prst="rect">
+                <a:avLst/>
+              </a:prstGeom>
+              <a:ln>
+                <a:noFill/>
+              </a:ln>
+              <a:effectLst/>
+            </p:spPr>
+          </p:pic>
+          <p:pic>
+            <p:nvPicPr>
+              <p:cNvPr id="2" name="Picture 1">
+                <a:extLst>
+                  <a:ext uri="{FF2B5EF4-FFF2-40B4-BE49-F238E27FC236}">
+                    <a16:creationId xmlns:a16="http://schemas.microsoft.com/office/drawing/2014/main" id="{A78951A1-3A4B-282D-B54D-AE8F18CEA918}"/>
+                  </a:ext>
+                </a:extLst>
+              </p:cNvPr>
+              <p:cNvPicPr>
+                <a:picLocks noChangeAspect="1"/>
+              </p:cNvPicPr>
+              <p:nvPr/>
+            </p:nvPicPr>
+            <p:blipFill rotWithShape="1">
+              <a:blip r:embed="rId6">
+                <a:extLst>
+                  <a:ext uri="{28A0092B-C50C-407E-A947-70E740481C1C}">
+                    <a14:useLocalDpi xmlns:a14="http://schemas.microsoft.com/office/drawing/2010/main"/>
+                  </a:ext>
+                </a:extLst>
+              </a:blip>
+              <a:srcRect/>
+              <a:stretch/>
+            </p:blipFill>
+            <p:spPr>
+              <a:xfrm>
+                <a:off x="6848215" y="1140732"/>
+                <a:ext cx="4449224" cy="4220193"/>
+              </a:xfrm>
+              <a:prstGeom prst="rect">
+                <a:avLst/>
+              </a:prstGeom>
+              <a:ln>
+                <a:noFill/>
+              </a:ln>
+              <a:effectLst/>
+            </p:spPr>
+          </p:pic>
+          <p:sp>
+            <p:nvSpPr>
+              <p:cNvPr id="3" name="Rectangle 2">
+                <a:extLst>
+                  <a:ext uri="{FF2B5EF4-FFF2-40B4-BE49-F238E27FC236}">
+                    <a16:creationId xmlns:a16="http://schemas.microsoft.com/office/drawing/2014/main" id="{BE62CC83-4ADD-C998-9762-9F653D25D5A0}"/>
+                  </a:ext>
+                </a:extLst>
+              </p:cNvPr>
+              <p:cNvSpPr/>
+              <p:nvPr/>
+            </p:nvSpPr>
+            <p:spPr>
+              <a:xfrm>
+                <a:off x="6872172" y="834838"/>
+                <a:ext cx="4425267" cy="4526087"/>
+              </a:xfrm>
+              <a:prstGeom prst="rect">
+                <a:avLst/>
+              </a:prstGeom>
+              <a:noFill/>
+              <a:ln w="28575"/>
+            </p:spPr>
+            <p:style>
+              <a:lnRef idx="2">
+                <a:schemeClr val="accent1">
+                  <a:shade val="50000"/>
+                </a:schemeClr>
+              </a:lnRef>
+              <a:fillRef idx="1">
+                <a:schemeClr val="accent1"/>
+              </a:fillRef>
+              <a:effectRef idx="0">
+                <a:schemeClr val="accent1"/>
+              </a:effectRef>
+              <a:fontRef idx="minor">
+                <a:schemeClr val="lt1"/>
+              </a:fontRef>
+            </p:style>
+            <p:txBody>
+              <a:bodyPr rtlCol="0" anchor="ctr"/>
+              <a:lstStyle/>
+              <a:p>
+                <a:pPr algn="ctr"/>
+                <a:endParaRPr lang="en-US"/>
+              </a:p>
+            </p:txBody>
+          </p:sp>
+          <p:sp>
+            <p:nvSpPr>
+              <p:cNvPr id="12" name="Graphic 9" descr="Cursor outline">
+                <a:extLst>
+                  <a:ext uri="{FF2B5EF4-FFF2-40B4-BE49-F238E27FC236}">
+                    <a16:creationId xmlns:a16="http://schemas.microsoft.com/office/drawing/2014/main" id="{BF62569D-CC5D-1D66-BFD1-702E4435CFDE}"/>
+                  </a:ext>
+                </a:extLst>
+              </p:cNvPr>
+              <p:cNvSpPr/>
+              <p:nvPr/>
+            </p:nvSpPr>
+            <p:spPr>
+              <a:xfrm>
+                <a:off x="11055795" y="1261667"/>
+                <a:ext cx="241644" cy="241871"/>
+              </a:xfrm>
+              <a:custGeom>
+                <a:avLst/>
+                <a:gdLst>
+                  <a:gd name="connsiteX0" fmla="*/ 9367 w 241644"/>
+                  <a:gd name="connsiteY0" fmla="*/ 9348 h 241871"/>
+                  <a:gd name="connsiteX1" fmla="*/ 225418 w 241644"/>
+                  <a:gd name="connsiteY1" fmla="*/ 81393 h 241871"/>
+                  <a:gd name="connsiteX2" fmla="*/ 225446 w 241644"/>
+                  <a:gd name="connsiteY2" fmla="*/ 81447 h 241871"/>
+                  <a:gd name="connsiteX3" fmla="*/ 225418 w 241644"/>
+                  <a:gd name="connsiteY3" fmla="*/ 81475 h 241871"/>
+                  <a:gd name="connsiteX4" fmla="*/ 151491 w 241644"/>
+                  <a:gd name="connsiteY4" fmla="*/ 108103 h 241871"/>
+                  <a:gd name="connsiteX5" fmla="*/ 138689 w 241644"/>
+                  <a:gd name="connsiteY5" fmla="*/ 112697 h 241871"/>
+                  <a:gd name="connsiteX6" fmla="*/ 148313 w 241644"/>
+                  <a:gd name="connsiteY6" fmla="*/ 122318 h 241871"/>
+                  <a:gd name="connsiteX7" fmla="*/ 229429 w 241644"/>
+                  <a:gd name="connsiteY7" fmla="*/ 203430 h 241871"/>
+                  <a:gd name="connsiteX8" fmla="*/ 203172 w 241644"/>
+                  <a:gd name="connsiteY8" fmla="*/ 229661 h 241871"/>
+                  <a:gd name="connsiteX9" fmla="*/ 122138 w 241644"/>
+                  <a:gd name="connsiteY9" fmla="*/ 148605 h 241871"/>
+                  <a:gd name="connsiteX10" fmla="*/ 112539 w 241644"/>
+                  <a:gd name="connsiteY10" fmla="*/ 138985 h 241871"/>
+                  <a:gd name="connsiteX11" fmla="*/ 107928 w 241644"/>
+                  <a:gd name="connsiteY11" fmla="*/ 151783 h 241871"/>
+                  <a:gd name="connsiteX12" fmla="*/ 81269 w 241644"/>
+                  <a:gd name="connsiteY12" fmla="*/ 225740 h 241871"/>
+                  <a:gd name="connsiteX13" fmla="*/ 81215 w 241644"/>
+                  <a:gd name="connsiteY13" fmla="*/ 225768 h 241871"/>
+                  <a:gd name="connsiteX14" fmla="*/ 81187 w 241644"/>
+                  <a:gd name="connsiteY14" fmla="*/ 225740 h 241871"/>
+                  <a:gd name="connsiteX15" fmla="*/ 9316 w 241644"/>
+                  <a:gd name="connsiteY15" fmla="*/ 9413 h 241871"/>
+                  <a:gd name="connsiteX16" fmla="*/ 9309 w 241644"/>
+                  <a:gd name="connsiteY16" fmla="*/ 9355 h 241871"/>
+                  <a:gd name="connsiteX17" fmla="*/ 9367 w 241644"/>
+                  <a:gd name="connsiteY17" fmla="*/ 9348 h 241871"/>
+                  <a:gd name="connsiteX18" fmla="*/ 7381 w 241644"/>
+                  <a:gd name="connsiteY18" fmla="*/ 0 h 241871"/>
+                  <a:gd name="connsiteX19" fmla="*/ 7342 w 241644"/>
+                  <a:gd name="connsiteY19" fmla="*/ 0 h 241871"/>
+                  <a:gd name="connsiteX20" fmla="*/ 2 w 241644"/>
+                  <a:gd name="connsiteY20" fmla="*/ 7673 h 241871"/>
+                  <a:gd name="connsiteX21" fmla="*/ 399 w 241644"/>
+                  <a:gd name="connsiteY21" fmla="*/ 9936 h 241871"/>
+                  <a:gd name="connsiteX22" fmla="*/ 74058 w 241644"/>
+                  <a:gd name="connsiteY22" fmla="*/ 231677 h 241871"/>
+                  <a:gd name="connsiteX23" fmla="*/ 83701 w 241644"/>
+                  <a:gd name="connsiteY23" fmla="*/ 236284 h 241871"/>
+                  <a:gd name="connsiteX24" fmla="*/ 88307 w 241644"/>
+                  <a:gd name="connsiteY24" fmla="*/ 231677 h 241871"/>
+                  <a:gd name="connsiteX25" fmla="*/ 116033 w 241644"/>
+                  <a:gd name="connsiteY25" fmla="*/ 154711 h 241871"/>
+                  <a:gd name="connsiteX26" fmla="*/ 203172 w 241644"/>
+                  <a:gd name="connsiteY26" fmla="*/ 241872 h 241871"/>
+                  <a:gd name="connsiteX27" fmla="*/ 241645 w 241644"/>
+                  <a:gd name="connsiteY27" fmla="*/ 203442 h 241871"/>
+                  <a:gd name="connsiteX28" fmla="*/ 154423 w 241644"/>
+                  <a:gd name="connsiteY28" fmla="*/ 116221 h 241871"/>
+                  <a:gd name="connsiteX29" fmla="*/ 231282 w 241644"/>
+                  <a:gd name="connsiteY29" fmla="*/ 88539 h 241871"/>
+                  <a:gd name="connsiteX30" fmla="*/ 235967 w 241644"/>
+                  <a:gd name="connsiteY30" fmla="*/ 78927 h 241871"/>
+                  <a:gd name="connsiteX31" fmla="*/ 231282 w 241644"/>
+                  <a:gd name="connsiteY31" fmla="*/ 74242 h 241871"/>
+                  <a:gd name="connsiteX32" fmla="*/ 9803 w 241644"/>
+                  <a:gd name="connsiteY32" fmla="*/ 389 h 241871"/>
+                  <a:gd name="connsiteX33" fmla="*/ 7381 w 241644"/>
+                  <a:gd name="connsiteY33" fmla="*/ 0 h 241871"/>
+                  <a:gd name="connsiteX0" fmla="*/ 9367 w 241645"/>
+                  <a:gd name="connsiteY0" fmla="*/ 9348 h 241872"/>
+                  <a:gd name="connsiteX1" fmla="*/ 225418 w 241645"/>
+                  <a:gd name="connsiteY1" fmla="*/ 81393 h 241872"/>
+                  <a:gd name="connsiteX2" fmla="*/ 225446 w 241645"/>
+                  <a:gd name="connsiteY2" fmla="*/ 81447 h 241872"/>
+                  <a:gd name="connsiteX3" fmla="*/ 225418 w 241645"/>
+                  <a:gd name="connsiteY3" fmla="*/ 81475 h 241872"/>
+                  <a:gd name="connsiteX4" fmla="*/ 151491 w 241645"/>
+                  <a:gd name="connsiteY4" fmla="*/ 108103 h 241872"/>
+                  <a:gd name="connsiteX5" fmla="*/ 138689 w 241645"/>
+                  <a:gd name="connsiteY5" fmla="*/ 112697 h 241872"/>
+                  <a:gd name="connsiteX6" fmla="*/ 148313 w 241645"/>
+                  <a:gd name="connsiteY6" fmla="*/ 122318 h 241872"/>
+                  <a:gd name="connsiteX7" fmla="*/ 229429 w 241645"/>
+                  <a:gd name="connsiteY7" fmla="*/ 203430 h 241872"/>
+                  <a:gd name="connsiteX8" fmla="*/ 203172 w 241645"/>
+                  <a:gd name="connsiteY8" fmla="*/ 229661 h 241872"/>
+                  <a:gd name="connsiteX9" fmla="*/ 122138 w 241645"/>
+                  <a:gd name="connsiteY9" fmla="*/ 148605 h 241872"/>
+                  <a:gd name="connsiteX10" fmla="*/ 107928 w 241645"/>
+                  <a:gd name="connsiteY10" fmla="*/ 151783 h 241872"/>
+                  <a:gd name="connsiteX11" fmla="*/ 81269 w 241645"/>
+                  <a:gd name="connsiteY11" fmla="*/ 225740 h 241872"/>
+                  <a:gd name="connsiteX12" fmla="*/ 81215 w 241645"/>
+                  <a:gd name="connsiteY12" fmla="*/ 225768 h 241872"/>
+                  <a:gd name="connsiteX13" fmla="*/ 81187 w 241645"/>
+                  <a:gd name="connsiteY13" fmla="*/ 225740 h 241872"/>
+                  <a:gd name="connsiteX14" fmla="*/ 9316 w 241645"/>
+                  <a:gd name="connsiteY14" fmla="*/ 9413 h 241872"/>
+                  <a:gd name="connsiteX15" fmla="*/ 9309 w 241645"/>
+                  <a:gd name="connsiteY15" fmla="*/ 9355 h 241872"/>
+                  <a:gd name="connsiteX16" fmla="*/ 9367 w 241645"/>
+                  <a:gd name="connsiteY16" fmla="*/ 9348 h 241872"/>
+                  <a:gd name="connsiteX17" fmla="*/ 7381 w 241645"/>
+                  <a:gd name="connsiteY17" fmla="*/ 0 h 241872"/>
+                  <a:gd name="connsiteX18" fmla="*/ 7342 w 241645"/>
+                  <a:gd name="connsiteY18" fmla="*/ 0 h 241872"/>
+                  <a:gd name="connsiteX19" fmla="*/ 2 w 241645"/>
+                  <a:gd name="connsiteY19" fmla="*/ 7673 h 241872"/>
+                  <a:gd name="connsiteX20" fmla="*/ 399 w 241645"/>
+                  <a:gd name="connsiteY20" fmla="*/ 9936 h 241872"/>
+                  <a:gd name="connsiteX21" fmla="*/ 74058 w 241645"/>
+                  <a:gd name="connsiteY21" fmla="*/ 231677 h 241872"/>
+                  <a:gd name="connsiteX22" fmla="*/ 83701 w 241645"/>
+                  <a:gd name="connsiteY22" fmla="*/ 236284 h 241872"/>
+                  <a:gd name="connsiteX23" fmla="*/ 88307 w 241645"/>
+                  <a:gd name="connsiteY23" fmla="*/ 231677 h 241872"/>
+                  <a:gd name="connsiteX24" fmla="*/ 116033 w 241645"/>
+                  <a:gd name="connsiteY24" fmla="*/ 154711 h 241872"/>
+                  <a:gd name="connsiteX25" fmla="*/ 203172 w 241645"/>
+                  <a:gd name="connsiteY25" fmla="*/ 241872 h 241872"/>
+                  <a:gd name="connsiteX26" fmla="*/ 241645 w 241645"/>
+                  <a:gd name="connsiteY26" fmla="*/ 203442 h 241872"/>
+                  <a:gd name="connsiteX27" fmla="*/ 154423 w 241645"/>
+                  <a:gd name="connsiteY27" fmla="*/ 116221 h 241872"/>
+                  <a:gd name="connsiteX28" fmla="*/ 231282 w 241645"/>
+                  <a:gd name="connsiteY28" fmla="*/ 88539 h 241872"/>
+                  <a:gd name="connsiteX29" fmla="*/ 235967 w 241645"/>
+                  <a:gd name="connsiteY29" fmla="*/ 78927 h 241872"/>
+                  <a:gd name="connsiteX30" fmla="*/ 231282 w 241645"/>
+                  <a:gd name="connsiteY30" fmla="*/ 74242 h 241872"/>
+                  <a:gd name="connsiteX31" fmla="*/ 9803 w 241645"/>
+                  <a:gd name="connsiteY31" fmla="*/ 389 h 241872"/>
+                  <a:gd name="connsiteX32" fmla="*/ 7381 w 241645"/>
+                  <a:gd name="connsiteY32" fmla="*/ 0 h 241872"/>
+                  <a:gd name="connsiteX0" fmla="*/ 9309 w 241645"/>
+                  <a:gd name="connsiteY0" fmla="*/ 9355 h 241872"/>
+                  <a:gd name="connsiteX1" fmla="*/ 225418 w 241645"/>
+                  <a:gd name="connsiteY1" fmla="*/ 81393 h 241872"/>
+                  <a:gd name="connsiteX2" fmla="*/ 225446 w 241645"/>
+                  <a:gd name="connsiteY2" fmla="*/ 81447 h 241872"/>
+                  <a:gd name="connsiteX3" fmla="*/ 225418 w 241645"/>
+                  <a:gd name="connsiteY3" fmla="*/ 81475 h 241872"/>
+                  <a:gd name="connsiteX4" fmla="*/ 151491 w 241645"/>
+                  <a:gd name="connsiteY4" fmla="*/ 108103 h 241872"/>
+                  <a:gd name="connsiteX5" fmla="*/ 138689 w 241645"/>
+                  <a:gd name="connsiteY5" fmla="*/ 112697 h 241872"/>
+                  <a:gd name="connsiteX6" fmla="*/ 148313 w 241645"/>
+                  <a:gd name="connsiteY6" fmla="*/ 122318 h 241872"/>
+                  <a:gd name="connsiteX7" fmla="*/ 229429 w 241645"/>
+                  <a:gd name="connsiteY7" fmla="*/ 203430 h 241872"/>
+                  <a:gd name="connsiteX8" fmla="*/ 203172 w 241645"/>
+                  <a:gd name="connsiteY8" fmla="*/ 229661 h 241872"/>
+                  <a:gd name="connsiteX9" fmla="*/ 122138 w 241645"/>
+                  <a:gd name="connsiteY9" fmla="*/ 148605 h 241872"/>
+                  <a:gd name="connsiteX10" fmla="*/ 107928 w 241645"/>
+                  <a:gd name="connsiteY10" fmla="*/ 151783 h 241872"/>
+                  <a:gd name="connsiteX11" fmla="*/ 81269 w 241645"/>
+                  <a:gd name="connsiteY11" fmla="*/ 225740 h 241872"/>
+                  <a:gd name="connsiteX12" fmla="*/ 81215 w 241645"/>
+                  <a:gd name="connsiteY12" fmla="*/ 225768 h 241872"/>
+                  <a:gd name="connsiteX13" fmla="*/ 81187 w 241645"/>
+                  <a:gd name="connsiteY13" fmla="*/ 225740 h 241872"/>
+                  <a:gd name="connsiteX14" fmla="*/ 9316 w 241645"/>
+                  <a:gd name="connsiteY14" fmla="*/ 9413 h 241872"/>
+                  <a:gd name="connsiteX15" fmla="*/ 9309 w 241645"/>
+                  <a:gd name="connsiteY15" fmla="*/ 9355 h 241872"/>
+                  <a:gd name="connsiteX16" fmla="*/ 7381 w 241645"/>
+                  <a:gd name="connsiteY16" fmla="*/ 0 h 241872"/>
+                  <a:gd name="connsiteX17" fmla="*/ 7342 w 241645"/>
+                  <a:gd name="connsiteY17" fmla="*/ 0 h 241872"/>
+                  <a:gd name="connsiteX18" fmla="*/ 2 w 241645"/>
+                  <a:gd name="connsiteY18" fmla="*/ 7673 h 241872"/>
+                  <a:gd name="connsiteX19" fmla="*/ 399 w 241645"/>
+                  <a:gd name="connsiteY19" fmla="*/ 9936 h 241872"/>
+                  <a:gd name="connsiteX20" fmla="*/ 74058 w 241645"/>
+                  <a:gd name="connsiteY20" fmla="*/ 231677 h 241872"/>
+                  <a:gd name="connsiteX21" fmla="*/ 83701 w 241645"/>
+                  <a:gd name="connsiteY21" fmla="*/ 236284 h 241872"/>
+                  <a:gd name="connsiteX22" fmla="*/ 88307 w 241645"/>
+                  <a:gd name="connsiteY22" fmla="*/ 231677 h 241872"/>
+                  <a:gd name="connsiteX23" fmla="*/ 116033 w 241645"/>
+                  <a:gd name="connsiteY23" fmla="*/ 154711 h 241872"/>
+                  <a:gd name="connsiteX24" fmla="*/ 203172 w 241645"/>
+                  <a:gd name="connsiteY24" fmla="*/ 241872 h 241872"/>
+                  <a:gd name="connsiteX25" fmla="*/ 241645 w 241645"/>
+                  <a:gd name="connsiteY25" fmla="*/ 203442 h 241872"/>
+                  <a:gd name="connsiteX26" fmla="*/ 154423 w 241645"/>
+                  <a:gd name="connsiteY26" fmla="*/ 116221 h 241872"/>
+                  <a:gd name="connsiteX27" fmla="*/ 231282 w 241645"/>
+                  <a:gd name="connsiteY27" fmla="*/ 88539 h 241872"/>
+                  <a:gd name="connsiteX28" fmla="*/ 235967 w 241645"/>
+                  <a:gd name="connsiteY28" fmla="*/ 78927 h 241872"/>
+                  <a:gd name="connsiteX29" fmla="*/ 231282 w 241645"/>
+                  <a:gd name="connsiteY29" fmla="*/ 74242 h 241872"/>
+                  <a:gd name="connsiteX30" fmla="*/ 9803 w 241645"/>
+                  <a:gd name="connsiteY30" fmla="*/ 389 h 241872"/>
+                  <a:gd name="connsiteX31" fmla="*/ 7381 w 241645"/>
+                  <a:gd name="connsiteY31" fmla="*/ 0 h 241872"/>
+                  <a:gd name="connsiteX0" fmla="*/ 9316 w 241645"/>
+                  <a:gd name="connsiteY0" fmla="*/ 9413 h 241872"/>
+                  <a:gd name="connsiteX1" fmla="*/ 225418 w 241645"/>
+                  <a:gd name="connsiteY1" fmla="*/ 81393 h 241872"/>
+                  <a:gd name="connsiteX2" fmla="*/ 225446 w 241645"/>
+                  <a:gd name="connsiteY2" fmla="*/ 81447 h 241872"/>
+                  <a:gd name="connsiteX3" fmla="*/ 225418 w 241645"/>
+                  <a:gd name="connsiteY3" fmla="*/ 81475 h 241872"/>
+                  <a:gd name="connsiteX4" fmla="*/ 151491 w 241645"/>
+                  <a:gd name="connsiteY4" fmla="*/ 108103 h 241872"/>
+                  <a:gd name="connsiteX5" fmla="*/ 138689 w 241645"/>
+                  <a:gd name="connsiteY5" fmla="*/ 112697 h 241872"/>
+                  <a:gd name="connsiteX6" fmla="*/ 148313 w 241645"/>
+                  <a:gd name="connsiteY6" fmla="*/ 122318 h 241872"/>
+                  <a:gd name="connsiteX7" fmla="*/ 229429 w 241645"/>
+                  <a:gd name="connsiteY7" fmla="*/ 203430 h 241872"/>
+                  <a:gd name="connsiteX8" fmla="*/ 203172 w 241645"/>
+                  <a:gd name="connsiteY8" fmla="*/ 229661 h 241872"/>
+                  <a:gd name="connsiteX9" fmla="*/ 122138 w 241645"/>
+                  <a:gd name="connsiteY9" fmla="*/ 148605 h 241872"/>
+                  <a:gd name="connsiteX10" fmla="*/ 107928 w 241645"/>
+                  <a:gd name="connsiteY10" fmla="*/ 151783 h 241872"/>
+                  <a:gd name="connsiteX11" fmla="*/ 81269 w 241645"/>
+                  <a:gd name="connsiteY11" fmla="*/ 225740 h 241872"/>
+                  <a:gd name="connsiteX12" fmla="*/ 81215 w 241645"/>
+                  <a:gd name="connsiteY12" fmla="*/ 225768 h 241872"/>
+                  <a:gd name="connsiteX13" fmla="*/ 81187 w 241645"/>
+                  <a:gd name="connsiteY13" fmla="*/ 225740 h 241872"/>
+                  <a:gd name="connsiteX14" fmla="*/ 9316 w 241645"/>
+                  <a:gd name="connsiteY14" fmla="*/ 9413 h 241872"/>
+                  <a:gd name="connsiteX15" fmla="*/ 7381 w 241645"/>
+                  <a:gd name="connsiteY15" fmla="*/ 0 h 241872"/>
+                  <a:gd name="connsiteX16" fmla="*/ 7342 w 241645"/>
+                  <a:gd name="connsiteY16" fmla="*/ 0 h 241872"/>
+                  <a:gd name="connsiteX17" fmla="*/ 2 w 241645"/>
+                  <a:gd name="connsiteY17" fmla="*/ 7673 h 241872"/>
+                  <a:gd name="connsiteX18" fmla="*/ 399 w 241645"/>
+                  <a:gd name="connsiteY18" fmla="*/ 9936 h 241872"/>
+                  <a:gd name="connsiteX19" fmla="*/ 74058 w 241645"/>
+                  <a:gd name="connsiteY19" fmla="*/ 231677 h 241872"/>
+                  <a:gd name="connsiteX20" fmla="*/ 83701 w 241645"/>
+                  <a:gd name="connsiteY20" fmla="*/ 236284 h 241872"/>
+                  <a:gd name="connsiteX21" fmla="*/ 88307 w 241645"/>
+                  <a:gd name="connsiteY21" fmla="*/ 231677 h 241872"/>
+                  <a:gd name="connsiteX22" fmla="*/ 116033 w 241645"/>
+                  <a:gd name="connsiteY22" fmla="*/ 154711 h 241872"/>
+                  <a:gd name="connsiteX23" fmla="*/ 203172 w 241645"/>
+                  <a:gd name="connsiteY23" fmla="*/ 241872 h 241872"/>
+                  <a:gd name="connsiteX24" fmla="*/ 241645 w 241645"/>
+                  <a:gd name="connsiteY24" fmla="*/ 203442 h 241872"/>
+                  <a:gd name="connsiteX25" fmla="*/ 154423 w 241645"/>
+                  <a:gd name="connsiteY25" fmla="*/ 116221 h 241872"/>
+                  <a:gd name="connsiteX26" fmla="*/ 231282 w 241645"/>
+                  <a:gd name="connsiteY26" fmla="*/ 88539 h 241872"/>
+                  <a:gd name="connsiteX27" fmla="*/ 235967 w 241645"/>
+                  <a:gd name="connsiteY27" fmla="*/ 78927 h 241872"/>
+                  <a:gd name="connsiteX28" fmla="*/ 231282 w 241645"/>
+                  <a:gd name="connsiteY28" fmla="*/ 74242 h 241872"/>
+                  <a:gd name="connsiteX29" fmla="*/ 9803 w 241645"/>
+                  <a:gd name="connsiteY29" fmla="*/ 389 h 241872"/>
+                  <a:gd name="connsiteX30" fmla="*/ 7381 w 241645"/>
+                  <a:gd name="connsiteY30" fmla="*/ 0 h 241872"/>
+                  <a:gd name="connsiteX0" fmla="*/ 81187 w 241645"/>
+                  <a:gd name="connsiteY0" fmla="*/ 225740 h 241872"/>
+                  <a:gd name="connsiteX1" fmla="*/ 225418 w 241645"/>
+                  <a:gd name="connsiteY1" fmla="*/ 81393 h 241872"/>
+                  <a:gd name="connsiteX2" fmla="*/ 225446 w 241645"/>
+                  <a:gd name="connsiteY2" fmla="*/ 81447 h 241872"/>
+                  <a:gd name="connsiteX3" fmla="*/ 225418 w 241645"/>
+                  <a:gd name="connsiteY3" fmla="*/ 81475 h 241872"/>
+                  <a:gd name="connsiteX4" fmla="*/ 151491 w 241645"/>
+                  <a:gd name="connsiteY4" fmla="*/ 108103 h 241872"/>
+                  <a:gd name="connsiteX5" fmla="*/ 138689 w 241645"/>
+                  <a:gd name="connsiteY5" fmla="*/ 112697 h 241872"/>
+                  <a:gd name="connsiteX6" fmla="*/ 148313 w 241645"/>
+                  <a:gd name="connsiteY6" fmla="*/ 122318 h 241872"/>
+                  <a:gd name="connsiteX7" fmla="*/ 229429 w 241645"/>
+                  <a:gd name="connsiteY7" fmla="*/ 203430 h 241872"/>
+                  <a:gd name="connsiteX8" fmla="*/ 203172 w 241645"/>
+                  <a:gd name="connsiteY8" fmla="*/ 229661 h 241872"/>
+                  <a:gd name="connsiteX9" fmla="*/ 122138 w 241645"/>
+                  <a:gd name="connsiteY9" fmla="*/ 148605 h 241872"/>
+                  <a:gd name="connsiteX10" fmla="*/ 107928 w 241645"/>
+                  <a:gd name="connsiteY10" fmla="*/ 151783 h 241872"/>
+                  <a:gd name="connsiteX11" fmla="*/ 81269 w 241645"/>
+                  <a:gd name="connsiteY11" fmla="*/ 225740 h 241872"/>
+                  <a:gd name="connsiteX12" fmla="*/ 81215 w 241645"/>
+                  <a:gd name="connsiteY12" fmla="*/ 225768 h 241872"/>
+                  <a:gd name="connsiteX13" fmla="*/ 81187 w 241645"/>
+                  <a:gd name="connsiteY13" fmla="*/ 225740 h 241872"/>
+                  <a:gd name="connsiteX14" fmla="*/ 7381 w 241645"/>
+                  <a:gd name="connsiteY14" fmla="*/ 0 h 241872"/>
+                  <a:gd name="connsiteX15" fmla="*/ 7342 w 241645"/>
+                  <a:gd name="connsiteY15" fmla="*/ 0 h 241872"/>
+                  <a:gd name="connsiteX16" fmla="*/ 2 w 241645"/>
+                  <a:gd name="connsiteY16" fmla="*/ 7673 h 241872"/>
+                  <a:gd name="connsiteX17" fmla="*/ 399 w 241645"/>
+                  <a:gd name="connsiteY17" fmla="*/ 9936 h 241872"/>
+                  <a:gd name="connsiteX18" fmla="*/ 74058 w 241645"/>
+                  <a:gd name="connsiteY18" fmla="*/ 231677 h 241872"/>
+                  <a:gd name="connsiteX19" fmla="*/ 83701 w 241645"/>
+                  <a:gd name="connsiteY19" fmla="*/ 236284 h 241872"/>
+                  <a:gd name="connsiteX20" fmla="*/ 88307 w 241645"/>
+                  <a:gd name="connsiteY20" fmla="*/ 231677 h 241872"/>
+                  <a:gd name="connsiteX21" fmla="*/ 116033 w 241645"/>
+                  <a:gd name="connsiteY21" fmla="*/ 154711 h 241872"/>
+                  <a:gd name="connsiteX22" fmla="*/ 203172 w 241645"/>
+                  <a:gd name="connsiteY22" fmla="*/ 241872 h 241872"/>
+                  <a:gd name="connsiteX23" fmla="*/ 241645 w 241645"/>
+                  <a:gd name="connsiteY23" fmla="*/ 203442 h 241872"/>
+                  <a:gd name="connsiteX24" fmla="*/ 154423 w 241645"/>
+                  <a:gd name="connsiteY24" fmla="*/ 116221 h 241872"/>
+                  <a:gd name="connsiteX25" fmla="*/ 231282 w 241645"/>
+                  <a:gd name="connsiteY25" fmla="*/ 88539 h 241872"/>
+                  <a:gd name="connsiteX26" fmla="*/ 235967 w 241645"/>
+                  <a:gd name="connsiteY26" fmla="*/ 78927 h 241872"/>
+                  <a:gd name="connsiteX27" fmla="*/ 231282 w 241645"/>
+                  <a:gd name="connsiteY27" fmla="*/ 74242 h 241872"/>
+                  <a:gd name="connsiteX28" fmla="*/ 9803 w 241645"/>
+                  <a:gd name="connsiteY28" fmla="*/ 389 h 241872"/>
+                  <a:gd name="connsiteX29" fmla="*/ 7381 w 241645"/>
+                  <a:gd name="connsiteY29" fmla="*/ 0 h 241872"/>
+                  <a:gd name="connsiteX0" fmla="*/ 81215 w 241645"/>
+                  <a:gd name="connsiteY0" fmla="*/ 225768 h 241872"/>
+                  <a:gd name="connsiteX1" fmla="*/ 225418 w 241645"/>
+                  <a:gd name="connsiteY1" fmla="*/ 81393 h 241872"/>
+                  <a:gd name="connsiteX2" fmla="*/ 225446 w 241645"/>
+                  <a:gd name="connsiteY2" fmla="*/ 81447 h 241872"/>
+                  <a:gd name="connsiteX3" fmla="*/ 225418 w 241645"/>
+                  <a:gd name="connsiteY3" fmla="*/ 81475 h 241872"/>
+                  <a:gd name="connsiteX4" fmla="*/ 151491 w 241645"/>
+                  <a:gd name="connsiteY4" fmla="*/ 108103 h 241872"/>
+                  <a:gd name="connsiteX5" fmla="*/ 138689 w 241645"/>
+                  <a:gd name="connsiteY5" fmla="*/ 112697 h 241872"/>
+                  <a:gd name="connsiteX6" fmla="*/ 148313 w 241645"/>
+                  <a:gd name="connsiteY6" fmla="*/ 122318 h 241872"/>
+                  <a:gd name="connsiteX7" fmla="*/ 229429 w 241645"/>
+                  <a:gd name="connsiteY7" fmla="*/ 203430 h 241872"/>
+                  <a:gd name="connsiteX8" fmla="*/ 203172 w 241645"/>
+                  <a:gd name="connsiteY8" fmla="*/ 229661 h 241872"/>
+                  <a:gd name="connsiteX9" fmla="*/ 122138 w 241645"/>
+                  <a:gd name="connsiteY9" fmla="*/ 148605 h 241872"/>
+                  <a:gd name="connsiteX10" fmla="*/ 107928 w 241645"/>
+                  <a:gd name="connsiteY10" fmla="*/ 151783 h 241872"/>
+                  <a:gd name="connsiteX11" fmla="*/ 81269 w 241645"/>
+                  <a:gd name="connsiteY11" fmla="*/ 225740 h 241872"/>
+                  <a:gd name="connsiteX12" fmla="*/ 81215 w 241645"/>
+                  <a:gd name="connsiteY12" fmla="*/ 225768 h 241872"/>
+                  <a:gd name="connsiteX13" fmla="*/ 7381 w 241645"/>
+                  <a:gd name="connsiteY13" fmla="*/ 0 h 241872"/>
+                  <a:gd name="connsiteX14" fmla="*/ 7342 w 241645"/>
+                  <a:gd name="connsiteY14" fmla="*/ 0 h 241872"/>
+                  <a:gd name="connsiteX15" fmla="*/ 2 w 241645"/>
+                  <a:gd name="connsiteY15" fmla="*/ 7673 h 241872"/>
+                  <a:gd name="connsiteX16" fmla="*/ 399 w 241645"/>
+                  <a:gd name="connsiteY16" fmla="*/ 9936 h 241872"/>
+                  <a:gd name="connsiteX17" fmla="*/ 74058 w 241645"/>
+                  <a:gd name="connsiteY17" fmla="*/ 231677 h 241872"/>
+                  <a:gd name="connsiteX18" fmla="*/ 83701 w 241645"/>
+                  <a:gd name="connsiteY18" fmla="*/ 236284 h 241872"/>
+                  <a:gd name="connsiteX19" fmla="*/ 88307 w 241645"/>
+                  <a:gd name="connsiteY19" fmla="*/ 231677 h 241872"/>
+                  <a:gd name="connsiteX20" fmla="*/ 116033 w 241645"/>
+                  <a:gd name="connsiteY20" fmla="*/ 154711 h 241872"/>
+                  <a:gd name="connsiteX21" fmla="*/ 203172 w 241645"/>
+                  <a:gd name="connsiteY21" fmla="*/ 241872 h 241872"/>
+                  <a:gd name="connsiteX22" fmla="*/ 241645 w 241645"/>
+                  <a:gd name="connsiteY22" fmla="*/ 203442 h 241872"/>
+                  <a:gd name="connsiteX23" fmla="*/ 154423 w 241645"/>
+                  <a:gd name="connsiteY23" fmla="*/ 116221 h 241872"/>
+                  <a:gd name="connsiteX24" fmla="*/ 231282 w 241645"/>
+                  <a:gd name="connsiteY24" fmla="*/ 88539 h 241872"/>
+                  <a:gd name="connsiteX25" fmla="*/ 235967 w 241645"/>
+                  <a:gd name="connsiteY25" fmla="*/ 78927 h 241872"/>
+                  <a:gd name="connsiteX26" fmla="*/ 231282 w 241645"/>
+                  <a:gd name="connsiteY26" fmla="*/ 74242 h 241872"/>
+                  <a:gd name="connsiteX27" fmla="*/ 9803 w 241645"/>
+                  <a:gd name="connsiteY27" fmla="*/ 389 h 241872"/>
+                  <a:gd name="connsiteX28" fmla="*/ 7381 w 241645"/>
+                  <a:gd name="connsiteY28" fmla="*/ 0 h 241872"/>
+                  <a:gd name="connsiteX0" fmla="*/ 81269 w 241645"/>
+                  <a:gd name="connsiteY0" fmla="*/ 225740 h 241872"/>
+                  <a:gd name="connsiteX1" fmla="*/ 225418 w 241645"/>
+                  <a:gd name="connsiteY1" fmla="*/ 81393 h 241872"/>
+                  <a:gd name="connsiteX2" fmla="*/ 225446 w 241645"/>
+                  <a:gd name="connsiteY2" fmla="*/ 81447 h 241872"/>
+                  <a:gd name="connsiteX3" fmla="*/ 225418 w 241645"/>
+                  <a:gd name="connsiteY3" fmla="*/ 81475 h 241872"/>
+                  <a:gd name="connsiteX4" fmla="*/ 151491 w 241645"/>
+                  <a:gd name="connsiteY4" fmla="*/ 108103 h 241872"/>
+                  <a:gd name="connsiteX5" fmla="*/ 138689 w 241645"/>
+                  <a:gd name="connsiteY5" fmla="*/ 112697 h 241872"/>
+                  <a:gd name="connsiteX6" fmla="*/ 148313 w 241645"/>
+                  <a:gd name="connsiteY6" fmla="*/ 122318 h 241872"/>
+                  <a:gd name="connsiteX7" fmla="*/ 229429 w 241645"/>
+                  <a:gd name="connsiteY7" fmla="*/ 203430 h 241872"/>
+                  <a:gd name="connsiteX8" fmla="*/ 203172 w 241645"/>
+                  <a:gd name="connsiteY8" fmla="*/ 229661 h 241872"/>
+                  <a:gd name="connsiteX9" fmla="*/ 122138 w 241645"/>
+                  <a:gd name="connsiteY9" fmla="*/ 148605 h 241872"/>
+                  <a:gd name="connsiteX10" fmla="*/ 107928 w 241645"/>
+                  <a:gd name="connsiteY10" fmla="*/ 151783 h 241872"/>
+                  <a:gd name="connsiteX11" fmla="*/ 81269 w 241645"/>
+                  <a:gd name="connsiteY11" fmla="*/ 225740 h 241872"/>
+                  <a:gd name="connsiteX12" fmla="*/ 7381 w 241645"/>
+                  <a:gd name="connsiteY12" fmla="*/ 0 h 241872"/>
+                  <a:gd name="connsiteX13" fmla="*/ 7342 w 241645"/>
+                  <a:gd name="connsiteY13" fmla="*/ 0 h 241872"/>
+                  <a:gd name="connsiteX14" fmla="*/ 2 w 241645"/>
+                  <a:gd name="connsiteY14" fmla="*/ 7673 h 241872"/>
+                  <a:gd name="connsiteX15" fmla="*/ 399 w 241645"/>
+                  <a:gd name="connsiteY15" fmla="*/ 9936 h 241872"/>
+                  <a:gd name="connsiteX16" fmla="*/ 74058 w 241645"/>
+                  <a:gd name="connsiteY16" fmla="*/ 231677 h 241872"/>
+                  <a:gd name="connsiteX17" fmla="*/ 83701 w 241645"/>
+                  <a:gd name="connsiteY17" fmla="*/ 236284 h 241872"/>
+                  <a:gd name="connsiteX18" fmla="*/ 88307 w 241645"/>
+                  <a:gd name="connsiteY18" fmla="*/ 231677 h 241872"/>
+                  <a:gd name="connsiteX19" fmla="*/ 116033 w 241645"/>
+                  <a:gd name="connsiteY19" fmla="*/ 154711 h 241872"/>
+                  <a:gd name="connsiteX20" fmla="*/ 203172 w 241645"/>
+                  <a:gd name="connsiteY20" fmla="*/ 241872 h 241872"/>
+                  <a:gd name="connsiteX21" fmla="*/ 241645 w 241645"/>
+                  <a:gd name="connsiteY21" fmla="*/ 203442 h 241872"/>
+                  <a:gd name="connsiteX22" fmla="*/ 154423 w 241645"/>
+                  <a:gd name="connsiteY22" fmla="*/ 116221 h 241872"/>
+                  <a:gd name="connsiteX23" fmla="*/ 231282 w 241645"/>
+                  <a:gd name="connsiteY23" fmla="*/ 88539 h 241872"/>
+                  <a:gd name="connsiteX24" fmla="*/ 235967 w 241645"/>
+                  <a:gd name="connsiteY24" fmla="*/ 78927 h 241872"/>
+                  <a:gd name="connsiteX25" fmla="*/ 231282 w 241645"/>
+                  <a:gd name="connsiteY25" fmla="*/ 74242 h 241872"/>
+                  <a:gd name="connsiteX26" fmla="*/ 9803 w 241645"/>
+                  <a:gd name="connsiteY26" fmla="*/ 389 h 241872"/>
+                  <a:gd name="connsiteX27" fmla="*/ 7381 w 241645"/>
+                  <a:gd name="connsiteY27" fmla="*/ 0 h 241872"/>
+                  <a:gd name="connsiteX0" fmla="*/ 107928 w 241645"/>
+                  <a:gd name="connsiteY0" fmla="*/ 151783 h 241872"/>
+                  <a:gd name="connsiteX1" fmla="*/ 225418 w 241645"/>
+                  <a:gd name="connsiteY1" fmla="*/ 81393 h 241872"/>
+                  <a:gd name="connsiteX2" fmla="*/ 225446 w 241645"/>
+                  <a:gd name="connsiteY2" fmla="*/ 81447 h 241872"/>
+                  <a:gd name="connsiteX3" fmla="*/ 225418 w 241645"/>
+                  <a:gd name="connsiteY3" fmla="*/ 81475 h 241872"/>
+                  <a:gd name="connsiteX4" fmla="*/ 151491 w 241645"/>
+                  <a:gd name="connsiteY4" fmla="*/ 108103 h 241872"/>
+                  <a:gd name="connsiteX5" fmla="*/ 138689 w 241645"/>
+                  <a:gd name="connsiteY5" fmla="*/ 112697 h 241872"/>
+                  <a:gd name="connsiteX6" fmla="*/ 148313 w 241645"/>
+                  <a:gd name="connsiteY6" fmla="*/ 122318 h 241872"/>
+                  <a:gd name="connsiteX7" fmla="*/ 229429 w 241645"/>
+                  <a:gd name="connsiteY7" fmla="*/ 203430 h 241872"/>
+                  <a:gd name="connsiteX8" fmla="*/ 203172 w 241645"/>
+                  <a:gd name="connsiteY8" fmla="*/ 229661 h 241872"/>
+                  <a:gd name="connsiteX9" fmla="*/ 122138 w 241645"/>
+                  <a:gd name="connsiteY9" fmla="*/ 148605 h 241872"/>
+                  <a:gd name="connsiteX10" fmla="*/ 107928 w 241645"/>
+                  <a:gd name="connsiteY10" fmla="*/ 151783 h 241872"/>
+                  <a:gd name="connsiteX11" fmla="*/ 7381 w 241645"/>
+                  <a:gd name="connsiteY11" fmla="*/ 0 h 241872"/>
+                  <a:gd name="connsiteX12" fmla="*/ 7342 w 241645"/>
+                  <a:gd name="connsiteY12" fmla="*/ 0 h 241872"/>
+                  <a:gd name="connsiteX13" fmla="*/ 2 w 241645"/>
+                  <a:gd name="connsiteY13" fmla="*/ 7673 h 241872"/>
+                  <a:gd name="connsiteX14" fmla="*/ 399 w 241645"/>
+                  <a:gd name="connsiteY14" fmla="*/ 9936 h 241872"/>
+                  <a:gd name="connsiteX15" fmla="*/ 74058 w 241645"/>
+                  <a:gd name="connsiteY15" fmla="*/ 231677 h 241872"/>
+                  <a:gd name="connsiteX16" fmla="*/ 83701 w 241645"/>
+                  <a:gd name="connsiteY16" fmla="*/ 236284 h 241872"/>
+                  <a:gd name="connsiteX17" fmla="*/ 88307 w 241645"/>
+                  <a:gd name="connsiteY17" fmla="*/ 231677 h 241872"/>
+                  <a:gd name="connsiteX18" fmla="*/ 116033 w 241645"/>
+                  <a:gd name="connsiteY18" fmla="*/ 154711 h 241872"/>
+                  <a:gd name="connsiteX19" fmla="*/ 203172 w 241645"/>
+                  <a:gd name="connsiteY19" fmla="*/ 241872 h 241872"/>
+                  <a:gd name="connsiteX20" fmla="*/ 241645 w 241645"/>
+                  <a:gd name="connsiteY20" fmla="*/ 203442 h 241872"/>
+                  <a:gd name="connsiteX21" fmla="*/ 154423 w 241645"/>
+                  <a:gd name="connsiteY21" fmla="*/ 116221 h 241872"/>
+                  <a:gd name="connsiteX22" fmla="*/ 231282 w 241645"/>
+                  <a:gd name="connsiteY22" fmla="*/ 88539 h 241872"/>
+                  <a:gd name="connsiteX23" fmla="*/ 235967 w 241645"/>
+                  <a:gd name="connsiteY23" fmla="*/ 78927 h 241872"/>
+                  <a:gd name="connsiteX24" fmla="*/ 231282 w 241645"/>
+                  <a:gd name="connsiteY24" fmla="*/ 74242 h 241872"/>
+                  <a:gd name="connsiteX25" fmla="*/ 9803 w 241645"/>
+                  <a:gd name="connsiteY25" fmla="*/ 389 h 241872"/>
+                  <a:gd name="connsiteX26" fmla="*/ 7381 w 241645"/>
+                  <a:gd name="connsiteY26" fmla="*/ 0 h 241872"/>
+                  <a:gd name="connsiteX0" fmla="*/ 122138 w 241645"/>
+                  <a:gd name="connsiteY0" fmla="*/ 148605 h 241872"/>
+                  <a:gd name="connsiteX1" fmla="*/ 225418 w 241645"/>
+                  <a:gd name="connsiteY1" fmla="*/ 81393 h 241872"/>
+                  <a:gd name="connsiteX2" fmla="*/ 225446 w 241645"/>
+                  <a:gd name="connsiteY2" fmla="*/ 81447 h 241872"/>
+                  <a:gd name="connsiteX3" fmla="*/ 225418 w 241645"/>
+                  <a:gd name="connsiteY3" fmla="*/ 81475 h 241872"/>
+                  <a:gd name="connsiteX4" fmla="*/ 151491 w 241645"/>
+                  <a:gd name="connsiteY4" fmla="*/ 108103 h 241872"/>
+                  <a:gd name="connsiteX5" fmla="*/ 138689 w 241645"/>
+                  <a:gd name="connsiteY5" fmla="*/ 112697 h 241872"/>
+                  <a:gd name="connsiteX6" fmla="*/ 148313 w 241645"/>
+                  <a:gd name="connsiteY6" fmla="*/ 122318 h 241872"/>
+                  <a:gd name="connsiteX7" fmla="*/ 229429 w 241645"/>
+                  <a:gd name="connsiteY7" fmla="*/ 203430 h 241872"/>
+                  <a:gd name="connsiteX8" fmla="*/ 203172 w 241645"/>
+                  <a:gd name="connsiteY8" fmla="*/ 229661 h 241872"/>
+                  <a:gd name="connsiteX9" fmla="*/ 122138 w 241645"/>
+                  <a:gd name="connsiteY9" fmla="*/ 148605 h 241872"/>
+                  <a:gd name="connsiteX10" fmla="*/ 7381 w 241645"/>
+                  <a:gd name="connsiteY10" fmla="*/ 0 h 241872"/>
+                  <a:gd name="connsiteX11" fmla="*/ 7342 w 241645"/>
+                  <a:gd name="connsiteY11" fmla="*/ 0 h 241872"/>
+                  <a:gd name="connsiteX12" fmla="*/ 2 w 241645"/>
+                  <a:gd name="connsiteY12" fmla="*/ 7673 h 241872"/>
+                  <a:gd name="connsiteX13" fmla="*/ 399 w 241645"/>
+                  <a:gd name="connsiteY13" fmla="*/ 9936 h 241872"/>
+                  <a:gd name="connsiteX14" fmla="*/ 74058 w 241645"/>
+                  <a:gd name="connsiteY14" fmla="*/ 231677 h 241872"/>
+                  <a:gd name="connsiteX15" fmla="*/ 83701 w 241645"/>
+                  <a:gd name="connsiteY15" fmla="*/ 236284 h 241872"/>
+                  <a:gd name="connsiteX16" fmla="*/ 88307 w 241645"/>
+                  <a:gd name="connsiteY16" fmla="*/ 231677 h 241872"/>
+                  <a:gd name="connsiteX17" fmla="*/ 116033 w 241645"/>
+                  <a:gd name="connsiteY17" fmla="*/ 154711 h 241872"/>
+                  <a:gd name="connsiteX18" fmla="*/ 203172 w 241645"/>
+                  <a:gd name="connsiteY18" fmla="*/ 241872 h 241872"/>
+                  <a:gd name="connsiteX19" fmla="*/ 241645 w 241645"/>
+                  <a:gd name="connsiteY19" fmla="*/ 203442 h 241872"/>
+                  <a:gd name="connsiteX20" fmla="*/ 154423 w 241645"/>
+                  <a:gd name="connsiteY20" fmla="*/ 116221 h 241872"/>
+                  <a:gd name="connsiteX21" fmla="*/ 231282 w 241645"/>
+                  <a:gd name="connsiteY21" fmla="*/ 88539 h 241872"/>
+                  <a:gd name="connsiteX22" fmla="*/ 235967 w 241645"/>
+                  <a:gd name="connsiteY22" fmla="*/ 78927 h 241872"/>
+                  <a:gd name="connsiteX23" fmla="*/ 231282 w 241645"/>
+                  <a:gd name="connsiteY23" fmla="*/ 74242 h 241872"/>
+                  <a:gd name="connsiteX24" fmla="*/ 9803 w 241645"/>
+                  <a:gd name="connsiteY24" fmla="*/ 389 h 241872"/>
+                  <a:gd name="connsiteX25" fmla="*/ 7381 w 241645"/>
+                  <a:gd name="connsiteY25" fmla="*/ 0 h 241872"/>
+                  <a:gd name="connsiteX0" fmla="*/ 203172 w 241645"/>
+                  <a:gd name="connsiteY0" fmla="*/ 229661 h 241872"/>
+                  <a:gd name="connsiteX1" fmla="*/ 225418 w 241645"/>
+                  <a:gd name="connsiteY1" fmla="*/ 81393 h 241872"/>
+                  <a:gd name="connsiteX2" fmla="*/ 225446 w 241645"/>
+                  <a:gd name="connsiteY2" fmla="*/ 81447 h 241872"/>
+                  <a:gd name="connsiteX3" fmla="*/ 225418 w 241645"/>
+                  <a:gd name="connsiteY3" fmla="*/ 81475 h 241872"/>
+                  <a:gd name="connsiteX4" fmla="*/ 151491 w 241645"/>
+                  <a:gd name="connsiteY4" fmla="*/ 108103 h 241872"/>
+                  <a:gd name="connsiteX5" fmla="*/ 138689 w 241645"/>
+                  <a:gd name="connsiteY5" fmla="*/ 112697 h 241872"/>
+                  <a:gd name="connsiteX6" fmla="*/ 148313 w 241645"/>
+                  <a:gd name="connsiteY6" fmla="*/ 122318 h 241872"/>
+                  <a:gd name="connsiteX7" fmla="*/ 229429 w 241645"/>
+                  <a:gd name="connsiteY7" fmla="*/ 203430 h 241872"/>
+                  <a:gd name="connsiteX8" fmla="*/ 203172 w 241645"/>
+                  <a:gd name="connsiteY8" fmla="*/ 229661 h 241872"/>
+                  <a:gd name="connsiteX9" fmla="*/ 7381 w 241645"/>
+                  <a:gd name="connsiteY9" fmla="*/ 0 h 241872"/>
+                  <a:gd name="connsiteX10" fmla="*/ 7342 w 241645"/>
+                  <a:gd name="connsiteY10" fmla="*/ 0 h 241872"/>
+                  <a:gd name="connsiteX11" fmla="*/ 2 w 241645"/>
+                  <a:gd name="connsiteY11" fmla="*/ 7673 h 241872"/>
+                  <a:gd name="connsiteX12" fmla="*/ 399 w 241645"/>
+                  <a:gd name="connsiteY12" fmla="*/ 9936 h 241872"/>
+                  <a:gd name="connsiteX13" fmla="*/ 74058 w 241645"/>
+                  <a:gd name="connsiteY13" fmla="*/ 231677 h 241872"/>
+                  <a:gd name="connsiteX14" fmla="*/ 83701 w 241645"/>
+                  <a:gd name="connsiteY14" fmla="*/ 236284 h 241872"/>
+                  <a:gd name="connsiteX15" fmla="*/ 88307 w 241645"/>
+                  <a:gd name="connsiteY15" fmla="*/ 231677 h 241872"/>
+                  <a:gd name="connsiteX16" fmla="*/ 116033 w 241645"/>
+                  <a:gd name="connsiteY16" fmla="*/ 154711 h 241872"/>
+                  <a:gd name="connsiteX17" fmla="*/ 203172 w 241645"/>
+                  <a:gd name="connsiteY17" fmla="*/ 241872 h 241872"/>
+                  <a:gd name="connsiteX18" fmla="*/ 241645 w 241645"/>
+                  <a:gd name="connsiteY18" fmla="*/ 203442 h 241872"/>
+                  <a:gd name="connsiteX19" fmla="*/ 154423 w 241645"/>
+                  <a:gd name="connsiteY19" fmla="*/ 116221 h 241872"/>
+                  <a:gd name="connsiteX20" fmla="*/ 231282 w 241645"/>
+                  <a:gd name="connsiteY20" fmla="*/ 88539 h 241872"/>
+                  <a:gd name="connsiteX21" fmla="*/ 235967 w 241645"/>
+                  <a:gd name="connsiteY21" fmla="*/ 78927 h 241872"/>
+                  <a:gd name="connsiteX22" fmla="*/ 231282 w 241645"/>
+                  <a:gd name="connsiteY22" fmla="*/ 74242 h 241872"/>
+                  <a:gd name="connsiteX23" fmla="*/ 9803 w 241645"/>
+                  <a:gd name="connsiteY23" fmla="*/ 389 h 241872"/>
+                  <a:gd name="connsiteX24" fmla="*/ 7381 w 241645"/>
+                  <a:gd name="connsiteY24" fmla="*/ 0 h 241872"/>
+                  <a:gd name="connsiteX0" fmla="*/ 229429 w 241645"/>
+                  <a:gd name="connsiteY0" fmla="*/ 203430 h 241872"/>
+                  <a:gd name="connsiteX1" fmla="*/ 225418 w 241645"/>
+                  <a:gd name="connsiteY1" fmla="*/ 81393 h 241872"/>
+                  <a:gd name="connsiteX2" fmla="*/ 225446 w 241645"/>
+                  <a:gd name="connsiteY2" fmla="*/ 81447 h 241872"/>
+                  <a:gd name="connsiteX3" fmla="*/ 225418 w 241645"/>
+                  <a:gd name="connsiteY3" fmla="*/ 81475 h 241872"/>
+                  <a:gd name="connsiteX4" fmla="*/ 151491 w 241645"/>
+                  <a:gd name="connsiteY4" fmla="*/ 108103 h 241872"/>
+                  <a:gd name="connsiteX5" fmla="*/ 138689 w 241645"/>
+                  <a:gd name="connsiteY5" fmla="*/ 112697 h 241872"/>
+                  <a:gd name="connsiteX6" fmla="*/ 148313 w 241645"/>
+                  <a:gd name="connsiteY6" fmla="*/ 122318 h 241872"/>
+                  <a:gd name="connsiteX7" fmla="*/ 229429 w 241645"/>
+                  <a:gd name="connsiteY7" fmla="*/ 203430 h 241872"/>
+                  <a:gd name="connsiteX8" fmla="*/ 7381 w 241645"/>
+                  <a:gd name="connsiteY8" fmla="*/ 0 h 241872"/>
+                  <a:gd name="connsiteX9" fmla="*/ 7342 w 241645"/>
+                  <a:gd name="connsiteY9" fmla="*/ 0 h 241872"/>
+                  <a:gd name="connsiteX10" fmla="*/ 2 w 241645"/>
+                  <a:gd name="connsiteY10" fmla="*/ 7673 h 241872"/>
+                  <a:gd name="connsiteX11" fmla="*/ 399 w 241645"/>
+                  <a:gd name="connsiteY11" fmla="*/ 9936 h 241872"/>
+                  <a:gd name="connsiteX12" fmla="*/ 74058 w 241645"/>
+                  <a:gd name="connsiteY12" fmla="*/ 231677 h 241872"/>
+                  <a:gd name="connsiteX13" fmla="*/ 83701 w 241645"/>
+                  <a:gd name="connsiteY13" fmla="*/ 236284 h 241872"/>
+                  <a:gd name="connsiteX14" fmla="*/ 88307 w 241645"/>
+                  <a:gd name="connsiteY14" fmla="*/ 231677 h 241872"/>
+                  <a:gd name="connsiteX15" fmla="*/ 116033 w 241645"/>
+                  <a:gd name="connsiteY15" fmla="*/ 154711 h 241872"/>
+                  <a:gd name="connsiteX16" fmla="*/ 203172 w 241645"/>
+                  <a:gd name="connsiteY16" fmla="*/ 241872 h 241872"/>
+                  <a:gd name="connsiteX17" fmla="*/ 241645 w 241645"/>
+                  <a:gd name="connsiteY17" fmla="*/ 203442 h 241872"/>
+                  <a:gd name="connsiteX18" fmla="*/ 154423 w 241645"/>
+                  <a:gd name="connsiteY18" fmla="*/ 116221 h 241872"/>
+                  <a:gd name="connsiteX19" fmla="*/ 231282 w 241645"/>
+                  <a:gd name="connsiteY19" fmla="*/ 88539 h 241872"/>
+                  <a:gd name="connsiteX20" fmla="*/ 235967 w 241645"/>
+                  <a:gd name="connsiteY20" fmla="*/ 78927 h 241872"/>
+                  <a:gd name="connsiteX21" fmla="*/ 231282 w 241645"/>
+                  <a:gd name="connsiteY21" fmla="*/ 74242 h 241872"/>
+                  <a:gd name="connsiteX22" fmla="*/ 9803 w 241645"/>
+                  <a:gd name="connsiteY22" fmla="*/ 389 h 241872"/>
+                  <a:gd name="connsiteX23" fmla="*/ 7381 w 241645"/>
+                  <a:gd name="connsiteY23" fmla="*/ 0 h 241872"/>
+                  <a:gd name="connsiteX0" fmla="*/ 148313 w 241645"/>
+                  <a:gd name="connsiteY0" fmla="*/ 122318 h 241872"/>
+                  <a:gd name="connsiteX1" fmla="*/ 225418 w 241645"/>
+                  <a:gd name="connsiteY1" fmla="*/ 81393 h 241872"/>
+                  <a:gd name="connsiteX2" fmla="*/ 225446 w 241645"/>
+                  <a:gd name="connsiteY2" fmla="*/ 81447 h 241872"/>
+                  <a:gd name="connsiteX3" fmla="*/ 225418 w 241645"/>
+                  <a:gd name="connsiteY3" fmla="*/ 81475 h 241872"/>
+                  <a:gd name="connsiteX4" fmla="*/ 151491 w 241645"/>
+                  <a:gd name="connsiteY4" fmla="*/ 108103 h 241872"/>
+                  <a:gd name="connsiteX5" fmla="*/ 138689 w 241645"/>
+                  <a:gd name="connsiteY5" fmla="*/ 112697 h 241872"/>
+                  <a:gd name="connsiteX6" fmla="*/ 148313 w 241645"/>
+                  <a:gd name="connsiteY6" fmla="*/ 122318 h 241872"/>
+                  <a:gd name="connsiteX7" fmla="*/ 7381 w 241645"/>
+                  <a:gd name="connsiteY7" fmla="*/ 0 h 241872"/>
+                  <a:gd name="connsiteX8" fmla="*/ 7342 w 241645"/>
+                  <a:gd name="connsiteY8" fmla="*/ 0 h 241872"/>
+                  <a:gd name="connsiteX9" fmla="*/ 2 w 241645"/>
+                  <a:gd name="connsiteY9" fmla="*/ 7673 h 241872"/>
+                  <a:gd name="connsiteX10" fmla="*/ 399 w 241645"/>
+                  <a:gd name="connsiteY10" fmla="*/ 9936 h 241872"/>
+                  <a:gd name="connsiteX11" fmla="*/ 74058 w 241645"/>
+                  <a:gd name="connsiteY11" fmla="*/ 231677 h 241872"/>
+                  <a:gd name="connsiteX12" fmla="*/ 83701 w 241645"/>
+                  <a:gd name="connsiteY12" fmla="*/ 236284 h 241872"/>
+                  <a:gd name="connsiteX13" fmla="*/ 88307 w 241645"/>
+                  <a:gd name="connsiteY13" fmla="*/ 231677 h 241872"/>
+                  <a:gd name="connsiteX14" fmla="*/ 116033 w 241645"/>
+                  <a:gd name="connsiteY14" fmla="*/ 154711 h 241872"/>
+                  <a:gd name="connsiteX15" fmla="*/ 203172 w 241645"/>
+                  <a:gd name="connsiteY15" fmla="*/ 241872 h 241872"/>
+                  <a:gd name="connsiteX16" fmla="*/ 241645 w 241645"/>
+                  <a:gd name="connsiteY16" fmla="*/ 203442 h 241872"/>
+                  <a:gd name="connsiteX17" fmla="*/ 154423 w 241645"/>
+                  <a:gd name="connsiteY17" fmla="*/ 116221 h 241872"/>
+                  <a:gd name="connsiteX18" fmla="*/ 231282 w 241645"/>
+                  <a:gd name="connsiteY18" fmla="*/ 88539 h 241872"/>
+                  <a:gd name="connsiteX19" fmla="*/ 235967 w 241645"/>
+                  <a:gd name="connsiteY19" fmla="*/ 78927 h 241872"/>
+                  <a:gd name="connsiteX20" fmla="*/ 231282 w 241645"/>
+                  <a:gd name="connsiteY20" fmla="*/ 74242 h 241872"/>
+                  <a:gd name="connsiteX21" fmla="*/ 9803 w 241645"/>
+                  <a:gd name="connsiteY21" fmla="*/ 389 h 241872"/>
+                  <a:gd name="connsiteX22" fmla="*/ 7381 w 241645"/>
+                  <a:gd name="connsiteY22" fmla="*/ 0 h 241872"/>
+                  <a:gd name="connsiteX0" fmla="*/ 148313 w 241645"/>
+                  <a:gd name="connsiteY0" fmla="*/ 122318 h 241872"/>
+                  <a:gd name="connsiteX1" fmla="*/ 225418 w 241645"/>
+                  <a:gd name="connsiteY1" fmla="*/ 81393 h 241872"/>
+                  <a:gd name="connsiteX2" fmla="*/ 225446 w 241645"/>
+                  <a:gd name="connsiteY2" fmla="*/ 81447 h 241872"/>
+                  <a:gd name="connsiteX3" fmla="*/ 225418 w 241645"/>
+                  <a:gd name="connsiteY3" fmla="*/ 81475 h 241872"/>
+                  <a:gd name="connsiteX4" fmla="*/ 151491 w 241645"/>
+                  <a:gd name="connsiteY4" fmla="*/ 108103 h 241872"/>
+                  <a:gd name="connsiteX5" fmla="*/ 148313 w 241645"/>
+                  <a:gd name="connsiteY5" fmla="*/ 122318 h 241872"/>
+                  <a:gd name="connsiteX6" fmla="*/ 7381 w 241645"/>
+                  <a:gd name="connsiteY6" fmla="*/ 0 h 241872"/>
+                  <a:gd name="connsiteX7" fmla="*/ 7342 w 241645"/>
+                  <a:gd name="connsiteY7" fmla="*/ 0 h 241872"/>
+                  <a:gd name="connsiteX8" fmla="*/ 2 w 241645"/>
+                  <a:gd name="connsiteY8" fmla="*/ 7673 h 241872"/>
+                  <a:gd name="connsiteX9" fmla="*/ 399 w 241645"/>
+                  <a:gd name="connsiteY9" fmla="*/ 9936 h 241872"/>
+                  <a:gd name="connsiteX10" fmla="*/ 74058 w 241645"/>
+                  <a:gd name="connsiteY10" fmla="*/ 231677 h 241872"/>
+                  <a:gd name="connsiteX11" fmla="*/ 83701 w 241645"/>
+                  <a:gd name="connsiteY11" fmla="*/ 236284 h 241872"/>
+                  <a:gd name="connsiteX12" fmla="*/ 88307 w 241645"/>
+                  <a:gd name="connsiteY12" fmla="*/ 231677 h 241872"/>
+                  <a:gd name="connsiteX13" fmla="*/ 116033 w 241645"/>
+                  <a:gd name="connsiteY13" fmla="*/ 154711 h 241872"/>
+                  <a:gd name="connsiteX14" fmla="*/ 203172 w 241645"/>
+                  <a:gd name="connsiteY14" fmla="*/ 241872 h 241872"/>
+                  <a:gd name="connsiteX15" fmla="*/ 241645 w 241645"/>
+                  <a:gd name="connsiteY15" fmla="*/ 203442 h 241872"/>
+                  <a:gd name="connsiteX16" fmla="*/ 154423 w 241645"/>
+                  <a:gd name="connsiteY16" fmla="*/ 116221 h 241872"/>
+                  <a:gd name="connsiteX17" fmla="*/ 231282 w 241645"/>
+                  <a:gd name="connsiteY17" fmla="*/ 88539 h 241872"/>
+                  <a:gd name="connsiteX18" fmla="*/ 235967 w 241645"/>
+                  <a:gd name="connsiteY18" fmla="*/ 78927 h 241872"/>
+                  <a:gd name="connsiteX19" fmla="*/ 231282 w 241645"/>
+                  <a:gd name="connsiteY19" fmla="*/ 74242 h 241872"/>
+                  <a:gd name="connsiteX20" fmla="*/ 9803 w 241645"/>
+                  <a:gd name="connsiteY20" fmla="*/ 389 h 241872"/>
+                  <a:gd name="connsiteX21" fmla="*/ 7381 w 241645"/>
+                  <a:gd name="connsiteY21" fmla="*/ 0 h 241872"/>
+                  <a:gd name="connsiteX0" fmla="*/ 148313 w 241645"/>
+                  <a:gd name="connsiteY0" fmla="*/ 122318 h 241872"/>
+                  <a:gd name="connsiteX1" fmla="*/ 225418 w 241645"/>
+                  <a:gd name="connsiteY1" fmla="*/ 81393 h 241872"/>
+                  <a:gd name="connsiteX2" fmla="*/ 225446 w 241645"/>
+                  <a:gd name="connsiteY2" fmla="*/ 81447 h 241872"/>
+                  <a:gd name="connsiteX3" fmla="*/ 225418 w 241645"/>
+                  <a:gd name="connsiteY3" fmla="*/ 81475 h 241872"/>
+                  <a:gd name="connsiteX4" fmla="*/ 148313 w 241645"/>
+                  <a:gd name="connsiteY4" fmla="*/ 122318 h 241872"/>
+                  <a:gd name="connsiteX5" fmla="*/ 7381 w 241645"/>
+                  <a:gd name="connsiteY5" fmla="*/ 0 h 241872"/>
+                  <a:gd name="connsiteX6" fmla="*/ 7342 w 241645"/>
+                  <a:gd name="connsiteY6" fmla="*/ 0 h 241872"/>
+                  <a:gd name="connsiteX7" fmla="*/ 2 w 241645"/>
+                  <a:gd name="connsiteY7" fmla="*/ 7673 h 241872"/>
+                  <a:gd name="connsiteX8" fmla="*/ 399 w 241645"/>
+                  <a:gd name="connsiteY8" fmla="*/ 9936 h 241872"/>
+                  <a:gd name="connsiteX9" fmla="*/ 74058 w 241645"/>
+                  <a:gd name="connsiteY9" fmla="*/ 231677 h 241872"/>
+                  <a:gd name="connsiteX10" fmla="*/ 83701 w 241645"/>
+                  <a:gd name="connsiteY10" fmla="*/ 236284 h 241872"/>
+                  <a:gd name="connsiteX11" fmla="*/ 88307 w 241645"/>
+                  <a:gd name="connsiteY11" fmla="*/ 231677 h 241872"/>
+                  <a:gd name="connsiteX12" fmla="*/ 116033 w 241645"/>
+                  <a:gd name="connsiteY12" fmla="*/ 154711 h 241872"/>
+                  <a:gd name="connsiteX13" fmla="*/ 203172 w 241645"/>
+                  <a:gd name="connsiteY13" fmla="*/ 241872 h 241872"/>
+                  <a:gd name="connsiteX14" fmla="*/ 241645 w 241645"/>
+                  <a:gd name="connsiteY14" fmla="*/ 203442 h 241872"/>
+                  <a:gd name="connsiteX15" fmla="*/ 154423 w 241645"/>
+                  <a:gd name="connsiteY15" fmla="*/ 116221 h 241872"/>
+                  <a:gd name="connsiteX16" fmla="*/ 231282 w 241645"/>
+                  <a:gd name="connsiteY16" fmla="*/ 88539 h 241872"/>
+                  <a:gd name="connsiteX17" fmla="*/ 235967 w 241645"/>
+                  <a:gd name="connsiteY17" fmla="*/ 78927 h 241872"/>
+                  <a:gd name="connsiteX18" fmla="*/ 231282 w 241645"/>
+                  <a:gd name="connsiteY18" fmla="*/ 74242 h 241872"/>
+                  <a:gd name="connsiteX19" fmla="*/ 9803 w 241645"/>
+                  <a:gd name="connsiteY19" fmla="*/ 389 h 241872"/>
+                  <a:gd name="connsiteX20" fmla="*/ 7381 w 241645"/>
+                  <a:gd name="connsiteY20" fmla="*/ 0 h 241872"/>
+                  <a:gd name="connsiteX0" fmla="*/ 148313 w 241645"/>
+                  <a:gd name="connsiteY0" fmla="*/ 122318 h 241872"/>
+                  <a:gd name="connsiteX1" fmla="*/ 225418 w 241645"/>
+                  <a:gd name="connsiteY1" fmla="*/ 81393 h 241872"/>
+                  <a:gd name="connsiteX2" fmla="*/ 225446 w 241645"/>
+                  <a:gd name="connsiteY2" fmla="*/ 81447 h 241872"/>
+                  <a:gd name="connsiteX3" fmla="*/ 148313 w 241645"/>
+                  <a:gd name="connsiteY3" fmla="*/ 122318 h 241872"/>
+                  <a:gd name="connsiteX4" fmla="*/ 7381 w 241645"/>
+                  <a:gd name="connsiteY4" fmla="*/ 0 h 241872"/>
+                  <a:gd name="connsiteX5" fmla="*/ 7342 w 241645"/>
+                  <a:gd name="connsiteY5" fmla="*/ 0 h 241872"/>
+                  <a:gd name="connsiteX6" fmla="*/ 2 w 241645"/>
+                  <a:gd name="connsiteY6" fmla="*/ 7673 h 241872"/>
+                  <a:gd name="connsiteX7" fmla="*/ 399 w 241645"/>
+                  <a:gd name="connsiteY7" fmla="*/ 9936 h 241872"/>
+                  <a:gd name="connsiteX8" fmla="*/ 74058 w 241645"/>
+                  <a:gd name="connsiteY8" fmla="*/ 231677 h 241872"/>
+                  <a:gd name="connsiteX9" fmla="*/ 83701 w 241645"/>
+                  <a:gd name="connsiteY9" fmla="*/ 236284 h 241872"/>
+                  <a:gd name="connsiteX10" fmla="*/ 88307 w 241645"/>
+                  <a:gd name="connsiteY10" fmla="*/ 231677 h 241872"/>
+                  <a:gd name="connsiteX11" fmla="*/ 116033 w 241645"/>
+                  <a:gd name="connsiteY11" fmla="*/ 154711 h 241872"/>
+                  <a:gd name="connsiteX12" fmla="*/ 203172 w 241645"/>
+                  <a:gd name="connsiteY12" fmla="*/ 241872 h 241872"/>
+                  <a:gd name="connsiteX13" fmla="*/ 241645 w 241645"/>
+                  <a:gd name="connsiteY13" fmla="*/ 203442 h 241872"/>
+                  <a:gd name="connsiteX14" fmla="*/ 154423 w 241645"/>
+                  <a:gd name="connsiteY14" fmla="*/ 116221 h 241872"/>
+                  <a:gd name="connsiteX15" fmla="*/ 231282 w 241645"/>
+                  <a:gd name="connsiteY15" fmla="*/ 88539 h 241872"/>
+                  <a:gd name="connsiteX16" fmla="*/ 235967 w 241645"/>
+                  <a:gd name="connsiteY16" fmla="*/ 78927 h 241872"/>
+                  <a:gd name="connsiteX17" fmla="*/ 231282 w 241645"/>
+                  <a:gd name="connsiteY17" fmla="*/ 74242 h 241872"/>
+                  <a:gd name="connsiteX18" fmla="*/ 9803 w 241645"/>
+                  <a:gd name="connsiteY18" fmla="*/ 389 h 241872"/>
+                  <a:gd name="connsiteX19" fmla="*/ 7381 w 241645"/>
+                  <a:gd name="connsiteY19" fmla="*/ 0 h 241872"/>
+                  <a:gd name="connsiteX0" fmla="*/ 148313 w 241645"/>
+                  <a:gd name="connsiteY0" fmla="*/ 122318 h 241872"/>
+                  <a:gd name="connsiteX1" fmla="*/ 225418 w 241645"/>
+                  <a:gd name="connsiteY1" fmla="*/ 81393 h 241872"/>
+                  <a:gd name="connsiteX2" fmla="*/ 148313 w 241645"/>
+                  <a:gd name="connsiteY2" fmla="*/ 122318 h 241872"/>
+                  <a:gd name="connsiteX3" fmla="*/ 7381 w 241645"/>
+                  <a:gd name="connsiteY3" fmla="*/ 0 h 241872"/>
+                  <a:gd name="connsiteX4" fmla="*/ 7342 w 241645"/>
+                  <a:gd name="connsiteY4" fmla="*/ 0 h 241872"/>
+                  <a:gd name="connsiteX5" fmla="*/ 2 w 241645"/>
+                  <a:gd name="connsiteY5" fmla="*/ 7673 h 241872"/>
+                  <a:gd name="connsiteX6" fmla="*/ 399 w 241645"/>
+                  <a:gd name="connsiteY6" fmla="*/ 9936 h 241872"/>
+                  <a:gd name="connsiteX7" fmla="*/ 74058 w 241645"/>
+                  <a:gd name="connsiteY7" fmla="*/ 231677 h 241872"/>
+                  <a:gd name="connsiteX8" fmla="*/ 83701 w 241645"/>
+                  <a:gd name="connsiteY8" fmla="*/ 236284 h 241872"/>
+                  <a:gd name="connsiteX9" fmla="*/ 88307 w 241645"/>
+                  <a:gd name="connsiteY9" fmla="*/ 231677 h 241872"/>
+                  <a:gd name="connsiteX10" fmla="*/ 116033 w 241645"/>
+                  <a:gd name="connsiteY10" fmla="*/ 154711 h 241872"/>
+                  <a:gd name="connsiteX11" fmla="*/ 203172 w 241645"/>
+                  <a:gd name="connsiteY11" fmla="*/ 241872 h 241872"/>
+                  <a:gd name="connsiteX12" fmla="*/ 241645 w 241645"/>
+                  <a:gd name="connsiteY12" fmla="*/ 203442 h 241872"/>
+                  <a:gd name="connsiteX13" fmla="*/ 154423 w 241645"/>
+                  <a:gd name="connsiteY13" fmla="*/ 116221 h 241872"/>
+                  <a:gd name="connsiteX14" fmla="*/ 231282 w 241645"/>
+                  <a:gd name="connsiteY14" fmla="*/ 88539 h 241872"/>
+                  <a:gd name="connsiteX15" fmla="*/ 235967 w 241645"/>
+                  <a:gd name="connsiteY15" fmla="*/ 78927 h 241872"/>
+                  <a:gd name="connsiteX16" fmla="*/ 231282 w 241645"/>
+                  <a:gd name="connsiteY16" fmla="*/ 74242 h 241872"/>
+                  <a:gd name="connsiteX17" fmla="*/ 9803 w 241645"/>
+                  <a:gd name="connsiteY17" fmla="*/ 389 h 241872"/>
+                  <a:gd name="connsiteX18" fmla="*/ 7381 w 241645"/>
+                  <a:gd name="connsiteY18" fmla="*/ 0 h 241872"/>
+                  <a:gd name="connsiteX0" fmla="*/ 7381 w 241645"/>
+                  <a:gd name="connsiteY0" fmla="*/ 0 h 241872"/>
+                  <a:gd name="connsiteX1" fmla="*/ 7342 w 241645"/>
+                  <a:gd name="connsiteY1" fmla="*/ 0 h 241872"/>
+                  <a:gd name="connsiteX2" fmla="*/ 2 w 241645"/>
+                  <a:gd name="connsiteY2" fmla="*/ 7673 h 241872"/>
+                  <a:gd name="connsiteX3" fmla="*/ 399 w 241645"/>
+                  <a:gd name="connsiteY3" fmla="*/ 9936 h 241872"/>
+                  <a:gd name="connsiteX4" fmla="*/ 74058 w 241645"/>
+                  <a:gd name="connsiteY4" fmla="*/ 231677 h 241872"/>
+                  <a:gd name="connsiteX5" fmla="*/ 83701 w 241645"/>
+                  <a:gd name="connsiteY5" fmla="*/ 236284 h 241872"/>
+                  <a:gd name="connsiteX6" fmla="*/ 88307 w 241645"/>
+                  <a:gd name="connsiteY6" fmla="*/ 231677 h 241872"/>
+                  <a:gd name="connsiteX7" fmla="*/ 116033 w 241645"/>
+                  <a:gd name="connsiteY7" fmla="*/ 154711 h 241872"/>
+                  <a:gd name="connsiteX8" fmla="*/ 203172 w 241645"/>
+                  <a:gd name="connsiteY8" fmla="*/ 241872 h 241872"/>
+                  <a:gd name="connsiteX9" fmla="*/ 241645 w 241645"/>
+                  <a:gd name="connsiteY9" fmla="*/ 203442 h 241872"/>
+                  <a:gd name="connsiteX10" fmla="*/ 154423 w 241645"/>
+                  <a:gd name="connsiteY10" fmla="*/ 116221 h 241872"/>
+                  <a:gd name="connsiteX11" fmla="*/ 231282 w 241645"/>
+                  <a:gd name="connsiteY11" fmla="*/ 88539 h 241872"/>
+                  <a:gd name="connsiteX12" fmla="*/ 235967 w 241645"/>
+                  <a:gd name="connsiteY12" fmla="*/ 78927 h 241872"/>
+                  <a:gd name="connsiteX13" fmla="*/ 231282 w 241645"/>
+                  <a:gd name="connsiteY13" fmla="*/ 74242 h 241872"/>
+                  <a:gd name="connsiteX14" fmla="*/ 9803 w 241645"/>
+                  <a:gd name="connsiteY14" fmla="*/ 389 h 241872"/>
+                  <a:gd name="connsiteX15" fmla="*/ 7381 w 241645"/>
+                  <a:gd name="connsiteY15" fmla="*/ 0 h 241872"/>
+                </a:gdLst>
+                <a:ahLst/>
+                <a:cxnLst>
+                  <a:cxn ang="0">
+                    <a:pos x="connsiteX0" y="connsiteY0"/>
+                  </a:cxn>
+                  <a:cxn ang="0">
+                    <a:pos x="connsiteX1" y="connsiteY1"/>
+                  </a:cxn>
+                  <a:cxn ang="0">
+                    <a:pos x="connsiteX2" y="connsiteY2"/>
+                  </a:cxn>
+                  <a:cxn ang="0">
+                    <a:pos x="connsiteX3" y="connsiteY3"/>
+                  </a:cxn>
+                  <a:cxn ang="0">
+                    <a:pos x="connsiteX4" y="connsiteY4"/>
+                  </a:cxn>
+                  <a:cxn ang="0">
+                    <a:pos x="connsiteX5" y="connsiteY5"/>
+                  </a:cxn>
+                  <a:cxn ang="0">
+                    <a:pos x="connsiteX6" y="connsiteY6"/>
+                  </a:cxn>
+                  <a:cxn ang="0">
+                    <a:pos x="connsiteX7" y="connsiteY7"/>
+                  </a:cxn>
+                  <a:cxn ang="0">
+                    <a:pos x="connsiteX8" y="connsiteY8"/>
+                  </a:cxn>
+                  <a:cxn ang="0">
+                    <a:pos x="connsiteX9" y="connsiteY9"/>
+                  </a:cxn>
+                  <a:cxn ang="0">
+                    <a:pos x="connsiteX10" y="connsiteY10"/>
+                  </a:cxn>
+                  <a:cxn ang="0">
+                    <a:pos x="connsiteX11" y="connsiteY11"/>
+                  </a:cxn>
+                  <a:cxn ang="0">
+                    <a:pos x="connsiteX12" y="connsiteY12"/>
+                  </a:cxn>
+                  <a:cxn ang="0">
+                    <a:pos x="connsiteX13" y="connsiteY13"/>
+                  </a:cxn>
+                  <a:cxn ang="0">
+                    <a:pos x="connsiteX14" y="connsiteY14"/>
+                  </a:cxn>
+                  <a:cxn ang="0">
+                    <a:pos x="connsiteX15" y="connsiteY15"/>
+                  </a:cxn>
+                </a:cxnLst>
+                <a:rect l="l" t="t" r="r" b="b"/>
+                <a:pathLst>
+                  <a:path w="241645" h="241872">
+                    <a:moveTo>
+                      <a:pt x="7381" y="0"/>
+                    </a:moveTo>
+                    <a:lnTo>
+                      <a:pt x="7342" y="0"/>
+                    </a:lnTo>
+                    <a:cubicBezTo>
+                      <a:pt x="3197" y="95"/>
+                      <a:pt x="-88" y="3528"/>
+                      <a:pt x="2" y="7673"/>
+                    </a:cubicBezTo>
+                    <a:cubicBezTo>
+                      <a:pt x="19" y="8443"/>
+                      <a:pt x="153" y="9206"/>
+                      <a:pt x="399" y="9936"/>
+                    </a:cubicBezTo>
+                    <a:lnTo>
+                      <a:pt x="74058" y="231677"/>
+                    </a:lnTo>
+                    <a:cubicBezTo>
+                      <a:pt x="75449" y="235612"/>
+                      <a:pt x="79766" y="237674"/>
+                      <a:pt x="83701" y="236284"/>
+                    </a:cubicBezTo>
+                    <a:cubicBezTo>
+                      <a:pt x="85853" y="235523"/>
+                      <a:pt x="87546" y="233830"/>
+                      <a:pt x="88307" y="231677"/>
+                    </a:cubicBezTo>
+                    <a:lnTo>
+                      <a:pt x="116033" y="154711"/>
+                    </a:lnTo>
+                    <a:lnTo>
+                      <a:pt x="203172" y="241872"/>
+                    </a:lnTo>
+                    <a:lnTo>
+                      <a:pt x="241645" y="203442"/>
+                    </a:lnTo>
+                    <a:lnTo>
+                      <a:pt x="154423" y="116221"/>
+                    </a:lnTo>
+                    <a:lnTo>
+                      <a:pt x="231282" y="88539"/>
+                    </a:lnTo>
+                    <a:cubicBezTo>
+                      <a:pt x="235230" y="87179"/>
+                      <a:pt x="237327" y="82875"/>
+                      <a:pt x="235967" y="78927"/>
+                    </a:cubicBezTo>
+                    <a:cubicBezTo>
+                      <a:pt x="235209" y="76728"/>
+                      <a:pt x="233481" y="75000"/>
+                      <a:pt x="231282" y="74242"/>
+                    </a:cubicBezTo>
+                    <a:lnTo>
+                      <a:pt x="9803" y="389"/>
+                    </a:lnTo>
+                    <a:cubicBezTo>
+                      <a:pt x="9022" y="130"/>
+                      <a:pt x="8204" y="-1"/>
+                      <a:pt x="7381" y="0"/>
+                    </a:cubicBezTo>
+                    <a:close/>
+                  </a:path>
+                </a:pathLst>
+              </a:custGeom>
+              <a:solidFill>
+                <a:srgbClr val="C00000"/>
+              </a:solidFill>
+              <a:ln w="4266" cap="flat">
+                <a:solidFill>
+                  <a:srgbClr val="FF0000"/>
+                </a:solidFill>
+                <a:prstDash val="solid"/>
+                <a:miter/>
+              </a:ln>
+              <a:effectLst>
+                <a:outerShdw blurRad="50800" dist="38100" dir="2700000" algn="tl" rotWithShape="0">
+                  <a:prstClr val="black">
+                    <a:alpha val="40000"/>
+                  </a:prstClr>
+                </a:outerShdw>
+              </a:effectLst>
+            </p:spPr>
+            <p:txBody>
+              <a:bodyPr rtlCol="0" anchor="ctr"/>
+              <a:lstStyle/>
+              <a:p>
+                <a:endParaRPr lang="en-US"/>
+              </a:p>
+            </p:txBody>
+          </p:sp>
+          <p:cxnSp>
+            <p:nvCxnSpPr>
+              <p:cNvPr id="23" name="Straight Connector 22">
+                <a:extLst>
+                  <a:ext uri="{FF2B5EF4-FFF2-40B4-BE49-F238E27FC236}">
+                    <a16:creationId xmlns:a16="http://schemas.microsoft.com/office/drawing/2014/main" id="{2904AB0C-2E38-162C-26D9-9A1A2B733CE6}"/>
+                  </a:ext>
+                </a:extLst>
+              </p:cNvPr>
+              <p:cNvCxnSpPr>
+                <a:cxnSpLocks/>
+              </p:cNvCxnSpPr>
+              <p:nvPr/>
+            </p:nvCxnSpPr>
+            <p:spPr>
+              <a:xfrm>
+                <a:off x="6998677" y="3417277"/>
+                <a:ext cx="4121580" cy="0"/>
+              </a:xfrm>
+              <a:prstGeom prst="line">
+                <a:avLst/>
+              </a:prstGeom>
+              <a:ln w="19050">
+                <a:solidFill>
+                  <a:srgbClr val="C00000"/>
+                </a:solidFill>
+              </a:ln>
+            </p:spPr>
+            <p:style>
+              <a:lnRef idx="1">
+                <a:schemeClr val="accent1"/>
+              </a:lnRef>
+              <a:fillRef idx="0">
+                <a:schemeClr val="accent1"/>
+              </a:fillRef>
+              <a:effectRef idx="0">
+                <a:schemeClr val="accent1"/>
+              </a:effectRef>
+              <a:fontRef idx="minor">
+                <a:schemeClr val="tx1"/>
+              </a:fontRef>
+            </p:style>
+          </p:cxnSp>
+        </p:grpSp>
+      </p:grpSp>
+    </p:spTree>
+    <p:extLst>
+      <p:ext uri="{BB962C8B-B14F-4D97-AF65-F5344CB8AC3E}">
+        <p14:creationId xmlns:p14="http://schemas.microsoft.com/office/powerpoint/2010/main" val="3917182347"/>
+      </p:ext>
+    </p:extLst>
+  </p:cSld>
+  <p:clrMapOvr>
+    <a:masterClrMapping/>
+  </p:clrMapOvr>
+</p:sld>
+</file>
+
 <file path=ppt/slides/slide2.xml><?xml version="1.0" encoding="utf-8"?>
 <p:sld xmlns:a="http://schemas.openxmlformats.org/drawingml/2006/main" xmlns:r="http://schemas.openxmlformats.org/officeDocument/2006/relationships" xmlns:p="http://schemas.openxmlformats.org/presentationml/2006/main">
   <p:cSld>
@@ -3757,141 +6319,6 @@
           <a:chExt cx="0" cy="0"/>
         </a:xfrm>
       </p:grpSpPr>
-      <p:grpSp>
-        <p:nvGrpSpPr>
-          <p:cNvPr id="5" name="Group 4">
-            <a:extLst>
-              <a:ext uri="{FF2B5EF4-FFF2-40B4-BE49-F238E27FC236}">
-                <a16:creationId xmlns:a16="http://schemas.microsoft.com/office/drawing/2014/main" id="{6F91F7AB-CBEE-F24F-9D4B-2AF0479C70E4}"/>
-              </a:ext>
-            </a:extLst>
-          </p:cNvPr>
-          <p:cNvGrpSpPr/>
-          <p:nvPr/>
-        </p:nvGrpSpPr>
-        <p:grpSpPr>
-          <a:xfrm>
-            <a:off x="8302734" y="654768"/>
-            <a:ext cx="3479801" cy="1714500"/>
-            <a:chOff x="8302734" y="833438"/>
-            <a:chExt cx="3479801" cy="1714500"/>
-          </a:xfrm>
-        </p:grpSpPr>
-        <p:pic>
-          <p:nvPicPr>
-            <p:cNvPr id="3" name="Picture 2">
-              <a:extLst>
-                <a:ext uri="{FF2B5EF4-FFF2-40B4-BE49-F238E27FC236}">
-                  <a16:creationId xmlns:a16="http://schemas.microsoft.com/office/drawing/2014/main" id="{83A0B77B-3CB5-1440-A91B-5FF2933E531C}"/>
-                </a:ext>
-              </a:extLst>
-            </p:cNvPr>
-            <p:cNvPicPr>
-              <a:picLocks noChangeAspect="1"/>
-            </p:cNvPicPr>
-            <p:nvPr/>
-          </p:nvPicPr>
-          <p:blipFill>
-            <a:blip r:embed="rId2"/>
-            <a:stretch>
-              <a:fillRect/>
-            </a:stretch>
-          </p:blipFill>
-          <p:spPr>
-            <a:xfrm>
-              <a:off x="8302735" y="833438"/>
-              <a:ext cx="3479800" cy="1714500"/>
-            </a:xfrm>
-            <a:prstGeom prst="rect">
-              <a:avLst/>
-            </a:prstGeom>
-          </p:spPr>
-        </p:pic>
-        <p:pic>
-          <p:nvPicPr>
-            <p:cNvPr id="15" name="Picture 14">
-              <a:extLst>
-                <a:ext uri="{FF2B5EF4-FFF2-40B4-BE49-F238E27FC236}">
-                  <a16:creationId xmlns:a16="http://schemas.microsoft.com/office/drawing/2014/main" id="{732C5069-A77B-8A4A-A926-B5F2AD3B438B}"/>
-                </a:ext>
-              </a:extLst>
-            </p:cNvPr>
-            <p:cNvPicPr>
-              <a:picLocks noChangeAspect="1"/>
-            </p:cNvPicPr>
-            <p:nvPr/>
-          </p:nvPicPr>
-          <p:blipFill rotWithShape="1">
-            <a:blip r:embed="rId3" cstate="screen">
-              <a:duotone>
-                <a:schemeClr val="bg2">
-                  <a:shade val="45000"/>
-                  <a:satMod val="135000"/>
-                </a:schemeClr>
-                <a:prstClr val="white"/>
-              </a:duotone>
-              <a:extLst>
-                <a:ext uri="{28A0092B-C50C-407E-A947-70E740481C1C}">
-                  <a14:useLocalDpi xmlns:a14="http://schemas.microsoft.com/office/drawing/2010/main"/>
-                </a:ext>
-              </a:extLst>
-            </a:blip>
-            <a:srcRect/>
-            <a:stretch/>
-          </p:blipFill>
-          <p:spPr>
-            <a:xfrm>
-              <a:off x="10720551" y="833438"/>
-              <a:ext cx="1061983" cy="1092596"/>
-            </a:xfrm>
-            <a:prstGeom prst="rect">
-              <a:avLst/>
-            </a:prstGeom>
-          </p:spPr>
-        </p:pic>
-        <p:pic>
-          <p:nvPicPr>
-            <p:cNvPr id="16" name="Picture 15">
-              <a:extLst>
-                <a:ext uri="{FF2B5EF4-FFF2-40B4-BE49-F238E27FC236}">
-                  <a16:creationId xmlns:a16="http://schemas.microsoft.com/office/drawing/2014/main" id="{3F9E8814-DCDC-FD43-9DB5-5E8976B204A6}"/>
-                </a:ext>
-              </a:extLst>
-            </p:cNvPr>
-            <p:cNvPicPr>
-              <a:picLocks noChangeAspect="1"/>
-            </p:cNvPicPr>
-            <p:nvPr/>
-          </p:nvPicPr>
-          <p:blipFill rotWithShape="1">
-            <a:blip r:embed="rId4" cstate="screen">
-              <a:duotone>
-                <a:schemeClr val="bg2">
-                  <a:shade val="45000"/>
-                  <a:satMod val="135000"/>
-                </a:schemeClr>
-                <a:prstClr val="white"/>
-              </a:duotone>
-              <a:extLst>
-                <a:ext uri="{28A0092B-C50C-407E-A947-70E740481C1C}">
-                  <a14:useLocalDpi xmlns:a14="http://schemas.microsoft.com/office/drawing/2010/main"/>
-                </a:ext>
-              </a:extLst>
-            </a:blip>
-            <a:srcRect/>
-            <a:stretch/>
-          </p:blipFill>
-          <p:spPr>
-            <a:xfrm>
-              <a:off x="8302734" y="833438"/>
-              <a:ext cx="3405789" cy="669541"/>
-            </a:xfrm>
-            <a:prstGeom prst="rect">
-              <a:avLst/>
-            </a:prstGeom>
-          </p:spPr>
-        </p:pic>
-      </p:grpSp>
       <p:pic>
         <p:nvPicPr>
           <p:cNvPr id="9" name="Picture 8">
@@ -3907,7 +6334,7 @@
           <p:nvPr/>
         </p:nvPicPr>
         <p:blipFill>
-          <a:blip r:embed="rId5"/>
+          <a:blip r:embed="rId2"/>
           <a:stretch>
             <a:fillRect/>
           </a:stretch>
@@ -3937,7 +6364,7 @@
           <p:nvPr/>
         </p:nvPicPr>
         <p:blipFill>
-          <a:blip r:embed="rId6" cstate="screen">
+          <a:blip r:embed="rId3" cstate="screen">
             <a:extLst>
               <a:ext uri="{28A0092B-C50C-407E-A947-70E740481C1C}">
                 <a14:useLocalDpi xmlns:a14="http://schemas.microsoft.com/office/drawing/2010/main"/>
@@ -3973,7 +6400,7 @@
           <p:nvPr/>
         </p:nvPicPr>
         <p:blipFill>
-          <a:blip r:embed="rId7"/>
+          <a:blip r:embed="rId4"/>
           <a:stretch>
             <a:fillRect/>
           </a:stretch>
@@ -4003,7 +6430,7 @@
           <p:nvPr/>
         </p:nvPicPr>
         <p:blipFill>
-          <a:blip r:embed="rId8"/>
+          <a:blip r:embed="rId5"/>
           <a:stretch>
             <a:fillRect/>
           </a:stretch>
@@ -4033,7 +6460,7 @@
           <p:nvPr/>
         </p:nvPicPr>
         <p:blipFill>
-          <a:blip r:embed="rId9" cstate="screen">
+          <a:blip r:embed="rId6" cstate="screen">
             <a:extLst>
               <a:ext uri="{28A0092B-C50C-407E-A947-70E740481C1C}">
                 <a14:useLocalDpi xmlns:a14="http://schemas.microsoft.com/office/drawing/2010/main"/>
@@ -4089,7 +6516,7 @@
             <p:nvPr/>
           </p:nvPicPr>
           <p:blipFill rotWithShape="1">
-            <a:blip r:embed="rId10" cstate="screen">
+            <a:blip r:embed="rId7" cstate="screen">
               <a:extLst>
                 <a:ext uri="{28A0092B-C50C-407E-A947-70E740481C1C}">
                   <a14:useLocalDpi xmlns:a14="http://schemas.microsoft.com/office/drawing/2010/main"/>
@@ -4124,7 +6551,7 @@
             <p:nvPr/>
           </p:nvPicPr>
           <p:blipFill rotWithShape="1">
-            <a:blip r:embed="rId11" cstate="screen">
+            <a:blip r:embed="rId8" cstate="screen">
               <a:extLst>
                 <a:ext uri="{28A0092B-C50C-407E-A947-70E740481C1C}">
                   <a14:useLocalDpi xmlns:a14="http://schemas.microsoft.com/office/drawing/2010/main"/>
@@ -4159,7 +6586,7 @@
             <p:nvPr/>
           </p:nvPicPr>
           <p:blipFill rotWithShape="1">
-            <a:blip r:embed="rId12" cstate="screen">
+            <a:blip r:embed="rId9" cstate="screen">
               <a:extLst>
                 <a:ext uri="{28A0092B-C50C-407E-A947-70E740481C1C}">
                   <a14:useLocalDpi xmlns:a14="http://schemas.microsoft.com/office/drawing/2010/main"/>
@@ -4495,7 +6922,7 @@
             <p:nvPr/>
           </p:nvPicPr>
           <p:blipFill rotWithShape="1">
-            <a:blip r:embed="rId13" cstate="screen">
+            <a:blip r:embed="rId10" cstate="screen">
               <a:extLst>
                 <a:ext uri="{28A0092B-C50C-407E-A947-70E740481C1C}">
                   <a14:useLocalDpi xmlns:a14="http://schemas.microsoft.com/office/drawing/2010/main"/>
@@ -4509,6 +6936,131 @@
             <a:xfrm>
               <a:off x="10051105" y="2986536"/>
               <a:ext cx="291969" cy="595740"/>
+            </a:xfrm>
+            <a:prstGeom prst="rect">
+              <a:avLst/>
+            </a:prstGeom>
+          </p:spPr>
+        </p:pic>
+      </p:grpSp>
+      <p:grpSp>
+        <p:nvGrpSpPr>
+          <p:cNvPr id="7" name="Group 6">
+            <a:extLst>
+              <a:ext uri="{FF2B5EF4-FFF2-40B4-BE49-F238E27FC236}">
+                <a16:creationId xmlns:a16="http://schemas.microsoft.com/office/drawing/2014/main" id="{12CC6317-1DED-0BFB-94C8-C69A8AE2C4BB}"/>
+              </a:ext>
+            </a:extLst>
+          </p:cNvPr>
+          <p:cNvGrpSpPr/>
+          <p:nvPr/>
+        </p:nvGrpSpPr>
+        <p:grpSpPr>
+          <a:xfrm>
+            <a:off x="1139019" y="626488"/>
+            <a:ext cx="3479800" cy="1717529"/>
+            <a:chOff x="1139019" y="626488"/>
+            <a:chExt cx="3479800" cy="1717529"/>
+          </a:xfrm>
+        </p:grpSpPr>
+        <p:pic>
+          <p:nvPicPr>
+            <p:cNvPr id="24" name="Picture 23">
+              <a:extLst>
+                <a:ext uri="{FF2B5EF4-FFF2-40B4-BE49-F238E27FC236}">
+                  <a16:creationId xmlns:a16="http://schemas.microsoft.com/office/drawing/2014/main" id="{B3457464-94C6-5CA1-8744-612E010B272B}"/>
+                </a:ext>
+              </a:extLst>
+            </p:cNvPr>
+            <p:cNvPicPr>
+              <a:picLocks noChangeAspect="1"/>
+            </p:cNvPicPr>
+            <p:nvPr/>
+          </p:nvPicPr>
+          <p:blipFill>
+            <a:blip r:embed="rId11"/>
+            <a:stretch>
+              <a:fillRect/>
+            </a:stretch>
+          </p:blipFill>
+          <p:spPr>
+            <a:xfrm>
+              <a:off x="1139019" y="629517"/>
+              <a:ext cx="3479800" cy="1714500"/>
+            </a:xfrm>
+            <a:prstGeom prst="rect">
+              <a:avLst/>
+            </a:prstGeom>
+          </p:spPr>
+        </p:pic>
+        <p:pic>
+          <p:nvPicPr>
+            <p:cNvPr id="28" name="Picture 27">
+              <a:extLst>
+                <a:ext uri="{FF2B5EF4-FFF2-40B4-BE49-F238E27FC236}">
+                  <a16:creationId xmlns:a16="http://schemas.microsoft.com/office/drawing/2014/main" id="{DE4AB9BE-E1AD-C9BC-917C-7B91216172F9}"/>
+                </a:ext>
+              </a:extLst>
+            </p:cNvPr>
+            <p:cNvPicPr>
+              <a:picLocks noChangeAspect="1"/>
+            </p:cNvPicPr>
+            <p:nvPr/>
+          </p:nvPicPr>
+          <p:blipFill rotWithShape="1">
+            <a:blip r:embed="rId11">
+              <a:duotone>
+                <a:schemeClr val="bg2">
+                  <a:shade val="45000"/>
+                  <a:satMod val="135000"/>
+                </a:schemeClr>
+                <a:prstClr val="white"/>
+              </a:duotone>
+            </a:blip>
+            <a:srcRect l="49749" b="34801"/>
+            <a:stretch/>
+          </p:blipFill>
+          <p:spPr>
+            <a:xfrm>
+              <a:off x="2870199" y="629517"/>
+              <a:ext cx="1748620" cy="1117847"/>
+            </a:xfrm>
+            <a:prstGeom prst="rect">
+              <a:avLst/>
+            </a:prstGeom>
+          </p:spPr>
+        </p:pic>
+        <p:pic>
+          <p:nvPicPr>
+            <p:cNvPr id="32" name="Picture 31">
+              <a:extLst>
+                <a:ext uri="{FF2B5EF4-FFF2-40B4-BE49-F238E27FC236}">
+                  <a16:creationId xmlns:a16="http://schemas.microsoft.com/office/drawing/2014/main" id="{607EC73E-0B7A-E571-6B42-7973E8B0CE48}"/>
+                </a:ext>
+              </a:extLst>
+            </p:cNvPr>
+            <p:cNvPicPr>
+              <a:picLocks noChangeAspect="1"/>
+            </p:cNvPicPr>
+            <p:nvPr/>
+          </p:nvPicPr>
+          <p:blipFill rotWithShape="1">
+            <a:blip r:embed="rId11">
+              <a:duotone>
+                <a:schemeClr val="bg2">
+                  <a:shade val="45000"/>
+                  <a:satMod val="135000"/>
+                </a:schemeClr>
+                <a:prstClr val="white"/>
+              </a:duotone>
+            </a:blip>
+            <a:srcRect b="64746"/>
+            <a:stretch/>
+          </p:blipFill>
+          <p:spPr>
+            <a:xfrm>
+              <a:off x="1139019" y="626488"/>
+              <a:ext cx="3479800" cy="604435"/>
             </a:xfrm>
             <a:prstGeom prst="rect">
               <a:avLst/>
@@ -4914,6 +7466,782 @@
 </file>
 
 <file path=ppt/slides/slide5.xml><?xml version="1.0" encoding="utf-8"?>
+<p:sld xmlns:a="http://schemas.openxmlformats.org/drawingml/2006/main" xmlns:r="http://schemas.openxmlformats.org/officeDocument/2006/relationships" xmlns:p="http://schemas.openxmlformats.org/presentationml/2006/main">
+  <p:cSld>
+    <p:spTree>
+      <p:nvGrpSpPr>
+        <p:cNvPr id="1" name=""/>
+        <p:cNvGrpSpPr/>
+        <p:nvPr/>
+      </p:nvGrpSpPr>
+      <p:grpSpPr>
+        <a:xfrm>
+          <a:off x="0" y="0"/>
+          <a:ext cx="0" cy="0"/>
+          <a:chOff x="0" y="0"/>
+          <a:chExt cx="0" cy="0"/>
+        </a:xfrm>
+      </p:grpSpPr>
+      <p:pic>
+        <p:nvPicPr>
+          <p:cNvPr id="1026" name="Picture 2">
+            <a:extLst>
+              <a:ext uri="{FF2B5EF4-FFF2-40B4-BE49-F238E27FC236}">
+                <a16:creationId xmlns:a16="http://schemas.microsoft.com/office/drawing/2014/main" id="{F52F75E4-9DAC-2B88-E7AD-0D519C5E08EF}"/>
+              </a:ext>
+            </a:extLst>
+          </p:cNvPr>
+          <p:cNvPicPr>
+            <a:picLocks noChangeAspect="1" noChangeArrowheads="1"/>
+          </p:cNvPicPr>
+          <p:nvPr/>
+        </p:nvPicPr>
+        <p:blipFill rotWithShape="1">
+          <a:blip r:embed="rId2">
+            <a:extLst>
+              <a:ext uri="{28A0092B-C50C-407E-A947-70E740481C1C}">
+                <a14:useLocalDpi xmlns:a14="http://schemas.microsoft.com/office/drawing/2010/main"/>
+              </a:ext>
+            </a:extLst>
+          </a:blip>
+          <a:srcRect/>
+          <a:stretch/>
+        </p:blipFill>
+        <p:spPr bwMode="auto">
+          <a:xfrm>
+            <a:off x="3005064" y="4105215"/>
+            <a:ext cx="1508802" cy="1775748"/>
+          </a:xfrm>
+          <a:prstGeom prst="rect">
+            <a:avLst/>
+          </a:prstGeom>
+          <a:noFill/>
+          <a:extLst>
+            <a:ext uri="{909E8E84-426E-40DD-AFC4-6F175D3DCCD1}">
+              <a14:hiddenFill xmlns:a14="http://schemas.microsoft.com/office/drawing/2010/main">
+                <a:solidFill>
+                  <a:srgbClr val="FFFFFF"/>
+                </a:solidFill>
+              </a14:hiddenFill>
+            </a:ext>
+          </a:extLst>
+        </p:spPr>
+      </p:pic>
+      <p:grpSp>
+        <p:nvGrpSpPr>
+          <p:cNvPr id="15" name="Group 14">
+            <a:extLst>
+              <a:ext uri="{FF2B5EF4-FFF2-40B4-BE49-F238E27FC236}">
+                <a16:creationId xmlns:a16="http://schemas.microsoft.com/office/drawing/2014/main" id="{970017F5-CFEA-9BD8-9221-7E21D6D21A8C}"/>
+              </a:ext>
+            </a:extLst>
+          </p:cNvPr>
+          <p:cNvGrpSpPr/>
+          <p:nvPr/>
+        </p:nvGrpSpPr>
+        <p:grpSpPr>
+          <a:xfrm>
+            <a:off x="9679878" y="4306843"/>
+            <a:ext cx="1508801" cy="1780641"/>
+            <a:chOff x="3005064" y="4105215"/>
+            <a:chExt cx="1508801" cy="1780641"/>
+          </a:xfrm>
+        </p:grpSpPr>
+        <p:sp>
+          <p:nvSpPr>
+            <p:cNvPr id="24" name="Rectangle 23">
+              <a:extLst>
+                <a:ext uri="{FF2B5EF4-FFF2-40B4-BE49-F238E27FC236}">
+                  <a16:creationId xmlns:a16="http://schemas.microsoft.com/office/drawing/2014/main" id="{8C2C4EC6-7A26-FC4F-426A-75F37AB9D70A}"/>
+                </a:ext>
+              </a:extLst>
+            </p:cNvPr>
+            <p:cNvSpPr/>
+            <p:nvPr/>
+          </p:nvSpPr>
+          <p:spPr>
+            <a:xfrm>
+              <a:off x="3005064" y="4110108"/>
+              <a:ext cx="1505496" cy="1775748"/>
+            </a:xfrm>
+            <a:prstGeom prst="rect">
+              <a:avLst/>
+            </a:prstGeom>
+            <a:gradFill flip="none" rotWithShape="1">
+              <a:gsLst>
+                <a:gs pos="0">
+                  <a:schemeClr val="accent1">
+                    <a:lumMod val="75000"/>
+                  </a:schemeClr>
+                </a:gs>
+                <a:gs pos="100000">
+                  <a:schemeClr val="accent1">
+                    <a:lumMod val="50000"/>
+                  </a:schemeClr>
+                </a:gs>
+              </a:gsLst>
+              <a:path path="circle">
+                <a:fillToRect l="50000" t="50000" r="50000" b="50000"/>
+              </a:path>
+              <a:tileRect/>
+            </a:gradFill>
+          </p:spPr>
+          <p:style>
+            <a:lnRef idx="2">
+              <a:schemeClr val="accent1">
+                <a:shade val="50000"/>
+              </a:schemeClr>
+            </a:lnRef>
+            <a:fillRef idx="1">
+              <a:schemeClr val="accent1"/>
+            </a:fillRef>
+            <a:effectRef idx="0">
+              <a:schemeClr val="accent1"/>
+            </a:effectRef>
+            <a:fontRef idx="minor">
+              <a:schemeClr val="lt1"/>
+            </a:fontRef>
+          </p:style>
+          <p:txBody>
+            <a:bodyPr rtlCol="0" anchor="ctr"/>
+            <a:lstStyle/>
+            <a:p>
+              <a:pPr algn="ctr"/>
+              <a:endParaRPr lang="en-US"/>
+            </a:p>
+          </p:txBody>
+        </p:sp>
+        <p:pic>
+          <p:nvPicPr>
+            <p:cNvPr id="2056" name="Picture 8" descr="Matt Doherty">
+              <a:extLst>
+                <a:ext uri="{FF2B5EF4-FFF2-40B4-BE49-F238E27FC236}">
+                  <a16:creationId xmlns:a16="http://schemas.microsoft.com/office/drawing/2014/main" id="{ABD9C47F-8992-6AEC-7F1C-869A9D789158}"/>
+                </a:ext>
+              </a:extLst>
+            </p:cNvPr>
+            <p:cNvPicPr>
+              <a:picLocks noChangeAspect="1" noChangeArrowheads="1"/>
+            </p:cNvPicPr>
+            <p:nvPr/>
+          </p:nvPicPr>
+          <p:blipFill rotWithShape="1">
+            <a:blip r:embed="rId3">
+              <a:extLst>
+                <a:ext uri="{28A0092B-C50C-407E-A947-70E740481C1C}">
+                  <a14:useLocalDpi xmlns:a14="http://schemas.microsoft.com/office/drawing/2010/main"/>
+                </a:ext>
+              </a:extLst>
+            </a:blip>
+            <a:srcRect/>
+            <a:stretch/>
+          </p:blipFill>
+          <p:spPr bwMode="auto">
+            <a:xfrm>
+              <a:off x="3008369" y="4105215"/>
+              <a:ext cx="1505496" cy="1690483"/>
+            </a:xfrm>
+            <a:prstGeom prst="rect">
+              <a:avLst/>
+            </a:prstGeom>
+            <a:noFill/>
+            <a:extLst>
+              <a:ext uri="{909E8E84-426E-40DD-AFC4-6F175D3DCCD1}">
+                <a14:hiddenFill xmlns:a14="http://schemas.microsoft.com/office/drawing/2010/main">
+                  <a:solidFill>
+                    <a:srgbClr val="FFFFFF"/>
+                  </a:solidFill>
+                </a14:hiddenFill>
+              </a:ext>
+            </a:extLst>
+          </p:spPr>
+        </p:pic>
+      </p:grpSp>
+      <p:pic>
+        <p:nvPicPr>
+          <p:cNvPr id="2054" name="Picture 6" descr="Profile photo for jrhemama">
+            <a:extLst>
+              <a:ext uri="{FF2B5EF4-FFF2-40B4-BE49-F238E27FC236}">
+                <a16:creationId xmlns:a16="http://schemas.microsoft.com/office/drawing/2014/main" id="{30CD4D68-BD09-87AD-FA18-1F867C6B2E40}"/>
+              </a:ext>
+            </a:extLst>
+          </p:cNvPr>
+          <p:cNvPicPr>
+            <a:picLocks noChangeAspect="1" noChangeArrowheads="1"/>
+          </p:cNvPicPr>
+          <p:nvPr/>
+        </p:nvPicPr>
+        <p:blipFill rotWithShape="1">
+          <a:blip r:embed="rId4">
+            <a:extLst>
+              <a:ext uri="{28A0092B-C50C-407E-A947-70E740481C1C}">
+                <a14:useLocalDpi xmlns:a14="http://schemas.microsoft.com/office/drawing/2010/main"/>
+              </a:ext>
+            </a:extLst>
+          </a:blip>
+          <a:srcRect/>
+          <a:stretch/>
+        </p:blipFill>
+        <p:spPr bwMode="auto">
+          <a:xfrm>
+            <a:off x="6263773" y="2324574"/>
+            <a:ext cx="1505497" cy="1840827"/>
+          </a:xfrm>
+          <a:prstGeom prst="rect">
+            <a:avLst/>
+          </a:prstGeom>
+          <a:noFill/>
+          <a:extLst>
+            <a:ext uri="{909E8E84-426E-40DD-AFC4-6F175D3DCCD1}">
+              <a14:hiddenFill xmlns:a14="http://schemas.microsoft.com/office/drawing/2010/main">
+                <a:solidFill>
+                  <a:srgbClr val="FFFFFF"/>
+                </a:solidFill>
+              </a14:hiddenFill>
+            </a:ext>
+          </a:extLst>
+        </p:spPr>
+      </p:pic>
+      <p:grpSp>
+        <p:nvGrpSpPr>
+          <p:cNvPr id="13" name="Group 12">
+            <a:extLst>
+              <a:ext uri="{FF2B5EF4-FFF2-40B4-BE49-F238E27FC236}">
+                <a16:creationId xmlns:a16="http://schemas.microsoft.com/office/drawing/2014/main" id="{323B893C-D757-612D-C4F1-A150353B4FC6}"/>
+              </a:ext>
+            </a:extLst>
+          </p:cNvPr>
+          <p:cNvGrpSpPr/>
+          <p:nvPr/>
+        </p:nvGrpSpPr>
+        <p:grpSpPr>
+          <a:xfrm>
+            <a:off x="8059135" y="4306843"/>
+            <a:ext cx="1505496" cy="1775748"/>
+            <a:chOff x="5343252" y="3714419"/>
+            <a:chExt cx="1505496" cy="1775748"/>
+          </a:xfrm>
+        </p:grpSpPr>
+        <p:sp>
+          <p:nvSpPr>
+            <p:cNvPr id="12" name="Rectangle 11">
+              <a:extLst>
+                <a:ext uri="{FF2B5EF4-FFF2-40B4-BE49-F238E27FC236}">
+                  <a16:creationId xmlns:a16="http://schemas.microsoft.com/office/drawing/2014/main" id="{69E44375-D4B6-84A6-9D5E-AE5A966FDC20}"/>
+                </a:ext>
+              </a:extLst>
+            </p:cNvPr>
+            <p:cNvSpPr/>
+            <p:nvPr/>
+          </p:nvSpPr>
+          <p:spPr>
+            <a:xfrm>
+              <a:off x="5343252" y="3714419"/>
+              <a:ext cx="1505496" cy="1775748"/>
+            </a:xfrm>
+            <a:prstGeom prst="rect">
+              <a:avLst/>
+            </a:prstGeom>
+            <a:gradFill flip="none" rotWithShape="1">
+              <a:gsLst>
+                <a:gs pos="0">
+                  <a:schemeClr val="accent1">
+                    <a:lumMod val="75000"/>
+                  </a:schemeClr>
+                </a:gs>
+                <a:gs pos="100000">
+                  <a:schemeClr val="accent1">
+                    <a:lumMod val="50000"/>
+                  </a:schemeClr>
+                </a:gs>
+              </a:gsLst>
+              <a:path path="circle">
+                <a:fillToRect l="50000" t="50000" r="50000" b="50000"/>
+              </a:path>
+              <a:tileRect/>
+            </a:gradFill>
+          </p:spPr>
+          <p:style>
+            <a:lnRef idx="2">
+              <a:schemeClr val="accent1">
+                <a:shade val="50000"/>
+              </a:schemeClr>
+            </a:lnRef>
+            <a:fillRef idx="1">
+              <a:schemeClr val="accent1"/>
+            </a:fillRef>
+            <a:effectRef idx="0">
+              <a:schemeClr val="accent1"/>
+            </a:effectRef>
+            <a:fontRef idx="minor">
+              <a:schemeClr val="lt1"/>
+            </a:fontRef>
+          </p:style>
+          <p:txBody>
+            <a:bodyPr rtlCol="0" anchor="ctr"/>
+            <a:lstStyle/>
+            <a:p>
+              <a:pPr algn="ctr"/>
+              <a:endParaRPr lang="en-US"/>
+            </a:p>
+          </p:txBody>
+        </p:sp>
+        <p:pic>
+          <p:nvPicPr>
+            <p:cNvPr id="2050" name="Picture 2" descr="Crystel Wen">
+              <a:extLst>
+                <a:ext uri="{FF2B5EF4-FFF2-40B4-BE49-F238E27FC236}">
+                  <a16:creationId xmlns:a16="http://schemas.microsoft.com/office/drawing/2014/main" id="{E9B75B53-A1EE-A077-9543-CF84EE6D6130}"/>
+                </a:ext>
+              </a:extLst>
+            </p:cNvPr>
+            <p:cNvPicPr>
+              <a:picLocks noChangeAspect="1" noChangeArrowheads="1"/>
+            </p:cNvPicPr>
+            <p:nvPr/>
+          </p:nvPicPr>
+          <p:blipFill>
+            <a:blip r:embed="rId5">
+              <a:extLst>
+                <a:ext uri="{28A0092B-C50C-407E-A947-70E740481C1C}">
+                  <a14:useLocalDpi xmlns:a14="http://schemas.microsoft.com/office/drawing/2010/main"/>
+                </a:ext>
+              </a:extLst>
+            </a:blip>
+            <a:srcRect/>
+            <a:stretch>
+              <a:fillRect/>
+            </a:stretch>
+          </p:blipFill>
+          <p:spPr bwMode="auto">
+            <a:xfrm>
+              <a:off x="5566325" y="3869745"/>
+              <a:ext cx="1058124" cy="1465096"/>
+            </a:xfrm>
+            <a:prstGeom prst="rect">
+              <a:avLst/>
+            </a:prstGeom>
+            <a:noFill/>
+            <a:extLst>
+              <a:ext uri="{909E8E84-426E-40DD-AFC4-6F175D3DCCD1}">
+                <a14:hiddenFill xmlns:a14="http://schemas.microsoft.com/office/drawing/2010/main">
+                  <a:solidFill>
+                    <a:srgbClr val="FFFFFF"/>
+                  </a:solidFill>
+                </a14:hiddenFill>
+              </a:ext>
+            </a:extLst>
+          </p:spPr>
+        </p:pic>
+      </p:grpSp>
+      <p:sp>
+        <p:nvSpPr>
+          <p:cNvPr id="2" name="Title 1">
+            <a:extLst>
+              <a:ext uri="{FF2B5EF4-FFF2-40B4-BE49-F238E27FC236}">
+                <a16:creationId xmlns:a16="http://schemas.microsoft.com/office/drawing/2014/main" id="{593B410E-54C9-1D74-1840-7410822AE5F7}"/>
+              </a:ext>
+            </a:extLst>
+          </p:cNvPr>
+          <p:cNvSpPr>
+            <a:spLocks noGrp="1"/>
+          </p:cNvSpPr>
+          <p:nvPr>
+            <p:ph type="title"/>
+          </p:nvPr>
+        </p:nvSpPr>
+        <p:spPr/>
+        <p:txBody>
+          <a:bodyPr/>
+          <a:lstStyle/>
+          <a:p>
+            <a:endParaRPr lang="en-US"/>
+          </a:p>
+        </p:txBody>
+      </p:sp>
+      <p:pic>
+        <p:nvPicPr>
+          <p:cNvPr id="4" name="Picture 4" descr="Chris Gates, M.S">
+            <a:extLst>
+              <a:ext uri="{FF2B5EF4-FFF2-40B4-BE49-F238E27FC236}">
+                <a16:creationId xmlns:a16="http://schemas.microsoft.com/office/drawing/2014/main" id="{38841473-25B0-8C76-4F4F-D9C90B18E67C}"/>
+              </a:ext>
+            </a:extLst>
+          </p:cNvPr>
+          <p:cNvPicPr>
+            <a:picLocks noChangeAspect="1" noChangeArrowheads="1"/>
+          </p:cNvPicPr>
+          <p:nvPr/>
+        </p:nvPicPr>
+        <p:blipFill rotWithShape="1">
+          <a:blip r:embed="rId6" cstate="screen">
+            <a:extLst>
+              <a:ext uri="{28A0092B-C50C-407E-A947-70E740481C1C}">
+                <a14:useLocalDpi xmlns:a14="http://schemas.microsoft.com/office/drawing/2010/main"/>
+              </a:ext>
+            </a:extLst>
+          </a:blip>
+          <a:srcRect/>
+          <a:stretch/>
+        </p:blipFill>
+        <p:spPr bwMode="auto">
+          <a:xfrm>
+            <a:off x="1243069" y="2098615"/>
+            <a:ext cx="1505496" cy="1780641"/>
+          </a:xfrm>
+          <a:prstGeom prst="rect">
+            <a:avLst/>
+          </a:prstGeom>
+          <a:noFill/>
+          <a:extLst>
+            <a:ext uri="{909E8E84-426E-40DD-AFC4-6F175D3DCCD1}">
+              <a14:hiddenFill xmlns:a14="http://schemas.microsoft.com/office/drawing/2010/main">
+                <a:solidFill>
+                  <a:srgbClr val="FFFFFF"/>
+                </a:solidFill>
+              </a14:hiddenFill>
+            </a:ext>
+          </a:extLst>
+        </p:spPr>
+      </p:pic>
+      <p:pic>
+        <p:nvPicPr>
+          <p:cNvPr id="5" name="Picture 4" descr="Chris Gates, M.S">
+            <a:extLst>
+              <a:ext uri="{FF2B5EF4-FFF2-40B4-BE49-F238E27FC236}">
+                <a16:creationId xmlns:a16="http://schemas.microsoft.com/office/drawing/2014/main" id="{10774345-4AFD-6A89-CBA8-057A0046FF96}"/>
+              </a:ext>
+            </a:extLst>
+          </p:cNvPr>
+          <p:cNvPicPr>
+            <a:picLocks noChangeAspect="1" noChangeArrowheads="1"/>
+          </p:cNvPicPr>
+          <p:nvPr/>
+        </p:nvPicPr>
+        <p:blipFill rotWithShape="1">
+          <a:blip r:embed="rId6" cstate="screen">
+            <a:extLst>
+              <a:ext uri="{28A0092B-C50C-407E-A947-70E740481C1C}">
+                <a14:useLocalDpi xmlns:a14="http://schemas.microsoft.com/office/drawing/2010/main"/>
+              </a:ext>
+            </a:extLst>
+          </a:blip>
+          <a:srcRect/>
+          <a:stretch/>
+        </p:blipFill>
+        <p:spPr bwMode="auto">
+          <a:xfrm>
+            <a:off x="3008369" y="2098614"/>
+            <a:ext cx="1505496" cy="1780641"/>
+          </a:xfrm>
+          <a:prstGeom prst="rect">
+            <a:avLst/>
+          </a:prstGeom>
+          <a:noFill/>
+          <a:extLst>
+            <a:ext uri="{909E8E84-426E-40DD-AFC4-6F175D3DCCD1}">
+              <a14:hiddenFill xmlns:a14="http://schemas.microsoft.com/office/drawing/2010/main">
+                <a:solidFill>
+                  <a:srgbClr val="FFFFFF"/>
+                </a:solidFill>
+              </a14:hiddenFill>
+            </a:ext>
+          </a:extLst>
+        </p:spPr>
+      </p:pic>
+      <p:pic>
+        <p:nvPicPr>
+          <p:cNvPr id="6" name="Picture 4" descr="Chris Gates, M.S">
+            <a:extLst>
+              <a:ext uri="{FF2B5EF4-FFF2-40B4-BE49-F238E27FC236}">
+                <a16:creationId xmlns:a16="http://schemas.microsoft.com/office/drawing/2014/main" id="{855D3618-FF69-959F-EEFC-19639C7C21C6}"/>
+              </a:ext>
+            </a:extLst>
+          </p:cNvPr>
+          <p:cNvPicPr>
+            <a:picLocks noChangeAspect="1" noChangeArrowheads="1"/>
+          </p:cNvPicPr>
+          <p:nvPr/>
+        </p:nvPicPr>
+        <p:blipFill rotWithShape="1">
+          <a:blip r:embed="rId6" cstate="screen">
+            <a:extLst>
+              <a:ext uri="{28A0092B-C50C-407E-A947-70E740481C1C}">
+                <a14:useLocalDpi xmlns:a14="http://schemas.microsoft.com/office/drawing/2010/main"/>
+              </a:ext>
+            </a:extLst>
+          </a:blip>
+          <a:srcRect/>
+          <a:stretch/>
+        </p:blipFill>
+        <p:spPr bwMode="auto">
+          <a:xfrm>
+            <a:off x="1243069" y="4105215"/>
+            <a:ext cx="1505496" cy="1780641"/>
+          </a:xfrm>
+          <a:prstGeom prst="rect">
+            <a:avLst/>
+          </a:prstGeom>
+          <a:noFill/>
+          <a:extLst>
+            <a:ext uri="{909E8E84-426E-40DD-AFC4-6F175D3DCCD1}">
+              <a14:hiddenFill xmlns:a14="http://schemas.microsoft.com/office/drawing/2010/main">
+                <a:solidFill>
+                  <a:srgbClr val="FFFFFF"/>
+                </a:solidFill>
+              </a14:hiddenFill>
+            </a:ext>
+          </a:extLst>
+        </p:spPr>
+      </p:pic>
+      <p:sp>
+        <p:nvSpPr>
+          <p:cNvPr id="8" name="Rectangle 7">
+            <a:extLst>
+              <a:ext uri="{FF2B5EF4-FFF2-40B4-BE49-F238E27FC236}">
+                <a16:creationId xmlns:a16="http://schemas.microsoft.com/office/drawing/2014/main" id="{1D1252E6-EA09-B977-7342-195F3D0E760F}"/>
+              </a:ext>
+            </a:extLst>
+          </p:cNvPr>
+          <p:cNvSpPr/>
+          <p:nvPr/>
+        </p:nvSpPr>
+        <p:spPr>
+          <a:xfrm>
+            <a:off x="3439892" y="2005737"/>
+            <a:ext cx="850900" cy="3625256"/>
+          </a:xfrm>
+          <a:prstGeom prst="rect">
+            <a:avLst/>
+          </a:prstGeom>
+          <a:solidFill>
+            <a:srgbClr val="4472C4">
+              <a:alpha val="38824"/>
+            </a:srgbClr>
+          </a:solidFill>
+        </p:spPr>
+        <p:style>
+          <a:lnRef idx="2">
+            <a:schemeClr val="accent1">
+              <a:shade val="50000"/>
+            </a:schemeClr>
+          </a:lnRef>
+          <a:fillRef idx="1">
+            <a:schemeClr val="accent1"/>
+          </a:fillRef>
+          <a:effectRef idx="0">
+            <a:schemeClr val="accent1"/>
+          </a:effectRef>
+          <a:fontRef idx="minor">
+            <a:schemeClr val="lt1"/>
+          </a:fontRef>
+        </p:style>
+        <p:txBody>
+          <a:bodyPr rtlCol="0" anchor="ctr"/>
+          <a:lstStyle/>
+          <a:p>
+            <a:pPr algn="ctr"/>
+            <a:endParaRPr lang="en-US"/>
+          </a:p>
+        </p:txBody>
+      </p:sp>
+      <p:grpSp>
+        <p:nvGrpSpPr>
+          <p:cNvPr id="14" name="Group 13">
+            <a:extLst>
+              <a:ext uri="{FF2B5EF4-FFF2-40B4-BE49-F238E27FC236}">
+                <a16:creationId xmlns:a16="http://schemas.microsoft.com/office/drawing/2014/main" id="{ED31F2DF-7C67-DD62-366E-8F49E4C2C269}"/>
+              </a:ext>
+            </a:extLst>
+          </p:cNvPr>
+          <p:cNvGrpSpPr/>
+          <p:nvPr/>
+        </p:nvGrpSpPr>
+        <p:grpSpPr>
+          <a:xfrm>
+            <a:off x="6280457" y="4315713"/>
+            <a:ext cx="1505496" cy="1775748"/>
+            <a:chOff x="3008854" y="4092452"/>
+            <a:chExt cx="1505496" cy="1775748"/>
+          </a:xfrm>
+        </p:grpSpPr>
+        <p:sp>
+          <p:nvSpPr>
+            <p:cNvPr id="17" name="Rectangle 16">
+              <a:extLst>
+                <a:ext uri="{FF2B5EF4-FFF2-40B4-BE49-F238E27FC236}">
+                  <a16:creationId xmlns:a16="http://schemas.microsoft.com/office/drawing/2014/main" id="{E5693B39-9522-5237-F159-C96A0CF23C5C}"/>
+                </a:ext>
+              </a:extLst>
+            </p:cNvPr>
+            <p:cNvSpPr/>
+            <p:nvPr/>
+          </p:nvSpPr>
+          <p:spPr>
+            <a:xfrm>
+              <a:off x="3008854" y="4092452"/>
+              <a:ext cx="1505496" cy="1775748"/>
+            </a:xfrm>
+            <a:prstGeom prst="rect">
+              <a:avLst/>
+            </a:prstGeom>
+            <a:gradFill flip="none" rotWithShape="1">
+              <a:gsLst>
+                <a:gs pos="0">
+                  <a:schemeClr val="accent1">
+                    <a:lumMod val="75000"/>
+                  </a:schemeClr>
+                </a:gs>
+                <a:gs pos="100000">
+                  <a:schemeClr val="accent1">
+                    <a:lumMod val="50000"/>
+                  </a:schemeClr>
+                </a:gs>
+              </a:gsLst>
+              <a:path path="circle">
+                <a:fillToRect l="50000" t="50000" r="50000" b="50000"/>
+              </a:path>
+              <a:tileRect/>
+            </a:gradFill>
+          </p:spPr>
+          <p:style>
+            <a:lnRef idx="2">
+              <a:schemeClr val="accent1">
+                <a:shade val="50000"/>
+              </a:schemeClr>
+            </a:lnRef>
+            <a:fillRef idx="1">
+              <a:schemeClr val="accent1"/>
+            </a:fillRef>
+            <a:effectRef idx="0">
+              <a:schemeClr val="accent1"/>
+            </a:effectRef>
+            <a:fontRef idx="minor">
+              <a:schemeClr val="lt1"/>
+            </a:fontRef>
+          </p:style>
+          <p:txBody>
+            <a:bodyPr rtlCol="0" anchor="ctr"/>
+            <a:lstStyle/>
+            <a:p>
+              <a:pPr algn="ctr"/>
+              <a:endParaRPr lang="en-US"/>
+            </a:p>
+          </p:txBody>
+        </p:sp>
+        <p:pic>
+          <p:nvPicPr>
+            <p:cNvPr id="2052" name="Picture 4" descr="Kaiwen Deng">
+              <a:extLst>
+                <a:ext uri="{FF2B5EF4-FFF2-40B4-BE49-F238E27FC236}">
+                  <a16:creationId xmlns:a16="http://schemas.microsoft.com/office/drawing/2014/main" id="{7AB220E7-92C5-B2F4-2B19-2ED9D0C1DAA7}"/>
+                </a:ext>
+              </a:extLst>
+            </p:cNvPr>
+            <p:cNvPicPr>
+              <a:picLocks noChangeAspect="1" noChangeArrowheads="1"/>
+            </p:cNvPicPr>
+            <p:nvPr/>
+          </p:nvPicPr>
+          <p:blipFill>
+            <a:blip r:embed="rId7">
+              <a:extLst>
+                <a:ext uri="{28A0092B-C50C-407E-A947-70E740481C1C}">
+                  <a14:useLocalDpi xmlns:a14="http://schemas.microsoft.com/office/drawing/2010/main"/>
+                </a:ext>
+              </a:extLst>
+            </a:blip>
+            <a:srcRect/>
+            <a:stretch>
+              <a:fillRect/>
+            </a:stretch>
+          </p:blipFill>
+          <p:spPr bwMode="auto">
+            <a:xfrm>
+              <a:off x="3191536" y="4208135"/>
+              <a:ext cx="1137356" cy="1574800"/>
+            </a:xfrm>
+            <a:prstGeom prst="rect">
+              <a:avLst/>
+            </a:prstGeom>
+            <a:noFill/>
+            <a:extLst>
+              <a:ext uri="{909E8E84-426E-40DD-AFC4-6F175D3DCCD1}">
+                <a14:hiddenFill xmlns:a14="http://schemas.microsoft.com/office/drawing/2010/main">
+                  <a:solidFill>
+                    <a:srgbClr val="FFFFFF"/>
+                  </a:solidFill>
+                </a14:hiddenFill>
+              </a:ext>
+            </a:extLst>
+          </p:spPr>
+        </p:pic>
+      </p:grpSp>
+      <p:sp>
+        <p:nvSpPr>
+          <p:cNvPr id="9" name="Rectangle 8">
+            <a:extLst>
+              <a:ext uri="{FF2B5EF4-FFF2-40B4-BE49-F238E27FC236}">
+                <a16:creationId xmlns:a16="http://schemas.microsoft.com/office/drawing/2014/main" id="{E35F7ADD-0DF9-F147-670E-39E0199E73DF}"/>
+              </a:ext>
+            </a:extLst>
+          </p:cNvPr>
+          <p:cNvSpPr/>
+          <p:nvPr/>
+        </p:nvSpPr>
+        <p:spPr>
+          <a:xfrm>
+            <a:off x="1123450" y="4262987"/>
+            <a:ext cx="3530600" cy="1263431"/>
+          </a:xfrm>
+          <a:prstGeom prst="rect">
+            <a:avLst/>
+          </a:prstGeom>
+          <a:solidFill>
+            <a:srgbClr val="4472C4">
+              <a:alpha val="38824"/>
+            </a:srgbClr>
+          </a:solidFill>
+        </p:spPr>
+        <p:style>
+          <a:lnRef idx="2">
+            <a:schemeClr val="accent1">
+              <a:shade val="50000"/>
+            </a:schemeClr>
+          </a:lnRef>
+          <a:fillRef idx="1">
+            <a:schemeClr val="accent1"/>
+          </a:fillRef>
+          <a:effectRef idx="0">
+            <a:schemeClr val="accent1"/>
+          </a:effectRef>
+          <a:fontRef idx="minor">
+            <a:schemeClr val="lt1"/>
+          </a:fontRef>
+        </p:style>
+        <p:txBody>
+          <a:bodyPr rtlCol="0" anchor="ctr"/>
+          <a:lstStyle/>
+          <a:p>
+            <a:pPr algn="ctr"/>
+            <a:endParaRPr lang="en-US"/>
+          </a:p>
+        </p:txBody>
+      </p:sp>
+    </p:spTree>
+    <p:extLst>
+      <p:ext uri="{BB962C8B-B14F-4D97-AF65-F5344CB8AC3E}">
+        <p14:creationId xmlns:p14="http://schemas.microsoft.com/office/powerpoint/2010/main" val="1425164750"/>
+      </p:ext>
+    </p:extLst>
+  </p:cSld>
+  <p:clrMapOvr>
+    <a:masterClrMapping/>
+  </p:clrMapOvr>
+</p:sld>
+</file>
+
+<file path=ppt/slides/slide6.xml><?xml version="1.0" encoding="utf-8"?>
 <p:sld xmlns:a="http://schemas.openxmlformats.org/drawingml/2006/main" xmlns:r="http://schemas.openxmlformats.org/officeDocument/2006/relationships" xmlns:p="http://schemas.openxmlformats.org/presentationml/2006/main">
   <p:cSld>
     <p:spTree>
@@ -5046,7 +8374,7 @@
 </p:sld>
 </file>
 
-<file path=ppt/slides/slide6.xml><?xml version="1.0" encoding="utf-8"?>
+<file path=ppt/slides/slide7.xml><?xml version="1.0" encoding="utf-8"?>
 <p:sld xmlns:a="http://schemas.openxmlformats.org/drawingml/2006/main" xmlns:r="http://schemas.openxmlformats.org/officeDocument/2006/relationships" xmlns:p="http://schemas.openxmlformats.org/presentationml/2006/main">
   <p:cSld>
     <p:spTree>
@@ -5599,7 +8927,7 @@
 </p:sld>
 </file>
 
-<file path=ppt/slides/slide7.xml><?xml version="1.0" encoding="utf-8"?>
+<file path=ppt/slides/slide8.xml><?xml version="1.0" encoding="utf-8"?>
 <p:sld xmlns:a="http://schemas.openxmlformats.org/drawingml/2006/main" xmlns:r="http://schemas.openxmlformats.org/officeDocument/2006/relationships" xmlns:p="http://schemas.openxmlformats.org/presentationml/2006/main">
   <p:cSld>
     <p:spTree>
@@ -6016,7 +9344,7 @@
 </p:sld>
 </file>
 
-<file path=ppt/slides/slide8.xml><?xml version="1.0" encoding="utf-8"?>
+<file path=ppt/slides/slide9.xml><?xml version="1.0" encoding="utf-8"?>
 <p:sld xmlns:a="http://schemas.openxmlformats.org/drawingml/2006/main" xmlns:r="http://schemas.openxmlformats.org/officeDocument/2006/relationships" xmlns:p="http://schemas.openxmlformats.org/presentationml/2006/main">
   <p:cSld>
     <p:spTree>
@@ -6097,2574 +9425,6 @@
     <p:extLst>
       <p:ext uri="{BB962C8B-B14F-4D97-AF65-F5344CB8AC3E}">
         <p14:creationId xmlns:p14="http://schemas.microsoft.com/office/powerpoint/2010/main" val="3152210349"/>
-      </p:ext>
-    </p:extLst>
-  </p:cSld>
-  <p:clrMapOvr>
-    <a:masterClrMapping/>
-  </p:clrMapOvr>
-</p:sld>
-</file>
-
-<file path=ppt/slides/slide9.xml><?xml version="1.0" encoding="utf-8"?>
-<p:sld xmlns:a="http://schemas.openxmlformats.org/drawingml/2006/main" xmlns:r="http://schemas.openxmlformats.org/officeDocument/2006/relationships" xmlns:p="http://schemas.openxmlformats.org/presentationml/2006/main">
-  <p:cSld>
-    <p:spTree>
-      <p:nvGrpSpPr>
-        <p:cNvPr id="1" name=""/>
-        <p:cNvGrpSpPr/>
-        <p:nvPr/>
-      </p:nvGrpSpPr>
-      <p:grpSpPr>
-        <a:xfrm>
-          <a:off x="0" y="0"/>
-          <a:ext cx="0" cy="0"/>
-          <a:chOff x="0" y="0"/>
-          <a:chExt cx="0" cy="0"/>
-        </a:xfrm>
-      </p:grpSpPr>
-      <p:sp>
-        <p:nvSpPr>
-          <p:cNvPr id="15" name="Graphic 9" descr="Cursor outline">
-            <a:extLst>
-              <a:ext uri="{FF2B5EF4-FFF2-40B4-BE49-F238E27FC236}">
-                <a16:creationId xmlns:a16="http://schemas.microsoft.com/office/drawing/2014/main" id="{60E8F175-4D6B-5E4B-896A-E2035AFFAC59}"/>
-              </a:ext>
-            </a:extLst>
-          </p:cNvPr>
-          <p:cNvSpPr/>
-          <p:nvPr/>
-        </p:nvSpPr>
-        <p:spPr>
-          <a:xfrm>
-            <a:off x="7149652" y="1134082"/>
-            <a:ext cx="241644" cy="241871"/>
-          </a:xfrm>
-          <a:custGeom>
-            <a:avLst/>
-            <a:gdLst>
-              <a:gd name="connsiteX0" fmla="*/ 9367 w 241644"/>
-              <a:gd name="connsiteY0" fmla="*/ 9348 h 241871"/>
-              <a:gd name="connsiteX1" fmla="*/ 225418 w 241644"/>
-              <a:gd name="connsiteY1" fmla="*/ 81393 h 241871"/>
-              <a:gd name="connsiteX2" fmla="*/ 225446 w 241644"/>
-              <a:gd name="connsiteY2" fmla="*/ 81447 h 241871"/>
-              <a:gd name="connsiteX3" fmla="*/ 225418 w 241644"/>
-              <a:gd name="connsiteY3" fmla="*/ 81475 h 241871"/>
-              <a:gd name="connsiteX4" fmla="*/ 151491 w 241644"/>
-              <a:gd name="connsiteY4" fmla="*/ 108103 h 241871"/>
-              <a:gd name="connsiteX5" fmla="*/ 138689 w 241644"/>
-              <a:gd name="connsiteY5" fmla="*/ 112697 h 241871"/>
-              <a:gd name="connsiteX6" fmla="*/ 148313 w 241644"/>
-              <a:gd name="connsiteY6" fmla="*/ 122318 h 241871"/>
-              <a:gd name="connsiteX7" fmla="*/ 229429 w 241644"/>
-              <a:gd name="connsiteY7" fmla="*/ 203430 h 241871"/>
-              <a:gd name="connsiteX8" fmla="*/ 203172 w 241644"/>
-              <a:gd name="connsiteY8" fmla="*/ 229661 h 241871"/>
-              <a:gd name="connsiteX9" fmla="*/ 122138 w 241644"/>
-              <a:gd name="connsiteY9" fmla="*/ 148605 h 241871"/>
-              <a:gd name="connsiteX10" fmla="*/ 112539 w 241644"/>
-              <a:gd name="connsiteY10" fmla="*/ 138985 h 241871"/>
-              <a:gd name="connsiteX11" fmla="*/ 107928 w 241644"/>
-              <a:gd name="connsiteY11" fmla="*/ 151783 h 241871"/>
-              <a:gd name="connsiteX12" fmla="*/ 81269 w 241644"/>
-              <a:gd name="connsiteY12" fmla="*/ 225740 h 241871"/>
-              <a:gd name="connsiteX13" fmla="*/ 81215 w 241644"/>
-              <a:gd name="connsiteY13" fmla="*/ 225768 h 241871"/>
-              <a:gd name="connsiteX14" fmla="*/ 81187 w 241644"/>
-              <a:gd name="connsiteY14" fmla="*/ 225740 h 241871"/>
-              <a:gd name="connsiteX15" fmla="*/ 9316 w 241644"/>
-              <a:gd name="connsiteY15" fmla="*/ 9413 h 241871"/>
-              <a:gd name="connsiteX16" fmla="*/ 9309 w 241644"/>
-              <a:gd name="connsiteY16" fmla="*/ 9355 h 241871"/>
-              <a:gd name="connsiteX17" fmla="*/ 9367 w 241644"/>
-              <a:gd name="connsiteY17" fmla="*/ 9348 h 241871"/>
-              <a:gd name="connsiteX18" fmla="*/ 7381 w 241644"/>
-              <a:gd name="connsiteY18" fmla="*/ 0 h 241871"/>
-              <a:gd name="connsiteX19" fmla="*/ 7342 w 241644"/>
-              <a:gd name="connsiteY19" fmla="*/ 0 h 241871"/>
-              <a:gd name="connsiteX20" fmla="*/ 2 w 241644"/>
-              <a:gd name="connsiteY20" fmla="*/ 7673 h 241871"/>
-              <a:gd name="connsiteX21" fmla="*/ 399 w 241644"/>
-              <a:gd name="connsiteY21" fmla="*/ 9936 h 241871"/>
-              <a:gd name="connsiteX22" fmla="*/ 74058 w 241644"/>
-              <a:gd name="connsiteY22" fmla="*/ 231677 h 241871"/>
-              <a:gd name="connsiteX23" fmla="*/ 83701 w 241644"/>
-              <a:gd name="connsiteY23" fmla="*/ 236284 h 241871"/>
-              <a:gd name="connsiteX24" fmla="*/ 88307 w 241644"/>
-              <a:gd name="connsiteY24" fmla="*/ 231677 h 241871"/>
-              <a:gd name="connsiteX25" fmla="*/ 116033 w 241644"/>
-              <a:gd name="connsiteY25" fmla="*/ 154711 h 241871"/>
-              <a:gd name="connsiteX26" fmla="*/ 203172 w 241644"/>
-              <a:gd name="connsiteY26" fmla="*/ 241872 h 241871"/>
-              <a:gd name="connsiteX27" fmla="*/ 241645 w 241644"/>
-              <a:gd name="connsiteY27" fmla="*/ 203442 h 241871"/>
-              <a:gd name="connsiteX28" fmla="*/ 154423 w 241644"/>
-              <a:gd name="connsiteY28" fmla="*/ 116221 h 241871"/>
-              <a:gd name="connsiteX29" fmla="*/ 231282 w 241644"/>
-              <a:gd name="connsiteY29" fmla="*/ 88539 h 241871"/>
-              <a:gd name="connsiteX30" fmla="*/ 235967 w 241644"/>
-              <a:gd name="connsiteY30" fmla="*/ 78927 h 241871"/>
-              <a:gd name="connsiteX31" fmla="*/ 231282 w 241644"/>
-              <a:gd name="connsiteY31" fmla="*/ 74242 h 241871"/>
-              <a:gd name="connsiteX32" fmla="*/ 9803 w 241644"/>
-              <a:gd name="connsiteY32" fmla="*/ 389 h 241871"/>
-              <a:gd name="connsiteX33" fmla="*/ 7381 w 241644"/>
-              <a:gd name="connsiteY33" fmla="*/ 0 h 241871"/>
-            </a:gdLst>
-            <a:ahLst/>
-            <a:cxnLst>
-              <a:cxn ang="0">
-                <a:pos x="connsiteX0" y="connsiteY0"/>
-              </a:cxn>
-              <a:cxn ang="0">
-                <a:pos x="connsiteX1" y="connsiteY1"/>
-              </a:cxn>
-              <a:cxn ang="0">
-                <a:pos x="connsiteX2" y="connsiteY2"/>
-              </a:cxn>
-              <a:cxn ang="0">
-                <a:pos x="connsiteX3" y="connsiteY3"/>
-              </a:cxn>
-              <a:cxn ang="0">
-                <a:pos x="connsiteX4" y="connsiteY4"/>
-              </a:cxn>
-              <a:cxn ang="0">
-                <a:pos x="connsiteX5" y="connsiteY5"/>
-              </a:cxn>
-              <a:cxn ang="0">
-                <a:pos x="connsiteX6" y="connsiteY6"/>
-              </a:cxn>
-              <a:cxn ang="0">
-                <a:pos x="connsiteX7" y="connsiteY7"/>
-              </a:cxn>
-              <a:cxn ang="0">
-                <a:pos x="connsiteX8" y="connsiteY8"/>
-              </a:cxn>
-              <a:cxn ang="0">
-                <a:pos x="connsiteX9" y="connsiteY9"/>
-              </a:cxn>
-              <a:cxn ang="0">
-                <a:pos x="connsiteX10" y="connsiteY10"/>
-              </a:cxn>
-              <a:cxn ang="0">
-                <a:pos x="connsiteX11" y="connsiteY11"/>
-              </a:cxn>
-              <a:cxn ang="0">
-                <a:pos x="connsiteX12" y="connsiteY12"/>
-              </a:cxn>
-              <a:cxn ang="0">
-                <a:pos x="connsiteX13" y="connsiteY13"/>
-              </a:cxn>
-              <a:cxn ang="0">
-                <a:pos x="connsiteX14" y="connsiteY14"/>
-              </a:cxn>
-              <a:cxn ang="0">
-                <a:pos x="connsiteX15" y="connsiteY15"/>
-              </a:cxn>
-              <a:cxn ang="0">
-                <a:pos x="connsiteX16" y="connsiteY16"/>
-              </a:cxn>
-              <a:cxn ang="0">
-                <a:pos x="connsiteX17" y="connsiteY17"/>
-              </a:cxn>
-              <a:cxn ang="0">
-                <a:pos x="connsiteX18" y="connsiteY18"/>
-              </a:cxn>
-              <a:cxn ang="0">
-                <a:pos x="connsiteX19" y="connsiteY19"/>
-              </a:cxn>
-              <a:cxn ang="0">
-                <a:pos x="connsiteX20" y="connsiteY20"/>
-              </a:cxn>
-              <a:cxn ang="0">
-                <a:pos x="connsiteX21" y="connsiteY21"/>
-              </a:cxn>
-              <a:cxn ang="0">
-                <a:pos x="connsiteX22" y="connsiteY22"/>
-              </a:cxn>
-              <a:cxn ang="0">
-                <a:pos x="connsiteX23" y="connsiteY23"/>
-              </a:cxn>
-              <a:cxn ang="0">
-                <a:pos x="connsiteX24" y="connsiteY24"/>
-              </a:cxn>
-              <a:cxn ang="0">
-                <a:pos x="connsiteX25" y="connsiteY25"/>
-              </a:cxn>
-              <a:cxn ang="0">
-                <a:pos x="connsiteX26" y="connsiteY26"/>
-              </a:cxn>
-              <a:cxn ang="0">
-                <a:pos x="connsiteX27" y="connsiteY27"/>
-              </a:cxn>
-              <a:cxn ang="0">
-                <a:pos x="connsiteX28" y="connsiteY28"/>
-              </a:cxn>
-              <a:cxn ang="0">
-                <a:pos x="connsiteX29" y="connsiteY29"/>
-              </a:cxn>
-              <a:cxn ang="0">
-                <a:pos x="connsiteX30" y="connsiteY30"/>
-              </a:cxn>
-              <a:cxn ang="0">
-                <a:pos x="connsiteX31" y="connsiteY31"/>
-              </a:cxn>
-              <a:cxn ang="0">
-                <a:pos x="connsiteX32" y="connsiteY32"/>
-              </a:cxn>
-              <a:cxn ang="0">
-                <a:pos x="connsiteX33" y="connsiteY33"/>
-              </a:cxn>
-            </a:cxnLst>
-            <a:rect l="l" t="t" r="r" b="b"/>
-            <a:pathLst>
-              <a:path w="241644" h="241871">
-                <a:moveTo>
-                  <a:pt x="9367" y="9348"/>
-                </a:moveTo>
-                <a:lnTo>
-                  <a:pt x="225418" y="81393"/>
-                </a:lnTo>
-                <a:cubicBezTo>
-                  <a:pt x="225441" y="81400"/>
-                  <a:pt x="225453" y="81424"/>
-                  <a:pt x="225446" y="81447"/>
-                </a:cubicBezTo>
-                <a:cubicBezTo>
-                  <a:pt x="225441" y="81460"/>
-                  <a:pt x="225431" y="81470"/>
-                  <a:pt x="225418" y="81475"/>
-                </a:cubicBezTo>
-                <a:lnTo>
-                  <a:pt x="151491" y="108103"/>
-                </a:lnTo>
-                <a:lnTo>
-                  <a:pt x="138689" y="112697"/>
-                </a:lnTo>
-                <a:lnTo>
-                  <a:pt x="148313" y="122318"/>
-                </a:lnTo>
-                <a:lnTo>
-                  <a:pt x="229429" y="203430"/>
-                </a:lnTo>
-                <a:lnTo>
-                  <a:pt x="203172" y="229661"/>
-                </a:lnTo>
-                <a:lnTo>
-                  <a:pt x="122138" y="148605"/>
-                </a:lnTo>
-                <a:lnTo>
-                  <a:pt x="112539" y="138985"/>
-                </a:lnTo>
-                <a:lnTo>
-                  <a:pt x="107928" y="151783"/>
-                </a:lnTo>
-                <a:lnTo>
-                  <a:pt x="81269" y="225740"/>
-                </a:lnTo>
-                <a:cubicBezTo>
-                  <a:pt x="81262" y="225763"/>
-                  <a:pt x="81237" y="225775"/>
-                  <a:pt x="81215" y="225768"/>
-                </a:cubicBezTo>
-                <a:cubicBezTo>
-                  <a:pt x="81202" y="225763"/>
-                  <a:pt x="81191" y="225753"/>
-                  <a:pt x="81187" y="225740"/>
-                </a:cubicBezTo>
-                <a:lnTo>
-                  <a:pt x="9316" y="9413"/>
-                </a:lnTo>
-                <a:cubicBezTo>
-                  <a:pt x="9298" y="9399"/>
-                  <a:pt x="9295" y="9372"/>
-                  <a:pt x="9309" y="9355"/>
-                </a:cubicBezTo>
-                <a:cubicBezTo>
-                  <a:pt x="9323" y="9337"/>
-                  <a:pt x="9350" y="9334"/>
-                  <a:pt x="9367" y="9348"/>
-                </a:cubicBezTo>
-                <a:close/>
-                <a:moveTo>
-                  <a:pt x="7381" y="0"/>
-                </a:moveTo>
-                <a:lnTo>
-                  <a:pt x="7342" y="0"/>
-                </a:lnTo>
-                <a:cubicBezTo>
-                  <a:pt x="3197" y="95"/>
-                  <a:pt x="-88" y="3528"/>
-                  <a:pt x="2" y="7673"/>
-                </a:cubicBezTo>
-                <a:cubicBezTo>
-                  <a:pt x="19" y="8443"/>
-                  <a:pt x="153" y="9206"/>
-                  <a:pt x="399" y="9936"/>
-                </a:cubicBezTo>
-                <a:lnTo>
-                  <a:pt x="74058" y="231677"/>
-                </a:lnTo>
-                <a:cubicBezTo>
-                  <a:pt x="75449" y="235612"/>
-                  <a:pt x="79766" y="237674"/>
-                  <a:pt x="83701" y="236284"/>
-                </a:cubicBezTo>
-                <a:cubicBezTo>
-                  <a:pt x="85853" y="235523"/>
-                  <a:pt x="87546" y="233830"/>
-                  <a:pt x="88307" y="231677"/>
-                </a:cubicBezTo>
-                <a:lnTo>
-                  <a:pt x="116033" y="154711"/>
-                </a:lnTo>
-                <a:lnTo>
-                  <a:pt x="203172" y="241872"/>
-                </a:lnTo>
-                <a:lnTo>
-                  <a:pt x="241645" y="203442"/>
-                </a:lnTo>
-                <a:lnTo>
-                  <a:pt x="154423" y="116221"/>
-                </a:lnTo>
-                <a:lnTo>
-                  <a:pt x="231282" y="88539"/>
-                </a:lnTo>
-                <a:cubicBezTo>
-                  <a:pt x="235230" y="87179"/>
-                  <a:pt x="237327" y="82875"/>
-                  <a:pt x="235967" y="78927"/>
-                </a:cubicBezTo>
-                <a:cubicBezTo>
-                  <a:pt x="235209" y="76728"/>
-                  <a:pt x="233481" y="75000"/>
-                  <a:pt x="231282" y="74242"/>
-                </a:cubicBezTo>
-                <a:lnTo>
-                  <a:pt x="9803" y="389"/>
-                </a:lnTo>
-                <a:cubicBezTo>
-                  <a:pt x="9022" y="130"/>
-                  <a:pt x="8204" y="-1"/>
-                  <a:pt x="7381" y="0"/>
-                </a:cubicBezTo>
-                <a:close/>
-              </a:path>
-            </a:pathLst>
-          </a:custGeom>
-          <a:solidFill>
-            <a:srgbClr val="C00000"/>
-          </a:solidFill>
-          <a:ln w="4266" cap="flat">
-            <a:solidFill>
-              <a:srgbClr val="FF0000"/>
-            </a:solidFill>
-            <a:prstDash val="solid"/>
-            <a:miter/>
-          </a:ln>
-        </p:spPr>
-        <p:txBody>
-          <a:bodyPr rtlCol="0" anchor="ctr"/>
-          <a:lstStyle/>
-          <a:p>
-            <a:endParaRPr lang="en-US"/>
-          </a:p>
-        </p:txBody>
-      </p:sp>
-      <p:sp>
-        <p:nvSpPr>
-          <p:cNvPr id="17" name="Graphic 9" descr="Cursor outline">
-            <a:extLst>
-              <a:ext uri="{FF2B5EF4-FFF2-40B4-BE49-F238E27FC236}">
-                <a16:creationId xmlns:a16="http://schemas.microsoft.com/office/drawing/2014/main" id="{B8E0099F-811F-1E44-BF5A-F272A5582813}"/>
-              </a:ext>
-            </a:extLst>
-          </p:cNvPr>
-          <p:cNvSpPr/>
-          <p:nvPr/>
-        </p:nvSpPr>
-        <p:spPr>
-          <a:xfrm>
-            <a:off x="7555672" y="546538"/>
-            <a:ext cx="241644" cy="241871"/>
-          </a:xfrm>
-          <a:custGeom>
-            <a:avLst/>
-            <a:gdLst>
-              <a:gd name="connsiteX0" fmla="*/ 9367 w 241644"/>
-              <a:gd name="connsiteY0" fmla="*/ 9348 h 241871"/>
-              <a:gd name="connsiteX1" fmla="*/ 225418 w 241644"/>
-              <a:gd name="connsiteY1" fmla="*/ 81393 h 241871"/>
-              <a:gd name="connsiteX2" fmla="*/ 225446 w 241644"/>
-              <a:gd name="connsiteY2" fmla="*/ 81447 h 241871"/>
-              <a:gd name="connsiteX3" fmla="*/ 225418 w 241644"/>
-              <a:gd name="connsiteY3" fmla="*/ 81475 h 241871"/>
-              <a:gd name="connsiteX4" fmla="*/ 151491 w 241644"/>
-              <a:gd name="connsiteY4" fmla="*/ 108103 h 241871"/>
-              <a:gd name="connsiteX5" fmla="*/ 138689 w 241644"/>
-              <a:gd name="connsiteY5" fmla="*/ 112697 h 241871"/>
-              <a:gd name="connsiteX6" fmla="*/ 148313 w 241644"/>
-              <a:gd name="connsiteY6" fmla="*/ 122318 h 241871"/>
-              <a:gd name="connsiteX7" fmla="*/ 229429 w 241644"/>
-              <a:gd name="connsiteY7" fmla="*/ 203430 h 241871"/>
-              <a:gd name="connsiteX8" fmla="*/ 203172 w 241644"/>
-              <a:gd name="connsiteY8" fmla="*/ 229661 h 241871"/>
-              <a:gd name="connsiteX9" fmla="*/ 122138 w 241644"/>
-              <a:gd name="connsiteY9" fmla="*/ 148605 h 241871"/>
-              <a:gd name="connsiteX10" fmla="*/ 112539 w 241644"/>
-              <a:gd name="connsiteY10" fmla="*/ 138985 h 241871"/>
-              <a:gd name="connsiteX11" fmla="*/ 107928 w 241644"/>
-              <a:gd name="connsiteY11" fmla="*/ 151783 h 241871"/>
-              <a:gd name="connsiteX12" fmla="*/ 81269 w 241644"/>
-              <a:gd name="connsiteY12" fmla="*/ 225740 h 241871"/>
-              <a:gd name="connsiteX13" fmla="*/ 81215 w 241644"/>
-              <a:gd name="connsiteY13" fmla="*/ 225768 h 241871"/>
-              <a:gd name="connsiteX14" fmla="*/ 81187 w 241644"/>
-              <a:gd name="connsiteY14" fmla="*/ 225740 h 241871"/>
-              <a:gd name="connsiteX15" fmla="*/ 9316 w 241644"/>
-              <a:gd name="connsiteY15" fmla="*/ 9413 h 241871"/>
-              <a:gd name="connsiteX16" fmla="*/ 9309 w 241644"/>
-              <a:gd name="connsiteY16" fmla="*/ 9355 h 241871"/>
-              <a:gd name="connsiteX17" fmla="*/ 9367 w 241644"/>
-              <a:gd name="connsiteY17" fmla="*/ 9348 h 241871"/>
-              <a:gd name="connsiteX18" fmla="*/ 7381 w 241644"/>
-              <a:gd name="connsiteY18" fmla="*/ 0 h 241871"/>
-              <a:gd name="connsiteX19" fmla="*/ 7342 w 241644"/>
-              <a:gd name="connsiteY19" fmla="*/ 0 h 241871"/>
-              <a:gd name="connsiteX20" fmla="*/ 2 w 241644"/>
-              <a:gd name="connsiteY20" fmla="*/ 7673 h 241871"/>
-              <a:gd name="connsiteX21" fmla="*/ 399 w 241644"/>
-              <a:gd name="connsiteY21" fmla="*/ 9936 h 241871"/>
-              <a:gd name="connsiteX22" fmla="*/ 74058 w 241644"/>
-              <a:gd name="connsiteY22" fmla="*/ 231677 h 241871"/>
-              <a:gd name="connsiteX23" fmla="*/ 83701 w 241644"/>
-              <a:gd name="connsiteY23" fmla="*/ 236284 h 241871"/>
-              <a:gd name="connsiteX24" fmla="*/ 88307 w 241644"/>
-              <a:gd name="connsiteY24" fmla="*/ 231677 h 241871"/>
-              <a:gd name="connsiteX25" fmla="*/ 116033 w 241644"/>
-              <a:gd name="connsiteY25" fmla="*/ 154711 h 241871"/>
-              <a:gd name="connsiteX26" fmla="*/ 203172 w 241644"/>
-              <a:gd name="connsiteY26" fmla="*/ 241872 h 241871"/>
-              <a:gd name="connsiteX27" fmla="*/ 241645 w 241644"/>
-              <a:gd name="connsiteY27" fmla="*/ 203442 h 241871"/>
-              <a:gd name="connsiteX28" fmla="*/ 154423 w 241644"/>
-              <a:gd name="connsiteY28" fmla="*/ 116221 h 241871"/>
-              <a:gd name="connsiteX29" fmla="*/ 231282 w 241644"/>
-              <a:gd name="connsiteY29" fmla="*/ 88539 h 241871"/>
-              <a:gd name="connsiteX30" fmla="*/ 235967 w 241644"/>
-              <a:gd name="connsiteY30" fmla="*/ 78927 h 241871"/>
-              <a:gd name="connsiteX31" fmla="*/ 231282 w 241644"/>
-              <a:gd name="connsiteY31" fmla="*/ 74242 h 241871"/>
-              <a:gd name="connsiteX32" fmla="*/ 9803 w 241644"/>
-              <a:gd name="connsiteY32" fmla="*/ 389 h 241871"/>
-              <a:gd name="connsiteX33" fmla="*/ 7381 w 241644"/>
-              <a:gd name="connsiteY33" fmla="*/ 0 h 241871"/>
-              <a:gd name="connsiteX0" fmla="*/ 9367 w 241645"/>
-              <a:gd name="connsiteY0" fmla="*/ 9348 h 241872"/>
-              <a:gd name="connsiteX1" fmla="*/ 225418 w 241645"/>
-              <a:gd name="connsiteY1" fmla="*/ 81393 h 241872"/>
-              <a:gd name="connsiteX2" fmla="*/ 225446 w 241645"/>
-              <a:gd name="connsiteY2" fmla="*/ 81447 h 241872"/>
-              <a:gd name="connsiteX3" fmla="*/ 225418 w 241645"/>
-              <a:gd name="connsiteY3" fmla="*/ 81475 h 241872"/>
-              <a:gd name="connsiteX4" fmla="*/ 151491 w 241645"/>
-              <a:gd name="connsiteY4" fmla="*/ 108103 h 241872"/>
-              <a:gd name="connsiteX5" fmla="*/ 138689 w 241645"/>
-              <a:gd name="connsiteY5" fmla="*/ 112697 h 241872"/>
-              <a:gd name="connsiteX6" fmla="*/ 148313 w 241645"/>
-              <a:gd name="connsiteY6" fmla="*/ 122318 h 241872"/>
-              <a:gd name="connsiteX7" fmla="*/ 229429 w 241645"/>
-              <a:gd name="connsiteY7" fmla="*/ 203430 h 241872"/>
-              <a:gd name="connsiteX8" fmla="*/ 203172 w 241645"/>
-              <a:gd name="connsiteY8" fmla="*/ 229661 h 241872"/>
-              <a:gd name="connsiteX9" fmla="*/ 122138 w 241645"/>
-              <a:gd name="connsiteY9" fmla="*/ 148605 h 241872"/>
-              <a:gd name="connsiteX10" fmla="*/ 107928 w 241645"/>
-              <a:gd name="connsiteY10" fmla="*/ 151783 h 241872"/>
-              <a:gd name="connsiteX11" fmla="*/ 81269 w 241645"/>
-              <a:gd name="connsiteY11" fmla="*/ 225740 h 241872"/>
-              <a:gd name="connsiteX12" fmla="*/ 81215 w 241645"/>
-              <a:gd name="connsiteY12" fmla="*/ 225768 h 241872"/>
-              <a:gd name="connsiteX13" fmla="*/ 81187 w 241645"/>
-              <a:gd name="connsiteY13" fmla="*/ 225740 h 241872"/>
-              <a:gd name="connsiteX14" fmla="*/ 9316 w 241645"/>
-              <a:gd name="connsiteY14" fmla="*/ 9413 h 241872"/>
-              <a:gd name="connsiteX15" fmla="*/ 9309 w 241645"/>
-              <a:gd name="connsiteY15" fmla="*/ 9355 h 241872"/>
-              <a:gd name="connsiteX16" fmla="*/ 9367 w 241645"/>
-              <a:gd name="connsiteY16" fmla="*/ 9348 h 241872"/>
-              <a:gd name="connsiteX17" fmla="*/ 7381 w 241645"/>
-              <a:gd name="connsiteY17" fmla="*/ 0 h 241872"/>
-              <a:gd name="connsiteX18" fmla="*/ 7342 w 241645"/>
-              <a:gd name="connsiteY18" fmla="*/ 0 h 241872"/>
-              <a:gd name="connsiteX19" fmla="*/ 2 w 241645"/>
-              <a:gd name="connsiteY19" fmla="*/ 7673 h 241872"/>
-              <a:gd name="connsiteX20" fmla="*/ 399 w 241645"/>
-              <a:gd name="connsiteY20" fmla="*/ 9936 h 241872"/>
-              <a:gd name="connsiteX21" fmla="*/ 74058 w 241645"/>
-              <a:gd name="connsiteY21" fmla="*/ 231677 h 241872"/>
-              <a:gd name="connsiteX22" fmla="*/ 83701 w 241645"/>
-              <a:gd name="connsiteY22" fmla="*/ 236284 h 241872"/>
-              <a:gd name="connsiteX23" fmla="*/ 88307 w 241645"/>
-              <a:gd name="connsiteY23" fmla="*/ 231677 h 241872"/>
-              <a:gd name="connsiteX24" fmla="*/ 116033 w 241645"/>
-              <a:gd name="connsiteY24" fmla="*/ 154711 h 241872"/>
-              <a:gd name="connsiteX25" fmla="*/ 203172 w 241645"/>
-              <a:gd name="connsiteY25" fmla="*/ 241872 h 241872"/>
-              <a:gd name="connsiteX26" fmla="*/ 241645 w 241645"/>
-              <a:gd name="connsiteY26" fmla="*/ 203442 h 241872"/>
-              <a:gd name="connsiteX27" fmla="*/ 154423 w 241645"/>
-              <a:gd name="connsiteY27" fmla="*/ 116221 h 241872"/>
-              <a:gd name="connsiteX28" fmla="*/ 231282 w 241645"/>
-              <a:gd name="connsiteY28" fmla="*/ 88539 h 241872"/>
-              <a:gd name="connsiteX29" fmla="*/ 235967 w 241645"/>
-              <a:gd name="connsiteY29" fmla="*/ 78927 h 241872"/>
-              <a:gd name="connsiteX30" fmla="*/ 231282 w 241645"/>
-              <a:gd name="connsiteY30" fmla="*/ 74242 h 241872"/>
-              <a:gd name="connsiteX31" fmla="*/ 9803 w 241645"/>
-              <a:gd name="connsiteY31" fmla="*/ 389 h 241872"/>
-              <a:gd name="connsiteX32" fmla="*/ 7381 w 241645"/>
-              <a:gd name="connsiteY32" fmla="*/ 0 h 241872"/>
-              <a:gd name="connsiteX0" fmla="*/ 9309 w 241645"/>
-              <a:gd name="connsiteY0" fmla="*/ 9355 h 241872"/>
-              <a:gd name="connsiteX1" fmla="*/ 225418 w 241645"/>
-              <a:gd name="connsiteY1" fmla="*/ 81393 h 241872"/>
-              <a:gd name="connsiteX2" fmla="*/ 225446 w 241645"/>
-              <a:gd name="connsiteY2" fmla="*/ 81447 h 241872"/>
-              <a:gd name="connsiteX3" fmla="*/ 225418 w 241645"/>
-              <a:gd name="connsiteY3" fmla="*/ 81475 h 241872"/>
-              <a:gd name="connsiteX4" fmla="*/ 151491 w 241645"/>
-              <a:gd name="connsiteY4" fmla="*/ 108103 h 241872"/>
-              <a:gd name="connsiteX5" fmla="*/ 138689 w 241645"/>
-              <a:gd name="connsiteY5" fmla="*/ 112697 h 241872"/>
-              <a:gd name="connsiteX6" fmla="*/ 148313 w 241645"/>
-              <a:gd name="connsiteY6" fmla="*/ 122318 h 241872"/>
-              <a:gd name="connsiteX7" fmla="*/ 229429 w 241645"/>
-              <a:gd name="connsiteY7" fmla="*/ 203430 h 241872"/>
-              <a:gd name="connsiteX8" fmla="*/ 203172 w 241645"/>
-              <a:gd name="connsiteY8" fmla="*/ 229661 h 241872"/>
-              <a:gd name="connsiteX9" fmla="*/ 122138 w 241645"/>
-              <a:gd name="connsiteY9" fmla="*/ 148605 h 241872"/>
-              <a:gd name="connsiteX10" fmla="*/ 107928 w 241645"/>
-              <a:gd name="connsiteY10" fmla="*/ 151783 h 241872"/>
-              <a:gd name="connsiteX11" fmla="*/ 81269 w 241645"/>
-              <a:gd name="connsiteY11" fmla="*/ 225740 h 241872"/>
-              <a:gd name="connsiteX12" fmla="*/ 81215 w 241645"/>
-              <a:gd name="connsiteY12" fmla="*/ 225768 h 241872"/>
-              <a:gd name="connsiteX13" fmla="*/ 81187 w 241645"/>
-              <a:gd name="connsiteY13" fmla="*/ 225740 h 241872"/>
-              <a:gd name="connsiteX14" fmla="*/ 9316 w 241645"/>
-              <a:gd name="connsiteY14" fmla="*/ 9413 h 241872"/>
-              <a:gd name="connsiteX15" fmla="*/ 9309 w 241645"/>
-              <a:gd name="connsiteY15" fmla="*/ 9355 h 241872"/>
-              <a:gd name="connsiteX16" fmla="*/ 7381 w 241645"/>
-              <a:gd name="connsiteY16" fmla="*/ 0 h 241872"/>
-              <a:gd name="connsiteX17" fmla="*/ 7342 w 241645"/>
-              <a:gd name="connsiteY17" fmla="*/ 0 h 241872"/>
-              <a:gd name="connsiteX18" fmla="*/ 2 w 241645"/>
-              <a:gd name="connsiteY18" fmla="*/ 7673 h 241872"/>
-              <a:gd name="connsiteX19" fmla="*/ 399 w 241645"/>
-              <a:gd name="connsiteY19" fmla="*/ 9936 h 241872"/>
-              <a:gd name="connsiteX20" fmla="*/ 74058 w 241645"/>
-              <a:gd name="connsiteY20" fmla="*/ 231677 h 241872"/>
-              <a:gd name="connsiteX21" fmla="*/ 83701 w 241645"/>
-              <a:gd name="connsiteY21" fmla="*/ 236284 h 241872"/>
-              <a:gd name="connsiteX22" fmla="*/ 88307 w 241645"/>
-              <a:gd name="connsiteY22" fmla="*/ 231677 h 241872"/>
-              <a:gd name="connsiteX23" fmla="*/ 116033 w 241645"/>
-              <a:gd name="connsiteY23" fmla="*/ 154711 h 241872"/>
-              <a:gd name="connsiteX24" fmla="*/ 203172 w 241645"/>
-              <a:gd name="connsiteY24" fmla="*/ 241872 h 241872"/>
-              <a:gd name="connsiteX25" fmla="*/ 241645 w 241645"/>
-              <a:gd name="connsiteY25" fmla="*/ 203442 h 241872"/>
-              <a:gd name="connsiteX26" fmla="*/ 154423 w 241645"/>
-              <a:gd name="connsiteY26" fmla="*/ 116221 h 241872"/>
-              <a:gd name="connsiteX27" fmla="*/ 231282 w 241645"/>
-              <a:gd name="connsiteY27" fmla="*/ 88539 h 241872"/>
-              <a:gd name="connsiteX28" fmla="*/ 235967 w 241645"/>
-              <a:gd name="connsiteY28" fmla="*/ 78927 h 241872"/>
-              <a:gd name="connsiteX29" fmla="*/ 231282 w 241645"/>
-              <a:gd name="connsiteY29" fmla="*/ 74242 h 241872"/>
-              <a:gd name="connsiteX30" fmla="*/ 9803 w 241645"/>
-              <a:gd name="connsiteY30" fmla="*/ 389 h 241872"/>
-              <a:gd name="connsiteX31" fmla="*/ 7381 w 241645"/>
-              <a:gd name="connsiteY31" fmla="*/ 0 h 241872"/>
-              <a:gd name="connsiteX0" fmla="*/ 9316 w 241645"/>
-              <a:gd name="connsiteY0" fmla="*/ 9413 h 241872"/>
-              <a:gd name="connsiteX1" fmla="*/ 225418 w 241645"/>
-              <a:gd name="connsiteY1" fmla="*/ 81393 h 241872"/>
-              <a:gd name="connsiteX2" fmla="*/ 225446 w 241645"/>
-              <a:gd name="connsiteY2" fmla="*/ 81447 h 241872"/>
-              <a:gd name="connsiteX3" fmla="*/ 225418 w 241645"/>
-              <a:gd name="connsiteY3" fmla="*/ 81475 h 241872"/>
-              <a:gd name="connsiteX4" fmla="*/ 151491 w 241645"/>
-              <a:gd name="connsiteY4" fmla="*/ 108103 h 241872"/>
-              <a:gd name="connsiteX5" fmla="*/ 138689 w 241645"/>
-              <a:gd name="connsiteY5" fmla="*/ 112697 h 241872"/>
-              <a:gd name="connsiteX6" fmla="*/ 148313 w 241645"/>
-              <a:gd name="connsiteY6" fmla="*/ 122318 h 241872"/>
-              <a:gd name="connsiteX7" fmla="*/ 229429 w 241645"/>
-              <a:gd name="connsiteY7" fmla="*/ 203430 h 241872"/>
-              <a:gd name="connsiteX8" fmla="*/ 203172 w 241645"/>
-              <a:gd name="connsiteY8" fmla="*/ 229661 h 241872"/>
-              <a:gd name="connsiteX9" fmla="*/ 122138 w 241645"/>
-              <a:gd name="connsiteY9" fmla="*/ 148605 h 241872"/>
-              <a:gd name="connsiteX10" fmla="*/ 107928 w 241645"/>
-              <a:gd name="connsiteY10" fmla="*/ 151783 h 241872"/>
-              <a:gd name="connsiteX11" fmla="*/ 81269 w 241645"/>
-              <a:gd name="connsiteY11" fmla="*/ 225740 h 241872"/>
-              <a:gd name="connsiteX12" fmla="*/ 81215 w 241645"/>
-              <a:gd name="connsiteY12" fmla="*/ 225768 h 241872"/>
-              <a:gd name="connsiteX13" fmla="*/ 81187 w 241645"/>
-              <a:gd name="connsiteY13" fmla="*/ 225740 h 241872"/>
-              <a:gd name="connsiteX14" fmla="*/ 9316 w 241645"/>
-              <a:gd name="connsiteY14" fmla="*/ 9413 h 241872"/>
-              <a:gd name="connsiteX15" fmla="*/ 7381 w 241645"/>
-              <a:gd name="connsiteY15" fmla="*/ 0 h 241872"/>
-              <a:gd name="connsiteX16" fmla="*/ 7342 w 241645"/>
-              <a:gd name="connsiteY16" fmla="*/ 0 h 241872"/>
-              <a:gd name="connsiteX17" fmla="*/ 2 w 241645"/>
-              <a:gd name="connsiteY17" fmla="*/ 7673 h 241872"/>
-              <a:gd name="connsiteX18" fmla="*/ 399 w 241645"/>
-              <a:gd name="connsiteY18" fmla="*/ 9936 h 241872"/>
-              <a:gd name="connsiteX19" fmla="*/ 74058 w 241645"/>
-              <a:gd name="connsiteY19" fmla="*/ 231677 h 241872"/>
-              <a:gd name="connsiteX20" fmla="*/ 83701 w 241645"/>
-              <a:gd name="connsiteY20" fmla="*/ 236284 h 241872"/>
-              <a:gd name="connsiteX21" fmla="*/ 88307 w 241645"/>
-              <a:gd name="connsiteY21" fmla="*/ 231677 h 241872"/>
-              <a:gd name="connsiteX22" fmla="*/ 116033 w 241645"/>
-              <a:gd name="connsiteY22" fmla="*/ 154711 h 241872"/>
-              <a:gd name="connsiteX23" fmla="*/ 203172 w 241645"/>
-              <a:gd name="connsiteY23" fmla="*/ 241872 h 241872"/>
-              <a:gd name="connsiteX24" fmla="*/ 241645 w 241645"/>
-              <a:gd name="connsiteY24" fmla="*/ 203442 h 241872"/>
-              <a:gd name="connsiteX25" fmla="*/ 154423 w 241645"/>
-              <a:gd name="connsiteY25" fmla="*/ 116221 h 241872"/>
-              <a:gd name="connsiteX26" fmla="*/ 231282 w 241645"/>
-              <a:gd name="connsiteY26" fmla="*/ 88539 h 241872"/>
-              <a:gd name="connsiteX27" fmla="*/ 235967 w 241645"/>
-              <a:gd name="connsiteY27" fmla="*/ 78927 h 241872"/>
-              <a:gd name="connsiteX28" fmla="*/ 231282 w 241645"/>
-              <a:gd name="connsiteY28" fmla="*/ 74242 h 241872"/>
-              <a:gd name="connsiteX29" fmla="*/ 9803 w 241645"/>
-              <a:gd name="connsiteY29" fmla="*/ 389 h 241872"/>
-              <a:gd name="connsiteX30" fmla="*/ 7381 w 241645"/>
-              <a:gd name="connsiteY30" fmla="*/ 0 h 241872"/>
-              <a:gd name="connsiteX0" fmla="*/ 81187 w 241645"/>
-              <a:gd name="connsiteY0" fmla="*/ 225740 h 241872"/>
-              <a:gd name="connsiteX1" fmla="*/ 225418 w 241645"/>
-              <a:gd name="connsiteY1" fmla="*/ 81393 h 241872"/>
-              <a:gd name="connsiteX2" fmla="*/ 225446 w 241645"/>
-              <a:gd name="connsiteY2" fmla="*/ 81447 h 241872"/>
-              <a:gd name="connsiteX3" fmla="*/ 225418 w 241645"/>
-              <a:gd name="connsiteY3" fmla="*/ 81475 h 241872"/>
-              <a:gd name="connsiteX4" fmla="*/ 151491 w 241645"/>
-              <a:gd name="connsiteY4" fmla="*/ 108103 h 241872"/>
-              <a:gd name="connsiteX5" fmla="*/ 138689 w 241645"/>
-              <a:gd name="connsiteY5" fmla="*/ 112697 h 241872"/>
-              <a:gd name="connsiteX6" fmla="*/ 148313 w 241645"/>
-              <a:gd name="connsiteY6" fmla="*/ 122318 h 241872"/>
-              <a:gd name="connsiteX7" fmla="*/ 229429 w 241645"/>
-              <a:gd name="connsiteY7" fmla="*/ 203430 h 241872"/>
-              <a:gd name="connsiteX8" fmla="*/ 203172 w 241645"/>
-              <a:gd name="connsiteY8" fmla="*/ 229661 h 241872"/>
-              <a:gd name="connsiteX9" fmla="*/ 122138 w 241645"/>
-              <a:gd name="connsiteY9" fmla="*/ 148605 h 241872"/>
-              <a:gd name="connsiteX10" fmla="*/ 107928 w 241645"/>
-              <a:gd name="connsiteY10" fmla="*/ 151783 h 241872"/>
-              <a:gd name="connsiteX11" fmla="*/ 81269 w 241645"/>
-              <a:gd name="connsiteY11" fmla="*/ 225740 h 241872"/>
-              <a:gd name="connsiteX12" fmla="*/ 81215 w 241645"/>
-              <a:gd name="connsiteY12" fmla="*/ 225768 h 241872"/>
-              <a:gd name="connsiteX13" fmla="*/ 81187 w 241645"/>
-              <a:gd name="connsiteY13" fmla="*/ 225740 h 241872"/>
-              <a:gd name="connsiteX14" fmla="*/ 7381 w 241645"/>
-              <a:gd name="connsiteY14" fmla="*/ 0 h 241872"/>
-              <a:gd name="connsiteX15" fmla="*/ 7342 w 241645"/>
-              <a:gd name="connsiteY15" fmla="*/ 0 h 241872"/>
-              <a:gd name="connsiteX16" fmla="*/ 2 w 241645"/>
-              <a:gd name="connsiteY16" fmla="*/ 7673 h 241872"/>
-              <a:gd name="connsiteX17" fmla="*/ 399 w 241645"/>
-              <a:gd name="connsiteY17" fmla="*/ 9936 h 241872"/>
-              <a:gd name="connsiteX18" fmla="*/ 74058 w 241645"/>
-              <a:gd name="connsiteY18" fmla="*/ 231677 h 241872"/>
-              <a:gd name="connsiteX19" fmla="*/ 83701 w 241645"/>
-              <a:gd name="connsiteY19" fmla="*/ 236284 h 241872"/>
-              <a:gd name="connsiteX20" fmla="*/ 88307 w 241645"/>
-              <a:gd name="connsiteY20" fmla="*/ 231677 h 241872"/>
-              <a:gd name="connsiteX21" fmla="*/ 116033 w 241645"/>
-              <a:gd name="connsiteY21" fmla="*/ 154711 h 241872"/>
-              <a:gd name="connsiteX22" fmla="*/ 203172 w 241645"/>
-              <a:gd name="connsiteY22" fmla="*/ 241872 h 241872"/>
-              <a:gd name="connsiteX23" fmla="*/ 241645 w 241645"/>
-              <a:gd name="connsiteY23" fmla="*/ 203442 h 241872"/>
-              <a:gd name="connsiteX24" fmla="*/ 154423 w 241645"/>
-              <a:gd name="connsiteY24" fmla="*/ 116221 h 241872"/>
-              <a:gd name="connsiteX25" fmla="*/ 231282 w 241645"/>
-              <a:gd name="connsiteY25" fmla="*/ 88539 h 241872"/>
-              <a:gd name="connsiteX26" fmla="*/ 235967 w 241645"/>
-              <a:gd name="connsiteY26" fmla="*/ 78927 h 241872"/>
-              <a:gd name="connsiteX27" fmla="*/ 231282 w 241645"/>
-              <a:gd name="connsiteY27" fmla="*/ 74242 h 241872"/>
-              <a:gd name="connsiteX28" fmla="*/ 9803 w 241645"/>
-              <a:gd name="connsiteY28" fmla="*/ 389 h 241872"/>
-              <a:gd name="connsiteX29" fmla="*/ 7381 w 241645"/>
-              <a:gd name="connsiteY29" fmla="*/ 0 h 241872"/>
-              <a:gd name="connsiteX0" fmla="*/ 81215 w 241645"/>
-              <a:gd name="connsiteY0" fmla="*/ 225768 h 241872"/>
-              <a:gd name="connsiteX1" fmla="*/ 225418 w 241645"/>
-              <a:gd name="connsiteY1" fmla="*/ 81393 h 241872"/>
-              <a:gd name="connsiteX2" fmla="*/ 225446 w 241645"/>
-              <a:gd name="connsiteY2" fmla="*/ 81447 h 241872"/>
-              <a:gd name="connsiteX3" fmla="*/ 225418 w 241645"/>
-              <a:gd name="connsiteY3" fmla="*/ 81475 h 241872"/>
-              <a:gd name="connsiteX4" fmla="*/ 151491 w 241645"/>
-              <a:gd name="connsiteY4" fmla="*/ 108103 h 241872"/>
-              <a:gd name="connsiteX5" fmla="*/ 138689 w 241645"/>
-              <a:gd name="connsiteY5" fmla="*/ 112697 h 241872"/>
-              <a:gd name="connsiteX6" fmla="*/ 148313 w 241645"/>
-              <a:gd name="connsiteY6" fmla="*/ 122318 h 241872"/>
-              <a:gd name="connsiteX7" fmla="*/ 229429 w 241645"/>
-              <a:gd name="connsiteY7" fmla="*/ 203430 h 241872"/>
-              <a:gd name="connsiteX8" fmla="*/ 203172 w 241645"/>
-              <a:gd name="connsiteY8" fmla="*/ 229661 h 241872"/>
-              <a:gd name="connsiteX9" fmla="*/ 122138 w 241645"/>
-              <a:gd name="connsiteY9" fmla="*/ 148605 h 241872"/>
-              <a:gd name="connsiteX10" fmla="*/ 107928 w 241645"/>
-              <a:gd name="connsiteY10" fmla="*/ 151783 h 241872"/>
-              <a:gd name="connsiteX11" fmla="*/ 81269 w 241645"/>
-              <a:gd name="connsiteY11" fmla="*/ 225740 h 241872"/>
-              <a:gd name="connsiteX12" fmla="*/ 81215 w 241645"/>
-              <a:gd name="connsiteY12" fmla="*/ 225768 h 241872"/>
-              <a:gd name="connsiteX13" fmla="*/ 7381 w 241645"/>
-              <a:gd name="connsiteY13" fmla="*/ 0 h 241872"/>
-              <a:gd name="connsiteX14" fmla="*/ 7342 w 241645"/>
-              <a:gd name="connsiteY14" fmla="*/ 0 h 241872"/>
-              <a:gd name="connsiteX15" fmla="*/ 2 w 241645"/>
-              <a:gd name="connsiteY15" fmla="*/ 7673 h 241872"/>
-              <a:gd name="connsiteX16" fmla="*/ 399 w 241645"/>
-              <a:gd name="connsiteY16" fmla="*/ 9936 h 241872"/>
-              <a:gd name="connsiteX17" fmla="*/ 74058 w 241645"/>
-              <a:gd name="connsiteY17" fmla="*/ 231677 h 241872"/>
-              <a:gd name="connsiteX18" fmla="*/ 83701 w 241645"/>
-              <a:gd name="connsiteY18" fmla="*/ 236284 h 241872"/>
-              <a:gd name="connsiteX19" fmla="*/ 88307 w 241645"/>
-              <a:gd name="connsiteY19" fmla="*/ 231677 h 241872"/>
-              <a:gd name="connsiteX20" fmla="*/ 116033 w 241645"/>
-              <a:gd name="connsiteY20" fmla="*/ 154711 h 241872"/>
-              <a:gd name="connsiteX21" fmla="*/ 203172 w 241645"/>
-              <a:gd name="connsiteY21" fmla="*/ 241872 h 241872"/>
-              <a:gd name="connsiteX22" fmla="*/ 241645 w 241645"/>
-              <a:gd name="connsiteY22" fmla="*/ 203442 h 241872"/>
-              <a:gd name="connsiteX23" fmla="*/ 154423 w 241645"/>
-              <a:gd name="connsiteY23" fmla="*/ 116221 h 241872"/>
-              <a:gd name="connsiteX24" fmla="*/ 231282 w 241645"/>
-              <a:gd name="connsiteY24" fmla="*/ 88539 h 241872"/>
-              <a:gd name="connsiteX25" fmla="*/ 235967 w 241645"/>
-              <a:gd name="connsiteY25" fmla="*/ 78927 h 241872"/>
-              <a:gd name="connsiteX26" fmla="*/ 231282 w 241645"/>
-              <a:gd name="connsiteY26" fmla="*/ 74242 h 241872"/>
-              <a:gd name="connsiteX27" fmla="*/ 9803 w 241645"/>
-              <a:gd name="connsiteY27" fmla="*/ 389 h 241872"/>
-              <a:gd name="connsiteX28" fmla="*/ 7381 w 241645"/>
-              <a:gd name="connsiteY28" fmla="*/ 0 h 241872"/>
-              <a:gd name="connsiteX0" fmla="*/ 81269 w 241645"/>
-              <a:gd name="connsiteY0" fmla="*/ 225740 h 241872"/>
-              <a:gd name="connsiteX1" fmla="*/ 225418 w 241645"/>
-              <a:gd name="connsiteY1" fmla="*/ 81393 h 241872"/>
-              <a:gd name="connsiteX2" fmla="*/ 225446 w 241645"/>
-              <a:gd name="connsiteY2" fmla="*/ 81447 h 241872"/>
-              <a:gd name="connsiteX3" fmla="*/ 225418 w 241645"/>
-              <a:gd name="connsiteY3" fmla="*/ 81475 h 241872"/>
-              <a:gd name="connsiteX4" fmla="*/ 151491 w 241645"/>
-              <a:gd name="connsiteY4" fmla="*/ 108103 h 241872"/>
-              <a:gd name="connsiteX5" fmla="*/ 138689 w 241645"/>
-              <a:gd name="connsiteY5" fmla="*/ 112697 h 241872"/>
-              <a:gd name="connsiteX6" fmla="*/ 148313 w 241645"/>
-              <a:gd name="connsiteY6" fmla="*/ 122318 h 241872"/>
-              <a:gd name="connsiteX7" fmla="*/ 229429 w 241645"/>
-              <a:gd name="connsiteY7" fmla="*/ 203430 h 241872"/>
-              <a:gd name="connsiteX8" fmla="*/ 203172 w 241645"/>
-              <a:gd name="connsiteY8" fmla="*/ 229661 h 241872"/>
-              <a:gd name="connsiteX9" fmla="*/ 122138 w 241645"/>
-              <a:gd name="connsiteY9" fmla="*/ 148605 h 241872"/>
-              <a:gd name="connsiteX10" fmla="*/ 107928 w 241645"/>
-              <a:gd name="connsiteY10" fmla="*/ 151783 h 241872"/>
-              <a:gd name="connsiteX11" fmla="*/ 81269 w 241645"/>
-              <a:gd name="connsiteY11" fmla="*/ 225740 h 241872"/>
-              <a:gd name="connsiteX12" fmla="*/ 7381 w 241645"/>
-              <a:gd name="connsiteY12" fmla="*/ 0 h 241872"/>
-              <a:gd name="connsiteX13" fmla="*/ 7342 w 241645"/>
-              <a:gd name="connsiteY13" fmla="*/ 0 h 241872"/>
-              <a:gd name="connsiteX14" fmla="*/ 2 w 241645"/>
-              <a:gd name="connsiteY14" fmla="*/ 7673 h 241872"/>
-              <a:gd name="connsiteX15" fmla="*/ 399 w 241645"/>
-              <a:gd name="connsiteY15" fmla="*/ 9936 h 241872"/>
-              <a:gd name="connsiteX16" fmla="*/ 74058 w 241645"/>
-              <a:gd name="connsiteY16" fmla="*/ 231677 h 241872"/>
-              <a:gd name="connsiteX17" fmla="*/ 83701 w 241645"/>
-              <a:gd name="connsiteY17" fmla="*/ 236284 h 241872"/>
-              <a:gd name="connsiteX18" fmla="*/ 88307 w 241645"/>
-              <a:gd name="connsiteY18" fmla="*/ 231677 h 241872"/>
-              <a:gd name="connsiteX19" fmla="*/ 116033 w 241645"/>
-              <a:gd name="connsiteY19" fmla="*/ 154711 h 241872"/>
-              <a:gd name="connsiteX20" fmla="*/ 203172 w 241645"/>
-              <a:gd name="connsiteY20" fmla="*/ 241872 h 241872"/>
-              <a:gd name="connsiteX21" fmla="*/ 241645 w 241645"/>
-              <a:gd name="connsiteY21" fmla="*/ 203442 h 241872"/>
-              <a:gd name="connsiteX22" fmla="*/ 154423 w 241645"/>
-              <a:gd name="connsiteY22" fmla="*/ 116221 h 241872"/>
-              <a:gd name="connsiteX23" fmla="*/ 231282 w 241645"/>
-              <a:gd name="connsiteY23" fmla="*/ 88539 h 241872"/>
-              <a:gd name="connsiteX24" fmla="*/ 235967 w 241645"/>
-              <a:gd name="connsiteY24" fmla="*/ 78927 h 241872"/>
-              <a:gd name="connsiteX25" fmla="*/ 231282 w 241645"/>
-              <a:gd name="connsiteY25" fmla="*/ 74242 h 241872"/>
-              <a:gd name="connsiteX26" fmla="*/ 9803 w 241645"/>
-              <a:gd name="connsiteY26" fmla="*/ 389 h 241872"/>
-              <a:gd name="connsiteX27" fmla="*/ 7381 w 241645"/>
-              <a:gd name="connsiteY27" fmla="*/ 0 h 241872"/>
-              <a:gd name="connsiteX0" fmla="*/ 107928 w 241645"/>
-              <a:gd name="connsiteY0" fmla="*/ 151783 h 241872"/>
-              <a:gd name="connsiteX1" fmla="*/ 225418 w 241645"/>
-              <a:gd name="connsiteY1" fmla="*/ 81393 h 241872"/>
-              <a:gd name="connsiteX2" fmla="*/ 225446 w 241645"/>
-              <a:gd name="connsiteY2" fmla="*/ 81447 h 241872"/>
-              <a:gd name="connsiteX3" fmla="*/ 225418 w 241645"/>
-              <a:gd name="connsiteY3" fmla="*/ 81475 h 241872"/>
-              <a:gd name="connsiteX4" fmla="*/ 151491 w 241645"/>
-              <a:gd name="connsiteY4" fmla="*/ 108103 h 241872"/>
-              <a:gd name="connsiteX5" fmla="*/ 138689 w 241645"/>
-              <a:gd name="connsiteY5" fmla="*/ 112697 h 241872"/>
-              <a:gd name="connsiteX6" fmla="*/ 148313 w 241645"/>
-              <a:gd name="connsiteY6" fmla="*/ 122318 h 241872"/>
-              <a:gd name="connsiteX7" fmla="*/ 229429 w 241645"/>
-              <a:gd name="connsiteY7" fmla="*/ 203430 h 241872"/>
-              <a:gd name="connsiteX8" fmla="*/ 203172 w 241645"/>
-              <a:gd name="connsiteY8" fmla="*/ 229661 h 241872"/>
-              <a:gd name="connsiteX9" fmla="*/ 122138 w 241645"/>
-              <a:gd name="connsiteY9" fmla="*/ 148605 h 241872"/>
-              <a:gd name="connsiteX10" fmla="*/ 107928 w 241645"/>
-              <a:gd name="connsiteY10" fmla="*/ 151783 h 241872"/>
-              <a:gd name="connsiteX11" fmla="*/ 7381 w 241645"/>
-              <a:gd name="connsiteY11" fmla="*/ 0 h 241872"/>
-              <a:gd name="connsiteX12" fmla="*/ 7342 w 241645"/>
-              <a:gd name="connsiteY12" fmla="*/ 0 h 241872"/>
-              <a:gd name="connsiteX13" fmla="*/ 2 w 241645"/>
-              <a:gd name="connsiteY13" fmla="*/ 7673 h 241872"/>
-              <a:gd name="connsiteX14" fmla="*/ 399 w 241645"/>
-              <a:gd name="connsiteY14" fmla="*/ 9936 h 241872"/>
-              <a:gd name="connsiteX15" fmla="*/ 74058 w 241645"/>
-              <a:gd name="connsiteY15" fmla="*/ 231677 h 241872"/>
-              <a:gd name="connsiteX16" fmla="*/ 83701 w 241645"/>
-              <a:gd name="connsiteY16" fmla="*/ 236284 h 241872"/>
-              <a:gd name="connsiteX17" fmla="*/ 88307 w 241645"/>
-              <a:gd name="connsiteY17" fmla="*/ 231677 h 241872"/>
-              <a:gd name="connsiteX18" fmla="*/ 116033 w 241645"/>
-              <a:gd name="connsiteY18" fmla="*/ 154711 h 241872"/>
-              <a:gd name="connsiteX19" fmla="*/ 203172 w 241645"/>
-              <a:gd name="connsiteY19" fmla="*/ 241872 h 241872"/>
-              <a:gd name="connsiteX20" fmla="*/ 241645 w 241645"/>
-              <a:gd name="connsiteY20" fmla="*/ 203442 h 241872"/>
-              <a:gd name="connsiteX21" fmla="*/ 154423 w 241645"/>
-              <a:gd name="connsiteY21" fmla="*/ 116221 h 241872"/>
-              <a:gd name="connsiteX22" fmla="*/ 231282 w 241645"/>
-              <a:gd name="connsiteY22" fmla="*/ 88539 h 241872"/>
-              <a:gd name="connsiteX23" fmla="*/ 235967 w 241645"/>
-              <a:gd name="connsiteY23" fmla="*/ 78927 h 241872"/>
-              <a:gd name="connsiteX24" fmla="*/ 231282 w 241645"/>
-              <a:gd name="connsiteY24" fmla="*/ 74242 h 241872"/>
-              <a:gd name="connsiteX25" fmla="*/ 9803 w 241645"/>
-              <a:gd name="connsiteY25" fmla="*/ 389 h 241872"/>
-              <a:gd name="connsiteX26" fmla="*/ 7381 w 241645"/>
-              <a:gd name="connsiteY26" fmla="*/ 0 h 241872"/>
-              <a:gd name="connsiteX0" fmla="*/ 122138 w 241645"/>
-              <a:gd name="connsiteY0" fmla="*/ 148605 h 241872"/>
-              <a:gd name="connsiteX1" fmla="*/ 225418 w 241645"/>
-              <a:gd name="connsiteY1" fmla="*/ 81393 h 241872"/>
-              <a:gd name="connsiteX2" fmla="*/ 225446 w 241645"/>
-              <a:gd name="connsiteY2" fmla="*/ 81447 h 241872"/>
-              <a:gd name="connsiteX3" fmla="*/ 225418 w 241645"/>
-              <a:gd name="connsiteY3" fmla="*/ 81475 h 241872"/>
-              <a:gd name="connsiteX4" fmla="*/ 151491 w 241645"/>
-              <a:gd name="connsiteY4" fmla="*/ 108103 h 241872"/>
-              <a:gd name="connsiteX5" fmla="*/ 138689 w 241645"/>
-              <a:gd name="connsiteY5" fmla="*/ 112697 h 241872"/>
-              <a:gd name="connsiteX6" fmla="*/ 148313 w 241645"/>
-              <a:gd name="connsiteY6" fmla="*/ 122318 h 241872"/>
-              <a:gd name="connsiteX7" fmla="*/ 229429 w 241645"/>
-              <a:gd name="connsiteY7" fmla="*/ 203430 h 241872"/>
-              <a:gd name="connsiteX8" fmla="*/ 203172 w 241645"/>
-              <a:gd name="connsiteY8" fmla="*/ 229661 h 241872"/>
-              <a:gd name="connsiteX9" fmla="*/ 122138 w 241645"/>
-              <a:gd name="connsiteY9" fmla="*/ 148605 h 241872"/>
-              <a:gd name="connsiteX10" fmla="*/ 7381 w 241645"/>
-              <a:gd name="connsiteY10" fmla="*/ 0 h 241872"/>
-              <a:gd name="connsiteX11" fmla="*/ 7342 w 241645"/>
-              <a:gd name="connsiteY11" fmla="*/ 0 h 241872"/>
-              <a:gd name="connsiteX12" fmla="*/ 2 w 241645"/>
-              <a:gd name="connsiteY12" fmla="*/ 7673 h 241872"/>
-              <a:gd name="connsiteX13" fmla="*/ 399 w 241645"/>
-              <a:gd name="connsiteY13" fmla="*/ 9936 h 241872"/>
-              <a:gd name="connsiteX14" fmla="*/ 74058 w 241645"/>
-              <a:gd name="connsiteY14" fmla="*/ 231677 h 241872"/>
-              <a:gd name="connsiteX15" fmla="*/ 83701 w 241645"/>
-              <a:gd name="connsiteY15" fmla="*/ 236284 h 241872"/>
-              <a:gd name="connsiteX16" fmla="*/ 88307 w 241645"/>
-              <a:gd name="connsiteY16" fmla="*/ 231677 h 241872"/>
-              <a:gd name="connsiteX17" fmla="*/ 116033 w 241645"/>
-              <a:gd name="connsiteY17" fmla="*/ 154711 h 241872"/>
-              <a:gd name="connsiteX18" fmla="*/ 203172 w 241645"/>
-              <a:gd name="connsiteY18" fmla="*/ 241872 h 241872"/>
-              <a:gd name="connsiteX19" fmla="*/ 241645 w 241645"/>
-              <a:gd name="connsiteY19" fmla="*/ 203442 h 241872"/>
-              <a:gd name="connsiteX20" fmla="*/ 154423 w 241645"/>
-              <a:gd name="connsiteY20" fmla="*/ 116221 h 241872"/>
-              <a:gd name="connsiteX21" fmla="*/ 231282 w 241645"/>
-              <a:gd name="connsiteY21" fmla="*/ 88539 h 241872"/>
-              <a:gd name="connsiteX22" fmla="*/ 235967 w 241645"/>
-              <a:gd name="connsiteY22" fmla="*/ 78927 h 241872"/>
-              <a:gd name="connsiteX23" fmla="*/ 231282 w 241645"/>
-              <a:gd name="connsiteY23" fmla="*/ 74242 h 241872"/>
-              <a:gd name="connsiteX24" fmla="*/ 9803 w 241645"/>
-              <a:gd name="connsiteY24" fmla="*/ 389 h 241872"/>
-              <a:gd name="connsiteX25" fmla="*/ 7381 w 241645"/>
-              <a:gd name="connsiteY25" fmla="*/ 0 h 241872"/>
-              <a:gd name="connsiteX0" fmla="*/ 203172 w 241645"/>
-              <a:gd name="connsiteY0" fmla="*/ 229661 h 241872"/>
-              <a:gd name="connsiteX1" fmla="*/ 225418 w 241645"/>
-              <a:gd name="connsiteY1" fmla="*/ 81393 h 241872"/>
-              <a:gd name="connsiteX2" fmla="*/ 225446 w 241645"/>
-              <a:gd name="connsiteY2" fmla="*/ 81447 h 241872"/>
-              <a:gd name="connsiteX3" fmla="*/ 225418 w 241645"/>
-              <a:gd name="connsiteY3" fmla="*/ 81475 h 241872"/>
-              <a:gd name="connsiteX4" fmla="*/ 151491 w 241645"/>
-              <a:gd name="connsiteY4" fmla="*/ 108103 h 241872"/>
-              <a:gd name="connsiteX5" fmla="*/ 138689 w 241645"/>
-              <a:gd name="connsiteY5" fmla="*/ 112697 h 241872"/>
-              <a:gd name="connsiteX6" fmla="*/ 148313 w 241645"/>
-              <a:gd name="connsiteY6" fmla="*/ 122318 h 241872"/>
-              <a:gd name="connsiteX7" fmla="*/ 229429 w 241645"/>
-              <a:gd name="connsiteY7" fmla="*/ 203430 h 241872"/>
-              <a:gd name="connsiteX8" fmla="*/ 203172 w 241645"/>
-              <a:gd name="connsiteY8" fmla="*/ 229661 h 241872"/>
-              <a:gd name="connsiteX9" fmla="*/ 7381 w 241645"/>
-              <a:gd name="connsiteY9" fmla="*/ 0 h 241872"/>
-              <a:gd name="connsiteX10" fmla="*/ 7342 w 241645"/>
-              <a:gd name="connsiteY10" fmla="*/ 0 h 241872"/>
-              <a:gd name="connsiteX11" fmla="*/ 2 w 241645"/>
-              <a:gd name="connsiteY11" fmla="*/ 7673 h 241872"/>
-              <a:gd name="connsiteX12" fmla="*/ 399 w 241645"/>
-              <a:gd name="connsiteY12" fmla="*/ 9936 h 241872"/>
-              <a:gd name="connsiteX13" fmla="*/ 74058 w 241645"/>
-              <a:gd name="connsiteY13" fmla="*/ 231677 h 241872"/>
-              <a:gd name="connsiteX14" fmla="*/ 83701 w 241645"/>
-              <a:gd name="connsiteY14" fmla="*/ 236284 h 241872"/>
-              <a:gd name="connsiteX15" fmla="*/ 88307 w 241645"/>
-              <a:gd name="connsiteY15" fmla="*/ 231677 h 241872"/>
-              <a:gd name="connsiteX16" fmla="*/ 116033 w 241645"/>
-              <a:gd name="connsiteY16" fmla="*/ 154711 h 241872"/>
-              <a:gd name="connsiteX17" fmla="*/ 203172 w 241645"/>
-              <a:gd name="connsiteY17" fmla="*/ 241872 h 241872"/>
-              <a:gd name="connsiteX18" fmla="*/ 241645 w 241645"/>
-              <a:gd name="connsiteY18" fmla="*/ 203442 h 241872"/>
-              <a:gd name="connsiteX19" fmla="*/ 154423 w 241645"/>
-              <a:gd name="connsiteY19" fmla="*/ 116221 h 241872"/>
-              <a:gd name="connsiteX20" fmla="*/ 231282 w 241645"/>
-              <a:gd name="connsiteY20" fmla="*/ 88539 h 241872"/>
-              <a:gd name="connsiteX21" fmla="*/ 235967 w 241645"/>
-              <a:gd name="connsiteY21" fmla="*/ 78927 h 241872"/>
-              <a:gd name="connsiteX22" fmla="*/ 231282 w 241645"/>
-              <a:gd name="connsiteY22" fmla="*/ 74242 h 241872"/>
-              <a:gd name="connsiteX23" fmla="*/ 9803 w 241645"/>
-              <a:gd name="connsiteY23" fmla="*/ 389 h 241872"/>
-              <a:gd name="connsiteX24" fmla="*/ 7381 w 241645"/>
-              <a:gd name="connsiteY24" fmla="*/ 0 h 241872"/>
-              <a:gd name="connsiteX0" fmla="*/ 229429 w 241645"/>
-              <a:gd name="connsiteY0" fmla="*/ 203430 h 241872"/>
-              <a:gd name="connsiteX1" fmla="*/ 225418 w 241645"/>
-              <a:gd name="connsiteY1" fmla="*/ 81393 h 241872"/>
-              <a:gd name="connsiteX2" fmla="*/ 225446 w 241645"/>
-              <a:gd name="connsiteY2" fmla="*/ 81447 h 241872"/>
-              <a:gd name="connsiteX3" fmla="*/ 225418 w 241645"/>
-              <a:gd name="connsiteY3" fmla="*/ 81475 h 241872"/>
-              <a:gd name="connsiteX4" fmla="*/ 151491 w 241645"/>
-              <a:gd name="connsiteY4" fmla="*/ 108103 h 241872"/>
-              <a:gd name="connsiteX5" fmla="*/ 138689 w 241645"/>
-              <a:gd name="connsiteY5" fmla="*/ 112697 h 241872"/>
-              <a:gd name="connsiteX6" fmla="*/ 148313 w 241645"/>
-              <a:gd name="connsiteY6" fmla="*/ 122318 h 241872"/>
-              <a:gd name="connsiteX7" fmla="*/ 229429 w 241645"/>
-              <a:gd name="connsiteY7" fmla="*/ 203430 h 241872"/>
-              <a:gd name="connsiteX8" fmla="*/ 7381 w 241645"/>
-              <a:gd name="connsiteY8" fmla="*/ 0 h 241872"/>
-              <a:gd name="connsiteX9" fmla="*/ 7342 w 241645"/>
-              <a:gd name="connsiteY9" fmla="*/ 0 h 241872"/>
-              <a:gd name="connsiteX10" fmla="*/ 2 w 241645"/>
-              <a:gd name="connsiteY10" fmla="*/ 7673 h 241872"/>
-              <a:gd name="connsiteX11" fmla="*/ 399 w 241645"/>
-              <a:gd name="connsiteY11" fmla="*/ 9936 h 241872"/>
-              <a:gd name="connsiteX12" fmla="*/ 74058 w 241645"/>
-              <a:gd name="connsiteY12" fmla="*/ 231677 h 241872"/>
-              <a:gd name="connsiteX13" fmla="*/ 83701 w 241645"/>
-              <a:gd name="connsiteY13" fmla="*/ 236284 h 241872"/>
-              <a:gd name="connsiteX14" fmla="*/ 88307 w 241645"/>
-              <a:gd name="connsiteY14" fmla="*/ 231677 h 241872"/>
-              <a:gd name="connsiteX15" fmla="*/ 116033 w 241645"/>
-              <a:gd name="connsiteY15" fmla="*/ 154711 h 241872"/>
-              <a:gd name="connsiteX16" fmla="*/ 203172 w 241645"/>
-              <a:gd name="connsiteY16" fmla="*/ 241872 h 241872"/>
-              <a:gd name="connsiteX17" fmla="*/ 241645 w 241645"/>
-              <a:gd name="connsiteY17" fmla="*/ 203442 h 241872"/>
-              <a:gd name="connsiteX18" fmla="*/ 154423 w 241645"/>
-              <a:gd name="connsiteY18" fmla="*/ 116221 h 241872"/>
-              <a:gd name="connsiteX19" fmla="*/ 231282 w 241645"/>
-              <a:gd name="connsiteY19" fmla="*/ 88539 h 241872"/>
-              <a:gd name="connsiteX20" fmla="*/ 235967 w 241645"/>
-              <a:gd name="connsiteY20" fmla="*/ 78927 h 241872"/>
-              <a:gd name="connsiteX21" fmla="*/ 231282 w 241645"/>
-              <a:gd name="connsiteY21" fmla="*/ 74242 h 241872"/>
-              <a:gd name="connsiteX22" fmla="*/ 9803 w 241645"/>
-              <a:gd name="connsiteY22" fmla="*/ 389 h 241872"/>
-              <a:gd name="connsiteX23" fmla="*/ 7381 w 241645"/>
-              <a:gd name="connsiteY23" fmla="*/ 0 h 241872"/>
-              <a:gd name="connsiteX0" fmla="*/ 148313 w 241645"/>
-              <a:gd name="connsiteY0" fmla="*/ 122318 h 241872"/>
-              <a:gd name="connsiteX1" fmla="*/ 225418 w 241645"/>
-              <a:gd name="connsiteY1" fmla="*/ 81393 h 241872"/>
-              <a:gd name="connsiteX2" fmla="*/ 225446 w 241645"/>
-              <a:gd name="connsiteY2" fmla="*/ 81447 h 241872"/>
-              <a:gd name="connsiteX3" fmla="*/ 225418 w 241645"/>
-              <a:gd name="connsiteY3" fmla="*/ 81475 h 241872"/>
-              <a:gd name="connsiteX4" fmla="*/ 151491 w 241645"/>
-              <a:gd name="connsiteY4" fmla="*/ 108103 h 241872"/>
-              <a:gd name="connsiteX5" fmla="*/ 138689 w 241645"/>
-              <a:gd name="connsiteY5" fmla="*/ 112697 h 241872"/>
-              <a:gd name="connsiteX6" fmla="*/ 148313 w 241645"/>
-              <a:gd name="connsiteY6" fmla="*/ 122318 h 241872"/>
-              <a:gd name="connsiteX7" fmla="*/ 7381 w 241645"/>
-              <a:gd name="connsiteY7" fmla="*/ 0 h 241872"/>
-              <a:gd name="connsiteX8" fmla="*/ 7342 w 241645"/>
-              <a:gd name="connsiteY8" fmla="*/ 0 h 241872"/>
-              <a:gd name="connsiteX9" fmla="*/ 2 w 241645"/>
-              <a:gd name="connsiteY9" fmla="*/ 7673 h 241872"/>
-              <a:gd name="connsiteX10" fmla="*/ 399 w 241645"/>
-              <a:gd name="connsiteY10" fmla="*/ 9936 h 241872"/>
-              <a:gd name="connsiteX11" fmla="*/ 74058 w 241645"/>
-              <a:gd name="connsiteY11" fmla="*/ 231677 h 241872"/>
-              <a:gd name="connsiteX12" fmla="*/ 83701 w 241645"/>
-              <a:gd name="connsiteY12" fmla="*/ 236284 h 241872"/>
-              <a:gd name="connsiteX13" fmla="*/ 88307 w 241645"/>
-              <a:gd name="connsiteY13" fmla="*/ 231677 h 241872"/>
-              <a:gd name="connsiteX14" fmla="*/ 116033 w 241645"/>
-              <a:gd name="connsiteY14" fmla="*/ 154711 h 241872"/>
-              <a:gd name="connsiteX15" fmla="*/ 203172 w 241645"/>
-              <a:gd name="connsiteY15" fmla="*/ 241872 h 241872"/>
-              <a:gd name="connsiteX16" fmla="*/ 241645 w 241645"/>
-              <a:gd name="connsiteY16" fmla="*/ 203442 h 241872"/>
-              <a:gd name="connsiteX17" fmla="*/ 154423 w 241645"/>
-              <a:gd name="connsiteY17" fmla="*/ 116221 h 241872"/>
-              <a:gd name="connsiteX18" fmla="*/ 231282 w 241645"/>
-              <a:gd name="connsiteY18" fmla="*/ 88539 h 241872"/>
-              <a:gd name="connsiteX19" fmla="*/ 235967 w 241645"/>
-              <a:gd name="connsiteY19" fmla="*/ 78927 h 241872"/>
-              <a:gd name="connsiteX20" fmla="*/ 231282 w 241645"/>
-              <a:gd name="connsiteY20" fmla="*/ 74242 h 241872"/>
-              <a:gd name="connsiteX21" fmla="*/ 9803 w 241645"/>
-              <a:gd name="connsiteY21" fmla="*/ 389 h 241872"/>
-              <a:gd name="connsiteX22" fmla="*/ 7381 w 241645"/>
-              <a:gd name="connsiteY22" fmla="*/ 0 h 241872"/>
-              <a:gd name="connsiteX0" fmla="*/ 148313 w 241645"/>
-              <a:gd name="connsiteY0" fmla="*/ 122318 h 241872"/>
-              <a:gd name="connsiteX1" fmla="*/ 225418 w 241645"/>
-              <a:gd name="connsiteY1" fmla="*/ 81393 h 241872"/>
-              <a:gd name="connsiteX2" fmla="*/ 225446 w 241645"/>
-              <a:gd name="connsiteY2" fmla="*/ 81447 h 241872"/>
-              <a:gd name="connsiteX3" fmla="*/ 225418 w 241645"/>
-              <a:gd name="connsiteY3" fmla="*/ 81475 h 241872"/>
-              <a:gd name="connsiteX4" fmla="*/ 151491 w 241645"/>
-              <a:gd name="connsiteY4" fmla="*/ 108103 h 241872"/>
-              <a:gd name="connsiteX5" fmla="*/ 148313 w 241645"/>
-              <a:gd name="connsiteY5" fmla="*/ 122318 h 241872"/>
-              <a:gd name="connsiteX6" fmla="*/ 7381 w 241645"/>
-              <a:gd name="connsiteY6" fmla="*/ 0 h 241872"/>
-              <a:gd name="connsiteX7" fmla="*/ 7342 w 241645"/>
-              <a:gd name="connsiteY7" fmla="*/ 0 h 241872"/>
-              <a:gd name="connsiteX8" fmla="*/ 2 w 241645"/>
-              <a:gd name="connsiteY8" fmla="*/ 7673 h 241872"/>
-              <a:gd name="connsiteX9" fmla="*/ 399 w 241645"/>
-              <a:gd name="connsiteY9" fmla="*/ 9936 h 241872"/>
-              <a:gd name="connsiteX10" fmla="*/ 74058 w 241645"/>
-              <a:gd name="connsiteY10" fmla="*/ 231677 h 241872"/>
-              <a:gd name="connsiteX11" fmla="*/ 83701 w 241645"/>
-              <a:gd name="connsiteY11" fmla="*/ 236284 h 241872"/>
-              <a:gd name="connsiteX12" fmla="*/ 88307 w 241645"/>
-              <a:gd name="connsiteY12" fmla="*/ 231677 h 241872"/>
-              <a:gd name="connsiteX13" fmla="*/ 116033 w 241645"/>
-              <a:gd name="connsiteY13" fmla="*/ 154711 h 241872"/>
-              <a:gd name="connsiteX14" fmla="*/ 203172 w 241645"/>
-              <a:gd name="connsiteY14" fmla="*/ 241872 h 241872"/>
-              <a:gd name="connsiteX15" fmla="*/ 241645 w 241645"/>
-              <a:gd name="connsiteY15" fmla="*/ 203442 h 241872"/>
-              <a:gd name="connsiteX16" fmla="*/ 154423 w 241645"/>
-              <a:gd name="connsiteY16" fmla="*/ 116221 h 241872"/>
-              <a:gd name="connsiteX17" fmla="*/ 231282 w 241645"/>
-              <a:gd name="connsiteY17" fmla="*/ 88539 h 241872"/>
-              <a:gd name="connsiteX18" fmla="*/ 235967 w 241645"/>
-              <a:gd name="connsiteY18" fmla="*/ 78927 h 241872"/>
-              <a:gd name="connsiteX19" fmla="*/ 231282 w 241645"/>
-              <a:gd name="connsiteY19" fmla="*/ 74242 h 241872"/>
-              <a:gd name="connsiteX20" fmla="*/ 9803 w 241645"/>
-              <a:gd name="connsiteY20" fmla="*/ 389 h 241872"/>
-              <a:gd name="connsiteX21" fmla="*/ 7381 w 241645"/>
-              <a:gd name="connsiteY21" fmla="*/ 0 h 241872"/>
-              <a:gd name="connsiteX0" fmla="*/ 148313 w 241645"/>
-              <a:gd name="connsiteY0" fmla="*/ 122318 h 241872"/>
-              <a:gd name="connsiteX1" fmla="*/ 225418 w 241645"/>
-              <a:gd name="connsiteY1" fmla="*/ 81393 h 241872"/>
-              <a:gd name="connsiteX2" fmla="*/ 225446 w 241645"/>
-              <a:gd name="connsiteY2" fmla="*/ 81447 h 241872"/>
-              <a:gd name="connsiteX3" fmla="*/ 225418 w 241645"/>
-              <a:gd name="connsiteY3" fmla="*/ 81475 h 241872"/>
-              <a:gd name="connsiteX4" fmla="*/ 148313 w 241645"/>
-              <a:gd name="connsiteY4" fmla="*/ 122318 h 241872"/>
-              <a:gd name="connsiteX5" fmla="*/ 7381 w 241645"/>
-              <a:gd name="connsiteY5" fmla="*/ 0 h 241872"/>
-              <a:gd name="connsiteX6" fmla="*/ 7342 w 241645"/>
-              <a:gd name="connsiteY6" fmla="*/ 0 h 241872"/>
-              <a:gd name="connsiteX7" fmla="*/ 2 w 241645"/>
-              <a:gd name="connsiteY7" fmla="*/ 7673 h 241872"/>
-              <a:gd name="connsiteX8" fmla="*/ 399 w 241645"/>
-              <a:gd name="connsiteY8" fmla="*/ 9936 h 241872"/>
-              <a:gd name="connsiteX9" fmla="*/ 74058 w 241645"/>
-              <a:gd name="connsiteY9" fmla="*/ 231677 h 241872"/>
-              <a:gd name="connsiteX10" fmla="*/ 83701 w 241645"/>
-              <a:gd name="connsiteY10" fmla="*/ 236284 h 241872"/>
-              <a:gd name="connsiteX11" fmla="*/ 88307 w 241645"/>
-              <a:gd name="connsiteY11" fmla="*/ 231677 h 241872"/>
-              <a:gd name="connsiteX12" fmla="*/ 116033 w 241645"/>
-              <a:gd name="connsiteY12" fmla="*/ 154711 h 241872"/>
-              <a:gd name="connsiteX13" fmla="*/ 203172 w 241645"/>
-              <a:gd name="connsiteY13" fmla="*/ 241872 h 241872"/>
-              <a:gd name="connsiteX14" fmla="*/ 241645 w 241645"/>
-              <a:gd name="connsiteY14" fmla="*/ 203442 h 241872"/>
-              <a:gd name="connsiteX15" fmla="*/ 154423 w 241645"/>
-              <a:gd name="connsiteY15" fmla="*/ 116221 h 241872"/>
-              <a:gd name="connsiteX16" fmla="*/ 231282 w 241645"/>
-              <a:gd name="connsiteY16" fmla="*/ 88539 h 241872"/>
-              <a:gd name="connsiteX17" fmla="*/ 235967 w 241645"/>
-              <a:gd name="connsiteY17" fmla="*/ 78927 h 241872"/>
-              <a:gd name="connsiteX18" fmla="*/ 231282 w 241645"/>
-              <a:gd name="connsiteY18" fmla="*/ 74242 h 241872"/>
-              <a:gd name="connsiteX19" fmla="*/ 9803 w 241645"/>
-              <a:gd name="connsiteY19" fmla="*/ 389 h 241872"/>
-              <a:gd name="connsiteX20" fmla="*/ 7381 w 241645"/>
-              <a:gd name="connsiteY20" fmla="*/ 0 h 241872"/>
-              <a:gd name="connsiteX0" fmla="*/ 148313 w 241645"/>
-              <a:gd name="connsiteY0" fmla="*/ 122318 h 241872"/>
-              <a:gd name="connsiteX1" fmla="*/ 225418 w 241645"/>
-              <a:gd name="connsiteY1" fmla="*/ 81393 h 241872"/>
-              <a:gd name="connsiteX2" fmla="*/ 225446 w 241645"/>
-              <a:gd name="connsiteY2" fmla="*/ 81447 h 241872"/>
-              <a:gd name="connsiteX3" fmla="*/ 148313 w 241645"/>
-              <a:gd name="connsiteY3" fmla="*/ 122318 h 241872"/>
-              <a:gd name="connsiteX4" fmla="*/ 7381 w 241645"/>
-              <a:gd name="connsiteY4" fmla="*/ 0 h 241872"/>
-              <a:gd name="connsiteX5" fmla="*/ 7342 w 241645"/>
-              <a:gd name="connsiteY5" fmla="*/ 0 h 241872"/>
-              <a:gd name="connsiteX6" fmla="*/ 2 w 241645"/>
-              <a:gd name="connsiteY6" fmla="*/ 7673 h 241872"/>
-              <a:gd name="connsiteX7" fmla="*/ 399 w 241645"/>
-              <a:gd name="connsiteY7" fmla="*/ 9936 h 241872"/>
-              <a:gd name="connsiteX8" fmla="*/ 74058 w 241645"/>
-              <a:gd name="connsiteY8" fmla="*/ 231677 h 241872"/>
-              <a:gd name="connsiteX9" fmla="*/ 83701 w 241645"/>
-              <a:gd name="connsiteY9" fmla="*/ 236284 h 241872"/>
-              <a:gd name="connsiteX10" fmla="*/ 88307 w 241645"/>
-              <a:gd name="connsiteY10" fmla="*/ 231677 h 241872"/>
-              <a:gd name="connsiteX11" fmla="*/ 116033 w 241645"/>
-              <a:gd name="connsiteY11" fmla="*/ 154711 h 241872"/>
-              <a:gd name="connsiteX12" fmla="*/ 203172 w 241645"/>
-              <a:gd name="connsiteY12" fmla="*/ 241872 h 241872"/>
-              <a:gd name="connsiteX13" fmla="*/ 241645 w 241645"/>
-              <a:gd name="connsiteY13" fmla="*/ 203442 h 241872"/>
-              <a:gd name="connsiteX14" fmla="*/ 154423 w 241645"/>
-              <a:gd name="connsiteY14" fmla="*/ 116221 h 241872"/>
-              <a:gd name="connsiteX15" fmla="*/ 231282 w 241645"/>
-              <a:gd name="connsiteY15" fmla="*/ 88539 h 241872"/>
-              <a:gd name="connsiteX16" fmla="*/ 235967 w 241645"/>
-              <a:gd name="connsiteY16" fmla="*/ 78927 h 241872"/>
-              <a:gd name="connsiteX17" fmla="*/ 231282 w 241645"/>
-              <a:gd name="connsiteY17" fmla="*/ 74242 h 241872"/>
-              <a:gd name="connsiteX18" fmla="*/ 9803 w 241645"/>
-              <a:gd name="connsiteY18" fmla="*/ 389 h 241872"/>
-              <a:gd name="connsiteX19" fmla="*/ 7381 w 241645"/>
-              <a:gd name="connsiteY19" fmla="*/ 0 h 241872"/>
-              <a:gd name="connsiteX0" fmla="*/ 148313 w 241645"/>
-              <a:gd name="connsiteY0" fmla="*/ 122318 h 241872"/>
-              <a:gd name="connsiteX1" fmla="*/ 225418 w 241645"/>
-              <a:gd name="connsiteY1" fmla="*/ 81393 h 241872"/>
-              <a:gd name="connsiteX2" fmla="*/ 148313 w 241645"/>
-              <a:gd name="connsiteY2" fmla="*/ 122318 h 241872"/>
-              <a:gd name="connsiteX3" fmla="*/ 7381 w 241645"/>
-              <a:gd name="connsiteY3" fmla="*/ 0 h 241872"/>
-              <a:gd name="connsiteX4" fmla="*/ 7342 w 241645"/>
-              <a:gd name="connsiteY4" fmla="*/ 0 h 241872"/>
-              <a:gd name="connsiteX5" fmla="*/ 2 w 241645"/>
-              <a:gd name="connsiteY5" fmla="*/ 7673 h 241872"/>
-              <a:gd name="connsiteX6" fmla="*/ 399 w 241645"/>
-              <a:gd name="connsiteY6" fmla="*/ 9936 h 241872"/>
-              <a:gd name="connsiteX7" fmla="*/ 74058 w 241645"/>
-              <a:gd name="connsiteY7" fmla="*/ 231677 h 241872"/>
-              <a:gd name="connsiteX8" fmla="*/ 83701 w 241645"/>
-              <a:gd name="connsiteY8" fmla="*/ 236284 h 241872"/>
-              <a:gd name="connsiteX9" fmla="*/ 88307 w 241645"/>
-              <a:gd name="connsiteY9" fmla="*/ 231677 h 241872"/>
-              <a:gd name="connsiteX10" fmla="*/ 116033 w 241645"/>
-              <a:gd name="connsiteY10" fmla="*/ 154711 h 241872"/>
-              <a:gd name="connsiteX11" fmla="*/ 203172 w 241645"/>
-              <a:gd name="connsiteY11" fmla="*/ 241872 h 241872"/>
-              <a:gd name="connsiteX12" fmla="*/ 241645 w 241645"/>
-              <a:gd name="connsiteY12" fmla="*/ 203442 h 241872"/>
-              <a:gd name="connsiteX13" fmla="*/ 154423 w 241645"/>
-              <a:gd name="connsiteY13" fmla="*/ 116221 h 241872"/>
-              <a:gd name="connsiteX14" fmla="*/ 231282 w 241645"/>
-              <a:gd name="connsiteY14" fmla="*/ 88539 h 241872"/>
-              <a:gd name="connsiteX15" fmla="*/ 235967 w 241645"/>
-              <a:gd name="connsiteY15" fmla="*/ 78927 h 241872"/>
-              <a:gd name="connsiteX16" fmla="*/ 231282 w 241645"/>
-              <a:gd name="connsiteY16" fmla="*/ 74242 h 241872"/>
-              <a:gd name="connsiteX17" fmla="*/ 9803 w 241645"/>
-              <a:gd name="connsiteY17" fmla="*/ 389 h 241872"/>
-              <a:gd name="connsiteX18" fmla="*/ 7381 w 241645"/>
-              <a:gd name="connsiteY18" fmla="*/ 0 h 241872"/>
-              <a:gd name="connsiteX0" fmla="*/ 7381 w 241645"/>
-              <a:gd name="connsiteY0" fmla="*/ 0 h 241872"/>
-              <a:gd name="connsiteX1" fmla="*/ 7342 w 241645"/>
-              <a:gd name="connsiteY1" fmla="*/ 0 h 241872"/>
-              <a:gd name="connsiteX2" fmla="*/ 2 w 241645"/>
-              <a:gd name="connsiteY2" fmla="*/ 7673 h 241872"/>
-              <a:gd name="connsiteX3" fmla="*/ 399 w 241645"/>
-              <a:gd name="connsiteY3" fmla="*/ 9936 h 241872"/>
-              <a:gd name="connsiteX4" fmla="*/ 74058 w 241645"/>
-              <a:gd name="connsiteY4" fmla="*/ 231677 h 241872"/>
-              <a:gd name="connsiteX5" fmla="*/ 83701 w 241645"/>
-              <a:gd name="connsiteY5" fmla="*/ 236284 h 241872"/>
-              <a:gd name="connsiteX6" fmla="*/ 88307 w 241645"/>
-              <a:gd name="connsiteY6" fmla="*/ 231677 h 241872"/>
-              <a:gd name="connsiteX7" fmla="*/ 116033 w 241645"/>
-              <a:gd name="connsiteY7" fmla="*/ 154711 h 241872"/>
-              <a:gd name="connsiteX8" fmla="*/ 203172 w 241645"/>
-              <a:gd name="connsiteY8" fmla="*/ 241872 h 241872"/>
-              <a:gd name="connsiteX9" fmla="*/ 241645 w 241645"/>
-              <a:gd name="connsiteY9" fmla="*/ 203442 h 241872"/>
-              <a:gd name="connsiteX10" fmla="*/ 154423 w 241645"/>
-              <a:gd name="connsiteY10" fmla="*/ 116221 h 241872"/>
-              <a:gd name="connsiteX11" fmla="*/ 231282 w 241645"/>
-              <a:gd name="connsiteY11" fmla="*/ 88539 h 241872"/>
-              <a:gd name="connsiteX12" fmla="*/ 235967 w 241645"/>
-              <a:gd name="connsiteY12" fmla="*/ 78927 h 241872"/>
-              <a:gd name="connsiteX13" fmla="*/ 231282 w 241645"/>
-              <a:gd name="connsiteY13" fmla="*/ 74242 h 241872"/>
-              <a:gd name="connsiteX14" fmla="*/ 9803 w 241645"/>
-              <a:gd name="connsiteY14" fmla="*/ 389 h 241872"/>
-              <a:gd name="connsiteX15" fmla="*/ 7381 w 241645"/>
-              <a:gd name="connsiteY15" fmla="*/ 0 h 241872"/>
-            </a:gdLst>
-            <a:ahLst/>
-            <a:cxnLst>
-              <a:cxn ang="0">
-                <a:pos x="connsiteX0" y="connsiteY0"/>
-              </a:cxn>
-              <a:cxn ang="0">
-                <a:pos x="connsiteX1" y="connsiteY1"/>
-              </a:cxn>
-              <a:cxn ang="0">
-                <a:pos x="connsiteX2" y="connsiteY2"/>
-              </a:cxn>
-              <a:cxn ang="0">
-                <a:pos x="connsiteX3" y="connsiteY3"/>
-              </a:cxn>
-              <a:cxn ang="0">
-                <a:pos x="connsiteX4" y="connsiteY4"/>
-              </a:cxn>
-              <a:cxn ang="0">
-                <a:pos x="connsiteX5" y="connsiteY5"/>
-              </a:cxn>
-              <a:cxn ang="0">
-                <a:pos x="connsiteX6" y="connsiteY6"/>
-              </a:cxn>
-              <a:cxn ang="0">
-                <a:pos x="connsiteX7" y="connsiteY7"/>
-              </a:cxn>
-              <a:cxn ang="0">
-                <a:pos x="connsiteX8" y="connsiteY8"/>
-              </a:cxn>
-              <a:cxn ang="0">
-                <a:pos x="connsiteX9" y="connsiteY9"/>
-              </a:cxn>
-              <a:cxn ang="0">
-                <a:pos x="connsiteX10" y="connsiteY10"/>
-              </a:cxn>
-              <a:cxn ang="0">
-                <a:pos x="connsiteX11" y="connsiteY11"/>
-              </a:cxn>
-              <a:cxn ang="0">
-                <a:pos x="connsiteX12" y="connsiteY12"/>
-              </a:cxn>
-              <a:cxn ang="0">
-                <a:pos x="connsiteX13" y="connsiteY13"/>
-              </a:cxn>
-              <a:cxn ang="0">
-                <a:pos x="connsiteX14" y="connsiteY14"/>
-              </a:cxn>
-              <a:cxn ang="0">
-                <a:pos x="connsiteX15" y="connsiteY15"/>
-              </a:cxn>
-            </a:cxnLst>
-            <a:rect l="l" t="t" r="r" b="b"/>
-            <a:pathLst>
-              <a:path w="241645" h="241872">
-                <a:moveTo>
-                  <a:pt x="7381" y="0"/>
-                </a:moveTo>
-                <a:lnTo>
-                  <a:pt x="7342" y="0"/>
-                </a:lnTo>
-                <a:cubicBezTo>
-                  <a:pt x="3197" y="95"/>
-                  <a:pt x="-88" y="3528"/>
-                  <a:pt x="2" y="7673"/>
-                </a:cubicBezTo>
-                <a:cubicBezTo>
-                  <a:pt x="19" y="8443"/>
-                  <a:pt x="153" y="9206"/>
-                  <a:pt x="399" y="9936"/>
-                </a:cubicBezTo>
-                <a:lnTo>
-                  <a:pt x="74058" y="231677"/>
-                </a:lnTo>
-                <a:cubicBezTo>
-                  <a:pt x="75449" y="235612"/>
-                  <a:pt x="79766" y="237674"/>
-                  <a:pt x="83701" y="236284"/>
-                </a:cubicBezTo>
-                <a:cubicBezTo>
-                  <a:pt x="85853" y="235523"/>
-                  <a:pt x="87546" y="233830"/>
-                  <a:pt x="88307" y="231677"/>
-                </a:cubicBezTo>
-                <a:lnTo>
-                  <a:pt x="116033" y="154711"/>
-                </a:lnTo>
-                <a:lnTo>
-                  <a:pt x="203172" y="241872"/>
-                </a:lnTo>
-                <a:lnTo>
-                  <a:pt x="241645" y="203442"/>
-                </a:lnTo>
-                <a:lnTo>
-                  <a:pt x="154423" y="116221"/>
-                </a:lnTo>
-                <a:lnTo>
-                  <a:pt x="231282" y="88539"/>
-                </a:lnTo>
-                <a:cubicBezTo>
-                  <a:pt x="235230" y="87179"/>
-                  <a:pt x="237327" y="82875"/>
-                  <a:pt x="235967" y="78927"/>
-                </a:cubicBezTo>
-                <a:cubicBezTo>
-                  <a:pt x="235209" y="76728"/>
-                  <a:pt x="233481" y="75000"/>
-                  <a:pt x="231282" y="74242"/>
-                </a:cubicBezTo>
-                <a:lnTo>
-                  <a:pt x="9803" y="389"/>
-                </a:lnTo>
-                <a:cubicBezTo>
-                  <a:pt x="9022" y="130"/>
-                  <a:pt x="8204" y="-1"/>
-                  <a:pt x="7381" y="0"/>
-                </a:cubicBezTo>
-                <a:close/>
-              </a:path>
-            </a:pathLst>
-          </a:custGeom>
-          <a:solidFill>
-            <a:srgbClr val="C00000"/>
-          </a:solidFill>
-          <a:ln w="4266" cap="flat">
-            <a:solidFill>
-              <a:srgbClr val="FF0000"/>
-            </a:solidFill>
-            <a:prstDash val="solid"/>
-            <a:miter/>
-          </a:ln>
-        </p:spPr>
-        <p:txBody>
-          <a:bodyPr rtlCol="0" anchor="ctr"/>
-          <a:lstStyle/>
-          <a:p>
-            <a:endParaRPr lang="en-US"/>
-          </a:p>
-        </p:txBody>
-      </p:sp>
-      <p:grpSp>
-        <p:nvGrpSpPr>
-          <p:cNvPr id="22" name="Group 21">
-            <a:extLst>
-              <a:ext uri="{FF2B5EF4-FFF2-40B4-BE49-F238E27FC236}">
-                <a16:creationId xmlns:a16="http://schemas.microsoft.com/office/drawing/2014/main" id="{CE1DA3EA-0DB0-944B-944F-215A032BDCF5}"/>
-              </a:ext>
-            </a:extLst>
-          </p:cNvPr>
-          <p:cNvGrpSpPr/>
-          <p:nvPr/>
-        </p:nvGrpSpPr>
-        <p:grpSpPr>
-          <a:xfrm>
-            <a:off x="2554014" y="546538"/>
-            <a:ext cx="4062202" cy="5065986"/>
-            <a:chOff x="2554014" y="546538"/>
-            <a:chExt cx="4062202" cy="5065986"/>
-          </a:xfrm>
-        </p:grpSpPr>
-        <p:pic>
-          <p:nvPicPr>
-            <p:cNvPr id="6" name="Picture 5">
-              <a:extLst>
-                <a:ext uri="{FF2B5EF4-FFF2-40B4-BE49-F238E27FC236}">
-                  <a16:creationId xmlns:a16="http://schemas.microsoft.com/office/drawing/2014/main" id="{099D63B0-059B-7D42-8096-F8AD4DFF6E93}"/>
-                </a:ext>
-              </a:extLst>
-            </p:cNvPr>
-            <p:cNvPicPr>
-              <a:picLocks noChangeAspect="1"/>
-            </p:cNvPicPr>
-            <p:nvPr/>
-          </p:nvPicPr>
-          <p:blipFill rotWithShape="1">
-            <a:blip r:embed="rId2" cstate="screen">
-              <a:extLst>
-                <a:ext uri="{28A0092B-C50C-407E-A947-70E740481C1C}">
-                  <a14:useLocalDpi xmlns:a14="http://schemas.microsoft.com/office/drawing/2010/main"/>
-                </a:ext>
-              </a:extLst>
-            </a:blip>
-            <a:srcRect/>
-            <a:stretch/>
-          </p:blipFill>
-          <p:spPr>
-            <a:xfrm>
-              <a:off x="2554014" y="546538"/>
-              <a:ext cx="3941380" cy="5065986"/>
-            </a:xfrm>
-            <a:prstGeom prst="rect">
-              <a:avLst/>
-            </a:prstGeom>
-            <a:ln w="28575">
-              <a:solidFill>
-                <a:srgbClr val="002060"/>
-              </a:solidFill>
-            </a:ln>
-          </p:spPr>
-        </p:pic>
-        <p:sp>
-          <p:nvSpPr>
-            <p:cNvPr id="18" name="Graphic 9" descr="Cursor outline">
-              <a:extLst>
-                <a:ext uri="{FF2B5EF4-FFF2-40B4-BE49-F238E27FC236}">
-                  <a16:creationId xmlns:a16="http://schemas.microsoft.com/office/drawing/2014/main" id="{B7E34146-C917-7443-A1FA-1B974D47CEEB}"/>
-                </a:ext>
-              </a:extLst>
-            </p:cNvPr>
-            <p:cNvSpPr/>
-            <p:nvPr/>
-          </p:nvSpPr>
-          <p:spPr>
-            <a:xfrm>
-              <a:off x="6374572" y="1017498"/>
-              <a:ext cx="241644" cy="241871"/>
-            </a:xfrm>
-            <a:custGeom>
-              <a:avLst/>
-              <a:gdLst>
-                <a:gd name="connsiteX0" fmla="*/ 9367 w 241644"/>
-                <a:gd name="connsiteY0" fmla="*/ 9348 h 241871"/>
-                <a:gd name="connsiteX1" fmla="*/ 225418 w 241644"/>
-                <a:gd name="connsiteY1" fmla="*/ 81393 h 241871"/>
-                <a:gd name="connsiteX2" fmla="*/ 225446 w 241644"/>
-                <a:gd name="connsiteY2" fmla="*/ 81447 h 241871"/>
-                <a:gd name="connsiteX3" fmla="*/ 225418 w 241644"/>
-                <a:gd name="connsiteY3" fmla="*/ 81475 h 241871"/>
-                <a:gd name="connsiteX4" fmla="*/ 151491 w 241644"/>
-                <a:gd name="connsiteY4" fmla="*/ 108103 h 241871"/>
-                <a:gd name="connsiteX5" fmla="*/ 138689 w 241644"/>
-                <a:gd name="connsiteY5" fmla="*/ 112697 h 241871"/>
-                <a:gd name="connsiteX6" fmla="*/ 148313 w 241644"/>
-                <a:gd name="connsiteY6" fmla="*/ 122318 h 241871"/>
-                <a:gd name="connsiteX7" fmla="*/ 229429 w 241644"/>
-                <a:gd name="connsiteY7" fmla="*/ 203430 h 241871"/>
-                <a:gd name="connsiteX8" fmla="*/ 203172 w 241644"/>
-                <a:gd name="connsiteY8" fmla="*/ 229661 h 241871"/>
-                <a:gd name="connsiteX9" fmla="*/ 122138 w 241644"/>
-                <a:gd name="connsiteY9" fmla="*/ 148605 h 241871"/>
-                <a:gd name="connsiteX10" fmla="*/ 112539 w 241644"/>
-                <a:gd name="connsiteY10" fmla="*/ 138985 h 241871"/>
-                <a:gd name="connsiteX11" fmla="*/ 107928 w 241644"/>
-                <a:gd name="connsiteY11" fmla="*/ 151783 h 241871"/>
-                <a:gd name="connsiteX12" fmla="*/ 81269 w 241644"/>
-                <a:gd name="connsiteY12" fmla="*/ 225740 h 241871"/>
-                <a:gd name="connsiteX13" fmla="*/ 81215 w 241644"/>
-                <a:gd name="connsiteY13" fmla="*/ 225768 h 241871"/>
-                <a:gd name="connsiteX14" fmla="*/ 81187 w 241644"/>
-                <a:gd name="connsiteY14" fmla="*/ 225740 h 241871"/>
-                <a:gd name="connsiteX15" fmla="*/ 9316 w 241644"/>
-                <a:gd name="connsiteY15" fmla="*/ 9413 h 241871"/>
-                <a:gd name="connsiteX16" fmla="*/ 9309 w 241644"/>
-                <a:gd name="connsiteY16" fmla="*/ 9355 h 241871"/>
-                <a:gd name="connsiteX17" fmla="*/ 9367 w 241644"/>
-                <a:gd name="connsiteY17" fmla="*/ 9348 h 241871"/>
-                <a:gd name="connsiteX18" fmla="*/ 7381 w 241644"/>
-                <a:gd name="connsiteY18" fmla="*/ 0 h 241871"/>
-                <a:gd name="connsiteX19" fmla="*/ 7342 w 241644"/>
-                <a:gd name="connsiteY19" fmla="*/ 0 h 241871"/>
-                <a:gd name="connsiteX20" fmla="*/ 2 w 241644"/>
-                <a:gd name="connsiteY20" fmla="*/ 7673 h 241871"/>
-                <a:gd name="connsiteX21" fmla="*/ 399 w 241644"/>
-                <a:gd name="connsiteY21" fmla="*/ 9936 h 241871"/>
-                <a:gd name="connsiteX22" fmla="*/ 74058 w 241644"/>
-                <a:gd name="connsiteY22" fmla="*/ 231677 h 241871"/>
-                <a:gd name="connsiteX23" fmla="*/ 83701 w 241644"/>
-                <a:gd name="connsiteY23" fmla="*/ 236284 h 241871"/>
-                <a:gd name="connsiteX24" fmla="*/ 88307 w 241644"/>
-                <a:gd name="connsiteY24" fmla="*/ 231677 h 241871"/>
-                <a:gd name="connsiteX25" fmla="*/ 116033 w 241644"/>
-                <a:gd name="connsiteY25" fmla="*/ 154711 h 241871"/>
-                <a:gd name="connsiteX26" fmla="*/ 203172 w 241644"/>
-                <a:gd name="connsiteY26" fmla="*/ 241872 h 241871"/>
-                <a:gd name="connsiteX27" fmla="*/ 241645 w 241644"/>
-                <a:gd name="connsiteY27" fmla="*/ 203442 h 241871"/>
-                <a:gd name="connsiteX28" fmla="*/ 154423 w 241644"/>
-                <a:gd name="connsiteY28" fmla="*/ 116221 h 241871"/>
-                <a:gd name="connsiteX29" fmla="*/ 231282 w 241644"/>
-                <a:gd name="connsiteY29" fmla="*/ 88539 h 241871"/>
-                <a:gd name="connsiteX30" fmla="*/ 235967 w 241644"/>
-                <a:gd name="connsiteY30" fmla="*/ 78927 h 241871"/>
-                <a:gd name="connsiteX31" fmla="*/ 231282 w 241644"/>
-                <a:gd name="connsiteY31" fmla="*/ 74242 h 241871"/>
-                <a:gd name="connsiteX32" fmla="*/ 9803 w 241644"/>
-                <a:gd name="connsiteY32" fmla="*/ 389 h 241871"/>
-                <a:gd name="connsiteX33" fmla="*/ 7381 w 241644"/>
-                <a:gd name="connsiteY33" fmla="*/ 0 h 241871"/>
-                <a:gd name="connsiteX0" fmla="*/ 9367 w 241645"/>
-                <a:gd name="connsiteY0" fmla="*/ 9348 h 241872"/>
-                <a:gd name="connsiteX1" fmla="*/ 225418 w 241645"/>
-                <a:gd name="connsiteY1" fmla="*/ 81393 h 241872"/>
-                <a:gd name="connsiteX2" fmla="*/ 225446 w 241645"/>
-                <a:gd name="connsiteY2" fmla="*/ 81447 h 241872"/>
-                <a:gd name="connsiteX3" fmla="*/ 225418 w 241645"/>
-                <a:gd name="connsiteY3" fmla="*/ 81475 h 241872"/>
-                <a:gd name="connsiteX4" fmla="*/ 151491 w 241645"/>
-                <a:gd name="connsiteY4" fmla="*/ 108103 h 241872"/>
-                <a:gd name="connsiteX5" fmla="*/ 138689 w 241645"/>
-                <a:gd name="connsiteY5" fmla="*/ 112697 h 241872"/>
-                <a:gd name="connsiteX6" fmla="*/ 148313 w 241645"/>
-                <a:gd name="connsiteY6" fmla="*/ 122318 h 241872"/>
-                <a:gd name="connsiteX7" fmla="*/ 229429 w 241645"/>
-                <a:gd name="connsiteY7" fmla="*/ 203430 h 241872"/>
-                <a:gd name="connsiteX8" fmla="*/ 203172 w 241645"/>
-                <a:gd name="connsiteY8" fmla="*/ 229661 h 241872"/>
-                <a:gd name="connsiteX9" fmla="*/ 122138 w 241645"/>
-                <a:gd name="connsiteY9" fmla="*/ 148605 h 241872"/>
-                <a:gd name="connsiteX10" fmla="*/ 107928 w 241645"/>
-                <a:gd name="connsiteY10" fmla="*/ 151783 h 241872"/>
-                <a:gd name="connsiteX11" fmla="*/ 81269 w 241645"/>
-                <a:gd name="connsiteY11" fmla="*/ 225740 h 241872"/>
-                <a:gd name="connsiteX12" fmla="*/ 81215 w 241645"/>
-                <a:gd name="connsiteY12" fmla="*/ 225768 h 241872"/>
-                <a:gd name="connsiteX13" fmla="*/ 81187 w 241645"/>
-                <a:gd name="connsiteY13" fmla="*/ 225740 h 241872"/>
-                <a:gd name="connsiteX14" fmla="*/ 9316 w 241645"/>
-                <a:gd name="connsiteY14" fmla="*/ 9413 h 241872"/>
-                <a:gd name="connsiteX15" fmla="*/ 9309 w 241645"/>
-                <a:gd name="connsiteY15" fmla="*/ 9355 h 241872"/>
-                <a:gd name="connsiteX16" fmla="*/ 9367 w 241645"/>
-                <a:gd name="connsiteY16" fmla="*/ 9348 h 241872"/>
-                <a:gd name="connsiteX17" fmla="*/ 7381 w 241645"/>
-                <a:gd name="connsiteY17" fmla="*/ 0 h 241872"/>
-                <a:gd name="connsiteX18" fmla="*/ 7342 w 241645"/>
-                <a:gd name="connsiteY18" fmla="*/ 0 h 241872"/>
-                <a:gd name="connsiteX19" fmla="*/ 2 w 241645"/>
-                <a:gd name="connsiteY19" fmla="*/ 7673 h 241872"/>
-                <a:gd name="connsiteX20" fmla="*/ 399 w 241645"/>
-                <a:gd name="connsiteY20" fmla="*/ 9936 h 241872"/>
-                <a:gd name="connsiteX21" fmla="*/ 74058 w 241645"/>
-                <a:gd name="connsiteY21" fmla="*/ 231677 h 241872"/>
-                <a:gd name="connsiteX22" fmla="*/ 83701 w 241645"/>
-                <a:gd name="connsiteY22" fmla="*/ 236284 h 241872"/>
-                <a:gd name="connsiteX23" fmla="*/ 88307 w 241645"/>
-                <a:gd name="connsiteY23" fmla="*/ 231677 h 241872"/>
-                <a:gd name="connsiteX24" fmla="*/ 116033 w 241645"/>
-                <a:gd name="connsiteY24" fmla="*/ 154711 h 241872"/>
-                <a:gd name="connsiteX25" fmla="*/ 203172 w 241645"/>
-                <a:gd name="connsiteY25" fmla="*/ 241872 h 241872"/>
-                <a:gd name="connsiteX26" fmla="*/ 241645 w 241645"/>
-                <a:gd name="connsiteY26" fmla="*/ 203442 h 241872"/>
-                <a:gd name="connsiteX27" fmla="*/ 154423 w 241645"/>
-                <a:gd name="connsiteY27" fmla="*/ 116221 h 241872"/>
-                <a:gd name="connsiteX28" fmla="*/ 231282 w 241645"/>
-                <a:gd name="connsiteY28" fmla="*/ 88539 h 241872"/>
-                <a:gd name="connsiteX29" fmla="*/ 235967 w 241645"/>
-                <a:gd name="connsiteY29" fmla="*/ 78927 h 241872"/>
-                <a:gd name="connsiteX30" fmla="*/ 231282 w 241645"/>
-                <a:gd name="connsiteY30" fmla="*/ 74242 h 241872"/>
-                <a:gd name="connsiteX31" fmla="*/ 9803 w 241645"/>
-                <a:gd name="connsiteY31" fmla="*/ 389 h 241872"/>
-                <a:gd name="connsiteX32" fmla="*/ 7381 w 241645"/>
-                <a:gd name="connsiteY32" fmla="*/ 0 h 241872"/>
-                <a:gd name="connsiteX0" fmla="*/ 9309 w 241645"/>
-                <a:gd name="connsiteY0" fmla="*/ 9355 h 241872"/>
-                <a:gd name="connsiteX1" fmla="*/ 225418 w 241645"/>
-                <a:gd name="connsiteY1" fmla="*/ 81393 h 241872"/>
-                <a:gd name="connsiteX2" fmla="*/ 225446 w 241645"/>
-                <a:gd name="connsiteY2" fmla="*/ 81447 h 241872"/>
-                <a:gd name="connsiteX3" fmla="*/ 225418 w 241645"/>
-                <a:gd name="connsiteY3" fmla="*/ 81475 h 241872"/>
-                <a:gd name="connsiteX4" fmla="*/ 151491 w 241645"/>
-                <a:gd name="connsiteY4" fmla="*/ 108103 h 241872"/>
-                <a:gd name="connsiteX5" fmla="*/ 138689 w 241645"/>
-                <a:gd name="connsiteY5" fmla="*/ 112697 h 241872"/>
-                <a:gd name="connsiteX6" fmla="*/ 148313 w 241645"/>
-                <a:gd name="connsiteY6" fmla="*/ 122318 h 241872"/>
-                <a:gd name="connsiteX7" fmla="*/ 229429 w 241645"/>
-                <a:gd name="connsiteY7" fmla="*/ 203430 h 241872"/>
-                <a:gd name="connsiteX8" fmla="*/ 203172 w 241645"/>
-                <a:gd name="connsiteY8" fmla="*/ 229661 h 241872"/>
-                <a:gd name="connsiteX9" fmla="*/ 122138 w 241645"/>
-                <a:gd name="connsiteY9" fmla="*/ 148605 h 241872"/>
-                <a:gd name="connsiteX10" fmla="*/ 107928 w 241645"/>
-                <a:gd name="connsiteY10" fmla="*/ 151783 h 241872"/>
-                <a:gd name="connsiteX11" fmla="*/ 81269 w 241645"/>
-                <a:gd name="connsiteY11" fmla="*/ 225740 h 241872"/>
-                <a:gd name="connsiteX12" fmla="*/ 81215 w 241645"/>
-                <a:gd name="connsiteY12" fmla="*/ 225768 h 241872"/>
-                <a:gd name="connsiteX13" fmla="*/ 81187 w 241645"/>
-                <a:gd name="connsiteY13" fmla="*/ 225740 h 241872"/>
-                <a:gd name="connsiteX14" fmla="*/ 9316 w 241645"/>
-                <a:gd name="connsiteY14" fmla="*/ 9413 h 241872"/>
-                <a:gd name="connsiteX15" fmla="*/ 9309 w 241645"/>
-                <a:gd name="connsiteY15" fmla="*/ 9355 h 241872"/>
-                <a:gd name="connsiteX16" fmla="*/ 7381 w 241645"/>
-                <a:gd name="connsiteY16" fmla="*/ 0 h 241872"/>
-                <a:gd name="connsiteX17" fmla="*/ 7342 w 241645"/>
-                <a:gd name="connsiteY17" fmla="*/ 0 h 241872"/>
-                <a:gd name="connsiteX18" fmla="*/ 2 w 241645"/>
-                <a:gd name="connsiteY18" fmla="*/ 7673 h 241872"/>
-                <a:gd name="connsiteX19" fmla="*/ 399 w 241645"/>
-                <a:gd name="connsiteY19" fmla="*/ 9936 h 241872"/>
-                <a:gd name="connsiteX20" fmla="*/ 74058 w 241645"/>
-                <a:gd name="connsiteY20" fmla="*/ 231677 h 241872"/>
-                <a:gd name="connsiteX21" fmla="*/ 83701 w 241645"/>
-                <a:gd name="connsiteY21" fmla="*/ 236284 h 241872"/>
-                <a:gd name="connsiteX22" fmla="*/ 88307 w 241645"/>
-                <a:gd name="connsiteY22" fmla="*/ 231677 h 241872"/>
-                <a:gd name="connsiteX23" fmla="*/ 116033 w 241645"/>
-                <a:gd name="connsiteY23" fmla="*/ 154711 h 241872"/>
-                <a:gd name="connsiteX24" fmla="*/ 203172 w 241645"/>
-                <a:gd name="connsiteY24" fmla="*/ 241872 h 241872"/>
-                <a:gd name="connsiteX25" fmla="*/ 241645 w 241645"/>
-                <a:gd name="connsiteY25" fmla="*/ 203442 h 241872"/>
-                <a:gd name="connsiteX26" fmla="*/ 154423 w 241645"/>
-                <a:gd name="connsiteY26" fmla="*/ 116221 h 241872"/>
-                <a:gd name="connsiteX27" fmla="*/ 231282 w 241645"/>
-                <a:gd name="connsiteY27" fmla="*/ 88539 h 241872"/>
-                <a:gd name="connsiteX28" fmla="*/ 235967 w 241645"/>
-                <a:gd name="connsiteY28" fmla="*/ 78927 h 241872"/>
-                <a:gd name="connsiteX29" fmla="*/ 231282 w 241645"/>
-                <a:gd name="connsiteY29" fmla="*/ 74242 h 241872"/>
-                <a:gd name="connsiteX30" fmla="*/ 9803 w 241645"/>
-                <a:gd name="connsiteY30" fmla="*/ 389 h 241872"/>
-                <a:gd name="connsiteX31" fmla="*/ 7381 w 241645"/>
-                <a:gd name="connsiteY31" fmla="*/ 0 h 241872"/>
-                <a:gd name="connsiteX0" fmla="*/ 9316 w 241645"/>
-                <a:gd name="connsiteY0" fmla="*/ 9413 h 241872"/>
-                <a:gd name="connsiteX1" fmla="*/ 225418 w 241645"/>
-                <a:gd name="connsiteY1" fmla="*/ 81393 h 241872"/>
-                <a:gd name="connsiteX2" fmla="*/ 225446 w 241645"/>
-                <a:gd name="connsiteY2" fmla="*/ 81447 h 241872"/>
-                <a:gd name="connsiteX3" fmla="*/ 225418 w 241645"/>
-                <a:gd name="connsiteY3" fmla="*/ 81475 h 241872"/>
-                <a:gd name="connsiteX4" fmla="*/ 151491 w 241645"/>
-                <a:gd name="connsiteY4" fmla="*/ 108103 h 241872"/>
-                <a:gd name="connsiteX5" fmla="*/ 138689 w 241645"/>
-                <a:gd name="connsiteY5" fmla="*/ 112697 h 241872"/>
-                <a:gd name="connsiteX6" fmla="*/ 148313 w 241645"/>
-                <a:gd name="connsiteY6" fmla="*/ 122318 h 241872"/>
-                <a:gd name="connsiteX7" fmla="*/ 229429 w 241645"/>
-                <a:gd name="connsiteY7" fmla="*/ 203430 h 241872"/>
-                <a:gd name="connsiteX8" fmla="*/ 203172 w 241645"/>
-                <a:gd name="connsiteY8" fmla="*/ 229661 h 241872"/>
-                <a:gd name="connsiteX9" fmla="*/ 122138 w 241645"/>
-                <a:gd name="connsiteY9" fmla="*/ 148605 h 241872"/>
-                <a:gd name="connsiteX10" fmla="*/ 107928 w 241645"/>
-                <a:gd name="connsiteY10" fmla="*/ 151783 h 241872"/>
-                <a:gd name="connsiteX11" fmla="*/ 81269 w 241645"/>
-                <a:gd name="connsiteY11" fmla="*/ 225740 h 241872"/>
-                <a:gd name="connsiteX12" fmla="*/ 81215 w 241645"/>
-                <a:gd name="connsiteY12" fmla="*/ 225768 h 241872"/>
-                <a:gd name="connsiteX13" fmla="*/ 81187 w 241645"/>
-                <a:gd name="connsiteY13" fmla="*/ 225740 h 241872"/>
-                <a:gd name="connsiteX14" fmla="*/ 9316 w 241645"/>
-                <a:gd name="connsiteY14" fmla="*/ 9413 h 241872"/>
-                <a:gd name="connsiteX15" fmla="*/ 7381 w 241645"/>
-                <a:gd name="connsiteY15" fmla="*/ 0 h 241872"/>
-                <a:gd name="connsiteX16" fmla="*/ 7342 w 241645"/>
-                <a:gd name="connsiteY16" fmla="*/ 0 h 241872"/>
-                <a:gd name="connsiteX17" fmla="*/ 2 w 241645"/>
-                <a:gd name="connsiteY17" fmla="*/ 7673 h 241872"/>
-                <a:gd name="connsiteX18" fmla="*/ 399 w 241645"/>
-                <a:gd name="connsiteY18" fmla="*/ 9936 h 241872"/>
-                <a:gd name="connsiteX19" fmla="*/ 74058 w 241645"/>
-                <a:gd name="connsiteY19" fmla="*/ 231677 h 241872"/>
-                <a:gd name="connsiteX20" fmla="*/ 83701 w 241645"/>
-                <a:gd name="connsiteY20" fmla="*/ 236284 h 241872"/>
-                <a:gd name="connsiteX21" fmla="*/ 88307 w 241645"/>
-                <a:gd name="connsiteY21" fmla="*/ 231677 h 241872"/>
-                <a:gd name="connsiteX22" fmla="*/ 116033 w 241645"/>
-                <a:gd name="connsiteY22" fmla="*/ 154711 h 241872"/>
-                <a:gd name="connsiteX23" fmla="*/ 203172 w 241645"/>
-                <a:gd name="connsiteY23" fmla="*/ 241872 h 241872"/>
-                <a:gd name="connsiteX24" fmla="*/ 241645 w 241645"/>
-                <a:gd name="connsiteY24" fmla="*/ 203442 h 241872"/>
-                <a:gd name="connsiteX25" fmla="*/ 154423 w 241645"/>
-                <a:gd name="connsiteY25" fmla="*/ 116221 h 241872"/>
-                <a:gd name="connsiteX26" fmla="*/ 231282 w 241645"/>
-                <a:gd name="connsiteY26" fmla="*/ 88539 h 241872"/>
-                <a:gd name="connsiteX27" fmla="*/ 235967 w 241645"/>
-                <a:gd name="connsiteY27" fmla="*/ 78927 h 241872"/>
-                <a:gd name="connsiteX28" fmla="*/ 231282 w 241645"/>
-                <a:gd name="connsiteY28" fmla="*/ 74242 h 241872"/>
-                <a:gd name="connsiteX29" fmla="*/ 9803 w 241645"/>
-                <a:gd name="connsiteY29" fmla="*/ 389 h 241872"/>
-                <a:gd name="connsiteX30" fmla="*/ 7381 w 241645"/>
-                <a:gd name="connsiteY30" fmla="*/ 0 h 241872"/>
-                <a:gd name="connsiteX0" fmla="*/ 81187 w 241645"/>
-                <a:gd name="connsiteY0" fmla="*/ 225740 h 241872"/>
-                <a:gd name="connsiteX1" fmla="*/ 225418 w 241645"/>
-                <a:gd name="connsiteY1" fmla="*/ 81393 h 241872"/>
-                <a:gd name="connsiteX2" fmla="*/ 225446 w 241645"/>
-                <a:gd name="connsiteY2" fmla="*/ 81447 h 241872"/>
-                <a:gd name="connsiteX3" fmla="*/ 225418 w 241645"/>
-                <a:gd name="connsiteY3" fmla="*/ 81475 h 241872"/>
-                <a:gd name="connsiteX4" fmla="*/ 151491 w 241645"/>
-                <a:gd name="connsiteY4" fmla="*/ 108103 h 241872"/>
-                <a:gd name="connsiteX5" fmla="*/ 138689 w 241645"/>
-                <a:gd name="connsiteY5" fmla="*/ 112697 h 241872"/>
-                <a:gd name="connsiteX6" fmla="*/ 148313 w 241645"/>
-                <a:gd name="connsiteY6" fmla="*/ 122318 h 241872"/>
-                <a:gd name="connsiteX7" fmla="*/ 229429 w 241645"/>
-                <a:gd name="connsiteY7" fmla="*/ 203430 h 241872"/>
-                <a:gd name="connsiteX8" fmla="*/ 203172 w 241645"/>
-                <a:gd name="connsiteY8" fmla="*/ 229661 h 241872"/>
-                <a:gd name="connsiteX9" fmla="*/ 122138 w 241645"/>
-                <a:gd name="connsiteY9" fmla="*/ 148605 h 241872"/>
-                <a:gd name="connsiteX10" fmla="*/ 107928 w 241645"/>
-                <a:gd name="connsiteY10" fmla="*/ 151783 h 241872"/>
-                <a:gd name="connsiteX11" fmla="*/ 81269 w 241645"/>
-                <a:gd name="connsiteY11" fmla="*/ 225740 h 241872"/>
-                <a:gd name="connsiteX12" fmla="*/ 81215 w 241645"/>
-                <a:gd name="connsiteY12" fmla="*/ 225768 h 241872"/>
-                <a:gd name="connsiteX13" fmla="*/ 81187 w 241645"/>
-                <a:gd name="connsiteY13" fmla="*/ 225740 h 241872"/>
-                <a:gd name="connsiteX14" fmla="*/ 7381 w 241645"/>
-                <a:gd name="connsiteY14" fmla="*/ 0 h 241872"/>
-                <a:gd name="connsiteX15" fmla="*/ 7342 w 241645"/>
-                <a:gd name="connsiteY15" fmla="*/ 0 h 241872"/>
-                <a:gd name="connsiteX16" fmla="*/ 2 w 241645"/>
-                <a:gd name="connsiteY16" fmla="*/ 7673 h 241872"/>
-                <a:gd name="connsiteX17" fmla="*/ 399 w 241645"/>
-                <a:gd name="connsiteY17" fmla="*/ 9936 h 241872"/>
-                <a:gd name="connsiteX18" fmla="*/ 74058 w 241645"/>
-                <a:gd name="connsiteY18" fmla="*/ 231677 h 241872"/>
-                <a:gd name="connsiteX19" fmla="*/ 83701 w 241645"/>
-                <a:gd name="connsiteY19" fmla="*/ 236284 h 241872"/>
-                <a:gd name="connsiteX20" fmla="*/ 88307 w 241645"/>
-                <a:gd name="connsiteY20" fmla="*/ 231677 h 241872"/>
-                <a:gd name="connsiteX21" fmla="*/ 116033 w 241645"/>
-                <a:gd name="connsiteY21" fmla="*/ 154711 h 241872"/>
-                <a:gd name="connsiteX22" fmla="*/ 203172 w 241645"/>
-                <a:gd name="connsiteY22" fmla="*/ 241872 h 241872"/>
-                <a:gd name="connsiteX23" fmla="*/ 241645 w 241645"/>
-                <a:gd name="connsiteY23" fmla="*/ 203442 h 241872"/>
-                <a:gd name="connsiteX24" fmla="*/ 154423 w 241645"/>
-                <a:gd name="connsiteY24" fmla="*/ 116221 h 241872"/>
-                <a:gd name="connsiteX25" fmla="*/ 231282 w 241645"/>
-                <a:gd name="connsiteY25" fmla="*/ 88539 h 241872"/>
-                <a:gd name="connsiteX26" fmla="*/ 235967 w 241645"/>
-                <a:gd name="connsiteY26" fmla="*/ 78927 h 241872"/>
-                <a:gd name="connsiteX27" fmla="*/ 231282 w 241645"/>
-                <a:gd name="connsiteY27" fmla="*/ 74242 h 241872"/>
-                <a:gd name="connsiteX28" fmla="*/ 9803 w 241645"/>
-                <a:gd name="connsiteY28" fmla="*/ 389 h 241872"/>
-                <a:gd name="connsiteX29" fmla="*/ 7381 w 241645"/>
-                <a:gd name="connsiteY29" fmla="*/ 0 h 241872"/>
-                <a:gd name="connsiteX0" fmla="*/ 81215 w 241645"/>
-                <a:gd name="connsiteY0" fmla="*/ 225768 h 241872"/>
-                <a:gd name="connsiteX1" fmla="*/ 225418 w 241645"/>
-                <a:gd name="connsiteY1" fmla="*/ 81393 h 241872"/>
-                <a:gd name="connsiteX2" fmla="*/ 225446 w 241645"/>
-                <a:gd name="connsiteY2" fmla="*/ 81447 h 241872"/>
-                <a:gd name="connsiteX3" fmla="*/ 225418 w 241645"/>
-                <a:gd name="connsiteY3" fmla="*/ 81475 h 241872"/>
-                <a:gd name="connsiteX4" fmla="*/ 151491 w 241645"/>
-                <a:gd name="connsiteY4" fmla="*/ 108103 h 241872"/>
-                <a:gd name="connsiteX5" fmla="*/ 138689 w 241645"/>
-                <a:gd name="connsiteY5" fmla="*/ 112697 h 241872"/>
-                <a:gd name="connsiteX6" fmla="*/ 148313 w 241645"/>
-                <a:gd name="connsiteY6" fmla="*/ 122318 h 241872"/>
-                <a:gd name="connsiteX7" fmla="*/ 229429 w 241645"/>
-                <a:gd name="connsiteY7" fmla="*/ 203430 h 241872"/>
-                <a:gd name="connsiteX8" fmla="*/ 203172 w 241645"/>
-                <a:gd name="connsiteY8" fmla="*/ 229661 h 241872"/>
-                <a:gd name="connsiteX9" fmla="*/ 122138 w 241645"/>
-                <a:gd name="connsiteY9" fmla="*/ 148605 h 241872"/>
-                <a:gd name="connsiteX10" fmla="*/ 107928 w 241645"/>
-                <a:gd name="connsiteY10" fmla="*/ 151783 h 241872"/>
-                <a:gd name="connsiteX11" fmla="*/ 81269 w 241645"/>
-                <a:gd name="connsiteY11" fmla="*/ 225740 h 241872"/>
-                <a:gd name="connsiteX12" fmla="*/ 81215 w 241645"/>
-                <a:gd name="connsiteY12" fmla="*/ 225768 h 241872"/>
-                <a:gd name="connsiteX13" fmla="*/ 7381 w 241645"/>
-                <a:gd name="connsiteY13" fmla="*/ 0 h 241872"/>
-                <a:gd name="connsiteX14" fmla="*/ 7342 w 241645"/>
-                <a:gd name="connsiteY14" fmla="*/ 0 h 241872"/>
-                <a:gd name="connsiteX15" fmla="*/ 2 w 241645"/>
-                <a:gd name="connsiteY15" fmla="*/ 7673 h 241872"/>
-                <a:gd name="connsiteX16" fmla="*/ 399 w 241645"/>
-                <a:gd name="connsiteY16" fmla="*/ 9936 h 241872"/>
-                <a:gd name="connsiteX17" fmla="*/ 74058 w 241645"/>
-                <a:gd name="connsiteY17" fmla="*/ 231677 h 241872"/>
-                <a:gd name="connsiteX18" fmla="*/ 83701 w 241645"/>
-                <a:gd name="connsiteY18" fmla="*/ 236284 h 241872"/>
-                <a:gd name="connsiteX19" fmla="*/ 88307 w 241645"/>
-                <a:gd name="connsiteY19" fmla="*/ 231677 h 241872"/>
-                <a:gd name="connsiteX20" fmla="*/ 116033 w 241645"/>
-                <a:gd name="connsiteY20" fmla="*/ 154711 h 241872"/>
-                <a:gd name="connsiteX21" fmla="*/ 203172 w 241645"/>
-                <a:gd name="connsiteY21" fmla="*/ 241872 h 241872"/>
-                <a:gd name="connsiteX22" fmla="*/ 241645 w 241645"/>
-                <a:gd name="connsiteY22" fmla="*/ 203442 h 241872"/>
-                <a:gd name="connsiteX23" fmla="*/ 154423 w 241645"/>
-                <a:gd name="connsiteY23" fmla="*/ 116221 h 241872"/>
-                <a:gd name="connsiteX24" fmla="*/ 231282 w 241645"/>
-                <a:gd name="connsiteY24" fmla="*/ 88539 h 241872"/>
-                <a:gd name="connsiteX25" fmla="*/ 235967 w 241645"/>
-                <a:gd name="connsiteY25" fmla="*/ 78927 h 241872"/>
-                <a:gd name="connsiteX26" fmla="*/ 231282 w 241645"/>
-                <a:gd name="connsiteY26" fmla="*/ 74242 h 241872"/>
-                <a:gd name="connsiteX27" fmla="*/ 9803 w 241645"/>
-                <a:gd name="connsiteY27" fmla="*/ 389 h 241872"/>
-                <a:gd name="connsiteX28" fmla="*/ 7381 w 241645"/>
-                <a:gd name="connsiteY28" fmla="*/ 0 h 241872"/>
-                <a:gd name="connsiteX0" fmla="*/ 81269 w 241645"/>
-                <a:gd name="connsiteY0" fmla="*/ 225740 h 241872"/>
-                <a:gd name="connsiteX1" fmla="*/ 225418 w 241645"/>
-                <a:gd name="connsiteY1" fmla="*/ 81393 h 241872"/>
-                <a:gd name="connsiteX2" fmla="*/ 225446 w 241645"/>
-                <a:gd name="connsiteY2" fmla="*/ 81447 h 241872"/>
-                <a:gd name="connsiteX3" fmla="*/ 225418 w 241645"/>
-                <a:gd name="connsiteY3" fmla="*/ 81475 h 241872"/>
-                <a:gd name="connsiteX4" fmla="*/ 151491 w 241645"/>
-                <a:gd name="connsiteY4" fmla="*/ 108103 h 241872"/>
-                <a:gd name="connsiteX5" fmla="*/ 138689 w 241645"/>
-                <a:gd name="connsiteY5" fmla="*/ 112697 h 241872"/>
-                <a:gd name="connsiteX6" fmla="*/ 148313 w 241645"/>
-                <a:gd name="connsiteY6" fmla="*/ 122318 h 241872"/>
-                <a:gd name="connsiteX7" fmla="*/ 229429 w 241645"/>
-                <a:gd name="connsiteY7" fmla="*/ 203430 h 241872"/>
-                <a:gd name="connsiteX8" fmla="*/ 203172 w 241645"/>
-                <a:gd name="connsiteY8" fmla="*/ 229661 h 241872"/>
-                <a:gd name="connsiteX9" fmla="*/ 122138 w 241645"/>
-                <a:gd name="connsiteY9" fmla="*/ 148605 h 241872"/>
-                <a:gd name="connsiteX10" fmla="*/ 107928 w 241645"/>
-                <a:gd name="connsiteY10" fmla="*/ 151783 h 241872"/>
-                <a:gd name="connsiteX11" fmla="*/ 81269 w 241645"/>
-                <a:gd name="connsiteY11" fmla="*/ 225740 h 241872"/>
-                <a:gd name="connsiteX12" fmla="*/ 7381 w 241645"/>
-                <a:gd name="connsiteY12" fmla="*/ 0 h 241872"/>
-                <a:gd name="connsiteX13" fmla="*/ 7342 w 241645"/>
-                <a:gd name="connsiteY13" fmla="*/ 0 h 241872"/>
-                <a:gd name="connsiteX14" fmla="*/ 2 w 241645"/>
-                <a:gd name="connsiteY14" fmla="*/ 7673 h 241872"/>
-                <a:gd name="connsiteX15" fmla="*/ 399 w 241645"/>
-                <a:gd name="connsiteY15" fmla="*/ 9936 h 241872"/>
-                <a:gd name="connsiteX16" fmla="*/ 74058 w 241645"/>
-                <a:gd name="connsiteY16" fmla="*/ 231677 h 241872"/>
-                <a:gd name="connsiteX17" fmla="*/ 83701 w 241645"/>
-                <a:gd name="connsiteY17" fmla="*/ 236284 h 241872"/>
-                <a:gd name="connsiteX18" fmla="*/ 88307 w 241645"/>
-                <a:gd name="connsiteY18" fmla="*/ 231677 h 241872"/>
-                <a:gd name="connsiteX19" fmla="*/ 116033 w 241645"/>
-                <a:gd name="connsiteY19" fmla="*/ 154711 h 241872"/>
-                <a:gd name="connsiteX20" fmla="*/ 203172 w 241645"/>
-                <a:gd name="connsiteY20" fmla="*/ 241872 h 241872"/>
-                <a:gd name="connsiteX21" fmla="*/ 241645 w 241645"/>
-                <a:gd name="connsiteY21" fmla="*/ 203442 h 241872"/>
-                <a:gd name="connsiteX22" fmla="*/ 154423 w 241645"/>
-                <a:gd name="connsiteY22" fmla="*/ 116221 h 241872"/>
-                <a:gd name="connsiteX23" fmla="*/ 231282 w 241645"/>
-                <a:gd name="connsiteY23" fmla="*/ 88539 h 241872"/>
-                <a:gd name="connsiteX24" fmla="*/ 235967 w 241645"/>
-                <a:gd name="connsiteY24" fmla="*/ 78927 h 241872"/>
-                <a:gd name="connsiteX25" fmla="*/ 231282 w 241645"/>
-                <a:gd name="connsiteY25" fmla="*/ 74242 h 241872"/>
-                <a:gd name="connsiteX26" fmla="*/ 9803 w 241645"/>
-                <a:gd name="connsiteY26" fmla="*/ 389 h 241872"/>
-                <a:gd name="connsiteX27" fmla="*/ 7381 w 241645"/>
-                <a:gd name="connsiteY27" fmla="*/ 0 h 241872"/>
-                <a:gd name="connsiteX0" fmla="*/ 107928 w 241645"/>
-                <a:gd name="connsiteY0" fmla="*/ 151783 h 241872"/>
-                <a:gd name="connsiteX1" fmla="*/ 225418 w 241645"/>
-                <a:gd name="connsiteY1" fmla="*/ 81393 h 241872"/>
-                <a:gd name="connsiteX2" fmla="*/ 225446 w 241645"/>
-                <a:gd name="connsiteY2" fmla="*/ 81447 h 241872"/>
-                <a:gd name="connsiteX3" fmla="*/ 225418 w 241645"/>
-                <a:gd name="connsiteY3" fmla="*/ 81475 h 241872"/>
-                <a:gd name="connsiteX4" fmla="*/ 151491 w 241645"/>
-                <a:gd name="connsiteY4" fmla="*/ 108103 h 241872"/>
-                <a:gd name="connsiteX5" fmla="*/ 138689 w 241645"/>
-                <a:gd name="connsiteY5" fmla="*/ 112697 h 241872"/>
-                <a:gd name="connsiteX6" fmla="*/ 148313 w 241645"/>
-                <a:gd name="connsiteY6" fmla="*/ 122318 h 241872"/>
-                <a:gd name="connsiteX7" fmla="*/ 229429 w 241645"/>
-                <a:gd name="connsiteY7" fmla="*/ 203430 h 241872"/>
-                <a:gd name="connsiteX8" fmla="*/ 203172 w 241645"/>
-                <a:gd name="connsiteY8" fmla="*/ 229661 h 241872"/>
-                <a:gd name="connsiteX9" fmla="*/ 122138 w 241645"/>
-                <a:gd name="connsiteY9" fmla="*/ 148605 h 241872"/>
-                <a:gd name="connsiteX10" fmla="*/ 107928 w 241645"/>
-                <a:gd name="connsiteY10" fmla="*/ 151783 h 241872"/>
-                <a:gd name="connsiteX11" fmla="*/ 7381 w 241645"/>
-                <a:gd name="connsiteY11" fmla="*/ 0 h 241872"/>
-                <a:gd name="connsiteX12" fmla="*/ 7342 w 241645"/>
-                <a:gd name="connsiteY12" fmla="*/ 0 h 241872"/>
-                <a:gd name="connsiteX13" fmla="*/ 2 w 241645"/>
-                <a:gd name="connsiteY13" fmla="*/ 7673 h 241872"/>
-                <a:gd name="connsiteX14" fmla="*/ 399 w 241645"/>
-                <a:gd name="connsiteY14" fmla="*/ 9936 h 241872"/>
-                <a:gd name="connsiteX15" fmla="*/ 74058 w 241645"/>
-                <a:gd name="connsiteY15" fmla="*/ 231677 h 241872"/>
-                <a:gd name="connsiteX16" fmla="*/ 83701 w 241645"/>
-                <a:gd name="connsiteY16" fmla="*/ 236284 h 241872"/>
-                <a:gd name="connsiteX17" fmla="*/ 88307 w 241645"/>
-                <a:gd name="connsiteY17" fmla="*/ 231677 h 241872"/>
-                <a:gd name="connsiteX18" fmla="*/ 116033 w 241645"/>
-                <a:gd name="connsiteY18" fmla="*/ 154711 h 241872"/>
-                <a:gd name="connsiteX19" fmla="*/ 203172 w 241645"/>
-                <a:gd name="connsiteY19" fmla="*/ 241872 h 241872"/>
-                <a:gd name="connsiteX20" fmla="*/ 241645 w 241645"/>
-                <a:gd name="connsiteY20" fmla="*/ 203442 h 241872"/>
-                <a:gd name="connsiteX21" fmla="*/ 154423 w 241645"/>
-                <a:gd name="connsiteY21" fmla="*/ 116221 h 241872"/>
-                <a:gd name="connsiteX22" fmla="*/ 231282 w 241645"/>
-                <a:gd name="connsiteY22" fmla="*/ 88539 h 241872"/>
-                <a:gd name="connsiteX23" fmla="*/ 235967 w 241645"/>
-                <a:gd name="connsiteY23" fmla="*/ 78927 h 241872"/>
-                <a:gd name="connsiteX24" fmla="*/ 231282 w 241645"/>
-                <a:gd name="connsiteY24" fmla="*/ 74242 h 241872"/>
-                <a:gd name="connsiteX25" fmla="*/ 9803 w 241645"/>
-                <a:gd name="connsiteY25" fmla="*/ 389 h 241872"/>
-                <a:gd name="connsiteX26" fmla="*/ 7381 w 241645"/>
-                <a:gd name="connsiteY26" fmla="*/ 0 h 241872"/>
-                <a:gd name="connsiteX0" fmla="*/ 122138 w 241645"/>
-                <a:gd name="connsiteY0" fmla="*/ 148605 h 241872"/>
-                <a:gd name="connsiteX1" fmla="*/ 225418 w 241645"/>
-                <a:gd name="connsiteY1" fmla="*/ 81393 h 241872"/>
-                <a:gd name="connsiteX2" fmla="*/ 225446 w 241645"/>
-                <a:gd name="connsiteY2" fmla="*/ 81447 h 241872"/>
-                <a:gd name="connsiteX3" fmla="*/ 225418 w 241645"/>
-                <a:gd name="connsiteY3" fmla="*/ 81475 h 241872"/>
-                <a:gd name="connsiteX4" fmla="*/ 151491 w 241645"/>
-                <a:gd name="connsiteY4" fmla="*/ 108103 h 241872"/>
-                <a:gd name="connsiteX5" fmla="*/ 138689 w 241645"/>
-                <a:gd name="connsiteY5" fmla="*/ 112697 h 241872"/>
-                <a:gd name="connsiteX6" fmla="*/ 148313 w 241645"/>
-                <a:gd name="connsiteY6" fmla="*/ 122318 h 241872"/>
-                <a:gd name="connsiteX7" fmla="*/ 229429 w 241645"/>
-                <a:gd name="connsiteY7" fmla="*/ 203430 h 241872"/>
-                <a:gd name="connsiteX8" fmla="*/ 203172 w 241645"/>
-                <a:gd name="connsiteY8" fmla="*/ 229661 h 241872"/>
-                <a:gd name="connsiteX9" fmla="*/ 122138 w 241645"/>
-                <a:gd name="connsiteY9" fmla="*/ 148605 h 241872"/>
-                <a:gd name="connsiteX10" fmla="*/ 7381 w 241645"/>
-                <a:gd name="connsiteY10" fmla="*/ 0 h 241872"/>
-                <a:gd name="connsiteX11" fmla="*/ 7342 w 241645"/>
-                <a:gd name="connsiteY11" fmla="*/ 0 h 241872"/>
-                <a:gd name="connsiteX12" fmla="*/ 2 w 241645"/>
-                <a:gd name="connsiteY12" fmla="*/ 7673 h 241872"/>
-                <a:gd name="connsiteX13" fmla="*/ 399 w 241645"/>
-                <a:gd name="connsiteY13" fmla="*/ 9936 h 241872"/>
-                <a:gd name="connsiteX14" fmla="*/ 74058 w 241645"/>
-                <a:gd name="connsiteY14" fmla="*/ 231677 h 241872"/>
-                <a:gd name="connsiteX15" fmla="*/ 83701 w 241645"/>
-                <a:gd name="connsiteY15" fmla="*/ 236284 h 241872"/>
-                <a:gd name="connsiteX16" fmla="*/ 88307 w 241645"/>
-                <a:gd name="connsiteY16" fmla="*/ 231677 h 241872"/>
-                <a:gd name="connsiteX17" fmla="*/ 116033 w 241645"/>
-                <a:gd name="connsiteY17" fmla="*/ 154711 h 241872"/>
-                <a:gd name="connsiteX18" fmla="*/ 203172 w 241645"/>
-                <a:gd name="connsiteY18" fmla="*/ 241872 h 241872"/>
-                <a:gd name="connsiteX19" fmla="*/ 241645 w 241645"/>
-                <a:gd name="connsiteY19" fmla="*/ 203442 h 241872"/>
-                <a:gd name="connsiteX20" fmla="*/ 154423 w 241645"/>
-                <a:gd name="connsiteY20" fmla="*/ 116221 h 241872"/>
-                <a:gd name="connsiteX21" fmla="*/ 231282 w 241645"/>
-                <a:gd name="connsiteY21" fmla="*/ 88539 h 241872"/>
-                <a:gd name="connsiteX22" fmla="*/ 235967 w 241645"/>
-                <a:gd name="connsiteY22" fmla="*/ 78927 h 241872"/>
-                <a:gd name="connsiteX23" fmla="*/ 231282 w 241645"/>
-                <a:gd name="connsiteY23" fmla="*/ 74242 h 241872"/>
-                <a:gd name="connsiteX24" fmla="*/ 9803 w 241645"/>
-                <a:gd name="connsiteY24" fmla="*/ 389 h 241872"/>
-                <a:gd name="connsiteX25" fmla="*/ 7381 w 241645"/>
-                <a:gd name="connsiteY25" fmla="*/ 0 h 241872"/>
-                <a:gd name="connsiteX0" fmla="*/ 203172 w 241645"/>
-                <a:gd name="connsiteY0" fmla="*/ 229661 h 241872"/>
-                <a:gd name="connsiteX1" fmla="*/ 225418 w 241645"/>
-                <a:gd name="connsiteY1" fmla="*/ 81393 h 241872"/>
-                <a:gd name="connsiteX2" fmla="*/ 225446 w 241645"/>
-                <a:gd name="connsiteY2" fmla="*/ 81447 h 241872"/>
-                <a:gd name="connsiteX3" fmla="*/ 225418 w 241645"/>
-                <a:gd name="connsiteY3" fmla="*/ 81475 h 241872"/>
-                <a:gd name="connsiteX4" fmla="*/ 151491 w 241645"/>
-                <a:gd name="connsiteY4" fmla="*/ 108103 h 241872"/>
-                <a:gd name="connsiteX5" fmla="*/ 138689 w 241645"/>
-                <a:gd name="connsiteY5" fmla="*/ 112697 h 241872"/>
-                <a:gd name="connsiteX6" fmla="*/ 148313 w 241645"/>
-                <a:gd name="connsiteY6" fmla="*/ 122318 h 241872"/>
-                <a:gd name="connsiteX7" fmla="*/ 229429 w 241645"/>
-                <a:gd name="connsiteY7" fmla="*/ 203430 h 241872"/>
-                <a:gd name="connsiteX8" fmla="*/ 203172 w 241645"/>
-                <a:gd name="connsiteY8" fmla="*/ 229661 h 241872"/>
-                <a:gd name="connsiteX9" fmla="*/ 7381 w 241645"/>
-                <a:gd name="connsiteY9" fmla="*/ 0 h 241872"/>
-                <a:gd name="connsiteX10" fmla="*/ 7342 w 241645"/>
-                <a:gd name="connsiteY10" fmla="*/ 0 h 241872"/>
-                <a:gd name="connsiteX11" fmla="*/ 2 w 241645"/>
-                <a:gd name="connsiteY11" fmla="*/ 7673 h 241872"/>
-                <a:gd name="connsiteX12" fmla="*/ 399 w 241645"/>
-                <a:gd name="connsiteY12" fmla="*/ 9936 h 241872"/>
-                <a:gd name="connsiteX13" fmla="*/ 74058 w 241645"/>
-                <a:gd name="connsiteY13" fmla="*/ 231677 h 241872"/>
-                <a:gd name="connsiteX14" fmla="*/ 83701 w 241645"/>
-                <a:gd name="connsiteY14" fmla="*/ 236284 h 241872"/>
-                <a:gd name="connsiteX15" fmla="*/ 88307 w 241645"/>
-                <a:gd name="connsiteY15" fmla="*/ 231677 h 241872"/>
-                <a:gd name="connsiteX16" fmla="*/ 116033 w 241645"/>
-                <a:gd name="connsiteY16" fmla="*/ 154711 h 241872"/>
-                <a:gd name="connsiteX17" fmla="*/ 203172 w 241645"/>
-                <a:gd name="connsiteY17" fmla="*/ 241872 h 241872"/>
-                <a:gd name="connsiteX18" fmla="*/ 241645 w 241645"/>
-                <a:gd name="connsiteY18" fmla="*/ 203442 h 241872"/>
-                <a:gd name="connsiteX19" fmla="*/ 154423 w 241645"/>
-                <a:gd name="connsiteY19" fmla="*/ 116221 h 241872"/>
-                <a:gd name="connsiteX20" fmla="*/ 231282 w 241645"/>
-                <a:gd name="connsiteY20" fmla="*/ 88539 h 241872"/>
-                <a:gd name="connsiteX21" fmla="*/ 235967 w 241645"/>
-                <a:gd name="connsiteY21" fmla="*/ 78927 h 241872"/>
-                <a:gd name="connsiteX22" fmla="*/ 231282 w 241645"/>
-                <a:gd name="connsiteY22" fmla="*/ 74242 h 241872"/>
-                <a:gd name="connsiteX23" fmla="*/ 9803 w 241645"/>
-                <a:gd name="connsiteY23" fmla="*/ 389 h 241872"/>
-                <a:gd name="connsiteX24" fmla="*/ 7381 w 241645"/>
-                <a:gd name="connsiteY24" fmla="*/ 0 h 241872"/>
-                <a:gd name="connsiteX0" fmla="*/ 229429 w 241645"/>
-                <a:gd name="connsiteY0" fmla="*/ 203430 h 241872"/>
-                <a:gd name="connsiteX1" fmla="*/ 225418 w 241645"/>
-                <a:gd name="connsiteY1" fmla="*/ 81393 h 241872"/>
-                <a:gd name="connsiteX2" fmla="*/ 225446 w 241645"/>
-                <a:gd name="connsiteY2" fmla="*/ 81447 h 241872"/>
-                <a:gd name="connsiteX3" fmla="*/ 225418 w 241645"/>
-                <a:gd name="connsiteY3" fmla="*/ 81475 h 241872"/>
-                <a:gd name="connsiteX4" fmla="*/ 151491 w 241645"/>
-                <a:gd name="connsiteY4" fmla="*/ 108103 h 241872"/>
-                <a:gd name="connsiteX5" fmla="*/ 138689 w 241645"/>
-                <a:gd name="connsiteY5" fmla="*/ 112697 h 241872"/>
-                <a:gd name="connsiteX6" fmla="*/ 148313 w 241645"/>
-                <a:gd name="connsiteY6" fmla="*/ 122318 h 241872"/>
-                <a:gd name="connsiteX7" fmla="*/ 229429 w 241645"/>
-                <a:gd name="connsiteY7" fmla="*/ 203430 h 241872"/>
-                <a:gd name="connsiteX8" fmla="*/ 7381 w 241645"/>
-                <a:gd name="connsiteY8" fmla="*/ 0 h 241872"/>
-                <a:gd name="connsiteX9" fmla="*/ 7342 w 241645"/>
-                <a:gd name="connsiteY9" fmla="*/ 0 h 241872"/>
-                <a:gd name="connsiteX10" fmla="*/ 2 w 241645"/>
-                <a:gd name="connsiteY10" fmla="*/ 7673 h 241872"/>
-                <a:gd name="connsiteX11" fmla="*/ 399 w 241645"/>
-                <a:gd name="connsiteY11" fmla="*/ 9936 h 241872"/>
-                <a:gd name="connsiteX12" fmla="*/ 74058 w 241645"/>
-                <a:gd name="connsiteY12" fmla="*/ 231677 h 241872"/>
-                <a:gd name="connsiteX13" fmla="*/ 83701 w 241645"/>
-                <a:gd name="connsiteY13" fmla="*/ 236284 h 241872"/>
-                <a:gd name="connsiteX14" fmla="*/ 88307 w 241645"/>
-                <a:gd name="connsiteY14" fmla="*/ 231677 h 241872"/>
-                <a:gd name="connsiteX15" fmla="*/ 116033 w 241645"/>
-                <a:gd name="connsiteY15" fmla="*/ 154711 h 241872"/>
-                <a:gd name="connsiteX16" fmla="*/ 203172 w 241645"/>
-                <a:gd name="connsiteY16" fmla="*/ 241872 h 241872"/>
-                <a:gd name="connsiteX17" fmla="*/ 241645 w 241645"/>
-                <a:gd name="connsiteY17" fmla="*/ 203442 h 241872"/>
-                <a:gd name="connsiteX18" fmla="*/ 154423 w 241645"/>
-                <a:gd name="connsiteY18" fmla="*/ 116221 h 241872"/>
-                <a:gd name="connsiteX19" fmla="*/ 231282 w 241645"/>
-                <a:gd name="connsiteY19" fmla="*/ 88539 h 241872"/>
-                <a:gd name="connsiteX20" fmla="*/ 235967 w 241645"/>
-                <a:gd name="connsiteY20" fmla="*/ 78927 h 241872"/>
-                <a:gd name="connsiteX21" fmla="*/ 231282 w 241645"/>
-                <a:gd name="connsiteY21" fmla="*/ 74242 h 241872"/>
-                <a:gd name="connsiteX22" fmla="*/ 9803 w 241645"/>
-                <a:gd name="connsiteY22" fmla="*/ 389 h 241872"/>
-                <a:gd name="connsiteX23" fmla="*/ 7381 w 241645"/>
-                <a:gd name="connsiteY23" fmla="*/ 0 h 241872"/>
-                <a:gd name="connsiteX0" fmla="*/ 148313 w 241645"/>
-                <a:gd name="connsiteY0" fmla="*/ 122318 h 241872"/>
-                <a:gd name="connsiteX1" fmla="*/ 225418 w 241645"/>
-                <a:gd name="connsiteY1" fmla="*/ 81393 h 241872"/>
-                <a:gd name="connsiteX2" fmla="*/ 225446 w 241645"/>
-                <a:gd name="connsiteY2" fmla="*/ 81447 h 241872"/>
-                <a:gd name="connsiteX3" fmla="*/ 225418 w 241645"/>
-                <a:gd name="connsiteY3" fmla="*/ 81475 h 241872"/>
-                <a:gd name="connsiteX4" fmla="*/ 151491 w 241645"/>
-                <a:gd name="connsiteY4" fmla="*/ 108103 h 241872"/>
-                <a:gd name="connsiteX5" fmla="*/ 138689 w 241645"/>
-                <a:gd name="connsiteY5" fmla="*/ 112697 h 241872"/>
-                <a:gd name="connsiteX6" fmla="*/ 148313 w 241645"/>
-                <a:gd name="connsiteY6" fmla="*/ 122318 h 241872"/>
-                <a:gd name="connsiteX7" fmla="*/ 7381 w 241645"/>
-                <a:gd name="connsiteY7" fmla="*/ 0 h 241872"/>
-                <a:gd name="connsiteX8" fmla="*/ 7342 w 241645"/>
-                <a:gd name="connsiteY8" fmla="*/ 0 h 241872"/>
-                <a:gd name="connsiteX9" fmla="*/ 2 w 241645"/>
-                <a:gd name="connsiteY9" fmla="*/ 7673 h 241872"/>
-                <a:gd name="connsiteX10" fmla="*/ 399 w 241645"/>
-                <a:gd name="connsiteY10" fmla="*/ 9936 h 241872"/>
-                <a:gd name="connsiteX11" fmla="*/ 74058 w 241645"/>
-                <a:gd name="connsiteY11" fmla="*/ 231677 h 241872"/>
-                <a:gd name="connsiteX12" fmla="*/ 83701 w 241645"/>
-                <a:gd name="connsiteY12" fmla="*/ 236284 h 241872"/>
-                <a:gd name="connsiteX13" fmla="*/ 88307 w 241645"/>
-                <a:gd name="connsiteY13" fmla="*/ 231677 h 241872"/>
-                <a:gd name="connsiteX14" fmla="*/ 116033 w 241645"/>
-                <a:gd name="connsiteY14" fmla="*/ 154711 h 241872"/>
-                <a:gd name="connsiteX15" fmla="*/ 203172 w 241645"/>
-                <a:gd name="connsiteY15" fmla="*/ 241872 h 241872"/>
-                <a:gd name="connsiteX16" fmla="*/ 241645 w 241645"/>
-                <a:gd name="connsiteY16" fmla="*/ 203442 h 241872"/>
-                <a:gd name="connsiteX17" fmla="*/ 154423 w 241645"/>
-                <a:gd name="connsiteY17" fmla="*/ 116221 h 241872"/>
-                <a:gd name="connsiteX18" fmla="*/ 231282 w 241645"/>
-                <a:gd name="connsiteY18" fmla="*/ 88539 h 241872"/>
-                <a:gd name="connsiteX19" fmla="*/ 235967 w 241645"/>
-                <a:gd name="connsiteY19" fmla="*/ 78927 h 241872"/>
-                <a:gd name="connsiteX20" fmla="*/ 231282 w 241645"/>
-                <a:gd name="connsiteY20" fmla="*/ 74242 h 241872"/>
-                <a:gd name="connsiteX21" fmla="*/ 9803 w 241645"/>
-                <a:gd name="connsiteY21" fmla="*/ 389 h 241872"/>
-                <a:gd name="connsiteX22" fmla="*/ 7381 w 241645"/>
-                <a:gd name="connsiteY22" fmla="*/ 0 h 241872"/>
-                <a:gd name="connsiteX0" fmla="*/ 148313 w 241645"/>
-                <a:gd name="connsiteY0" fmla="*/ 122318 h 241872"/>
-                <a:gd name="connsiteX1" fmla="*/ 225418 w 241645"/>
-                <a:gd name="connsiteY1" fmla="*/ 81393 h 241872"/>
-                <a:gd name="connsiteX2" fmla="*/ 225446 w 241645"/>
-                <a:gd name="connsiteY2" fmla="*/ 81447 h 241872"/>
-                <a:gd name="connsiteX3" fmla="*/ 225418 w 241645"/>
-                <a:gd name="connsiteY3" fmla="*/ 81475 h 241872"/>
-                <a:gd name="connsiteX4" fmla="*/ 151491 w 241645"/>
-                <a:gd name="connsiteY4" fmla="*/ 108103 h 241872"/>
-                <a:gd name="connsiteX5" fmla="*/ 148313 w 241645"/>
-                <a:gd name="connsiteY5" fmla="*/ 122318 h 241872"/>
-                <a:gd name="connsiteX6" fmla="*/ 7381 w 241645"/>
-                <a:gd name="connsiteY6" fmla="*/ 0 h 241872"/>
-                <a:gd name="connsiteX7" fmla="*/ 7342 w 241645"/>
-                <a:gd name="connsiteY7" fmla="*/ 0 h 241872"/>
-                <a:gd name="connsiteX8" fmla="*/ 2 w 241645"/>
-                <a:gd name="connsiteY8" fmla="*/ 7673 h 241872"/>
-                <a:gd name="connsiteX9" fmla="*/ 399 w 241645"/>
-                <a:gd name="connsiteY9" fmla="*/ 9936 h 241872"/>
-                <a:gd name="connsiteX10" fmla="*/ 74058 w 241645"/>
-                <a:gd name="connsiteY10" fmla="*/ 231677 h 241872"/>
-                <a:gd name="connsiteX11" fmla="*/ 83701 w 241645"/>
-                <a:gd name="connsiteY11" fmla="*/ 236284 h 241872"/>
-                <a:gd name="connsiteX12" fmla="*/ 88307 w 241645"/>
-                <a:gd name="connsiteY12" fmla="*/ 231677 h 241872"/>
-                <a:gd name="connsiteX13" fmla="*/ 116033 w 241645"/>
-                <a:gd name="connsiteY13" fmla="*/ 154711 h 241872"/>
-                <a:gd name="connsiteX14" fmla="*/ 203172 w 241645"/>
-                <a:gd name="connsiteY14" fmla="*/ 241872 h 241872"/>
-                <a:gd name="connsiteX15" fmla="*/ 241645 w 241645"/>
-                <a:gd name="connsiteY15" fmla="*/ 203442 h 241872"/>
-                <a:gd name="connsiteX16" fmla="*/ 154423 w 241645"/>
-                <a:gd name="connsiteY16" fmla="*/ 116221 h 241872"/>
-                <a:gd name="connsiteX17" fmla="*/ 231282 w 241645"/>
-                <a:gd name="connsiteY17" fmla="*/ 88539 h 241872"/>
-                <a:gd name="connsiteX18" fmla="*/ 235967 w 241645"/>
-                <a:gd name="connsiteY18" fmla="*/ 78927 h 241872"/>
-                <a:gd name="connsiteX19" fmla="*/ 231282 w 241645"/>
-                <a:gd name="connsiteY19" fmla="*/ 74242 h 241872"/>
-                <a:gd name="connsiteX20" fmla="*/ 9803 w 241645"/>
-                <a:gd name="connsiteY20" fmla="*/ 389 h 241872"/>
-                <a:gd name="connsiteX21" fmla="*/ 7381 w 241645"/>
-                <a:gd name="connsiteY21" fmla="*/ 0 h 241872"/>
-                <a:gd name="connsiteX0" fmla="*/ 148313 w 241645"/>
-                <a:gd name="connsiteY0" fmla="*/ 122318 h 241872"/>
-                <a:gd name="connsiteX1" fmla="*/ 225418 w 241645"/>
-                <a:gd name="connsiteY1" fmla="*/ 81393 h 241872"/>
-                <a:gd name="connsiteX2" fmla="*/ 225446 w 241645"/>
-                <a:gd name="connsiteY2" fmla="*/ 81447 h 241872"/>
-                <a:gd name="connsiteX3" fmla="*/ 225418 w 241645"/>
-                <a:gd name="connsiteY3" fmla="*/ 81475 h 241872"/>
-                <a:gd name="connsiteX4" fmla="*/ 148313 w 241645"/>
-                <a:gd name="connsiteY4" fmla="*/ 122318 h 241872"/>
-                <a:gd name="connsiteX5" fmla="*/ 7381 w 241645"/>
-                <a:gd name="connsiteY5" fmla="*/ 0 h 241872"/>
-                <a:gd name="connsiteX6" fmla="*/ 7342 w 241645"/>
-                <a:gd name="connsiteY6" fmla="*/ 0 h 241872"/>
-                <a:gd name="connsiteX7" fmla="*/ 2 w 241645"/>
-                <a:gd name="connsiteY7" fmla="*/ 7673 h 241872"/>
-                <a:gd name="connsiteX8" fmla="*/ 399 w 241645"/>
-                <a:gd name="connsiteY8" fmla="*/ 9936 h 241872"/>
-                <a:gd name="connsiteX9" fmla="*/ 74058 w 241645"/>
-                <a:gd name="connsiteY9" fmla="*/ 231677 h 241872"/>
-                <a:gd name="connsiteX10" fmla="*/ 83701 w 241645"/>
-                <a:gd name="connsiteY10" fmla="*/ 236284 h 241872"/>
-                <a:gd name="connsiteX11" fmla="*/ 88307 w 241645"/>
-                <a:gd name="connsiteY11" fmla="*/ 231677 h 241872"/>
-                <a:gd name="connsiteX12" fmla="*/ 116033 w 241645"/>
-                <a:gd name="connsiteY12" fmla="*/ 154711 h 241872"/>
-                <a:gd name="connsiteX13" fmla="*/ 203172 w 241645"/>
-                <a:gd name="connsiteY13" fmla="*/ 241872 h 241872"/>
-                <a:gd name="connsiteX14" fmla="*/ 241645 w 241645"/>
-                <a:gd name="connsiteY14" fmla="*/ 203442 h 241872"/>
-                <a:gd name="connsiteX15" fmla="*/ 154423 w 241645"/>
-                <a:gd name="connsiteY15" fmla="*/ 116221 h 241872"/>
-                <a:gd name="connsiteX16" fmla="*/ 231282 w 241645"/>
-                <a:gd name="connsiteY16" fmla="*/ 88539 h 241872"/>
-                <a:gd name="connsiteX17" fmla="*/ 235967 w 241645"/>
-                <a:gd name="connsiteY17" fmla="*/ 78927 h 241872"/>
-                <a:gd name="connsiteX18" fmla="*/ 231282 w 241645"/>
-                <a:gd name="connsiteY18" fmla="*/ 74242 h 241872"/>
-                <a:gd name="connsiteX19" fmla="*/ 9803 w 241645"/>
-                <a:gd name="connsiteY19" fmla="*/ 389 h 241872"/>
-                <a:gd name="connsiteX20" fmla="*/ 7381 w 241645"/>
-                <a:gd name="connsiteY20" fmla="*/ 0 h 241872"/>
-                <a:gd name="connsiteX0" fmla="*/ 148313 w 241645"/>
-                <a:gd name="connsiteY0" fmla="*/ 122318 h 241872"/>
-                <a:gd name="connsiteX1" fmla="*/ 225418 w 241645"/>
-                <a:gd name="connsiteY1" fmla="*/ 81393 h 241872"/>
-                <a:gd name="connsiteX2" fmla="*/ 225446 w 241645"/>
-                <a:gd name="connsiteY2" fmla="*/ 81447 h 241872"/>
-                <a:gd name="connsiteX3" fmla="*/ 148313 w 241645"/>
-                <a:gd name="connsiteY3" fmla="*/ 122318 h 241872"/>
-                <a:gd name="connsiteX4" fmla="*/ 7381 w 241645"/>
-                <a:gd name="connsiteY4" fmla="*/ 0 h 241872"/>
-                <a:gd name="connsiteX5" fmla="*/ 7342 w 241645"/>
-                <a:gd name="connsiteY5" fmla="*/ 0 h 241872"/>
-                <a:gd name="connsiteX6" fmla="*/ 2 w 241645"/>
-                <a:gd name="connsiteY6" fmla="*/ 7673 h 241872"/>
-                <a:gd name="connsiteX7" fmla="*/ 399 w 241645"/>
-                <a:gd name="connsiteY7" fmla="*/ 9936 h 241872"/>
-                <a:gd name="connsiteX8" fmla="*/ 74058 w 241645"/>
-                <a:gd name="connsiteY8" fmla="*/ 231677 h 241872"/>
-                <a:gd name="connsiteX9" fmla="*/ 83701 w 241645"/>
-                <a:gd name="connsiteY9" fmla="*/ 236284 h 241872"/>
-                <a:gd name="connsiteX10" fmla="*/ 88307 w 241645"/>
-                <a:gd name="connsiteY10" fmla="*/ 231677 h 241872"/>
-                <a:gd name="connsiteX11" fmla="*/ 116033 w 241645"/>
-                <a:gd name="connsiteY11" fmla="*/ 154711 h 241872"/>
-                <a:gd name="connsiteX12" fmla="*/ 203172 w 241645"/>
-                <a:gd name="connsiteY12" fmla="*/ 241872 h 241872"/>
-                <a:gd name="connsiteX13" fmla="*/ 241645 w 241645"/>
-                <a:gd name="connsiteY13" fmla="*/ 203442 h 241872"/>
-                <a:gd name="connsiteX14" fmla="*/ 154423 w 241645"/>
-                <a:gd name="connsiteY14" fmla="*/ 116221 h 241872"/>
-                <a:gd name="connsiteX15" fmla="*/ 231282 w 241645"/>
-                <a:gd name="connsiteY15" fmla="*/ 88539 h 241872"/>
-                <a:gd name="connsiteX16" fmla="*/ 235967 w 241645"/>
-                <a:gd name="connsiteY16" fmla="*/ 78927 h 241872"/>
-                <a:gd name="connsiteX17" fmla="*/ 231282 w 241645"/>
-                <a:gd name="connsiteY17" fmla="*/ 74242 h 241872"/>
-                <a:gd name="connsiteX18" fmla="*/ 9803 w 241645"/>
-                <a:gd name="connsiteY18" fmla="*/ 389 h 241872"/>
-                <a:gd name="connsiteX19" fmla="*/ 7381 w 241645"/>
-                <a:gd name="connsiteY19" fmla="*/ 0 h 241872"/>
-                <a:gd name="connsiteX0" fmla="*/ 148313 w 241645"/>
-                <a:gd name="connsiteY0" fmla="*/ 122318 h 241872"/>
-                <a:gd name="connsiteX1" fmla="*/ 225418 w 241645"/>
-                <a:gd name="connsiteY1" fmla="*/ 81393 h 241872"/>
-                <a:gd name="connsiteX2" fmla="*/ 148313 w 241645"/>
-                <a:gd name="connsiteY2" fmla="*/ 122318 h 241872"/>
-                <a:gd name="connsiteX3" fmla="*/ 7381 w 241645"/>
-                <a:gd name="connsiteY3" fmla="*/ 0 h 241872"/>
-                <a:gd name="connsiteX4" fmla="*/ 7342 w 241645"/>
-                <a:gd name="connsiteY4" fmla="*/ 0 h 241872"/>
-                <a:gd name="connsiteX5" fmla="*/ 2 w 241645"/>
-                <a:gd name="connsiteY5" fmla="*/ 7673 h 241872"/>
-                <a:gd name="connsiteX6" fmla="*/ 399 w 241645"/>
-                <a:gd name="connsiteY6" fmla="*/ 9936 h 241872"/>
-                <a:gd name="connsiteX7" fmla="*/ 74058 w 241645"/>
-                <a:gd name="connsiteY7" fmla="*/ 231677 h 241872"/>
-                <a:gd name="connsiteX8" fmla="*/ 83701 w 241645"/>
-                <a:gd name="connsiteY8" fmla="*/ 236284 h 241872"/>
-                <a:gd name="connsiteX9" fmla="*/ 88307 w 241645"/>
-                <a:gd name="connsiteY9" fmla="*/ 231677 h 241872"/>
-                <a:gd name="connsiteX10" fmla="*/ 116033 w 241645"/>
-                <a:gd name="connsiteY10" fmla="*/ 154711 h 241872"/>
-                <a:gd name="connsiteX11" fmla="*/ 203172 w 241645"/>
-                <a:gd name="connsiteY11" fmla="*/ 241872 h 241872"/>
-                <a:gd name="connsiteX12" fmla="*/ 241645 w 241645"/>
-                <a:gd name="connsiteY12" fmla="*/ 203442 h 241872"/>
-                <a:gd name="connsiteX13" fmla="*/ 154423 w 241645"/>
-                <a:gd name="connsiteY13" fmla="*/ 116221 h 241872"/>
-                <a:gd name="connsiteX14" fmla="*/ 231282 w 241645"/>
-                <a:gd name="connsiteY14" fmla="*/ 88539 h 241872"/>
-                <a:gd name="connsiteX15" fmla="*/ 235967 w 241645"/>
-                <a:gd name="connsiteY15" fmla="*/ 78927 h 241872"/>
-                <a:gd name="connsiteX16" fmla="*/ 231282 w 241645"/>
-                <a:gd name="connsiteY16" fmla="*/ 74242 h 241872"/>
-                <a:gd name="connsiteX17" fmla="*/ 9803 w 241645"/>
-                <a:gd name="connsiteY17" fmla="*/ 389 h 241872"/>
-                <a:gd name="connsiteX18" fmla="*/ 7381 w 241645"/>
-                <a:gd name="connsiteY18" fmla="*/ 0 h 241872"/>
-                <a:gd name="connsiteX0" fmla="*/ 7381 w 241645"/>
-                <a:gd name="connsiteY0" fmla="*/ 0 h 241872"/>
-                <a:gd name="connsiteX1" fmla="*/ 7342 w 241645"/>
-                <a:gd name="connsiteY1" fmla="*/ 0 h 241872"/>
-                <a:gd name="connsiteX2" fmla="*/ 2 w 241645"/>
-                <a:gd name="connsiteY2" fmla="*/ 7673 h 241872"/>
-                <a:gd name="connsiteX3" fmla="*/ 399 w 241645"/>
-                <a:gd name="connsiteY3" fmla="*/ 9936 h 241872"/>
-                <a:gd name="connsiteX4" fmla="*/ 74058 w 241645"/>
-                <a:gd name="connsiteY4" fmla="*/ 231677 h 241872"/>
-                <a:gd name="connsiteX5" fmla="*/ 83701 w 241645"/>
-                <a:gd name="connsiteY5" fmla="*/ 236284 h 241872"/>
-                <a:gd name="connsiteX6" fmla="*/ 88307 w 241645"/>
-                <a:gd name="connsiteY6" fmla="*/ 231677 h 241872"/>
-                <a:gd name="connsiteX7" fmla="*/ 116033 w 241645"/>
-                <a:gd name="connsiteY7" fmla="*/ 154711 h 241872"/>
-                <a:gd name="connsiteX8" fmla="*/ 203172 w 241645"/>
-                <a:gd name="connsiteY8" fmla="*/ 241872 h 241872"/>
-                <a:gd name="connsiteX9" fmla="*/ 241645 w 241645"/>
-                <a:gd name="connsiteY9" fmla="*/ 203442 h 241872"/>
-                <a:gd name="connsiteX10" fmla="*/ 154423 w 241645"/>
-                <a:gd name="connsiteY10" fmla="*/ 116221 h 241872"/>
-                <a:gd name="connsiteX11" fmla="*/ 231282 w 241645"/>
-                <a:gd name="connsiteY11" fmla="*/ 88539 h 241872"/>
-                <a:gd name="connsiteX12" fmla="*/ 235967 w 241645"/>
-                <a:gd name="connsiteY12" fmla="*/ 78927 h 241872"/>
-                <a:gd name="connsiteX13" fmla="*/ 231282 w 241645"/>
-                <a:gd name="connsiteY13" fmla="*/ 74242 h 241872"/>
-                <a:gd name="connsiteX14" fmla="*/ 9803 w 241645"/>
-                <a:gd name="connsiteY14" fmla="*/ 389 h 241872"/>
-                <a:gd name="connsiteX15" fmla="*/ 7381 w 241645"/>
-                <a:gd name="connsiteY15" fmla="*/ 0 h 241872"/>
-              </a:gdLst>
-              <a:ahLst/>
-              <a:cxnLst>
-                <a:cxn ang="0">
-                  <a:pos x="connsiteX0" y="connsiteY0"/>
-                </a:cxn>
-                <a:cxn ang="0">
-                  <a:pos x="connsiteX1" y="connsiteY1"/>
-                </a:cxn>
-                <a:cxn ang="0">
-                  <a:pos x="connsiteX2" y="connsiteY2"/>
-                </a:cxn>
-                <a:cxn ang="0">
-                  <a:pos x="connsiteX3" y="connsiteY3"/>
-                </a:cxn>
-                <a:cxn ang="0">
-                  <a:pos x="connsiteX4" y="connsiteY4"/>
-                </a:cxn>
-                <a:cxn ang="0">
-                  <a:pos x="connsiteX5" y="connsiteY5"/>
-                </a:cxn>
-                <a:cxn ang="0">
-                  <a:pos x="connsiteX6" y="connsiteY6"/>
-                </a:cxn>
-                <a:cxn ang="0">
-                  <a:pos x="connsiteX7" y="connsiteY7"/>
-                </a:cxn>
-                <a:cxn ang="0">
-                  <a:pos x="connsiteX8" y="connsiteY8"/>
-                </a:cxn>
-                <a:cxn ang="0">
-                  <a:pos x="connsiteX9" y="connsiteY9"/>
-                </a:cxn>
-                <a:cxn ang="0">
-                  <a:pos x="connsiteX10" y="connsiteY10"/>
-                </a:cxn>
-                <a:cxn ang="0">
-                  <a:pos x="connsiteX11" y="connsiteY11"/>
-                </a:cxn>
-                <a:cxn ang="0">
-                  <a:pos x="connsiteX12" y="connsiteY12"/>
-                </a:cxn>
-                <a:cxn ang="0">
-                  <a:pos x="connsiteX13" y="connsiteY13"/>
-                </a:cxn>
-                <a:cxn ang="0">
-                  <a:pos x="connsiteX14" y="connsiteY14"/>
-                </a:cxn>
-                <a:cxn ang="0">
-                  <a:pos x="connsiteX15" y="connsiteY15"/>
-                </a:cxn>
-              </a:cxnLst>
-              <a:rect l="l" t="t" r="r" b="b"/>
-              <a:pathLst>
-                <a:path w="241645" h="241872">
-                  <a:moveTo>
-                    <a:pt x="7381" y="0"/>
-                  </a:moveTo>
-                  <a:lnTo>
-                    <a:pt x="7342" y="0"/>
-                  </a:lnTo>
-                  <a:cubicBezTo>
-                    <a:pt x="3197" y="95"/>
-                    <a:pt x="-88" y="3528"/>
-                    <a:pt x="2" y="7673"/>
-                  </a:cubicBezTo>
-                  <a:cubicBezTo>
-                    <a:pt x="19" y="8443"/>
-                    <a:pt x="153" y="9206"/>
-                    <a:pt x="399" y="9936"/>
-                  </a:cubicBezTo>
-                  <a:lnTo>
-                    <a:pt x="74058" y="231677"/>
-                  </a:lnTo>
-                  <a:cubicBezTo>
-                    <a:pt x="75449" y="235612"/>
-                    <a:pt x="79766" y="237674"/>
-                    <a:pt x="83701" y="236284"/>
-                  </a:cubicBezTo>
-                  <a:cubicBezTo>
-                    <a:pt x="85853" y="235523"/>
-                    <a:pt x="87546" y="233830"/>
-                    <a:pt x="88307" y="231677"/>
-                  </a:cubicBezTo>
-                  <a:lnTo>
-                    <a:pt x="116033" y="154711"/>
-                  </a:lnTo>
-                  <a:lnTo>
-                    <a:pt x="203172" y="241872"/>
-                  </a:lnTo>
-                  <a:lnTo>
-                    <a:pt x="241645" y="203442"/>
-                  </a:lnTo>
-                  <a:lnTo>
-                    <a:pt x="154423" y="116221"/>
-                  </a:lnTo>
-                  <a:lnTo>
-                    <a:pt x="231282" y="88539"/>
-                  </a:lnTo>
-                  <a:cubicBezTo>
-                    <a:pt x="235230" y="87179"/>
-                    <a:pt x="237327" y="82875"/>
-                    <a:pt x="235967" y="78927"/>
-                  </a:cubicBezTo>
-                  <a:cubicBezTo>
-                    <a:pt x="235209" y="76728"/>
-                    <a:pt x="233481" y="75000"/>
-                    <a:pt x="231282" y="74242"/>
-                  </a:cubicBezTo>
-                  <a:lnTo>
-                    <a:pt x="9803" y="389"/>
-                  </a:lnTo>
-                  <a:cubicBezTo>
-                    <a:pt x="9022" y="130"/>
-                    <a:pt x="8204" y="-1"/>
-                    <a:pt x="7381" y="0"/>
-                  </a:cubicBezTo>
-                  <a:close/>
-                </a:path>
-              </a:pathLst>
-            </a:custGeom>
-            <a:solidFill>
-              <a:srgbClr val="C00000"/>
-            </a:solidFill>
-            <a:ln w="4266" cap="flat">
-              <a:solidFill>
-                <a:srgbClr val="FF0000"/>
-              </a:solidFill>
-              <a:prstDash val="solid"/>
-              <a:miter/>
-            </a:ln>
-            <a:effectLst>
-              <a:outerShdw blurRad="50800" dist="38100" dir="2700000" algn="tl" rotWithShape="0">
-                <a:prstClr val="black">
-                  <a:alpha val="40000"/>
-                </a:prstClr>
-              </a:outerShdw>
-            </a:effectLst>
-          </p:spPr>
-          <p:txBody>
-            <a:bodyPr rtlCol="0" anchor="ctr"/>
-            <a:lstStyle/>
-            <a:p>
-              <a:endParaRPr lang="en-US"/>
-            </a:p>
-          </p:txBody>
-        </p:sp>
-        <p:cxnSp>
-          <p:nvCxnSpPr>
-            <p:cNvPr id="21" name="Straight Connector 20">
-              <a:extLst>
-                <a:ext uri="{FF2B5EF4-FFF2-40B4-BE49-F238E27FC236}">
-                  <a16:creationId xmlns:a16="http://schemas.microsoft.com/office/drawing/2014/main" id="{6DA75420-75C1-9D44-A97B-73D00CEA76E8}"/>
-                </a:ext>
-              </a:extLst>
-            </p:cNvPr>
-            <p:cNvCxnSpPr/>
-            <p:nvPr/>
-          </p:nvCxnSpPr>
-          <p:spPr>
-            <a:xfrm>
-              <a:off x="2743200" y="2590800"/>
-              <a:ext cx="3631372" cy="0"/>
-            </a:xfrm>
-            <a:prstGeom prst="line">
-              <a:avLst/>
-            </a:prstGeom>
-            <a:ln w="19050">
-              <a:solidFill>
-                <a:srgbClr val="C00000"/>
-              </a:solidFill>
-            </a:ln>
-          </p:spPr>
-          <p:style>
-            <a:lnRef idx="1">
-              <a:schemeClr val="accent1"/>
-            </a:lnRef>
-            <a:fillRef idx="0">
-              <a:schemeClr val="accent1"/>
-            </a:fillRef>
-            <a:effectRef idx="0">
-              <a:schemeClr val="accent1"/>
-            </a:effectRef>
-            <a:fontRef idx="minor">
-              <a:schemeClr val="tx1"/>
-            </a:fontRef>
-          </p:style>
-        </p:cxnSp>
-      </p:grpSp>
-    </p:spTree>
-    <p:extLst>
-      <p:ext uri="{BB962C8B-B14F-4D97-AF65-F5344CB8AC3E}">
-        <p14:creationId xmlns:p14="http://schemas.microsoft.com/office/powerpoint/2010/main" val="3917182347"/>
       </p:ext>
     </p:extLst>
   </p:cSld>
